--- a/docs/Introduction_To_Microservices_Part_3_microservice.pptx
+++ b/docs/Introduction_To_Microservices_Part_3_microservice.pptx
@@ -6346,6 +6346,96 @@
           </a:p>
         </p:txBody>
       </p:sp>
+      <p:pic>
+        <p:nvPicPr>
+          <p:cNvPr id="5" name="Picture 4">
+            <a:extLst>
+              <a:ext uri="{FF2B5EF4-FFF2-40B4-BE49-F238E27FC236}">
+                <a16:creationId xmlns:a16="http://schemas.microsoft.com/office/drawing/2014/main" id="{E64445EF-8D94-41A2-9D50-04810FFBDC31}"/>
+              </a:ext>
+            </a:extLst>
+          </p:cNvPr>
+          <p:cNvPicPr>
+            <a:picLocks noChangeAspect="1"/>
+          </p:cNvPicPr>
+          <p:nvPr/>
+        </p:nvPicPr>
+        <p:blipFill>
+          <a:blip r:embed="rId2"/>
+          <a:stretch>
+            <a:fillRect/>
+          </a:stretch>
+        </p:blipFill>
+        <p:spPr>
+          <a:xfrm>
+            <a:off x="372305" y="3541919"/>
+            <a:ext cx="3919832" cy="3001347"/>
+          </a:xfrm>
+          <a:prstGeom prst="rect">
+            <a:avLst/>
+          </a:prstGeom>
+        </p:spPr>
+      </p:pic>
+      <p:pic>
+        <p:nvPicPr>
+          <p:cNvPr id="6" name="Picture 5">
+            <a:extLst>
+              <a:ext uri="{FF2B5EF4-FFF2-40B4-BE49-F238E27FC236}">
+                <a16:creationId xmlns:a16="http://schemas.microsoft.com/office/drawing/2014/main" id="{30B99F47-1AE9-46E0-A155-67B399933CD1}"/>
+              </a:ext>
+            </a:extLst>
+          </p:cNvPr>
+          <p:cNvPicPr>
+            <a:picLocks noChangeAspect="1"/>
+          </p:cNvPicPr>
+          <p:nvPr/>
+        </p:nvPicPr>
+        <p:blipFill>
+          <a:blip r:embed="rId3"/>
+          <a:stretch>
+            <a:fillRect/>
+          </a:stretch>
+        </p:blipFill>
+        <p:spPr>
+          <a:xfrm>
+            <a:off x="3936060" y="2714820"/>
+            <a:ext cx="4562475" cy="3238500"/>
+          </a:xfrm>
+          <a:prstGeom prst="rect">
+            <a:avLst/>
+          </a:prstGeom>
+        </p:spPr>
+      </p:pic>
+      <p:pic>
+        <p:nvPicPr>
+          <p:cNvPr id="4" name="Picture 3">
+            <a:extLst>
+              <a:ext uri="{FF2B5EF4-FFF2-40B4-BE49-F238E27FC236}">
+                <a16:creationId xmlns:a16="http://schemas.microsoft.com/office/drawing/2014/main" id="{6EA42E37-8218-4EF9-B9C3-390E003BF16B}"/>
+              </a:ext>
+            </a:extLst>
+          </p:cNvPr>
+          <p:cNvPicPr>
+            <a:picLocks noChangeAspect="1"/>
+          </p:cNvPicPr>
+          <p:nvPr/>
+        </p:nvPicPr>
+        <p:blipFill>
+          <a:blip r:embed="rId4"/>
+          <a:stretch>
+            <a:fillRect/>
+          </a:stretch>
+        </p:blipFill>
+        <p:spPr>
+          <a:xfrm>
+            <a:off x="7186374" y="3313804"/>
+            <a:ext cx="4791075" cy="3457575"/>
+          </a:xfrm>
+          <a:prstGeom prst="rect">
+            <a:avLst/>
+          </a:prstGeom>
+        </p:spPr>
+      </p:pic>
     </p:spTree>
     <p:extLst>
       <p:ext uri="{BB962C8B-B14F-4D97-AF65-F5344CB8AC3E}">

--- a/docs/Introduction_To_Microservices_Part_3_microservice.pptx
+++ b/docs/Introduction_To_Microservices_Part_3_microservice.pptx
@@ -5,12 +5,18 @@
     <p:sldMasterId id="2147483648" r:id="rId1"/>
   </p:sldMasterIdLst>
   <p:notesMasterIdLst>
-    <p:notesMasterId r:id="rId5"/>
+    <p:notesMasterId r:id="rId11"/>
   </p:notesMasterIdLst>
   <p:sldIdLst>
     <p:sldId id="256" r:id="rId2"/>
-    <p:sldId id="273" r:id="rId3"/>
-    <p:sldId id="260" r:id="rId4"/>
+    <p:sldId id="274" r:id="rId3"/>
+    <p:sldId id="275" r:id="rId4"/>
+    <p:sldId id="276" r:id="rId5"/>
+    <p:sldId id="277" r:id="rId6"/>
+    <p:sldId id="278" r:id="rId7"/>
+    <p:sldId id="279" r:id="rId8"/>
+    <p:sldId id="260" r:id="rId9"/>
+    <p:sldId id="273" r:id="rId10"/>
   </p:sldIdLst>
   <p:sldSz cx="12192000" cy="6858000"/>
   <p:notesSz cx="6858000" cy="9144000"/>
@@ -199,7 +205,7 @@
           <a:p>
             <a:fld id="{DD57F23A-0794-4AF6-8931-826AE2291CB6}" type="datetimeFigureOut">
               <a:rPr lang="en-US" smtClean="0"/>
-              <a:t>7/28/2019</a:t>
+              <a:t>8/6/2019</a:t>
             </a:fld>
             <a:endParaRPr lang="en-US"/>
           </a:p>
@@ -464,6 +470,414 @@
     </a:lvl9pPr>
   </p:notesStyle>
 </p:notesMaster>
+</file>
+
+<file path=ppt/notesSlides/notesSlide1.xml><?xml version="1.0" encoding="utf-8"?>
+<p:notes xmlns:a="http://schemas.openxmlformats.org/drawingml/2006/main" xmlns:r="http://schemas.openxmlformats.org/officeDocument/2006/relationships" xmlns:p="http://schemas.openxmlformats.org/presentationml/2006/main">
+  <p:cSld>
+    <p:spTree>
+      <p:nvGrpSpPr>
+        <p:cNvPr id="1" name=""/>
+        <p:cNvGrpSpPr/>
+        <p:nvPr/>
+      </p:nvGrpSpPr>
+      <p:grpSpPr>
+        <a:xfrm>
+          <a:off x="0" y="0"/>
+          <a:ext cx="0" cy="0"/>
+          <a:chOff x="0" y="0"/>
+          <a:chExt cx="0" cy="0"/>
+        </a:xfrm>
+      </p:grpSpPr>
+      <p:sp>
+        <p:nvSpPr>
+          <p:cNvPr id="2" name="Slide Image Placeholder 1"/>
+          <p:cNvSpPr>
+            <a:spLocks noGrp="1" noRot="1" noChangeAspect="1"/>
+          </p:cNvSpPr>
+          <p:nvPr>
+            <p:ph type="sldImg"/>
+          </p:nvPr>
+        </p:nvSpPr>
+        <p:spPr/>
+      </p:sp>
+      <p:sp>
+        <p:nvSpPr>
+          <p:cNvPr id="3" name="Notes Placeholder 2"/>
+          <p:cNvSpPr>
+            <a:spLocks noGrp="1"/>
+          </p:cNvSpPr>
+          <p:nvPr>
+            <p:ph type="body" idx="1"/>
+          </p:nvPr>
+        </p:nvSpPr>
+        <p:spPr/>
+        <p:txBody>
+          <a:bodyPr/>
+          <a:lstStyle/>
+          <a:p>
+            <a:r>
+              <a:rPr lang="pl-PL" dirty="0">
+                <a:hlinkClick r:id="rId3"/>
+              </a:rPr>
+              <a:t>https://medium.com/refraction-tech-everything/how-netflix-works-the-hugely-simplified-complex-stuff-that-happens-every-time-you-hit-play-3a40c9be254b</a:t>
+            </a:r>
+            <a:endParaRPr lang="pl-PL" dirty="0"/>
+          </a:p>
+        </p:txBody>
+      </p:sp>
+      <p:sp>
+        <p:nvSpPr>
+          <p:cNvPr id="4" name="Slide Number Placeholder 3"/>
+          <p:cNvSpPr>
+            <a:spLocks noGrp="1"/>
+          </p:cNvSpPr>
+          <p:nvPr>
+            <p:ph type="sldNum" sz="quarter" idx="5"/>
+          </p:nvPr>
+        </p:nvSpPr>
+        <p:spPr/>
+        <p:txBody>
+          <a:bodyPr/>
+          <a:lstStyle/>
+          <a:p>
+            <a:fld id="{18DDDED0-827B-4672-BD27-2B18B91C8AB8}" type="slidenum">
+              <a:rPr lang="en-US" smtClean="0"/>
+              <a:t>2</a:t>
+            </a:fld>
+            <a:endParaRPr lang="en-US"/>
+          </a:p>
+        </p:txBody>
+      </p:sp>
+    </p:spTree>
+    <p:extLst>
+      <p:ext uri="{BB962C8B-B14F-4D97-AF65-F5344CB8AC3E}">
+        <p14:creationId xmlns:p14="http://schemas.microsoft.com/office/powerpoint/2010/main" val="1968562347"/>
+      </p:ext>
+    </p:extLst>
+  </p:cSld>
+  <p:clrMapOvr>
+    <a:masterClrMapping/>
+  </p:clrMapOvr>
+</p:notes>
+</file>
+
+<file path=ppt/notesSlides/notesSlide2.xml><?xml version="1.0" encoding="utf-8"?>
+<p:notes xmlns:a="http://schemas.openxmlformats.org/drawingml/2006/main" xmlns:r="http://schemas.openxmlformats.org/officeDocument/2006/relationships" xmlns:p="http://schemas.openxmlformats.org/presentationml/2006/main">
+  <p:cSld>
+    <p:spTree>
+      <p:nvGrpSpPr>
+        <p:cNvPr id="1" name=""/>
+        <p:cNvGrpSpPr/>
+        <p:nvPr/>
+      </p:nvGrpSpPr>
+      <p:grpSpPr>
+        <a:xfrm>
+          <a:off x="0" y="0"/>
+          <a:ext cx="0" cy="0"/>
+          <a:chOff x="0" y="0"/>
+          <a:chExt cx="0" cy="0"/>
+        </a:xfrm>
+      </p:grpSpPr>
+      <p:sp>
+        <p:nvSpPr>
+          <p:cNvPr id="2" name="Slide Image Placeholder 1"/>
+          <p:cNvSpPr>
+            <a:spLocks noGrp="1" noRot="1" noChangeAspect="1"/>
+          </p:cNvSpPr>
+          <p:nvPr>
+            <p:ph type="sldImg"/>
+          </p:nvPr>
+        </p:nvSpPr>
+        <p:spPr/>
+      </p:sp>
+      <p:sp>
+        <p:nvSpPr>
+          <p:cNvPr id="3" name="Notes Placeholder 2"/>
+          <p:cNvSpPr>
+            <a:spLocks noGrp="1"/>
+          </p:cNvSpPr>
+          <p:nvPr>
+            <p:ph type="body" idx="1"/>
+          </p:nvPr>
+        </p:nvSpPr>
+        <p:spPr/>
+        <p:txBody>
+          <a:bodyPr/>
+          <a:lstStyle/>
+          <a:p>
+            <a:pPr marL="0" marR="0" lvl="0" indent="0" algn="l" defTabSz="914400" rtl="0" eaLnBrk="1" fontAlgn="auto" latinLnBrk="0" hangingPunct="1">
+              <a:lnSpc>
+                <a:spcPct val="100000"/>
+              </a:lnSpc>
+              <a:spcBef>
+                <a:spcPts val="0"/>
+              </a:spcBef>
+              <a:spcAft>
+                <a:spcPts val="0"/>
+              </a:spcAft>
+              <a:buClrTx/>
+              <a:buSzTx/>
+              <a:buFontTx/>
+              <a:buNone/>
+              <a:tabLst/>
+              <a:defRPr/>
+            </a:pPr>
+            <a:r>
+              <a:rPr lang="en-US" sz="1200" b="0" i="0" kern="1200" dirty="0">
+                <a:solidFill>
+                  <a:schemeClr val="tx1"/>
+                </a:solidFill>
+                <a:effectLst/>
+                <a:latin typeface="+mn-lt"/>
+                <a:ea typeface="+mn-ea"/>
+                <a:cs typeface="+mn-cs"/>
+              </a:rPr>
+              <a:t>The Beginner’s Guide To Spring Cloud: </a:t>
+            </a:r>
+            <a:r>
+              <a:rPr lang="pl-PL" dirty="0">
+                <a:hlinkClick r:id="rId3"/>
+              </a:rPr>
+              <a:t>https://www.youtube.com/watch?v=aO3W-lYnw-o</a:t>
+            </a:r>
+            <a:endParaRPr lang="en-US" sz="1200" b="0" i="0" kern="1200" dirty="0">
+              <a:solidFill>
+                <a:schemeClr val="tx1"/>
+              </a:solidFill>
+              <a:effectLst/>
+              <a:latin typeface="+mn-lt"/>
+              <a:ea typeface="+mn-ea"/>
+              <a:cs typeface="+mn-cs"/>
+            </a:endParaRPr>
+          </a:p>
+        </p:txBody>
+      </p:sp>
+      <p:sp>
+        <p:nvSpPr>
+          <p:cNvPr id="4" name="Slide Number Placeholder 3"/>
+          <p:cNvSpPr>
+            <a:spLocks noGrp="1"/>
+          </p:cNvSpPr>
+          <p:nvPr>
+            <p:ph type="sldNum" sz="quarter" idx="5"/>
+          </p:nvPr>
+        </p:nvSpPr>
+        <p:spPr/>
+        <p:txBody>
+          <a:bodyPr/>
+          <a:lstStyle/>
+          <a:p>
+            <a:fld id="{18DDDED0-827B-4672-BD27-2B18B91C8AB8}" type="slidenum">
+              <a:rPr lang="en-US" smtClean="0"/>
+              <a:t>3</a:t>
+            </a:fld>
+            <a:endParaRPr lang="en-US"/>
+          </a:p>
+        </p:txBody>
+      </p:sp>
+    </p:spTree>
+    <p:extLst>
+      <p:ext uri="{BB962C8B-B14F-4D97-AF65-F5344CB8AC3E}">
+        <p14:creationId xmlns:p14="http://schemas.microsoft.com/office/powerpoint/2010/main" val="890073695"/>
+      </p:ext>
+    </p:extLst>
+  </p:cSld>
+  <p:clrMapOvr>
+    <a:masterClrMapping/>
+  </p:clrMapOvr>
+</p:notes>
+</file>
+
+<file path=ppt/notesSlides/notesSlide3.xml><?xml version="1.0" encoding="utf-8"?>
+<p:notes xmlns:a="http://schemas.openxmlformats.org/drawingml/2006/main" xmlns:r="http://schemas.openxmlformats.org/officeDocument/2006/relationships" xmlns:p="http://schemas.openxmlformats.org/presentationml/2006/main">
+  <p:cSld>
+    <p:spTree>
+      <p:nvGrpSpPr>
+        <p:cNvPr id="1" name=""/>
+        <p:cNvGrpSpPr/>
+        <p:nvPr/>
+      </p:nvGrpSpPr>
+      <p:grpSpPr>
+        <a:xfrm>
+          <a:off x="0" y="0"/>
+          <a:ext cx="0" cy="0"/>
+          <a:chOff x="0" y="0"/>
+          <a:chExt cx="0" cy="0"/>
+        </a:xfrm>
+      </p:grpSpPr>
+      <p:sp>
+        <p:nvSpPr>
+          <p:cNvPr id="2" name="Slide Image Placeholder 1"/>
+          <p:cNvSpPr>
+            <a:spLocks noGrp="1" noRot="1" noChangeAspect="1"/>
+          </p:cNvSpPr>
+          <p:nvPr>
+            <p:ph type="sldImg"/>
+          </p:nvPr>
+        </p:nvSpPr>
+        <p:spPr/>
+      </p:sp>
+      <p:sp>
+        <p:nvSpPr>
+          <p:cNvPr id="3" name="Notes Placeholder 2"/>
+          <p:cNvSpPr>
+            <a:spLocks noGrp="1"/>
+          </p:cNvSpPr>
+          <p:nvPr>
+            <p:ph type="body" idx="1"/>
+          </p:nvPr>
+        </p:nvSpPr>
+        <p:spPr/>
+        <p:txBody>
+          <a:bodyPr/>
+          <a:lstStyle/>
+          <a:p>
+            <a:r>
+              <a:rPr lang="pl-PL" dirty="0">
+                <a:hlinkClick r:id="rId3"/>
+              </a:rPr>
+              <a:t>https://cloud.spring.io/spring-cloud-config/multi/multi__spring_cloud_config_server.html</a:t>
+            </a:r>
+            <a:endParaRPr lang="en-US" dirty="0">
+              <a:hlinkClick r:id="rId4"/>
+            </a:endParaRPr>
+          </a:p>
+          <a:p>
+            <a:r>
+              <a:rPr lang="pl-PL" dirty="0">
+                <a:hlinkClick r:id="rId4"/>
+              </a:rPr>
+              <a:t>https://medium.com/@danismaz.furkan/spring-cloud-config-with-file-system-backend-c18ae16b7ad5</a:t>
+            </a:r>
+            <a:endParaRPr lang="pl-PL" dirty="0"/>
+          </a:p>
+        </p:txBody>
+      </p:sp>
+      <p:sp>
+        <p:nvSpPr>
+          <p:cNvPr id="4" name="Slide Number Placeholder 3"/>
+          <p:cNvSpPr>
+            <a:spLocks noGrp="1"/>
+          </p:cNvSpPr>
+          <p:nvPr>
+            <p:ph type="sldNum" sz="quarter" idx="5"/>
+          </p:nvPr>
+        </p:nvSpPr>
+        <p:spPr/>
+        <p:txBody>
+          <a:bodyPr/>
+          <a:lstStyle/>
+          <a:p>
+            <a:fld id="{18DDDED0-827B-4672-BD27-2B18B91C8AB8}" type="slidenum">
+              <a:rPr lang="en-US" smtClean="0"/>
+              <a:t>4</a:t>
+            </a:fld>
+            <a:endParaRPr lang="en-US"/>
+          </a:p>
+        </p:txBody>
+      </p:sp>
+    </p:spTree>
+    <p:extLst>
+      <p:ext uri="{BB962C8B-B14F-4D97-AF65-F5344CB8AC3E}">
+        <p14:creationId xmlns:p14="http://schemas.microsoft.com/office/powerpoint/2010/main" val="854623268"/>
+      </p:ext>
+    </p:extLst>
+  </p:cSld>
+  <p:clrMapOvr>
+    <a:masterClrMapping/>
+  </p:clrMapOvr>
+</p:notes>
+</file>
+
+<file path=ppt/notesSlides/notesSlide4.xml><?xml version="1.0" encoding="utf-8"?>
+<p:notes xmlns:a="http://schemas.openxmlformats.org/drawingml/2006/main" xmlns:r="http://schemas.openxmlformats.org/officeDocument/2006/relationships" xmlns:p="http://schemas.openxmlformats.org/presentationml/2006/main">
+  <p:cSld>
+    <p:spTree>
+      <p:nvGrpSpPr>
+        <p:cNvPr id="1" name=""/>
+        <p:cNvGrpSpPr/>
+        <p:nvPr/>
+      </p:nvGrpSpPr>
+      <p:grpSpPr>
+        <a:xfrm>
+          <a:off x="0" y="0"/>
+          <a:ext cx="0" cy="0"/>
+          <a:chOff x="0" y="0"/>
+          <a:chExt cx="0" cy="0"/>
+        </a:xfrm>
+      </p:grpSpPr>
+      <p:sp>
+        <p:nvSpPr>
+          <p:cNvPr id="2" name="Slide Image Placeholder 1"/>
+          <p:cNvSpPr>
+            <a:spLocks noGrp="1" noRot="1" noChangeAspect="1"/>
+          </p:cNvSpPr>
+          <p:nvPr>
+            <p:ph type="sldImg"/>
+          </p:nvPr>
+        </p:nvSpPr>
+        <p:spPr/>
+      </p:sp>
+      <p:sp>
+        <p:nvSpPr>
+          <p:cNvPr id="3" name="Notes Placeholder 2"/>
+          <p:cNvSpPr>
+            <a:spLocks noGrp="1"/>
+          </p:cNvSpPr>
+          <p:nvPr>
+            <p:ph type="body" idx="1"/>
+          </p:nvPr>
+        </p:nvSpPr>
+        <p:spPr/>
+        <p:txBody>
+          <a:bodyPr/>
+          <a:lstStyle/>
+          <a:p>
+            <a:r>
+              <a:rPr lang="pl-PL" dirty="0">
+                <a:hlinkClick r:id="rId3"/>
+              </a:rPr>
+              <a:t>https://medium.com/@coding4carnage/duplicate-cors-headers-with-zuul-proxy-and-spring-boot-security-205f85a7fefe</a:t>
+            </a:r>
+            <a:endParaRPr lang="pl-PL" dirty="0"/>
+          </a:p>
+        </p:txBody>
+      </p:sp>
+      <p:sp>
+        <p:nvSpPr>
+          <p:cNvPr id="4" name="Slide Number Placeholder 3"/>
+          <p:cNvSpPr>
+            <a:spLocks noGrp="1"/>
+          </p:cNvSpPr>
+          <p:nvPr>
+            <p:ph type="sldNum" sz="quarter" idx="5"/>
+          </p:nvPr>
+        </p:nvSpPr>
+        <p:spPr/>
+        <p:txBody>
+          <a:bodyPr/>
+          <a:lstStyle/>
+          <a:p>
+            <a:fld id="{18DDDED0-827B-4672-BD27-2B18B91C8AB8}" type="slidenum">
+              <a:rPr lang="en-US" smtClean="0"/>
+              <a:t>5</a:t>
+            </a:fld>
+            <a:endParaRPr lang="en-US"/>
+          </a:p>
+        </p:txBody>
+      </p:sp>
+    </p:spTree>
+    <p:extLst>
+      <p:ext uri="{BB962C8B-B14F-4D97-AF65-F5344CB8AC3E}">
+        <p14:creationId xmlns:p14="http://schemas.microsoft.com/office/powerpoint/2010/main" val="3157166312"/>
+      </p:ext>
+    </p:extLst>
+  </p:cSld>
+  <p:clrMapOvr>
+    <a:masterClrMapping/>
+  </p:clrMapOvr>
+</p:notes>
 </file>
 
 <file path=ppt/slideLayouts/slideLayout1.xml><?xml version="1.0" encoding="utf-8"?>
@@ -1212,7 +1626,7 @@
             <a:fld id="{B61BEF0D-F0BB-DE4B-95CE-6DB70DBA9567}" type="datetimeFigureOut">
               <a:rPr lang="en-US" dirty="0"/>
               <a:pPr/>
-              <a:t>7/28/2019</a:t>
+              <a:t>8/6/2019</a:t>
             </a:fld>
             <a:endParaRPr lang="en-US" dirty="0"/>
           </a:p>
@@ -1460,7 +1874,7 @@
             <a:fld id="{B61BEF0D-F0BB-DE4B-95CE-6DB70DBA9567}" type="datetimeFigureOut">
               <a:rPr lang="en-US" dirty="0"/>
               <a:pPr/>
-              <a:t>7/28/2019</a:t>
+              <a:t>8/6/2019</a:t>
             </a:fld>
             <a:endParaRPr lang="en-US" dirty="0"/>
           </a:p>
@@ -1771,7 +2185,7 @@
             <a:fld id="{B61BEF0D-F0BB-DE4B-95CE-6DB70DBA9567}" type="datetimeFigureOut">
               <a:rPr lang="en-US" dirty="0"/>
               <a:pPr/>
-              <a:t>7/28/2019</a:t>
+              <a:t>8/6/2019</a:t>
             </a:fld>
             <a:endParaRPr lang="en-US" dirty="0"/>
           </a:p>
@@ -2101,7 +2515,7 @@
             <a:fld id="{B61BEF0D-F0BB-DE4B-95CE-6DB70DBA9567}" type="datetimeFigureOut">
               <a:rPr lang="en-US" dirty="0"/>
               <a:pPr/>
-              <a:t>7/28/2019</a:t>
+              <a:t>8/6/2019</a:t>
             </a:fld>
             <a:endParaRPr lang="en-US" dirty="0"/>
           </a:p>
@@ -2412,7 +2826,7 @@
             <a:fld id="{B61BEF0D-F0BB-DE4B-95CE-6DB70DBA9567}" type="datetimeFigureOut">
               <a:rPr lang="en-US" dirty="0"/>
               <a:pPr/>
-              <a:t>7/28/2019</a:t>
+              <a:t>8/6/2019</a:t>
             </a:fld>
             <a:endParaRPr lang="en-US" dirty="0"/>
           </a:p>
@@ -2802,7 +3216,7 @@
             <a:fld id="{B61BEF0D-F0BB-DE4B-95CE-6DB70DBA9567}" type="datetimeFigureOut">
               <a:rPr lang="en-US" dirty="0"/>
               <a:pPr/>
-              <a:t>7/28/2019</a:t>
+              <a:t>8/6/2019</a:t>
             </a:fld>
             <a:endParaRPr lang="en-US" dirty="0"/>
           </a:p>
@@ -2968,7 +3382,7 @@
           <a:p>
             <a:fld id="{55C6B4A9-1611-4792-9094-5F34BCA07E0B}" type="datetimeFigureOut">
               <a:rPr lang="en-US" dirty="0"/>
-              <a:t>7/28/2019</a:t>
+              <a:t>8/6/2019</a:t>
             </a:fld>
             <a:endParaRPr lang="en-US" dirty="0"/>
           </a:p>
@@ -3144,7 +3558,7 @@
             <a:fld id="{B61BEF0D-F0BB-DE4B-95CE-6DB70DBA9567}" type="datetimeFigureOut">
               <a:rPr lang="en-US" dirty="0"/>
               <a:pPr/>
-              <a:t>7/28/2019</a:t>
+              <a:t>8/6/2019</a:t>
             </a:fld>
             <a:endParaRPr lang="en-US" dirty="0"/>
           </a:p>
@@ -3310,7 +3724,7 @@
           <a:p>
             <a:fld id="{42A54C80-263E-416B-A8E0-580EDEADCBDC}" type="datetimeFigureOut">
               <a:rPr lang="en-US" dirty="0"/>
-              <a:t>7/28/2019</a:t>
+              <a:t>8/6/2019</a:t>
             </a:fld>
             <a:endParaRPr lang="en-US" dirty="0"/>
           </a:p>
@@ -3553,7 +3967,7 @@
             <a:fld id="{B61BEF0D-F0BB-DE4B-95CE-6DB70DBA9567}" type="datetimeFigureOut">
               <a:rPr lang="en-US" dirty="0"/>
               <a:pPr/>
-              <a:t>7/28/2019</a:t>
+              <a:t>8/6/2019</a:t>
             </a:fld>
             <a:endParaRPr lang="en-US" dirty="0"/>
           </a:p>
@@ -3781,7 +4195,7 @@
           <a:p>
             <a:fld id="{42A54C80-263E-416B-A8E0-580EDEADCBDC}" type="datetimeFigureOut">
               <a:rPr lang="en-US" dirty="0"/>
-              <a:t>7/28/2019</a:t>
+              <a:t>8/6/2019</a:t>
             </a:fld>
             <a:endParaRPr lang="en-US" dirty="0"/>
           </a:p>
@@ -4151,7 +4565,7 @@
             <a:fld id="{B61BEF0D-F0BB-DE4B-95CE-6DB70DBA9567}" type="datetimeFigureOut">
               <a:rPr lang="en-US" dirty="0"/>
               <a:pPr/>
-              <a:t>7/28/2019</a:t>
+              <a:t>8/6/2019</a:t>
             </a:fld>
             <a:endParaRPr lang="en-US" dirty="0"/>
           </a:p>
@@ -4271,7 +4685,7 @@
             <a:fld id="{B61BEF0D-F0BB-DE4B-95CE-6DB70DBA9567}" type="datetimeFigureOut">
               <a:rPr lang="en-US" dirty="0"/>
               <a:pPr/>
-              <a:t>7/28/2019</a:t>
+              <a:t>8/6/2019</a:t>
             </a:fld>
             <a:endParaRPr lang="en-US" dirty="0"/>
           </a:p>
@@ -4363,7 +4777,7 @@
             <a:fld id="{B61BEF0D-F0BB-DE4B-95CE-6DB70DBA9567}" type="datetimeFigureOut">
               <a:rPr lang="en-US" dirty="0"/>
               <a:pPr/>
-              <a:t>7/28/2019</a:t>
+              <a:t>8/6/2019</a:t>
             </a:fld>
             <a:endParaRPr lang="en-US" dirty="0"/>
           </a:p>
@@ -4614,7 +5028,7 @@
           <a:p>
             <a:fld id="{42A54C80-263E-416B-A8E0-580EDEADCBDC}" type="datetimeFigureOut">
               <a:rPr lang="en-US" dirty="0"/>
-              <a:t>7/28/2019</a:t>
+              <a:t>8/6/2019</a:t>
             </a:fld>
             <a:endParaRPr lang="en-US" dirty="0"/>
           </a:p>
@@ -4916,7 +5330,7 @@
             <a:fld id="{B61BEF0D-F0BB-DE4B-95CE-6DB70DBA9567}" type="datetimeFigureOut">
               <a:rPr lang="en-US" dirty="0"/>
               <a:pPr/>
-              <a:t>7/28/2019</a:t>
+              <a:t>8/6/2019</a:t>
             </a:fld>
             <a:endParaRPr lang="en-US" dirty="0"/>
           </a:p>
@@ -5614,7 +6028,7 @@
             <a:fld id="{B61BEF0D-F0BB-DE4B-95CE-6DB70DBA9567}" type="datetimeFigureOut">
               <a:rPr lang="en-US" dirty="0"/>
               <a:pPr/>
-              <a:t>7/28/2019</a:t>
+              <a:t>8/6/2019</a:t>
             </a:fld>
             <a:endParaRPr lang="en-US" dirty="0"/>
           </a:p>
@@ -6176,11 +6590,7 @@
             </a:br>
             <a:r>
               <a:rPr lang="en-US" sz="3200" u="sng" dirty="0"/>
-              <a:t>Part 3 : </a:t>
-            </a:r>
-            <a:r>
-              <a:rPr lang="en-US" sz="3200" u="sng"/>
-              <a:t>Microservices Infrastructure</a:t>
+              <a:t>Part 3 : Spring Cloud Services</a:t>
             </a:r>
             <a:endParaRPr lang="en-US" u="sng" dirty="0"/>
           </a:p>
@@ -6262,6 +6672,2162 @@
           <p:cNvPr id="2" name="Title 1">
             <a:extLst>
               <a:ext uri="{FF2B5EF4-FFF2-40B4-BE49-F238E27FC236}">
+                <a16:creationId xmlns:a16="http://schemas.microsoft.com/office/drawing/2014/main" id="{E3AA0351-1C05-4D0D-90B7-8E1401663B66}"/>
+              </a:ext>
+            </a:extLst>
+          </p:cNvPr>
+          <p:cNvSpPr>
+            <a:spLocks noGrp="1"/>
+          </p:cNvSpPr>
+          <p:nvPr>
+            <p:ph type="title"/>
+          </p:nvPr>
+        </p:nvSpPr>
+        <p:spPr/>
+        <p:txBody>
+          <a:bodyPr/>
+          <a:lstStyle/>
+          <a:p>
+            <a:r>
+              <a:rPr lang="en-US" dirty="0"/>
+              <a:t>Pain of decomposition</a:t>
+            </a:r>
+            <a:endParaRPr lang="pl-PL" dirty="0"/>
+          </a:p>
+        </p:txBody>
+      </p:sp>
+      <p:sp>
+        <p:nvSpPr>
+          <p:cNvPr id="3" name="Content Placeholder 2">
+            <a:extLst>
+              <a:ext uri="{FF2B5EF4-FFF2-40B4-BE49-F238E27FC236}">
+                <a16:creationId xmlns:a16="http://schemas.microsoft.com/office/drawing/2014/main" id="{5DDDF78E-AE51-4567-979F-9800715067C8}"/>
+              </a:ext>
+            </a:extLst>
+          </p:cNvPr>
+          <p:cNvSpPr>
+            <a:spLocks noGrp="1"/>
+          </p:cNvSpPr>
+          <p:nvPr>
+            <p:ph idx="1"/>
+          </p:nvPr>
+        </p:nvSpPr>
+        <p:spPr>
+          <a:xfrm>
+            <a:off x="350385" y="1372525"/>
+            <a:ext cx="8596668" cy="1917430"/>
+          </a:xfrm>
+        </p:spPr>
+        <p:txBody>
+          <a:bodyPr>
+            <a:normAutofit/>
+          </a:bodyPr>
+          <a:lstStyle/>
+          <a:p>
+            <a:r>
+              <a:rPr lang="en-US" sz="2000" dirty="0"/>
+              <a:t>Netflix estimates that it uses around 700 microservices to control each of the many parts of what makes up the entire Netflix service for around 98 million paying subscribers in 190 countries.</a:t>
+            </a:r>
+            <a:endParaRPr lang="pl-PL" sz="2000" dirty="0"/>
+          </a:p>
+        </p:txBody>
+      </p:sp>
+      <p:sp>
+        <p:nvSpPr>
+          <p:cNvPr id="8" name="Content Placeholder 2">
+            <a:extLst>
+              <a:ext uri="{FF2B5EF4-FFF2-40B4-BE49-F238E27FC236}">
+                <a16:creationId xmlns:a16="http://schemas.microsoft.com/office/drawing/2014/main" id="{A49D44EF-9BFD-4A3A-9ACE-8010A18C12BE}"/>
+              </a:ext>
+            </a:extLst>
+          </p:cNvPr>
+          <p:cNvSpPr txBox="1">
+            <a:spLocks/>
+          </p:cNvSpPr>
+          <p:nvPr/>
+        </p:nvSpPr>
+        <p:spPr>
+          <a:xfrm>
+            <a:off x="350385" y="2470450"/>
+            <a:ext cx="5826555" cy="4110087"/>
+          </a:xfrm>
+          <a:prstGeom prst="rect">
+            <a:avLst/>
+          </a:prstGeom>
+        </p:spPr>
+        <p:txBody>
+          <a:bodyPr vert="horz" lIns="91440" tIns="45720" rIns="91440" bIns="45720" rtlCol="0">
+            <a:normAutofit/>
+          </a:bodyPr>
+          <a:lstStyle>
+            <a:lvl1pPr marL="342900" indent="-342900" algn="l" defTabSz="457200" rtl="0" eaLnBrk="1" latinLnBrk="0" hangingPunct="1">
+              <a:spcBef>
+                <a:spcPts val="1000"/>
+              </a:spcBef>
+              <a:spcAft>
+                <a:spcPts val="0"/>
+              </a:spcAft>
+              <a:buClr>
+                <a:schemeClr val="accent1"/>
+              </a:buClr>
+              <a:buSzPct val="80000"/>
+              <a:buFont typeface="Wingdings 3" charset="2"/>
+              <a:buChar char=""/>
+              <a:defRPr sz="1800" kern="1200">
+                <a:solidFill>
+                  <a:schemeClr val="tx1">
+                    <a:lumMod val="75000"/>
+                    <a:lumOff val="25000"/>
+                  </a:schemeClr>
+                </a:solidFill>
+                <a:latin typeface="+mn-lt"/>
+                <a:ea typeface="+mn-ea"/>
+                <a:cs typeface="+mn-cs"/>
+              </a:defRPr>
+            </a:lvl1pPr>
+            <a:lvl2pPr marL="742950" indent="-285750" algn="l" defTabSz="457200" rtl="0" eaLnBrk="1" latinLnBrk="0" hangingPunct="1">
+              <a:spcBef>
+                <a:spcPts val="1000"/>
+              </a:spcBef>
+              <a:spcAft>
+                <a:spcPts val="0"/>
+              </a:spcAft>
+              <a:buClr>
+                <a:schemeClr val="accent1"/>
+              </a:buClr>
+              <a:buSzPct val="80000"/>
+              <a:buFont typeface="Wingdings 3" charset="2"/>
+              <a:buChar char=""/>
+              <a:defRPr sz="1600" kern="1200">
+                <a:solidFill>
+                  <a:schemeClr val="tx1">
+                    <a:lumMod val="75000"/>
+                    <a:lumOff val="25000"/>
+                  </a:schemeClr>
+                </a:solidFill>
+                <a:latin typeface="+mn-lt"/>
+                <a:ea typeface="+mn-ea"/>
+                <a:cs typeface="+mn-cs"/>
+              </a:defRPr>
+            </a:lvl2pPr>
+            <a:lvl3pPr marL="1143000" indent="-228600" algn="l" defTabSz="457200" rtl="0" eaLnBrk="1" latinLnBrk="0" hangingPunct="1">
+              <a:spcBef>
+                <a:spcPts val="1000"/>
+              </a:spcBef>
+              <a:spcAft>
+                <a:spcPts val="0"/>
+              </a:spcAft>
+              <a:buClr>
+                <a:schemeClr val="accent1"/>
+              </a:buClr>
+              <a:buSzPct val="80000"/>
+              <a:buFont typeface="Wingdings 3" charset="2"/>
+              <a:buChar char=""/>
+              <a:defRPr sz="1400" kern="1200">
+                <a:solidFill>
+                  <a:schemeClr val="tx1">
+                    <a:lumMod val="75000"/>
+                    <a:lumOff val="25000"/>
+                  </a:schemeClr>
+                </a:solidFill>
+                <a:latin typeface="+mn-lt"/>
+                <a:ea typeface="+mn-ea"/>
+                <a:cs typeface="+mn-cs"/>
+              </a:defRPr>
+            </a:lvl3pPr>
+            <a:lvl4pPr marL="1600200" indent="-228600" algn="l" defTabSz="457200" rtl="0" eaLnBrk="1" latinLnBrk="0" hangingPunct="1">
+              <a:spcBef>
+                <a:spcPts val="1000"/>
+              </a:spcBef>
+              <a:spcAft>
+                <a:spcPts val="0"/>
+              </a:spcAft>
+              <a:buClr>
+                <a:schemeClr val="accent1"/>
+              </a:buClr>
+              <a:buSzPct val="80000"/>
+              <a:buFont typeface="Wingdings 3" charset="2"/>
+              <a:buChar char=""/>
+              <a:defRPr sz="1200" kern="1200">
+                <a:solidFill>
+                  <a:schemeClr val="tx1">
+                    <a:lumMod val="75000"/>
+                    <a:lumOff val="25000"/>
+                  </a:schemeClr>
+                </a:solidFill>
+                <a:latin typeface="+mn-lt"/>
+                <a:ea typeface="+mn-ea"/>
+                <a:cs typeface="+mn-cs"/>
+              </a:defRPr>
+            </a:lvl4pPr>
+            <a:lvl5pPr marL="2057400" indent="-228600" algn="l" defTabSz="457200" rtl="0" eaLnBrk="1" latinLnBrk="0" hangingPunct="1">
+              <a:spcBef>
+                <a:spcPts val="1000"/>
+              </a:spcBef>
+              <a:spcAft>
+                <a:spcPts val="0"/>
+              </a:spcAft>
+              <a:buClr>
+                <a:schemeClr val="accent1"/>
+              </a:buClr>
+              <a:buSzPct val="80000"/>
+              <a:buFont typeface="Wingdings 3" charset="2"/>
+              <a:buChar char=""/>
+              <a:defRPr sz="1200" kern="1200">
+                <a:solidFill>
+                  <a:schemeClr val="tx1">
+                    <a:lumMod val="75000"/>
+                    <a:lumOff val="25000"/>
+                  </a:schemeClr>
+                </a:solidFill>
+                <a:latin typeface="+mn-lt"/>
+                <a:ea typeface="+mn-ea"/>
+                <a:cs typeface="+mn-cs"/>
+              </a:defRPr>
+            </a:lvl5pPr>
+            <a:lvl6pPr marL="2514600" indent="-228600" algn="l" defTabSz="457200" rtl="0" eaLnBrk="1" latinLnBrk="0" hangingPunct="1">
+              <a:spcBef>
+                <a:spcPts val="1000"/>
+              </a:spcBef>
+              <a:spcAft>
+                <a:spcPts val="0"/>
+              </a:spcAft>
+              <a:buClr>
+                <a:schemeClr val="accent1"/>
+              </a:buClr>
+              <a:buSzPct val="80000"/>
+              <a:buFont typeface="Wingdings 3" charset="2"/>
+              <a:buChar char=""/>
+              <a:defRPr sz="1200" kern="1200">
+                <a:solidFill>
+                  <a:schemeClr val="tx1">
+                    <a:lumMod val="75000"/>
+                    <a:lumOff val="25000"/>
+                  </a:schemeClr>
+                </a:solidFill>
+                <a:latin typeface="+mn-lt"/>
+                <a:ea typeface="+mn-ea"/>
+                <a:cs typeface="+mn-cs"/>
+              </a:defRPr>
+            </a:lvl6pPr>
+            <a:lvl7pPr marL="2971800" indent="-228600" algn="l" defTabSz="457200" rtl="0" eaLnBrk="1" latinLnBrk="0" hangingPunct="1">
+              <a:spcBef>
+                <a:spcPts val="1000"/>
+              </a:spcBef>
+              <a:spcAft>
+                <a:spcPts val="0"/>
+              </a:spcAft>
+              <a:buClr>
+                <a:schemeClr val="accent1"/>
+              </a:buClr>
+              <a:buSzPct val="80000"/>
+              <a:buFont typeface="Wingdings 3" charset="2"/>
+              <a:buChar char=""/>
+              <a:defRPr sz="1200" kern="1200">
+                <a:solidFill>
+                  <a:schemeClr val="tx1">
+                    <a:lumMod val="75000"/>
+                    <a:lumOff val="25000"/>
+                  </a:schemeClr>
+                </a:solidFill>
+                <a:latin typeface="+mn-lt"/>
+                <a:ea typeface="+mn-ea"/>
+                <a:cs typeface="+mn-cs"/>
+              </a:defRPr>
+            </a:lvl7pPr>
+            <a:lvl8pPr marL="3429000" indent="-228600" algn="l" defTabSz="457200" rtl="0" eaLnBrk="1" latinLnBrk="0" hangingPunct="1">
+              <a:spcBef>
+                <a:spcPts val="1000"/>
+              </a:spcBef>
+              <a:spcAft>
+                <a:spcPts val="0"/>
+              </a:spcAft>
+              <a:buClr>
+                <a:schemeClr val="accent1"/>
+              </a:buClr>
+              <a:buSzPct val="80000"/>
+              <a:buFont typeface="Wingdings 3" charset="2"/>
+              <a:buChar char=""/>
+              <a:defRPr sz="1200" kern="1200">
+                <a:solidFill>
+                  <a:schemeClr val="tx1">
+                    <a:lumMod val="75000"/>
+                    <a:lumOff val="25000"/>
+                  </a:schemeClr>
+                </a:solidFill>
+                <a:latin typeface="+mn-lt"/>
+                <a:ea typeface="+mn-ea"/>
+                <a:cs typeface="+mn-cs"/>
+              </a:defRPr>
+            </a:lvl8pPr>
+            <a:lvl9pPr marL="3886200" indent="-228600" algn="l" defTabSz="457200" rtl="0" eaLnBrk="1" latinLnBrk="0" hangingPunct="1">
+              <a:spcBef>
+                <a:spcPts val="1000"/>
+              </a:spcBef>
+              <a:spcAft>
+                <a:spcPts val="0"/>
+              </a:spcAft>
+              <a:buClr>
+                <a:schemeClr val="accent1"/>
+              </a:buClr>
+              <a:buSzPct val="80000"/>
+              <a:buFont typeface="Wingdings 3" charset="2"/>
+              <a:buChar char=""/>
+              <a:defRPr sz="1200" kern="1200">
+                <a:solidFill>
+                  <a:schemeClr val="tx1">
+                    <a:lumMod val="75000"/>
+                    <a:lumOff val="25000"/>
+                  </a:schemeClr>
+                </a:solidFill>
+                <a:latin typeface="+mn-lt"/>
+                <a:ea typeface="+mn-ea"/>
+                <a:cs typeface="+mn-cs"/>
+              </a:defRPr>
+            </a:lvl9pPr>
+          </a:lstStyle>
+          <a:p>
+            <a:r>
+              <a:rPr lang="en-US" sz="2000" dirty="0"/>
+              <a:t>Each service exposes some REST endpoints available to other services and UI</a:t>
+            </a:r>
+          </a:p>
+          <a:p>
+            <a:r>
+              <a:rPr lang="en-US" sz="2000" dirty="0"/>
+              <a:t>Imagine you should keep all those IP addresses &amp; exposed ports in some configuration file</a:t>
+            </a:r>
+          </a:p>
+          <a:p>
+            <a:r>
+              <a:rPr lang="en-US" sz="2000" dirty="0"/>
+              <a:t>Imagine you tells your Angular developer he should integrate 15 of exposed services from different servers…</a:t>
+            </a:r>
+          </a:p>
+          <a:p>
+            <a:r>
+              <a:rPr lang="en-US" sz="2000" dirty="0"/>
+              <a:t>Imagine you have 3 environments like </a:t>
+            </a:r>
+          </a:p>
+          <a:p>
+            <a:pPr marL="0" indent="0">
+              <a:buNone/>
+            </a:pPr>
+            <a:r>
+              <a:rPr lang="en-US" sz="2000" dirty="0"/>
+              <a:t>     DEV / QA / PROD …</a:t>
+            </a:r>
+          </a:p>
+          <a:p>
+            <a:endParaRPr lang="pl-PL" sz="2000" dirty="0"/>
+          </a:p>
+        </p:txBody>
+      </p:sp>
+      <p:pic>
+        <p:nvPicPr>
+          <p:cNvPr id="9" name="Picture 8">
+            <a:extLst>
+              <a:ext uri="{FF2B5EF4-FFF2-40B4-BE49-F238E27FC236}">
+                <a16:creationId xmlns:a16="http://schemas.microsoft.com/office/drawing/2014/main" id="{476FAC28-743A-451F-90AA-5B4AB29776AF}"/>
+              </a:ext>
+            </a:extLst>
+          </p:cNvPr>
+          <p:cNvPicPr>
+            <a:picLocks noChangeAspect="1"/>
+          </p:cNvPicPr>
+          <p:nvPr/>
+        </p:nvPicPr>
+        <p:blipFill>
+          <a:blip r:embed="rId3"/>
+          <a:stretch>
+            <a:fillRect/>
+          </a:stretch>
+        </p:blipFill>
+        <p:spPr>
+          <a:xfrm>
+            <a:off x="6346728" y="2693325"/>
+            <a:ext cx="5200650" cy="3590925"/>
+          </a:xfrm>
+          <a:prstGeom prst="rect">
+            <a:avLst/>
+          </a:prstGeom>
+        </p:spPr>
+      </p:pic>
+    </p:spTree>
+    <p:extLst>
+      <p:ext uri="{BB962C8B-B14F-4D97-AF65-F5344CB8AC3E}">
+        <p14:creationId xmlns:p14="http://schemas.microsoft.com/office/powerpoint/2010/main" val="416865638"/>
+      </p:ext>
+    </p:extLst>
+  </p:cSld>
+  <p:clrMapOvr>
+    <a:masterClrMapping/>
+  </p:clrMapOvr>
+</p:sld>
+</file>
+
+<file path=ppt/slides/slide3.xml><?xml version="1.0" encoding="utf-8"?>
+<p:sld xmlns:a="http://schemas.openxmlformats.org/drawingml/2006/main" xmlns:r="http://schemas.openxmlformats.org/officeDocument/2006/relationships" xmlns:p="http://schemas.openxmlformats.org/presentationml/2006/main">
+  <p:cSld>
+    <p:spTree>
+      <p:nvGrpSpPr>
+        <p:cNvPr id="1" name=""/>
+        <p:cNvGrpSpPr/>
+        <p:nvPr/>
+      </p:nvGrpSpPr>
+      <p:grpSpPr>
+        <a:xfrm>
+          <a:off x="0" y="0"/>
+          <a:ext cx="0" cy="0"/>
+          <a:chOff x="0" y="0"/>
+          <a:chExt cx="0" cy="0"/>
+        </a:xfrm>
+      </p:grpSpPr>
+      <p:sp>
+        <p:nvSpPr>
+          <p:cNvPr id="2" name="Title 1">
+            <a:extLst>
+              <a:ext uri="{FF2B5EF4-FFF2-40B4-BE49-F238E27FC236}">
+                <a16:creationId xmlns:a16="http://schemas.microsoft.com/office/drawing/2014/main" id="{0251DD90-00BE-4BBE-BA39-2CEF182211B6}"/>
+              </a:ext>
+            </a:extLst>
+          </p:cNvPr>
+          <p:cNvSpPr>
+            <a:spLocks noGrp="1"/>
+          </p:cNvSpPr>
+          <p:nvPr>
+            <p:ph type="title"/>
+          </p:nvPr>
+        </p:nvSpPr>
+        <p:spPr/>
+        <p:txBody>
+          <a:bodyPr/>
+          <a:lstStyle/>
+          <a:p>
+            <a:r>
+              <a:rPr lang="en-US" dirty="0"/>
+              <a:t>Spring Cloud to the rescue</a:t>
+            </a:r>
+            <a:endParaRPr lang="pl-PL" dirty="0"/>
+          </a:p>
+        </p:txBody>
+      </p:sp>
+      <p:pic>
+        <p:nvPicPr>
+          <p:cNvPr id="4" name="Picture 3">
+            <a:extLst>
+              <a:ext uri="{FF2B5EF4-FFF2-40B4-BE49-F238E27FC236}">
+                <a16:creationId xmlns:a16="http://schemas.microsoft.com/office/drawing/2014/main" id="{3EED9DE8-943F-46F1-BE6F-3B5C4FB5736C}"/>
+              </a:ext>
+            </a:extLst>
+          </p:cNvPr>
+          <p:cNvPicPr>
+            <a:picLocks noChangeAspect="1"/>
+          </p:cNvPicPr>
+          <p:nvPr/>
+        </p:nvPicPr>
+        <p:blipFill>
+          <a:blip r:embed="rId3"/>
+          <a:stretch>
+            <a:fillRect/>
+          </a:stretch>
+        </p:blipFill>
+        <p:spPr>
+          <a:xfrm>
+            <a:off x="5638801" y="2547680"/>
+            <a:ext cx="6007946" cy="3824036"/>
+          </a:xfrm>
+          <a:prstGeom prst="rect">
+            <a:avLst/>
+          </a:prstGeom>
+        </p:spPr>
+      </p:pic>
+      <p:sp>
+        <p:nvSpPr>
+          <p:cNvPr id="8" name="Content Placeholder 2">
+            <a:extLst>
+              <a:ext uri="{FF2B5EF4-FFF2-40B4-BE49-F238E27FC236}">
+                <a16:creationId xmlns:a16="http://schemas.microsoft.com/office/drawing/2014/main" id="{9A4E8CD4-6626-4AC0-BD41-4773C00EDDA0}"/>
+              </a:ext>
+            </a:extLst>
+          </p:cNvPr>
+          <p:cNvSpPr txBox="1">
+            <a:spLocks/>
+          </p:cNvSpPr>
+          <p:nvPr/>
+        </p:nvSpPr>
+        <p:spPr>
+          <a:xfrm>
+            <a:off x="545253" y="1493520"/>
+            <a:ext cx="9601200" cy="4253410"/>
+          </a:xfrm>
+          <a:prstGeom prst="rect">
+            <a:avLst/>
+          </a:prstGeom>
+        </p:spPr>
+        <p:txBody>
+          <a:bodyPr vert="horz" lIns="91440" tIns="45720" rIns="91440" bIns="45720" rtlCol="0">
+            <a:normAutofit/>
+          </a:bodyPr>
+          <a:lstStyle>
+            <a:lvl1pPr marL="342900" indent="-342900" algn="l" defTabSz="457200" rtl="0" eaLnBrk="1" latinLnBrk="0" hangingPunct="1">
+              <a:spcBef>
+                <a:spcPts val="1000"/>
+              </a:spcBef>
+              <a:spcAft>
+                <a:spcPts val="0"/>
+              </a:spcAft>
+              <a:buClr>
+                <a:schemeClr val="accent1"/>
+              </a:buClr>
+              <a:buSzPct val="80000"/>
+              <a:buFont typeface="Wingdings 3" charset="2"/>
+              <a:buChar char=""/>
+              <a:defRPr sz="1800" kern="1200">
+                <a:solidFill>
+                  <a:schemeClr val="tx1">
+                    <a:lumMod val="75000"/>
+                    <a:lumOff val="25000"/>
+                  </a:schemeClr>
+                </a:solidFill>
+                <a:latin typeface="+mn-lt"/>
+                <a:ea typeface="+mn-ea"/>
+                <a:cs typeface="+mn-cs"/>
+              </a:defRPr>
+            </a:lvl1pPr>
+            <a:lvl2pPr marL="742950" indent="-285750" algn="l" defTabSz="457200" rtl="0" eaLnBrk="1" latinLnBrk="0" hangingPunct="1">
+              <a:spcBef>
+                <a:spcPts val="1000"/>
+              </a:spcBef>
+              <a:spcAft>
+                <a:spcPts val="0"/>
+              </a:spcAft>
+              <a:buClr>
+                <a:schemeClr val="accent1"/>
+              </a:buClr>
+              <a:buSzPct val="80000"/>
+              <a:buFont typeface="Wingdings 3" charset="2"/>
+              <a:buChar char=""/>
+              <a:defRPr sz="1600" kern="1200">
+                <a:solidFill>
+                  <a:schemeClr val="tx1">
+                    <a:lumMod val="75000"/>
+                    <a:lumOff val="25000"/>
+                  </a:schemeClr>
+                </a:solidFill>
+                <a:latin typeface="+mn-lt"/>
+                <a:ea typeface="+mn-ea"/>
+                <a:cs typeface="+mn-cs"/>
+              </a:defRPr>
+            </a:lvl2pPr>
+            <a:lvl3pPr marL="1143000" indent="-228600" algn="l" defTabSz="457200" rtl="0" eaLnBrk="1" latinLnBrk="0" hangingPunct="1">
+              <a:spcBef>
+                <a:spcPts val="1000"/>
+              </a:spcBef>
+              <a:spcAft>
+                <a:spcPts val="0"/>
+              </a:spcAft>
+              <a:buClr>
+                <a:schemeClr val="accent1"/>
+              </a:buClr>
+              <a:buSzPct val="80000"/>
+              <a:buFont typeface="Wingdings 3" charset="2"/>
+              <a:buChar char=""/>
+              <a:defRPr sz="1400" kern="1200">
+                <a:solidFill>
+                  <a:schemeClr val="tx1">
+                    <a:lumMod val="75000"/>
+                    <a:lumOff val="25000"/>
+                  </a:schemeClr>
+                </a:solidFill>
+                <a:latin typeface="+mn-lt"/>
+                <a:ea typeface="+mn-ea"/>
+                <a:cs typeface="+mn-cs"/>
+              </a:defRPr>
+            </a:lvl3pPr>
+            <a:lvl4pPr marL="1600200" indent="-228600" algn="l" defTabSz="457200" rtl="0" eaLnBrk="1" latinLnBrk="0" hangingPunct="1">
+              <a:spcBef>
+                <a:spcPts val="1000"/>
+              </a:spcBef>
+              <a:spcAft>
+                <a:spcPts val="0"/>
+              </a:spcAft>
+              <a:buClr>
+                <a:schemeClr val="accent1"/>
+              </a:buClr>
+              <a:buSzPct val="80000"/>
+              <a:buFont typeface="Wingdings 3" charset="2"/>
+              <a:buChar char=""/>
+              <a:defRPr sz="1200" kern="1200">
+                <a:solidFill>
+                  <a:schemeClr val="tx1">
+                    <a:lumMod val="75000"/>
+                    <a:lumOff val="25000"/>
+                  </a:schemeClr>
+                </a:solidFill>
+                <a:latin typeface="+mn-lt"/>
+                <a:ea typeface="+mn-ea"/>
+                <a:cs typeface="+mn-cs"/>
+              </a:defRPr>
+            </a:lvl4pPr>
+            <a:lvl5pPr marL="2057400" indent="-228600" algn="l" defTabSz="457200" rtl="0" eaLnBrk="1" latinLnBrk="0" hangingPunct="1">
+              <a:spcBef>
+                <a:spcPts val="1000"/>
+              </a:spcBef>
+              <a:spcAft>
+                <a:spcPts val="0"/>
+              </a:spcAft>
+              <a:buClr>
+                <a:schemeClr val="accent1"/>
+              </a:buClr>
+              <a:buSzPct val="80000"/>
+              <a:buFont typeface="Wingdings 3" charset="2"/>
+              <a:buChar char=""/>
+              <a:defRPr sz="1200" kern="1200">
+                <a:solidFill>
+                  <a:schemeClr val="tx1">
+                    <a:lumMod val="75000"/>
+                    <a:lumOff val="25000"/>
+                  </a:schemeClr>
+                </a:solidFill>
+                <a:latin typeface="+mn-lt"/>
+                <a:ea typeface="+mn-ea"/>
+                <a:cs typeface="+mn-cs"/>
+              </a:defRPr>
+            </a:lvl5pPr>
+            <a:lvl6pPr marL="2514600" indent="-228600" algn="l" defTabSz="457200" rtl="0" eaLnBrk="1" latinLnBrk="0" hangingPunct="1">
+              <a:spcBef>
+                <a:spcPts val="1000"/>
+              </a:spcBef>
+              <a:spcAft>
+                <a:spcPts val="0"/>
+              </a:spcAft>
+              <a:buClr>
+                <a:schemeClr val="accent1"/>
+              </a:buClr>
+              <a:buSzPct val="80000"/>
+              <a:buFont typeface="Wingdings 3" charset="2"/>
+              <a:buChar char=""/>
+              <a:defRPr sz="1200" kern="1200">
+                <a:solidFill>
+                  <a:schemeClr val="tx1">
+                    <a:lumMod val="75000"/>
+                    <a:lumOff val="25000"/>
+                  </a:schemeClr>
+                </a:solidFill>
+                <a:latin typeface="+mn-lt"/>
+                <a:ea typeface="+mn-ea"/>
+                <a:cs typeface="+mn-cs"/>
+              </a:defRPr>
+            </a:lvl6pPr>
+            <a:lvl7pPr marL="2971800" indent="-228600" algn="l" defTabSz="457200" rtl="0" eaLnBrk="1" latinLnBrk="0" hangingPunct="1">
+              <a:spcBef>
+                <a:spcPts val="1000"/>
+              </a:spcBef>
+              <a:spcAft>
+                <a:spcPts val="0"/>
+              </a:spcAft>
+              <a:buClr>
+                <a:schemeClr val="accent1"/>
+              </a:buClr>
+              <a:buSzPct val="80000"/>
+              <a:buFont typeface="Wingdings 3" charset="2"/>
+              <a:buChar char=""/>
+              <a:defRPr sz="1200" kern="1200">
+                <a:solidFill>
+                  <a:schemeClr val="tx1">
+                    <a:lumMod val="75000"/>
+                    <a:lumOff val="25000"/>
+                  </a:schemeClr>
+                </a:solidFill>
+                <a:latin typeface="+mn-lt"/>
+                <a:ea typeface="+mn-ea"/>
+                <a:cs typeface="+mn-cs"/>
+              </a:defRPr>
+            </a:lvl7pPr>
+            <a:lvl8pPr marL="3429000" indent="-228600" algn="l" defTabSz="457200" rtl="0" eaLnBrk="1" latinLnBrk="0" hangingPunct="1">
+              <a:spcBef>
+                <a:spcPts val="1000"/>
+              </a:spcBef>
+              <a:spcAft>
+                <a:spcPts val="0"/>
+              </a:spcAft>
+              <a:buClr>
+                <a:schemeClr val="accent1"/>
+              </a:buClr>
+              <a:buSzPct val="80000"/>
+              <a:buFont typeface="Wingdings 3" charset="2"/>
+              <a:buChar char=""/>
+              <a:defRPr sz="1200" kern="1200">
+                <a:solidFill>
+                  <a:schemeClr val="tx1">
+                    <a:lumMod val="75000"/>
+                    <a:lumOff val="25000"/>
+                  </a:schemeClr>
+                </a:solidFill>
+                <a:latin typeface="+mn-lt"/>
+                <a:ea typeface="+mn-ea"/>
+                <a:cs typeface="+mn-cs"/>
+              </a:defRPr>
+            </a:lvl8pPr>
+            <a:lvl9pPr marL="3886200" indent="-228600" algn="l" defTabSz="457200" rtl="0" eaLnBrk="1" latinLnBrk="0" hangingPunct="1">
+              <a:spcBef>
+                <a:spcPts val="1000"/>
+              </a:spcBef>
+              <a:spcAft>
+                <a:spcPts val="0"/>
+              </a:spcAft>
+              <a:buClr>
+                <a:schemeClr val="accent1"/>
+              </a:buClr>
+              <a:buSzPct val="80000"/>
+              <a:buFont typeface="Wingdings 3" charset="2"/>
+              <a:buChar char=""/>
+              <a:defRPr sz="1200" kern="1200">
+                <a:solidFill>
+                  <a:schemeClr val="tx1">
+                    <a:lumMod val="75000"/>
+                    <a:lumOff val="25000"/>
+                  </a:schemeClr>
+                </a:solidFill>
+                <a:latin typeface="+mn-lt"/>
+                <a:ea typeface="+mn-ea"/>
+                <a:cs typeface="+mn-cs"/>
+              </a:defRPr>
+            </a:lvl9pPr>
+          </a:lstStyle>
+          <a:p>
+            <a:r>
+              <a:rPr lang="en-US" sz="2200" b="1" dirty="0"/>
+              <a:t>Spring Cloud Config </a:t>
+            </a:r>
+            <a:r>
+              <a:rPr lang="en-US" sz="2200" dirty="0"/>
+              <a:t>– distributed configuration</a:t>
+            </a:r>
+          </a:p>
+          <a:p>
+            <a:r>
+              <a:rPr lang="en-US" sz="2200" b="1" dirty="0"/>
+              <a:t>Netflix </a:t>
+            </a:r>
+            <a:r>
+              <a:rPr lang="en-US" sz="2200" b="1" dirty="0" err="1"/>
+              <a:t>Zuul</a:t>
+            </a:r>
+            <a:r>
+              <a:rPr lang="en-US" sz="2200" b="1" dirty="0"/>
+              <a:t> </a:t>
+            </a:r>
+            <a:r>
+              <a:rPr lang="en-US" sz="2200" dirty="0"/>
+              <a:t>– API gateway proxy</a:t>
+            </a:r>
+          </a:p>
+          <a:p>
+            <a:r>
+              <a:rPr lang="en-US" sz="2200" b="1" dirty="0"/>
+              <a:t>Netflix Eureka </a:t>
+            </a:r>
+            <a:r>
+              <a:rPr lang="en-US" sz="2200" dirty="0"/>
+              <a:t>- service discovery</a:t>
+            </a:r>
+          </a:p>
+          <a:p>
+            <a:r>
+              <a:rPr lang="en-US" sz="2200" b="1" dirty="0"/>
+              <a:t>Feign Clients </a:t>
+            </a:r>
+            <a:r>
+              <a:rPr lang="en-US" sz="2200" dirty="0"/>
+              <a:t>– simple REST calls</a:t>
+            </a:r>
+          </a:p>
+          <a:p>
+            <a:endParaRPr lang="en-US" sz="2200" dirty="0"/>
+          </a:p>
+          <a:p>
+            <a:r>
+              <a:rPr lang="en-US" sz="2200" dirty="0"/>
+              <a:t>And many other cloud services…</a:t>
+            </a:r>
+            <a:endParaRPr lang="pl-PL" sz="2200" dirty="0"/>
+          </a:p>
+        </p:txBody>
+      </p:sp>
+    </p:spTree>
+    <p:extLst>
+      <p:ext uri="{BB962C8B-B14F-4D97-AF65-F5344CB8AC3E}">
+        <p14:creationId xmlns:p14="http://schemas.microsoft.com/office/powerpoint/2010/main" val="3964239363"/>
+      </p:ext>
+    </p:extLst>
+  </p:cSld>
+  <p:clrMapOvr>
+    <a:masterClrMapping/>
+  </p:clrMapOvr>
+</p:sld>
+</file>
+
+<file path=ppt/slides/slide4.xml><?xml version="1.0" encoding="utf-8"?>
+<p:sld xmlns:a="http://schemas.openxmlformats.org/drawingml/2006/main" xmlns:r="http://schemas.openxmlformats.org/officeDocument/2006/relationships" xmlns:p="http://schemas.openxmlformats.org/presentationml/2006/main">
+  <p:cSld>
+    <p:spTree>
+      <p:nvGrpSpPr>
+        <p:cNvPr id="1" name=""/>
+        <p:cNvGrpSpPr/>
+        <p:nvPr/>
+      </p:nvGrpSpPr>
+      <p:grpSpPr>
+        <a:xfrm>
+          <a:off x="0" y="0"/>
+          <a:ext cx="0" cy="0"/>
+          <a:chOff x="0" y="0"/>
+          <a:chExt cx="0" cy="0"/>
+        </a:xfrm>
+      </p:grpSpPr>
+      <p:sp>
+        <p:nvSpPr>
+          <p:cNvPr id="2" name="Title 1">
+            <a:extLst>
+              <a:ext uri="{FF2B5EF4-FFF2-40B4-BE49-F238E27FC236}">
+                <a16:creationId xmlns:a16="http://schemas.microsoft.com/office/drawing/2014/main" id="{2608EF91-2EE5-418C-8962-2EB251A799A7}"/>
+              </a:ext>
+            </a:extLst>
+          </p:cNvPr>
+          <p:cNvSpPr>
+            <a:spLocks noGrp="1"/>
+          </p:cNvSpPr>
+          <p:nvPr>
+            <p:ph type="title"/>
+          </p:nvPr>
+        </p:nvSpPr>
+        <p:spPr/>
+        <p:txBody>
+          <a:bodyPr/>
+          <a:lstStyle/>
+          <a:p>
+            <a:r>
+              <a:rPr lang="en-US" b="1" dirty="0"/>
+              <a:t>Spring Cloud Config</a:t>
+            </a:r>
+            <a:endParaRPr lang="pl-PL" dirty="0"/>
+          </a:p>
+        </p:txBody>
+      </p:sp>
+      <p:sp>
+        <p:nvSpPr>
+          <p:cNvPr id="3" name="Content Placeholder 2">
+            <a:extLst>
+              <a:ext uri="{FF2B5EF4-FFF2-40B4-BE49-F238E27FC236}">
+                <a16:creationId xmlns:a16="http://schemas.microsoft.com/office/drawing/2014/main" id="{01987EAE-7EFD-4341-86D8-102C6A8515E7}"/>
+              </a:ext>
+            </a:extLst>
+          </p:cNvPr>
+          <p:cNvSpPr>
+            <a:spLocks noGrp="1"/>
+          </p:cNvSpPr>
+          <p:nvPr>
+            <p:ph idx="1"/>
+          </p:nvPr>
+        </p:nvSpPr>
+        <p:spPr/>
+        <p:txBody>
+          <a:bodyPr/>
+          <a:lstStyle/>
+          <a:p>
+            <a:endParaRPr lang="pl-PL"/>
+          </a:p>
+        </p:txBody>
+      </p:sp>
+    </p:spTree>
+    <p:extLst>
+      <p:ext uri="{BB962C8B-B14F-4D97-AF65-F5344CB8AC3E}">
+        <p14:creationId xmlns:p14="http://schemas.microsoft.com/office/powerpoint/2010/main" val="2947470601"/>
+      </p:ext>
+    </p:extLst>
+  </p:cSld>
+  <p:clrMapOvr>
+    <a:masterClrMapping/>
+  </p:clrMapOvr>
+</p:sld>
+</file>
+
+<file path=ppt/slides/slide5.xml><?xml version="1.0" encoding="utf-8"?>
+<p:sld xmlns:a="http://schemas.openxmlformats.org/drawingml/2006/main" xmlns:r="http://schemas.openxmlformats.org/officeDocument/2006/relationships" xmlns:p="http://schemas.openxmlformats.org/presentationml/2006/main">
+  <p:cSld>
+    <p:spTree>
+      <p:nvGrpSpPr>
+        <p:cNvPr id="1" name=""/>
+        <p:cNvGrpSpPr/>
+        <p:nvPr/>
+      </p:nvGrpSpPr>
+      <p:grpSpPr>
+        <a:xfrm>
+          <a:off x="0" y="0"/>
+          <a:ext cx="0" cy="0"/>
+          <a:chOff x="0" y="0"/>
+          <a:chExt cx="0" cy="0"/>
+        </a:xfrm>
+      </p:grpSpPr>
+      <p:sp>
+        <p:nvSpPr>
+          <p:cNvPr id="2" name="Title 1">
+            <a:extLst>
+              <a:ext uri="{FF2B5EF4-FFF2-40B4-BE49-F238E27FC236}">
+                <a16:creationId xmlns:a16="http://schemas.microsoft.com/office/drawing/2014/main" id="{50DF860F-92A2-459E-96F2-91D24662FFB9}"/>
+              </a:ext>
+            </a:extLst>
+          </p:cNvPr>
+          <p:cNvSpPr>
+            <a:spLocks noGrp="1"/>
+          </p:cNvSpPr>
+          <p:nvPr>
+            <p:ph type="title"/>
+          </p:nvPr>
+        </p:nvSpPr>
+        <p:spPr/>
+        <p:txBody>
+          <a:bodyPr/>
+          <a:lstStyle/>
+          <a:p>
+            <a:r>
+              <a:rPr lang="en-US" dirty="0" err="1"/>
+              <a:t>Zuul</a:t>
+            </a:r>
+            <a:r>
+              <a:rPr lang="en-US" dirty="0"/>
+              <a:t> – API gateway proxy</a:t>
+            </a:r>
+            <a:endParaRPr lang="pl-PL" dirty="0"/>
+          </a:p>
+        </p:txBody>
+      </p:sp>
+      <p:sp>
+        <p:nvSpPr>
+          <p:cNvPr id="3" name="Content Placeholder 2">
+            <a:extLst>
+              <a:ext uri="{FF2B5EF4-FFF2-40B4-BE49-F238E27FC236}">
+                <a16:creationId xmlns:a16="http://schemas.microsoft.com/office/drawing/2014/main" id="{1E7E60BE-EB15-49B6-9406-97B447849426}"/>
+              </a:ext>
+            </a:extLst>
+          </p:cNvPr>
+          <p:cNvSpPr>
+            <a:spLocks noGrp="1"/>
+          </p:cNvSpPr>
+          <p:nvPr>
+            <p:ph idx="1"/>
+          </p:nvPr>
+        </p:nvSpPr>
+        <p:spPr/>
+        <p:txBody>
+          <a:bodyPr/>
+          <a:lstStyle/>
+          <a:p>
+            <a:endParaRPr lang="pl-PL" dirty="0"/>
+          </a:p>
+        </p:txBody>
+      </p:sp>
+    </p:spTree>
+    <p:extLst>
+      <p:ext uri="{BB962C8B-B14F-4D97-AF65-F5344CB8AC3E}">
+        <p14:creationId xmlns:p14="http://schemas.microsoft.com/office/powerpoint/2010/main" val="1982103488"/>
+      </p:ext>
+    </p:extLst>
+  </p:cSld>
+  <p:clrMapOvr>
+    <a:masterClrMapping/>
+  </p:clrMapOvr>
+</p:sld>
+</file>
+
+<file path=ppt/slides/slide6.xml><?xml version="1.0" encoding="utf-8"?>
+<p:sld xmlns:a="http://schemas.openxmlformats.org/drawingml/2006/main" xmlns:r="http://schemas.openxmlformats.org/officeDocument/2006/relationships" xmlns:p="http://schemas.openxmlformats.org/presentationml/2006/main">
+  <p:cSld>
+    <p:spTree>
+      <p:nvGrpSpPr>
+        <p:cNvPr id="1" name=""/>
+        <p:cNvGrpSpPr/>
+        <p:nvPr/>
+      </p:nvGrpSpPr>
+      <p:grpSpPr>
+        <a:xfrm>
+          <a:off x="0" y="0"/>
+          <a:ext cx="0" cy="0"/>
+          <a:chOff x="0" y="0"/>
+          <a:chExt cx="0" cy="0"/>
+        </a:xfrm>
+      </p:grpSpPr>
+      <p:sp>
+        <p:nvSpPr>
+          <p:cNvPr id="2" name="Title 1">
+            <a:extLst>
+              <a:ext uri="{FF2B5EF4-FFF2-40B4-BE49-F238E27FC236}">
+                <a16:creationId xmlns:a16="http://schemas.microsoft.com/office/drawing/2014/main" id="{A5C7184C-C925-403B-8365-3FC86FECD7FB}"/>
+              </a:ext>
+            </a:extLst>
+          </p:cNvPr>
+          <p:cNvSpPr>
+            <a:spLocks noGrp="1"/>
+          </p:cNvSpPr>
+          <p:nvPr>
+            <p:ph type="title"/>
+          </p:nvPr>
+        </p:nvSpPr>
+        <p:spPr/>
+        <p:txBody>
+          <a:bodyPr/>
+          <a:lstStyle/>
+          <a:p>
+            <a:r>
+              <a:rPr lang="en-US" dirty="0"/>
+              <a:t>Eureka - service discovery</a:t>
+            </a:r>
+            <a:endParaRPr lang="pl-PL" dirty="0"/>
+          </a:p>
+        </p:txBody>
+      </p:sp>
+      <p:sp>
+        <p:nvSpPr>
+          <p:cNvPr id="3" name="Content Placeholder 2">
+            <a:extLst>
+              <a:ext uri="{FF2B5EF4-FFF2-40B4-BE49-F238E27FC236}">
+                <a16:creationId xmlns:a16="http://schemas.microsoft.com/office/drawing/2014/main" id="{3F13AC18-477F-46CF-B288-DD95A25C3952}"/>
+              </a:ext>
+            </a:extLst>
+          </p:cNvPr>
+          <p:cNvSpPr>
+            <a:spLocks noGrp="1"/>
+          </p:cNvSpPr>
+          <p:nvPr>
+            <p:ph idx="1"/>
+          </p:nvPr>
+        </p:nvSpPr>
+        <p:spPr/>
+        <p:txBody>
+          <a:bodyPr/>
+          <a:lstStyle/>
+          <a:p>
+            <a:endParaRPr lang="pl-PL"/>
+          </a:p>
+        </p:txBody>
+      </p:sp>
+    </p:spTree>
+    <p:extLst>
+      <p:ext uri="{BB962C8B-B14F-4D97-AF65-F5344CB8AC3E}">
+        <p14:creationId xmlns:p14="http://schemas.microsoft.com/office/powerpoint/2010/main" val="2929138519"/>
+      </p:ext>
+    </p:extLst>
+  </p:cSld>
+  <p:clrMapOvr>
+    <a:masterClrMapping/>
+  </p:clrMapOvr>
+</p:sld>
+</file>
+
+<file path=ppt/slides/slide7.xml><?xml version="1.0" encoding="utf-8"?>
+<p:sld xmlns:a="http://schemas.openxmlformats.org/drawingml/2006/main" xmlns:r="http://schemas.openxmlformats.org/officeDocument/2006/relationships" xmlns:p="http://schemas.openxmlformats.org/presentationml/2006/main">
+  <p:cSld>
+    <p:spTree>
+      <p:nvGrpSpPr>
+        <p:cNvPr id="1" name=""/>
+        <p:cNvGrpSpPr/>
+        <p:nvPr/>
+      </p:nvGrpSpPr>
+      <p:grpSpPr>
+        <a:xfrm>
+          <a:off x="0" y="0"/>
+          <a:ext cx="0" cy="0"/>
+          <a:chOff x="0" y="0"/>
+          <a:chExt cx="0" cy="0"/>
+        </a:xfrm>
+      </p:grpSpPr>
+      <p:sp>
+        <p:nvSpPr>
+          <p:cNvPr id="2" name="Title 1">
+            <a:extLst>
+              <a:ext uri="{FF2B5EF4-FFF2-40B4-BE49-F238E27FC236}">
+                <a16:creationId xmlns:a16="http://schemas.microsoft.com/office/drawing/2014/main" id="{1B6FEF37-E8EB-4FAE-92E0-573668930DAF}"/>
+              </a:ext>
+            </a:extLst>
+          </p:cNvPr>
+          <p:cNvSpPr>
+            <a:spLocks noGrp="1"/>
+          </p:cNvSpPr>
+          <p:nvPr>
+            <p:ph type="title"/>
+          </p:nvPr>
+        </p:nvSpPr>
+        <p:spPr/>
+        <p:txBody>
+          <a:bodyPr/>
+          <a:lstStyle/>
+          <a:p>
+            <a:r>
+              <a:rPr lang="en-US" dirty="0"/>
+              <a:t>Feign Client</a:t>
+            </a:r>
+            <a:br>
+              <a:rPr lang="pl-PL" dirty="0"/>
+            </a:br>
+            <a:endParaRPr lang="pl-PL" dirty="0"/>
+          </a:p>
+        </p:txBody>
+      </p:sp>
+      <p:sp>
+        <p:nvSpPr>
+          <p:cNvPr id="3" name="Content Placeholder 2">
+            <a:extLst>
+              <a:ext uri="{FF2B5EF4-FFF2-40B4-BE49-F238E27FC236}">
+                <a16:creationId xmlns:a16="http://schemas.microsoft.com/office/drawing/2014/main" id="{C47B833C-26CC-4E09-949F-E54AE88429A5}"/>
+              </a:ext>
+            </a:extLst>
+          </p:cNvPr>
+          <p:cNvSpPr>
+            <a:spLocks noGrp="1"/>
+          </p:cNvSpPr>
+          <p:nvPr>
+            <p:ph idx="1"/>
+          </p:nvPr>
+        </p:nvSpPr>
+        <p:spPr/>
+        <p:txBody>
+          <a:bodyPr/>
+          <a:lstStyle/>
+          <a:p>
+            <a:endParaRPr lang="pl-PL"/>
+          </a:p>
+        </p:txBody>
+      </p:sp>
+    </p:spTree>
+    <p:extLst>
+      <p:ext uri="{BB962C8B-B14F-4D97-AF65-F5344CB8AC3E}">
+        <p14:creationId xmlns:p14="http://schemas.microsoft.com/office/powerpoint/2010/main" val="768806181"/>
+      </p:ext>
+    </p:extLst>
+  </p:cSld>
+  <p:clrMapOvr>
+    <a:masterClrMapping/>
+  </p:clrMapOvr>
+</p:sld>
+</file>
+
+<file path=ppt/slides/slide8.xml><?xml version="1.0" encoding="utf-8"?>
+<p:sld xmlns:a="http://schemas.openxmlformats.org/drawingml/2006/main" xmlns:r="http://schemas.openxmlformats.org/officeDocument/2006/relationships" xmlns:p="http://schemas.openxmlformats.org/presentationml/2006/main">
+  <p:cSld>
+    <p:spTree>
+      <p:nvGrpSpPr>
+        <p:cNvPr id="1" name=""/>
+        <p:cNvGrpSpPr/>
+        <p:nvPr/>
+      </p:nvGrpSpPr>
+      <p:grpSpPr>
+        <a:xfrm>
+          <a:off x="0" y="0"/>
+          <a:ext cx="0" cy="0"/>
+          <a:chOff x="0" y="0"/>
+          <a:chExt cx="0" cy="0"/>
+        </a:xfrm>
+      </p:grpSpPr>
+      <p:grpSp>
+        <p:nvGrpSpPr>
+          <p:cNvPr id="19" name="Group 18">
+            <a:extLst>
+              <a:ext uri="{FF2B5EF4-FFF2-40B4-BE49-F238E27FC236}">
+                <a16:creationId xmlns:a16="http://schemas.microsoft.com/office/drawing/2014/main" id="{46254905-6D50-493C-A305-6692EEA37F95}"/>
+              </a:ext>
+            </a:extLst>
+          </p:cNvPr>
+          <p:cNvGrpSpPr/>
+          <p:nvPr/>
+        </p:nvGrpSpPr>
+        <p:grpSpPr>
+          <a:xfrm>
+            <a:off x="1324680" y="1936303"/>
+            <a:ext cx="3735000" cy="3418017"/>
+            <a:chOff x="5043916" y="1641490"/>
+            <a:chExt cx="1020819" cy="3215606"/>
+          </a:xfrm>
+        </p:grpSpPr>
+        <p:sp>
+          <p:nvSpPr>
+            <p:cNvPr id="36" name="Cube 35">
+              <a:extLst>
+                <a:ext uri="{FF2B5EF4-FFF2-40B4-BE49-F238E27FC236}">
+                  <a16:creationId xmlns:a16="http://schemas.microsoft.com/office/drawing/2014/main" id="{CC8E477D-C8F5-45EE-B56D-D6A779DB45C1}"/>
+                </a:ext>
+              </a:extLst>
+            </p:cNvPr>
+            <p:cNvSpPr/>
+            <p:nvPr/>
+          </p:nvSpPr>
+          <p:spPr>
+            <a:xfrm>
+              <a:off x="5043916" y="1641490"/>
+              <a:ext cx="1020819" cy="3215606"/>
+            </a:xfrm>
+            <a:prstGeom prst="cube">
+              <a:avLst>
+                <a:gd name="adj" fmla="val 6479"/>
+              </a:avLst>
+            </a:prstGeom>
+            <a:ln/>
+          </p:spPr>
+          <p:style>
+            <a:lnRef idx="1">
+              <a:schemeClr val="accent6"/>
+            </a:lnRef>
+            <a:fillRef idx="3">
+              <a:schemeClr val="accent6"/>
+            </a:fillRef>
+            <a:effectRef idx="2">
+              <a:schemeClr val="accent6"/>
+            </a:effectRef>
+            <a:fontRef idx="minor">
+              <a:schemeClr val="lt1"/>
+            </a:fontRef>
+          </p:style>
+          <p:txBody>
+            <a:bodyPr rtlCol="0" anchor="ctr"/>
+            <a:lstStyle/>
+            <a:p>
+              <a:pPr algn="ctr"/>
+              <a:endParaRPr lang="en-US" dirty="0"/>
+            </a:p>
+          </p:txBody>
+        </p:sp>
+        <p:sp>
+          <p:nvSpPr>
+            <p:cNvPr id="37" name="TextBox 36">
+              <a:extLst>
+                <a:ext uri="{FF2B5EF4-FFF2-40B4-BE49-F238E27FC236}">
+                  <a16:creationId xmlns:a16="http://schemas.microsoft.com/office/drawing/2014/main" id="{CE87D200-B614-45F6-990E-D888CFA555D0}"/>
+                </a:ext>
+              </a:extLst>
+            </p:cNvPr>
+            <p:cNvSpPr txBox="1"/>
+            <p:nvPr/>
+          </p:nvSpPr>
+          <p:spPr>
+            <a:xfrm rot="16200000">
+              <a:off x="4783500" y="3213586"/>
+              <a:ext cx="2303845" cy="100943"/>
+            </a:xfrm>
+            <a:prstGeom prst="rect">
+              <a:avLst/>
+            </a:prstGeom>
+            <a:noFill/>
+            <a:ln>
+              <a:noFill/>
+            </a:ln>
+          </p:spPr>
+          <p:style>
+            <a:lnRef idx="0">
+              <a:scrgbClr r="0" g="0" b="0"/>
+            </a:lnRef>
+            <a:fillRef idx="0">
+              <a:scrgbClr r="0" g="0" b="0"/>
+            </a:fillRef>
+            <a:effectRef idx="0">
+              <a:scrgbClr r="0" g="0" b="0"/>
+            </a:effectRef>
+            <a:fontRef idx="minor">
+              <a:schemeClr val="dk1"/>
+            </a:fontRef>
+          </p:style>
+          <p:txBody>
+            <a:bodyPr wrap="square" rtlCol="0">
+              <a:spAutoFit/>
+            </a:bodyPr>
+            <a:lstStyle/>
+            <a:p>
+              <a:r>
+                <a:rPr lang="en-US" dirty="0">
+                  <a:solidFill>
+                    <a:schemeClr val="tx1"/>
+                  </a:solidFill>
+                </a:rPr>
+                <a:t>Cloud Configuration</a:t>
+              </a:r>
+              <a:endParaRPr lang="en-US" sz="2000" dirty="0">
+                <a:solidFill>
+                  <a:schemeClr val="tx1"/>
+                </a:solidFill>
+              </a:endParaRPr>
+            </a:p>
+          </p:txBody>
+        </p:sp>
+      </p:grpSp>
+      <p:grpSp>
+        <p:nvGrpSpPr>
+          <p:cNvPr id="22" name="Group 21">
+            <a:extLst>
+              <a:ext uri="{FF2B5EF4-FFF2-40B4-BE49-F238E27FC236}">
+                <a16:creationId xmlns:a16="http://schemas.microsoft.com/office/drawing/2014/main" id="{FDAAA1AD-6951-4DB6-A56C-16714CEE5790}"/>
+              </a:ext>
+            </a:extLst>
+          </p:cNvPr>
+          <p:cNvGrpSpPr/>
+          <p:nvPr/>
+        </p:nvGrpSpPr>
+        <p:grpSpPr>
+          <a:xfrm>
+            <a:off x="792694" y="2322067"/>
+            <a:ext cx="3571534" cy="2861077"/>
+            <a:chOff x="5022071" y="2119806"/>
+            <a:chExt cx="1029148" cy="3215606"/>
+          </a:xfrm>
+        </p:grpSpPr>
+        <p:sp>
+          <p:nvSpPr>
+            <p:cNvPr id="23" name="Cube 22">
+              <a:extLst>
+                <a:ext uri="{FF2B5EF4-FFF2-40B4-BE49-F238E27FC236}">
+                  <a16:creationId xmlns:a16="http://schemas.microsoft.com/office/drawing/2014/main" id="{F70D70D6-4072-4C76-8103-F6A6B7BCC014}"/>
+                </a:ext>
+              </a:extLst>
+            </p:cNvPr>
+            <p:cNvSpPr/>
+            <p:nvPr/>
+          </p:nvSpPr>
+          <p:spPr>
+            <a:xfrm>
+              <a:off x="5022071" y="2119806"/>
+              <a:ext cx="1020819" cy="3215606"/>
+            </a:xfrm>
+            <a:prstGeom prst="cube">
+              <a:avLst>
+                <a:gd name="adj" fmla="val 6479"/>
+              </a:avLst>
+            </a:prstGeom>
+            <a:ln/>
+          </p:spPr>
+          <p:style>
+            <a:lnRef idx="1">
+              <a:schemeClr val="dk1"/>
+            </a:lnRef>
+            <a:fillRef idx="2">
+              <a:schemeClr val="dk1"/>
+            </a:fillRef>
+            <a:effectRef idx="1">
+              <a:schemeClr val="dk1"/>
+            </a:effectRef>
+            <a:fontRef idx="minor">
+              <a:schemeClr val="dk1"/>
+            </a:fontRef>
+          </p:style>
+          <p:txBody>
+            <a:bodyPr rtlCol="0" anchor="ctr"/>
+            <a:lstStyle/>
+            <a:p>
+              <a:pPr algn="ctr"/>
+              <a:endParaRPr lang="en-US" dirty="0"/>
+            </a:p>
+          </p:txBody>
+        </p:sp>
+        <p:sp>
+          <p:nvSpPr>
+            <p:cNvPr id="24" name="TextBox 23">
+              <a:extLst>
+                <a:ext uri="{FF2B5EF4-FFF2-40B4-BE49-F238E27FC236}">
+                  <a16:creationId xmlns:a16="http://schemas.microsoft.com/office/drawing/2014/main" id="{F2338911-D166-4CC7-A012-BAE1E5B174C7}"/>
+                </a:ext>
+              </a:extLst>
+            </p:cNvPr>
+            <p:cNvSpPr txBox="1"/>
+            <p:nvPr/>
+          </p:nvSpPr>
+          <p:spPr>
+            <a:xfrm rot="16200000">
+              <a:off x="4800798" y="3634926"/>
+              <a:ext cx="2305731" cy="195111"/>
+            </a:xfrm>
+            <a:prstGeom prst="rect">
+              <a:avLst/>
+            </a:prstGeom>
+            <a:noFill/>
+          </p:spPr>
+          <p:txBody>
+            <a:bodyPr wrap="square" rtlCol="0">
+              <a:spAutoFit/>
+            </a:bodyPr>
+            <a:lstStyle/>
+            <a:p>
+              <a:r>
+                <a:rPr lang="en-US" dirty="0">
+                  <a:solidFill>
+                    <a:schemeClr val="bg1">
+                      <a:lumMod val="95000"/>
+                    </a:schemeClr>
+                  </a:solidFill>
+                </a:rPr>
+                <a:t>Services Registry</a:t>
+              </a:r>
+            </a:p>
+            <a:p>
+              <a:endParaRPr lang="en-US" sz="2000" dirty="0">
+                <a:solidFill>
+                  <a:schemeClr val="bg1">
+                    <a:lumMod val="95000"/>
+                  </a:schemeClr>
+                </a:solidFill>
+              </a:endParaRPr>
+            </a:p>
+          </p:txBody>
+        </p:sp>
+      </p:grpSp>
+      <p:sp>
+        <p:nvSpPr>
+          <p:cNvPr id="2" name="Title 1">
+            <a:extLst>
+              <a:ext uri="{FF2B5EF4-FFF2-40B4-BE49-F238E27FC236}">
+                <a16:creationId xmlns:a16="http://schemas.microsoft.com/office/drawing/2014/main" id="{1E90F863-7245-4F5E-AC76-10526DDD63DA}"/>
+              </a:ext>
+            </a:extLst>
+          </p:cNvPr>
+          <p:cNvSpPr>
+            <a:spLocks noGrp="1"/>
+          </p:cNvSpPr>
+          <p:nvPr>
+            <p:ph type="title"/>
+          </p:nvPr>
+        </p:nvSpPr>
+        <p:spPr>
+          <a:xfrm>
+            <a:off x="677334" y="609600"/>
+            <a:ext cx="8596668" cy="1320800"/>
+          </a:xfrm>
+        </p:spPr>
+        <p:txBody>
+          <a:bodyPr/>
+          <a:lstStyle/>
+          <a:p>
+            <a:r>
+              <a:rPr lang="en-US" dirty="0"/>
+              <a:t>Simple Demo Monolith Application</a:t>
+            </a:r>
+          </a:p>
+        </p:txBody>
+      </p:sp>
+      <p:sp>
+        <p:nvSpPr>
+          <p:cNvPr id="20" name="Flowchart: Magnetic Disk 19">
+            <a:extLst>
+              <a:ext uri="{FF2B5EF4-FFF2-40B4-BE49-F238E27FC236}">
+                <a16:creationId xmlns:a16="http://schemas.microsoft.com/office/drawing/2014/main" id="{7C631CDC-342C-4F60-B45C-2504BB24495A}"/>
+              </a:ext>
+            </a:extLst>
+          </p:cNvPr>
+          <p:cNvSpPr/>
+          <p:nvPr/>
+        </p:nvSpPr>
+        <p:spPr>
+          <a:xfrm>
+            <a:off x="2471068" y="5285112"/>
+            <a:ext cx="788632" cy="792415"/>
+          </a:xfrm>
+          <a:prstGeom prst="flowChartMagneticDisk">
+            <a:avLst/>
+          </a:prstGeom>
+          <a:solidFill>
+            <a:srgbClr val="E3D14B"/>
+          </a:solidFill>
+        </p:spPr>
+        <p:style>
+          <a:lnRef idx="2">
+            <a:schemeClr val="dk1"/>
+          </a:lnRef>
+          <a:fillRef idx="1">
+            <a:schemeClr val="lt1"/>
+          </a:fillRef>
+          <a:effectRef idx="0">
+            <a:schemeClr val="dk1"/>
+          </a:effectRef>
+          <a:fontRef idx="minor">
+            <a:schemeClr val="dk1"/>
+          </a:fontRef>
+        </p:style>
+        <p:txBody>
+          <a:bodyPr rtlCol="0" anchor="ctr"/>
+          <a:lstStyle/>
+          <a:p>
+            <a:pPr algn="ctr"/>
+            <a:r>
+              <a:rPr lang="en-US" sz="1600" dirty="0"/>
+              <a:t>DB</a:t>
+            </a:r>
+          </a:p>
+        </p:txBody>
+      </p:sp>
+      <p:sp>
+        <p:nvSpPr>
+          <p:cNvPr id="21" name="Arrow: Up-Down 20">
+            <a:extLst>
+              <a:ext uri="{FF2B5EF4-FFF2-40B4-BE49-F238E27FC236}">
+                <a16:creationId xmlns:a16="http://schemas.microsoft.com/office/drawing/2014/main" id="{97C0E7B2-C1A6-419D-A5A1-98E7D3406FD9}"/>
+              </a:ext>
+            </a:extLst>
+          </p:cNvPr>
+          <p:cNvSpPr/>
+          <p:nvPr/>
+        </p:nvSpPr>
+        <p:spPr>
+          <a:xfrm>
+            <a:off x="2694327" y="4981141"/>
+            <a:ext cx="342115" cy="506943"/>
+          </a:xfrm>
+          <a:prstGeom prst="upDownArrow">
+            <a:avLst/>
+          </a:prstGeom>
+        </p:spPr>
+        <p:style>
+          <a:lnRef idx="1">
+            <a:schemeClr val="dk1"/>
+          </a:lnRef>
+          <a:fillRef idx="2">
+            <a:schemeClr val="dk1"/>
+          </a:fillRef>
+          <a:effectRef idx="1">
+            <a:schemeClr val="dk1"/>
+          </a:effectRef>
+          <a:fontRef idx="minor">
+            <a:schemeClr val="dk1"/>
+          </a:fontRef>
+        </p:style>
+        <p:txBody>
+          <a:bodyPr rtlCol="0" anchor="ctr"/>
+          <a:lstStyle/>
+          <a:p>
+            <a:pPr algn="ctr"/>
+            <a:endParaRPr lang="en-US" dirty="0"/>
+          </a:p>
+        </p:txBody>
+      </p:sp>
+      <p:sp>
+        <p:nvSpPr>
+          <p:cNvPr id="25" name="Flowchart: Magnetic Disk 24">
+            <a:extLst>
+              <a:ext uri="{FF2B5EF4-FFF2-40B4-BE49-F238E27FC236}">
+                <a16:creationId xmlns:a16="http://schemas.microsoft.com/office/drawing/2014/main" id="{F033EAC5-FD0D-48BE-AF1C-E9FCF820BA67}"/>
+              </a:ext>
+            </a:extLst>
+          </p:cNvPr>
+          <p:cNvSpPr/>
+          <p:nvPr/>
+        </p:nvSpPr>
+        <p:spPr>
+          <a:xfrm>
+            <a:off x="986767" y="5285112"/>
+            <a:ext cx="788632" cy="792415"/>
+          </a:xfrm>
+          <a:prstGeom prst="flowChartMagneticDisk">
+            <a:avLst/>
+          </a:prstGeom>
+          <a:solidFill>
+            <a:srgbClr val="E3D14B"/>
+          </a:solidFill>
+        </p:spPr>
+        <p:style>
+          <a:lnRef idx="2">
+            <a:schemeClr val="dk1"/>
+          </a:lnRef>
+          <a:fillRef idx="1">
+            <a:schemeClr val="lt1"/>
+          </a:fillRef>
+          <a:effectRef idx="0">
+            <a:schemeClr val="dk1"/>
+          </a:effectRef>
+          <a:fontRef idx="minor">
+            <a:schemeClr val="dk1"/>
+          </a:fontRef>
+        </p:style>
+        <p:txBody>
+          <a:bodyPr rtlCol="0" anchor="ctr"/>
+          <a:lstStyle/>
+          <a:p>
+            <a:pPr algn="ctr"/>
+            <a:r>
+              <a:rPr lang="en-US" sz="1600" dirty="0"/>
+              <a:t>DB</a:t>
+            </a:r>
+          </a:p>
+        </p:txBody>
+      </p:sp>
+      <p:sp>
+        <p:nvSpPr>
+          <p:cNvPr id="26" name="Arrow: Up-Down 25">
+            <a:extLst>
+              <a:ext uri="{FF2B5EF4-FFF2-40B4-BE49-F238E27FC236}">
+                <a16:creationId xmlns:a16="http://schemas.microsoft.com/office/drawing/2014/main" id="{4F748307-FE0A-409C-BB22-A62B84301758}"/>
+              </a:ext>
+            </a:extLst>
+          </p:cNvPr>
+          <p:cNvSpPr/>
+          <p:nvPr/>
+        </p:nvSpPr>
+        <p:spPr>
+          <a:xfrm>
+            <a:off x="1210026" y="5000485"/>
+            <a:ext cx="342115" cy="506943"/>
+          </a:xfrm>
+          <a:prstGeom prst="upDownArrow">
+            <a:avLst/>
+          </a:prstGeom>
+        </p:spPr>
+        <p:style>
+          <a:lnRef idx="1">
+            <a:schemeClr val="dk1"/>
+          </a:lnRef>
+          <a:fillRef idx="2">
+            <a:schemeClr val="dk1"/>
+          </a:fillRef>
+          <a:effectRef idx="1">
+            <a:schemeClr val="dk1"/>
+          </a:effectRef>
+          <a:fontRef idx="minor">
+            <a:schemeClr val="dk1"/>
+          </a:fontRef>
+        </p:style>
+        <p:txBody>
+          <a:bodyPr rtlCol="0" anchor="ctr"/>
+          <a:lstStyle/>
+          <a:p>
+            <a:pPr algn="ctr"/>
+            <a:endParaRPr lang="en-US" dirty="0"/>
+          </a:p>
+        </p:txBody>
+      </p:sp>
+      <p:sp>
+        <p:nvSpPr>
+          <p:cNvPr id="27" name="Cube 26">
+            <a:extLst>
+              <a:ext uri="{FF2B5EF4-FFF2-40B4-BE49-F238E27FC236}">
+                <a16:creationId xmlns:a16="http://schemas.microsoft.com/office/drawing/2014/main" id="{1B9689C9-FE4B-4191-8DE7-4E63A934A127}"/>
+              </a:ext>
+            </a:extLst>
+          </p:cNvPr>
+          <p:cNvSpPr/>
+          <p:nvPr/>
+        </p:nvSpPr>
+        <p:spPr>
+          <a:xfrm>
+            <a:off x="677334" y="4100231"/>
+            <a:ext cx="1398320" cy="958686"/>
+          </a:xfrm>
+          <a:prstGeom prst="cube">
+            <a:avLst>
+              <a:gd name="adj" fmla="val 25278"/>
+            </a:avLst>
+          </a:prstGeom>
+        </p:spPr>
+        <p:style>
+          <a:lnRef idx="1">
+            <a:schemeClr val="accent4"/>
+          </a:lnRef>
+          <a:fillRef idx="2">
+            <a:schemeClr val="accent4"/>
+          </a:fillRef>
+          <a:effectRef idx="1">
+            <a:schemeClr val="accent4"/>
+          </a:effectRef>
+          <a:fontRef idx="minor">
+            <a:schemeClr val="dk1"/>
+          </a:fontRef>
+        </p:style>
+        <p:txBody>
+          <a:bodyPr rtlCol="0" anchor="ctr"/>
+          <a:lstStyle/>
+          <a:p>
+            <a:pPr algn="ctr"/>
+            <a:r>
+              <a:rPr lang="en-US" dirty="0">
+                <a:solidFill>
+                  <a:schemeClr val="bg1"/>
+                </a:solidFill>
+              </a:rPr>
+              <a:t>User Service</a:t>
+            </a:r>
+          </a:p>
+        </p:txBody>
+      </p:sp>
+      <p:sp>
+        <p:nvSpPr>
+          <p:cNvPr id="32" name="Arrow: Up-Down 31">
+            <a:extLst>
+              <a:ext uri="{FF2B5EF4-FFF2-40B4-BE49-F238E27FC236}">
+                <a16:creationId xmlns:a16="http://schemas.microsoft.com/office/drawing/2014/main" id="{BCC1B9FD-70A6-4E69-B0C7-4CCC7CF45CCE}"/>
+              </a:ext>
+            </a:extLst>
+          </p:cNvPr>
+          <p:cNvSpPr/>
+          <p:nvPr/>
+        </p:nvSpPr>
+        <p:spPr>
+          <a:xfrm>
+            <a:off x="1210026" y="3655501"/>
+            <a:ext cx="342115" cy="566732"/>
+          </a:xfrm>
+          <a:prstGeom prst="upDownArrow">
+            <a:avLst/>
+          </a:prstGeom>
+        </p:spPr>
+        <p:style>
+          <a:lnRef idx="1">
+            <a:schemeClr val="dk1"/>
+          </a:lnRef>
+          <a:fillRef idx="2">
+            <a:schemeClr val="dk1"/>
+          </a:fillRef>
+          <a:effectRef idx="1">
+            <a:schemeClr val="dk1"/>
+          </a:effectRef>
+          <a:fontRef idx="minor">
+            <a:schemeClr val="dk1"/>
+          </a:fontRef>
+        </p:style>
+        <p:txBody>
+          <a:bodyPr rtlCol="0" anchor="ctr"/>
+          <a:lstStyle/>
+          <a:p>
+            <a:pPr algn="ctr"/>
+            <a:endParaRPr lang="en-US" dirty="0"/>
+          </a:p>
+        </p:txBody>
+      </p:sp>
+      <p:sp>
+        <p:nvSpPr>
+          <p:cNvPr id="33" name="Arrow: Up-Down 32">
+            <a:extLst>
+              <a:ext uri="{FF2B5EF4-FFF2-40B4-BE49-F238E27FC236}">
+                <a16:creationId xmlns:a16="http://schemas.microsoft.com/office/drawing/2014/main" id="{7BFFC2F0-A0E3-481F-BFDC-1D8A7578DC04}"/>
+              </a:ext>
+            </a:extLst>
+          </p:cNvPr>
+          <p:cNvSpPr/>
+          <p:nvPr/>
+        </p:nvSpPr>
+        <p:spPr>
+          <a:xfrm rot="16200000">
+            <a:off x="1935763" y="4340831"/>
+            <a:ext cx="342115" cy="477484"/>
+          </a:xfrm>
+          <a:prstGeom prst="upDownArrow">
+            <a:avLst/>
+          </a:prstGeom>
+        </p:spPr>
+        <p:style>
+          <a:lnRef idx="1">
+            <a:schemeClr val="dk1"/>
+          </a:lnRef>
+          <a:fillRef idx="2">
+            <a:schemeClr val="dk1"/>
+          </a:fillRef>
+          <a:effectRef idx="1">
+            <a:schemeClr val="dk1"/>
+          </a:effectRef>
+          <a:fontRef idx="minor">
+            <a:schemeClr val="dk1"/>
+          </a:fontRef>
+        </p:style>
+        <p:txBody>
+          <a:bodyPr rtlCol="0" anchor="ctr"/>
+          <a:lstStyle/>
+          <a:p>
+            <a:pPr algn="ctr"/>
+            <a:endParaRPr lang="en-US" dirty="0"/>
+          </a:p>
+        </p:txBody>
+      </p:sp>
+      <p:sp>
+        <p:nvSpPr>
+          <p:cNvPr id="34" name="TextBox 33">
+            <a:extLst>
+              <a:ext uri="{FF2B5EF4-FFF2-40B4-BE49-F238E27FC236}">
+                <a16:creationId xmlns:a16="http://schemas.microsoft.com/office/drawing/2014/main" id="{F4436F26-BDFB-4FD0-92AD-6D5855C49DDD}"/>
+              </a:ext>
+            </a:extLst>
+          </p:cNvPr>
+          <p:cNvSpPr txBox="1"/>
+          <p:nvPr/>
+        </p:nvSpPr>
+        <p:spPr>
+          <a:xfrm>
+            <a:off x="1001419" y="2763978"/>
+            <a:ext cx="2103325" cy="338554"/>
+          </a:xfrm>
+          <a:prstGeom prst="rect">
+            <a:avLst/>
+          </a:prstGeom>
+          <a:noFill/>
+        </p:spPr>
+        <p:txBody>
+          <a:bodyPr wrap="square" rtlCol="0">
+            <a:spAutoFit/>
+          </a:bodyPr>
+          <a:lstStyle/>
+          <a:p>
+            <a:r>
+              <a:rPr lang="en-US" sz="1600" dirty="0">
+                <a:solidFill>
+                  <a:schemeClr val="tx1">
+                    <a:lumMod val="95000"/>
+                    <a:lumOff val="5000"/>
+                  </a:schemeClr>
+                </a:solidFill>
+              </a:rPr>
+              <a:t>Exposed      REST</a:t>
+            </a:r>
+            <a:endParaRPr lang="en-US" dirty="0">
+              <a:solidFill>
+                <a:schemeClr val="tx1">
+                  <a:lumMod val="95000"/>
+                  <a:lumOff val="5000"/>
+                </a:schemeClr>
+              </a:solidFill>
+            </a:endParaRPr>
+          </a:p>
+        </p:txBody>
+      </p:sp>
+      <p:sp>
+        <p:nvSpPr>
+          <p:cNvPr id="28" name="Cube 27">
+            <a:extLst>
+              <a:ext uri="{FF2B5EF4-FFF2-40B4-BE49-F238E27FC236}">
+                <a16:creationId xmlns:a16="http://schemas.microsoft.com/office/drawing/2014/main" id="{08A4BF41-65F9-44AB-BFB0-33B80C2659D4}"/>
+              </a:ext>
+            </a:extLst>
+          </p:cNvPr>
+          <p:cNvSpPr/>
+          <p:nvPr/>
+        </p:nvSpPr>
+        <p:spPr>
+          <a:xfrm>
+            <a:off x="2251144" y="4090995"/>
+            <a:ext cx="1398320" cy="958686"/>
+          </a:xfrm>
+          <a:prstGeom prst="cube">
+            <a:avLst>
+              <a:gd name="adj" fmla="val 25278"/>
+            </a:avLst>
+          </a:prstGeom>
+        </p:spPr>
+        <p:style>
+          <a:lnRef idx="1">
+            <a:schemeClr val="accent4"/>
+          </a:lnRef>
+          <a:fillRef idx="2">
+            <a:schemeClr val="accent4"/>
+          </a:fillRef>
+          <a:effectRef idx="1">
+            <a:schemeClr val="accent4"/>
+          </a:effectRef>
+          <a:fontRef idx="minor">
+            <a:schemeClr val="dk1"/>
+          </a:fontRef>
+        </p:style>
+        <p:txBody>
+          <a:bodyPr rtlCol="0" anchor="ctr"/>
+          <a:lstStyle/>
+          <a:p>
+            <a:pPr algn="ctr"/>
+            <a:r>
+              <a:rPr lang="en-US" dirty="0">
+                <a:solidFill>
+                  <a:schemeClr val="bg1"/>
+                </a:solidFill>
+              </a:rPr>
+              <a:t>Email</a:t>
+            </a:r>
+          </a:p>
+          <a:p>
+            <a:pPr algn="ctr"/>
+            <a:r>
+              <a:rPr lang="en-US" dirty="0">
+                <a:solidFill>
+                  <a:schemeClr val="bg1"/>
+                </a:solidFill>
+              </a:rPr>
+              <a:t>Service</a:t>
+            </a:r>
+          </a:p>
+        </p:txBody>
+      </p:sp>
+      <p:sp>
+        <p:nvSpPr>
+          <p:cNvPr id="35" name="TextBox 34">
+            <a:extLst>
+              <a:ext uri="{FF2B5EF4-FFF2-40B4-BE49-F238E27FC236}">
+                <a16:creationId xmlns:a16="http://schemas.microsoft.com/office/drawing/2014/main" id="{B30DE005-D4E8-4C3A-8D31-3A896258A4D8}"/>
+              </a:ext>
+            </a:extLst>
+          </p:cNvPr>
+          <p:cNvSpPr txBox="1"/>
+          <p:nvPr/>
+        </p:nvSpPr>
+        <p:spPr>
+          <a:xfrm>
+            <a:off x="1444396" y="4106915"/>
+            <a:ext cx="1518365" cy="369332"/>
+          </a:xfrm>
+          <a:prstGeom prst="rect">
+            <a:avLst/>
+          </a:prstGeom>
+          <a:noFill/>
+        </p:spPr>
+        <p:txBody>
+          <a:bodyPr wrap="square" rtlCol="0">
+            <a:spAutoFit/>
+          </a:bodyPr>
+          <a:lstStyle/>
+          <a:p>
+            <a:r>
+              <a:rPr lang="en-US" b="1" dirty="0">
+                <a:solidFill>
+                  <a:schemeClr val="tx1">
+                    <a:lumMod val="95000"/>
+                    <a:lumOff val="5000"/>
+                  </a:schemeClr>
+                </a:solidFill>
+              </a:rPr>
+              <a:t>Feign REST</a:t>
+            </a:r>
+            <a:endParaRPr lang="en-US" sz="2000" b="1" dirty="0">
+              <a:solidFill>
+                <a:schemeClr val="tx1">
+                  <a:lumMod val="95000"/>
+                  <a:lumOff val="5000"/>
+                </a:schemeClr>
+              </a:solidFill>
+            </a:endParaRPr>
+          </a:p>
+        </p:txBody>
+      </p:sp>
+      <p:sp>
+        <p:nvSpPr>
+          <p:cNvPr id="38" name="Arrow: Up-Down 37">
+            <a:extLst>
+              <a:ext uri="{FF2B5EF4-FFF2-40B4-BE49-F238E27FC236}">
+                <a16:creationId xmlns:a16="http://schemas.microsoft.com/office/drawing/2014/main" id="{956D8625-5D3C-405B-AA49-5F6F07064E91}"/>
+              </a:ext>
+            </a:extLst>
+          </p:cNvPr>
+          <p:cNvSpPr/>
+          <p:nvPr/>
+        </p:nvSpPr>
+        <p:spPr>
+          <a:xfrm>
+            <a:off x="2678347" y="3673865"/>
+            <a:ext cx="342115" cy="566732"/>
+          </a:xfrm>
+          <a:prstGeom prst="upDownArrow">
+            <a:avLst/>
+          </a:prstGeom>
+        </p:spPr>
+        <p:style>
+          <a:lnRef idx="1">
+            <a:schemeClr val="dk1"/>
+          </a:lnRef>
+          <a:fillRef idx="2">
+            <a:schemeClr val="dk1"/>
+          </a:fillRef>
+          <a:effectRef idx="1">
+            <a:schemeClr val="dk1"/>
+          </a:effectRef>
+          <a:fontRef idx="minor">
+            <a:schemeClr val="dk1"/>
+          </a:fontRef>
+        </p:style>
+        <p:txBody>
+          <a:bodyPr rtlCol="0" anchor="ctr"/>
+          <a:lstStyle/>
+          <a:p>
+            <a:pPr algn="ctr"/>
+            <a:endParaRPr lang="en-US" dirty="0"/>
+          </a:p>
+        </p:txBody>
+      </p:sp>
+      <p:sp>
+        <p:nvSpPr>
+          <p:cNvPr id="29" name="Cube 28">
+            <a:extLst>
+              <a:ext uri="{FF2B5EF4-FFF2-40B4-BE49-F238E27FC236}">
+                <a16:creationId xmlns:a16="http://schemas.microsoft.com/office/drawing/2014/main" id="{50949CE4-8FF3-44A3-9FD8-F9D416D22A51}"/>
+              </a:ext>
+            </a:extLst>
+          </p:cNvPr>
+          <p:cNvSpPr/>
+          <p:nvPr/>
+        </p:nvSpPr>
+        <p:spPr>
+          <a:xfrm>
+            <a:off x="677334" y="2729505"/>
+            <a:ext cx="2915488" cy="1023101"/>
+          </a:xfrm>
+          <a:prstGeom prst="cube">
+            <a:avLst>
+              <a:gd name="adj" fmla="val 51041"/>
+            </a:avLst>
+          </a:prstGeom>
+        </p:spPr>
+        <p:style>
+          <a:lnRef idx="2">
+            <a:schemeClr val="accent2">
+              <a:shade val="50000"/>
+            </a:schemeClr>
+          </a:lnRef>
+          <a:fillRef idx="1">
+            <a:schemeClr val="accent2"/>
+          </a:fillRef>
+          <a:effectRef idx="0">
+            <a:schemeClr val="accent2"/>
+          </a:effectRef>
+          <a:fontRef idx="minor">
+            <a:schemeClr val="lt1"/>
+          </a:fontRef>
+        </p:style>
+        <p:txBody>
+          <a:bodyPr rtlCol="0" anchor="ctr"/>
+          <a:lstStyle/>
+          <a:p>
+            <a:pPr algn="ctr"/>
+            <a:r>
+              <a:rPr lang="en-US" dirty="0"/>
+              <a:t>API Gateway</a:t>
+            </a:r>
+          </a:p>
+        </p:txBody>
+      </p:sp>
+      <p:sp>
+        <p:nvSpPr>
+          <p:cNvPr id="30" name="Arrow: Up-Down 29">
+            <a:extLst>
+              <a:ext uri="{FF2B5EF4-FFF2-40B4-BE49-F238E27FC236}">
+                <a16:creationId xmlns:a16="http://schemas.microsoft.com/office/drawing/2014/main" id="{B13E7735-79F5-4564-9BBD-F918926CBDBB}"/>
+              </a:ext>
+            </a:extLst>
+          </p:cNvPr>
+          <p:cNvSpPr/>
+          <p:nvPr/>
+        </p:nvSpPr>
+        <p:spPr>
+          <a:xfrm>
+            <a:off x="1855512" y="2679784"/>
+            <a:ext cx="342115" cy="506943"/>
+          </a:xfrm>
+          <a:prstGeom prst="upDownArrow">
+            <a:avLst/>
+          </a:prstGeom>
+        </p:spPr>
+        <p:style>
+          <a:lnRef idx="1">
+            <a:schemeClr val="dk1"/>
+          </a:lnRef>
+          <a:fillRef idx="2">
+            <a:schemeClr val="dk1"/>
+          </a:fillRef>
+          <a:effectRef idx="1">
+            <a:schemeClr val="dk1"/>
+          </a:effectRef>
+          <a:fontRef idx="minor">
+            <a:schemeClr val="dk1"/>
+          </a:fontRef>
+        </p:style>
+        <p:txBody>
+          <a:bodyPr rtlCol="0" anchor="ctr"/>
+          <a:lstStyle/>
+          <a:p>
+            <a:pPr algn="ctr"/>
+            <a:endParaRPr lang="en-US" dirty="0"/>
+          </a:p>
+        </p:txBody>
+      </p:sp>
+      <p:sp>
+        <p:nvSpPr>
+          <p:cNvPr id="31" name="Cube 30">
+            <a:extLst>
+              <a:ext uri="{FF2B5EF4-FFF2-40B4-BE49-F238E27FC236}">
+                <a16:creationId xmlns:a16="http://schemas.microsoft.com/office/drawing/2014/main" id="{8C66FECE-5B15-48F8-BD5F-B8FD21B796C1}"/>
+              </a:ext>
+            </a:extLst>
+          </p:cNvPr>
+          <p:cNvSpPr/>
+          <p:nvPr/>
+        </p:nvSpPr>
+        <p:spPr>
+          <a:xfrm>
+            <a:off x="739883" y="1732145"/>
+            <a:ext cx="2915488" cy="1023101"/>
+          </a:xfrm>
+          <a:prstGeom prst="cube">
+            <a:avLst>
+              <a:gd name="adj" fmla="val 51041"/>
+            </a:avLst>
+          </a:prstGeom>
+        </p:spPr>
+        <p:style>
+          <a:lnRef idx="2">
+            <a:schemeClr val="accent1">
+              <a:shade val="50000"/>
+            </a:schemeClr>
+          </a:lnRef>
+          <a:fillRef idx="1">
+            <a:schemeClr val="accent1"/>
+          </a:fillRef>
+          <a:effectRef idx="0">
+            <a:schemeClr val="accent1"/>
+          </a:effectRef>
+          <a:fontRef idx="minor">
+            <a:schemeClr val="lt1"/>
+          </a:fontRef>
+        </p:style>
+        <p:txBody>
+          <a:bodyPr rtlCol="0" anchor="ctr"/>
+          <a:lstStyle/>
+          <a:p>
+            <a:pPr algn="ctr"/>
+            <a:r>
+              <a:rPr lang="en-US" dirty="0"/>
+              <a:t>UI Layer</a:t>
+            </a:r>
+          </a:p>
+        </p:txBody>
+      </p:sp>
+    </p:spTree>
+    <p:extLst>
+      <p:ext uri="{BB962C8B-B14F-4D97-AF65-F5344CB8AC3E}">
+        <p14:creationId xmlns:p14="http://schemas.microsoft.com/office/powerpoint/2010/main" val="1308168526"/>
+      </p:ext>
+    </p:extLst>
+  </p:cSld>
+  <p:clrMapOvr>
+    <a:masterClrMapping/>
+  </p:clrMapOvr>
+</p:sld>
+</file>
+
+<file path=ppt/slides/slide9.xml><?xml version="1.0" encoding="utf-8"?>
+<p:sld xmlns:a="http://schemas.openxmlformats.org/drawingml/2006/main" xmlns:r="http://schemas.openxmlformats.org/officeDocument/2006/relationships" xmlns:p="http://schemas.openxmlformats.org/presentationml/2006/main">
+  <p:cSld>
+    <p:spTree>
+      <p:nvGrpSpPr>
+        <p:cNvPr id="1" name=""/>
+        <p:cNvGrpSpPr/>
+        <p:nvPr/>
+      </p:nvGrpSpPr>
+      <p:grpSpPr>
+        <a:xfrm>
+          <a:off x="0" y="0"/>
+          <a:ext cx="0" cy="0"/>
+          <a:chOff x="0" y="0"/>
+          <a:chExt cx="0" cy="0"/>
+        </a:xfrm>
+      </p:grpSpPr>
+      <p:sp>
+        <p:nvSpPr>
+          <p:cNvPr id="2" name="Title 1">
+            <a:extLst>
+              <a:ext uri="{FF2B5EF4-FFF2-40B4-BE49-F238E27FC236}">
                 <a16:creationId xmlns:a16="http://schemas.microsoft.com/office/drawing/2014/main" id="{3D115AA6-9127-41CF-A842-BB7664BF5142}"/>
               </a:ext>
             </a:extLst>
@@ -6319,13 +8885,19 @@
           <a:p>
             <a:r>
               <a:rPr lang="en-US" b="1" dirty="0"/>
+              <a:t>Services Registry</a:t>
+            </a:r>
+          </a:p>
+          <a:p>
+            <a:r>
+              <a:rPr lang="en-US" b="1" dirty="0"/>
+              <a:t>Feign Client</a:t>
+            </a:r>
+          </a:p>
+          <a:p>
+            <a:r>
+              <a:rPr lang="en-US" b="1" dirty="0"/>
               <a:t>API Gateway</a:t>
-            </a:r>
-          </a:p>
-          <a:p>
-            <a:r>
-              <a:rPr lang="en-US" b="1" dirty="0"/>
-              <a:t>Services Registry</a:t>
             </a:r>
           </a:p>
           <a:p>
@@ -6335,10 +8907,9 @@
             </a:r>
           </a:p>
           <a:p>
-            <a:r>
-              <a:rPr lang="en-US" b="1" dirty="0"/>
-              <a:t>Feign Client</a:t>
-            </a:r>
+            <a:endParaRPr lang="en-US" b="1" dirty="0"/>
+          </a:p>
+          <a:p>
             <a:endParaRPr lang="en-US" dirty="0"/>
           </a:p>
           <a:p>
@@ -6440,826 +9011,6 @@
     <p:extLst>
       <p:ext uri="{BB962C8B-B14F-4D97-AF65-F5344CB8AC3E}">
         <p14:creationId xmlns:p14="http://schemas.microsoft.com/office/powerpoint/2010/main" val="968158582"/>
-      </p:ext>
-    </p:extLst>
-  </p:cSld>
-  <p:clrMapOvr>
-    <a:masterClrMapping/>
-  </p:clrMapOvr>
-</p:sld>
-</file>
-
-<file path=ppt/slides/slide3.xml><?xml version="1.0" encoding="utf-8"?>
-<p:sld xmlns:a="http://schemas.openxmlformats.org/drawingml/2006/main" xmlns:r="http://schemas.openxmlformats.org/officeDocument/2006/relationships" xmlns:p="http://schemas.openxmlformats.org/presentationml/2006/main">
-  <p:cSld>
-    <p:spTree>
-      <p:nvGrpSpPr>
-        <p:cNvPr id="1" name=""/>
-        <p:cNvGrpSpPr/>
-        <p:nvPr/>
-      </p:nvGrpSpPr>
-      <p:grpSpPr>
-        <a:xfrm>
-          <a:off x="0" y="0"/>
-          <a:ext cx="0" cy="0"/>
-          <a:chOff x="0" y="0"/>
-          <a:chExt cx="0" cy="0"/>
-        </a:xfrm>
-      </p:grpSpPr>
-      <p:grpSp>
-        <p:nvGrpSpPr>
-          <p:cNvPr id="22" name="Group 21">
-            <a:extLst>
-              <a:ext uri="{FF2B5EF4-FFF2-40B4-BE49-F238E27FC236}">
-                <a16:creationId xmlns:a16="http://schemas.microsoft.com/office/drawing/2014/main" id="{FDAAA1AD-6951-4DB6-A56C-16714CEE5790}"/>
-              </a:ext>
-            </a:extLst>
-          </p:cNvPr>
-          <p:cNvGrpSpPr/>
-          <p:nvPr/>
-        </p:nvGrpSpPr>
-        <p:grpSpPr>
-          <a:xfrm>
-            <a:off x="923009" y="3846597"/>
-            <a:ext cx="4935588" cy="1320800"/>
-            <a:chOff x="4990309" y="2102107"/>
-            <a:chExt cx="1422204" cy="3215606"/>
-          </a:xfrm>
-        </p:grpSpPr>
-        <p:sp>
-          <p:nvSpPr>
-            <p:cNvPr id="23" name="Cube 22">
-              <a:extLst>
-                <a:ext uri="{FF2B5EF4-FFF2-40B4-BE49-F238E27FC236}">
-                  <a16:creationId xmlns:a16="http://schemas.microsoft.com/office/drawing/2014/main" id="{F70D70D6-4072-4C76-8103-F6A6B7BCC014}"/>
-                </a:ext>
-              </a:extLst>
-            </p:cNvPr>
-            <p:cNvSpPr/>
-            <p:nvPr/>
-          </p:nvSpPr>
-          <p:spPr>
-            <a:xfrm>
-              <a:off x="4990309" y="2102107"/>
-              <a:ext cx="1020819" cy="3215606"/>
-            </a:xfrm>
-            <a:prstGeom prst="cube">
-              <a:avLst>
-                <a:gd name="adj" fmla="val 6479"/>
-              </a:avLst>
-            </a:prstGeom>
-            <a:ln/>
-          </p:spPr>
-          <p:style>
-            <a:lnRef idx="1">
-              <a:schemeClr val="dk1"/>
-            </a:lnRef>
-            <a:fillRef idx="2">
-              <a:schemeClr val="dk1"/>
-            </a:fillRef>
-            <a:effectRef idx="1">
-              <a:schemeClr val="dk1"/>
-            </a:effectRef>
-            <a:fontRef idx="minor">
-              <a:schemeClr val="dk1"/>
-            </a:fontRef>
-          </p:style>
-          <p:txBody>
-            <a:bodyPr rtlCol="0" anchor="ctr"/>
-            <a:lstStyle/>
-            <a:p>
-              <a:pPr algn="ctr"/>
-              <a:endParaRPr lang="en-US" dirty="0"/>
-            </a:p>
-          </p:txBody>
-        </p:sp>
-        <p:sp>
-          <p:nvSpPr>
-            <p:cNvPr id="24" name="TextBox 23">
-              <a:extLst>
-                <a:ext uri="{FF2B5EF4-FFF2-40B4-BE49-F238E27FC236}">
-                  <a16:creationId xmlns:a16="http://schemas.microsoft.com/office/drawing/2014/main" id="{F2338911-D166-4CC7-A012-BAE1E5B174C7}"/>
-                </a:ext>
-              </a:extLst>
-            </p:cNvPr>
-            <p:cNvSpPr txBox="1"/>
-            <p:nvPr/>
-          </p:nvSpPr>
-          <p:spPr>
-            <a:xfrm rot="16200000">
-              <a:off x="4952814" y="3415800"/>
-              <a:ext cx="2303845" cy="615553"/>
-            </a:xfrm>
-            <a:prstGeom prst="rect">
-              <a:avLst/>
-            </a:prstGeom>
-            <a:noFill/>
-          </p:spPr>
-          <p:txBody>
-            <a:bodyPr wrap="square" rtlCol="0">
-              <a:spAutoFit/>
-            </a:bodyPr>
-            <a:lstStyle/>
-            <a:p>
-              <a:r>
-                <a:rPr lang="en-US" sz="1600" dirty="0">
-                  <a:solidFill>
-                    <a:schemeClr val="bg1">
-                      <a:lumMod val="95000"/>
-                    </a:schemeClr>
-                  </a:solidFill>
-                </a:rPr>
-                <a:t>Services Registry</a:t>
-              </a:r>
-            </a:p>
-            <a:p>
-              <a:endParaRPr lang="en-US" dirty="0">
-                <a:solidFill>
-                  <a:schemeClr val="bg1">
-                    <a:lumMod val="95000"/>
-                  </a:schemeClr>
-                </a:solidFill>
-              </a:endParaRPr>
-            </a:p>
-          </p:txBody>
-        </p:sp>
-      </p:grpSp>
-      <p:sp>
-        <p:nvSpPr>
-          <p:cNvPr id="2" name="Title 1">
-            <a:extLst>
-              <a:ext uri="{FF2B5EF4-FFF2-40B4-BE49-F238E27FC236}">
-                <a16:creationId xmlns:a16="http://schemas.microsoft.com/office/drawing/2014/main" id="{1E90F863-7245-4F5E-AC76-10526DDD63DA}"/>
-              </a:ext>
-            </a:extLst>
-          </p:cNvPr>
-          <p:cNvSpPr>
-            <a:spLocks noGrp="1"/>
-          </p:cNvSpPr>
-          <p:nvPr>
-            <p:ph type="title"/>
-          </p:nvPr>
-        </p:nvSpPr>
-        <p:spPr>
-          <a:xfrm>
-            <a:off x="677334" y="609600"/>
-            <a:ext cx="8596668" cy="1320800"/>
-          </a:xfrm>
-        </p:spPr>
-        <p:txBody>
-          <a:bodyPr/>
-          <a:lstStyle/>
-          <a:p>
-            <a:r>
-              <a:rPr lang="en-US" dirty="0"/>
-              <a:t>Simple Demo Monolith Application</a:t>
-            </a:r>
-          </a:p>
-        </p:txBody>
-      </p:sp>
-      <p:sp>
-        <p:nvSpPr>
-          <p:cNvPr id="20" name="Flowchart: Magnetic Disk 19">
-            <a:extLst>
-              <a:ext uri="{FF2B5EF4-FFF2-40B4-BE49-F238E27FC236}">
-                <a16:creationId xmlns:a16="http://schemas.microsoft.com/office/drawing/2014/main" id="{7C631CDC-342C-4F60-B45C-2504BB24495A}"/>
-              </a:ext>
-            </a:extLst>
-          </p:cNvPr>
-          <p:cNvSpPr/>
-          <p:nvPr/>
-        </p:nvSpPr>
-        <p:spPr>
-          <a:xfrm>
-            <a:off x="2471068" y="5285112"/>
-            <a:ext cx="788632" cy="792415"/>
-          </a:xfrm>
-          <a:prstGeom prst="flowChartMagneticDisk">
-            <a:avLst/>
-          </a:prstGeom>
-          <a:solidFill>
-            <a:srgbClr val="E3D14B"/>
-          </a:solidFill>
-        </p:spPr>
-        <p:style>
-          <a:lnRef idx="2">
-            <a:schemeClr val="dk1"/>
-          </a:lnRef>
-          <a:fillRef idx="1">
-            <a:schemeClr val="lt1"/>
-          </a:fillRef>
-          <a:effectRef idx="0">
-            <a:schemeClr val="dk1"/>
-          </a:effectRef>
-          <a:fontRef idx="minor">
-            <a:schemeClr val="dk1"/>
-          </a:fontRef>
-        </p:style>
-        <p:txBody>
-          <a:bodyPr rtlCol="0" anchor="ctr"/>
-          <a:lstStyle/>
-          <a:p>
-            <a:pPr algn="ctr"/>
-            <a:r>
-              <a:rPr lang="en-US" sz="1600" dirty="0"/>
-              <a:t>DB</a:t>
-            </a:r>
-          </a:p>
-        </p:txBody>
-      </p:sp>
-      <p:sp>
-        <p:nvSpPr>
-          <p:cNvPr id="21" name="Arrow: Up-Down 20">
-            <a:extLst>
-              <a:ext uri="{FF2B5EF4-FFF2-40B4-BE49-F238E27FC236}">
-                <a16:creationId xmlns:a16="http://schemas.microsoft.com/office/drawing/2014/main" id="{97C0E7B2-C1A6-419D-A5A1-98E7D3406FD9}"/>
-              </a:ext>
-            </a:extLst>
-          </p:cNvPr>
-          <p:cNvSpPr/>
-          <p:nvPr/>
-        </p:nvSpPr>
-        <p:spPr>
-          <a:xfrm>
-            <a:off x="2694327" y="4981141"/>
-            <a:ext cx="342115" cy="506943"/>
-          </a:xfrm>
-          <a:prstGeom prst="upDownArrow">
-            <a:avLst/>
-          </a:prstGeom>
-        </p:spPr>
-        <p:style>
-          <a:lnRef idx="1">
-            <a:schemeClr val="dk1"/>
-          </a:lnRef>
-          <a:fillRef idx="2">
-            <a:schemeClr val="dk1"/>
-          </a:fillRef>
-          <a:effectRef idx="1">
-            <a:schemeClr val="dk1"/>
-          </a:effectRef>
-          <a:fontRef idx="minor">
-            <a:schemeClr val="dk1"/>
-          </a:fontRef>
-        </p:style>
-        <p:txBody>
-          <a:bodyPr rtlCol="0" anchor="ctr"/>
-          <a:lstStyle/>
-          <a:p>
-            <a:pPr algn="ctr"/>
-            <a:endParaRPr lang="en-US" dirty="0"/>
-          </a:p>
-        </p:txBody>
-      </p:sp>
-      <p:sp>
-        <p:nvSpPr>
-          <p:cNvPr id="25" name="Flowchart: Magnetic Disk 24">
-            <a:extLst>
-              <a:ext uri="{FF2B5EF4-FFF2-40B4-BE49-F238E27FC236}">
-                <a16:creationId xmlns:a16="http://schemas.microsoft.com/office/drawing/2014/main" id="{F033EAC5-FD0D-48BE-AF1C-E9FCF820BA67}"/>
-              </a:ext>
-            </a:extLst>
-          </p:cNvPr>
-          <p:cNvSpPr/>
-          <p:nvPr/>
-        </p:nvSpPr>
-        <p:spPr>
-          <a:xfrm>
-            <a:off x="986767" y="5285112"/>
-            <a:ext cx="788632" cy="792415"/>
-          </a:xfrm>
-          <a:prstGeom prst="flowChartMagneticDisk">
-            <a:avLst/>
-          </a:prstGeom>
-          <a:solidFill>
-            <a:srgbClr val="E3D14B"/>
-          </a:solidFill>
-        </p:spPr>
-        <p:style>
-          <a:lnRef idx="2">
-            <a:schemeClr val="dk1"/>
-          </a:lnRef>
-          <a:fillRef idx="1">
-            <a:schemeClr val="lt1"/>
-          </a:fillRef>
-          <a:effectRef idx="0">
-            <a:schemeClr val="dk1"/>
-          </a:effectRef>
-          <a:fontRef idx="minor">
-            <a:schemeClr val="dk1"/>
-          </a:fontRef>
-        </p:style>
-        <p:txBody>
-          <a:bodyPr rtlCol="0" anchor="ctr"/>
-          <a:lstStyle/>
-          <a:p>
-            <a:pPr algn="ctr"/>
-            <a:r>
-              <a:rPr lang="en-US" sz="1600" dirty="0"/>
-              <a:t>DB</a:t>
-            </a:r>
-          </a:p>
-        </p:txBody>
-      </p:sp>
-      <p:sp>
-        <p:nvSpPr>
-          <p:cNvPr id="26" name="Arrow: Up-Down 25">
-            <a:extLst>
-              <a:ext uri="{FF2B5EF4-FFF2-40B4-BE49-F238E27FC236}">
-                <a16:creationId xmlns:a16="http://schemas.microsoft.com/office/drawing/2014/main" id="{4F748307-FE0A-409C-BB22-A62B84301758}"/>
-              </a:ext>
-            </a:extLst>
-          </p:cNvPr>
-          <p:cNvSpPr/>
-          <p:nvPr/>
-        </p:nvSpPr>
-        <p:spPr>
-          <a:xfrm>
-            <a:off x="1210026" y="5000485"/>
-            <a:ext cx="342115" cy="506943"/>
-          </a:xfrm>
-          <a:prstGeom prst="upDownArrow">
-            <a:avLst/>
-          </a:prstGeom>
-        </p:spPr>
-        <p:style>
-          <a:lnRef idx="1">
-            <a:schemeClr val="dk1"/>
-          </a:lnRef>
-          <a:fillRef idx="2">
-            <a:schemeClr val="dk1"/>
-          </a:fillRef>
-          <a:effectRef idx="1">
-            <a:schemeClr val="dk1"/>
-          </a:effectRef>
-          <a:fontRef idx="minor">
-            <a:schemeClr val="dk1"/>
-          </a:fontRef>
-        </p:style>
-        <p:txBody>
-          <a:bodyPr rtlCol="0" anchor="ctr"/>
-          <a:lstStyle/>
-          <a:p>
-            <a:pPr algn="ctr"/>
-            <a:endParaRPr lang="en-US" dirty="0"/>
-          </a:p>
-        </p:txBody>
-      </p:sp>
-      <p:sp>
-        <p:nvSpPr>
-          <p:cNvPr id="27" name="Cube 26">
-            <a:extLst>
-              <a:ext uri="{FF2B5EF4-FFF2-40B4-BE49-F238E27FC236}">
-                <a16:creationId xmlns:a16="http://schemas.microsoft.com/office/drawing/2014/main" id="{1B9689C9-FE4B-4191-8DE7-4E63A934A127}"/>
-              </a:ext>
-            </a:extLst>
-          </p:cNvPr>
-          <p:cNvSpPr/>
-          <p:nvPr/>
-        </p:nvSpPr>
-        <p:spPr>
-          <a:xfrm>
-            <a:off x="677334" y="4100231"/>
-            <a:ext cx="1398320" cy="958686"/>
-          </a:xfrm>
-          <a:prstGeom prst="cube">
-            <a:avLst>
-              <a:gd name="adj" fmla="val 25278"/>
-            </a:avLst>
-          </a:prstGeom>
-        </p:spPr>
-        <p:style>
-          <a:lnRef idx="1">
-            <a:schemeClr val="accent4"/>
-          </a:lnRef>
-          <a:fillRef idx="2">
-            <a:schemeClr val="accent4"/>
-          </a:fillRef>
-          <a:effectRef idx="1">
-            <a:schemeClr val="accent4"/>
-          </a:effectRef>
-          <a:fontRef idx="minor">
-            <a:schemeClr val="dk1"/>
-          </a:fontRef>
-        </p:style>
-        <p:txBody>
-          <a:bodyPr rtlCol="0" anchor="ctr"/>
-          <a:lstStyle/>
-          <a:p>
-            <a:pPr algn="ctr"/>
-            <a:r>
-              <a:rPr lang="en-US" dirty="0">
-                <a:solidFill>
-                  <a:schemeClr val="bg1"/>
-                </a:solidFill>
-              </a:rPr>
-              <a:t>User Service</a:t>
-            </a:r>
-          </a:p>
-        </p:txBody>
-      </p:sp>
-      <p:sp>
-        <p:nvSpPr>
-          <p:cNvPr id="32" name="Arrow: Up-Down 31">
-            <a:extLst>
-              <a:ext uri="{FF2B5EF4-FFF2-40B4-BE49-F238E27FC236}">
-                <a16:creationId xmlns:a16="http://schemas.microsoft.com/office/drawing/2014/main" id="{BCC1B9FD-70A6-4E69-B0C7-4CCC7CF45CCE}"/>
-              </a:ext>
-            </a:extLst>
-          </p:cNvPr>
-          <p:cNvSpPr/>
-          <p:nvPr/>
-        </p:nvSpPr>
-        <p:spPr>
-          <a:xfrm>
-            <a:off x="1210026" y="3655501"/>
-            <a:ext cx="342115" cy="566732"/>
-          </a:xfrm>
-          <a:prstGeom prst="upDownArrow">
-            <a:avLst/>
-          </a:prstGeom>
-        </p:spPr>
-        <p:style>
-          <a:lnRef idx="1">
-            <a:schemeClr val="dk1"/>
-          </a:lnRef>
-          <a:fillRef idx="2">
-            <a:schemeClr val="dk1"/>
-          </a:fillRef>
-          <a:effectRef idx="1">
-            <a:schemeClr val="dk1"/>
-          </a:effectRef>
-          <a:fontRef idx="minor">
-            <a:schemeClr val="dk1"/>
-          </a:fontRef>
-        </p:style>
-        <p:txBody>
-          <a:bodyPr rtlCol="0" anchor="ctr"/>
-          <a:lstStyle/>
-          <a:p>
-            <a:pPr algn="ctr"/>
-            <a:endParaRPr lang="en-US" dirty="0"/>
-          </a:p>
-        </p:txBody>
-      </p:sp>
-      <p:sp>
-        <p:nvSpPr>
-          <p:cNvPr id="29" name="Cube 28">
-            <a:extLst>
-              <a:ext uri="{FF2B5EF4-FFF2-40B4-BE49-F238E27FC236}">
-                <a16:creationId xmlns:a16="http://schemas.microsoft.com/office/drawing/2014/main" id="{50949CE4-8FF3-44A3-9FD8-F9D416D22A51}"/>
-              </a:ext>
-            </a:extLst>
-          </p:cNvPr>
-          <p:cNvSpPr/>
-          <p:nvPr/>
-        </p:nvSpPr>
-        <p:spPr>
-          <a:xfrm>
-            <a:off x="677334" y="2729505"/>
-            <a:ext cx="2915488" cy="1023101"/>
-          </a:xfrm>
-          <a:prstGeom prst="cube">
-            <a:avLst>
-              <a:gd name="adj" fmla="val 51041"/>
-            </a:avLst>
-          </a:prstGeom>
-        </p:spPr>
-        <p:style>
-          <a:lnRef idx="2">
-            <a:schemeClr val="accent2">
-              <a:shade val="50000"/>
-            </a:schemeClr>
-          </a:lnRef>
-          <a:fillRef idx="1">
-            <a:schemeClr val="accent2"/>
-          </a:fillRef>
-          <a:effectRef idx="0">
-            <a:schemeClr val="accent2"/>
-          </a:effectRef>
-          <a:fontRef idx="minor">
-            <a:schemeClr val="lt1"/>
-          </a:fontRef>
-        </p:style>
-        <p:txBody>
-          <a:bodyPr rtlCol="0" anchor="ctr"/>
-          <a:lstStyle/>
-          <a:p>
-            <a:pPr algn="ctr"/>
-            <a:r>
-              <a:rPr lang="en-US" dirty="0"/>
-              <a:t>API Gateway</a:t>
-            </a:r>
-          </a:p>
-        </p:txBody>
-      </p:sp>
-      <p:sp>
-        <p:nvSpPr>
-          <p:cNvPr id="30" name="Arrow: Up-Down 29">
-            <a:extLst>
-              <a:ext uri="{FF2B5EF4-FFF2-40B4-BE49-F238E27FC236}">
-                <a16:creationId xmlns:a16="http://schemas.microsoft.com/office/drawing/2014/main" id="{B13E7735-79F5-4564-9BBD-F918926CBDBB}"/>
-              </a:ext>
-            </a:extLst>
-          </p:cNvPr>
-          <p:cNvSpPr/>
-          <p:nvPr/>
-        </p:nvSpPr>
-        <p:spPr>
-          <a:xfrm>
-            <a:off x="1855512" y="2679784"/>
-            <a:ext cx="342115" cy="506943"/>
-          </a:xfrm>
-          <a:prstGeom prst="upDownArrow">
-            <a:avLst/>
-          </a:prstGeom>
-        </p:spPr>
-        <p:style>
-          <a:lnRef idx="1">
-            <a:schemeClr val="dk1"/>
-          </a:lnRef>
-          <a:fillRef idx="2">
-            <a:schemeClr val="dk1"/>
-          </a:fillRef>
-          <a:effectRef idx="1">
-            <a:schemeClr val="dk1"/>
-          </a:effectRef>
-          <a:fontRef idx="minor">
-            <a:schemeClr val="dk1"/>
-          </a:fontRef>
-        </p:style>
-        <p:txBody>
-          <a:bodyPr rtlCol="0" anchor="ctr"/>
-          <a:lstStyle/>
-          <a:p>
-            <a:pPr algn="ctr"/>
-            <a:endParaRPr lang="en-US" dirty="0"/>
-          </a:p>
-        </p:txBody>
-      </p:sp>
-      <p:sp>
-        <p:nvSpPr>
-          <p:cNvPr id="31" name="Cube 30">
-            <a:extLst>
-              <a:ext uri="{FF2B5EF4-FFF2-40B4-BE49-F238E27FC236}">
-                <a16:creationId xmlns:a16="http://schemas.microsoft.com/office/drawing/2014/main" id="{8C66FECE-5B15-48F8-BD5F-B8FD21B796C1}"/>
-              </a:ext>
-            </a:extLst>
-          </p:cNvPr>
-          <p:cNvSpPr/>
-          <p:nvPr/>
-        </p:nvSpPr>
-        <p:spPr>
-          <a:xfrm>
-            <a:off x="739883" y="1732145"/>
-            <a:ext cx="2915488" cy="1023101"/>
-          </a:xfrm>
-          <a:prstGeom prst="cube">
-            <a:avLst>
-              <a:gd name="adj" fmla="val 51041"/>
-            </a:avLst>
-          </a:prstGeom>
-        </p:spPr>
-        <p:style>
-          <a:lnRef idx="2">
-            <a:schemeClr val="accent1">
-              <a:shade val="50000"/>
-            </a:schemeClr>
-          </a:lnRef>
-          <a:fillRef idx="1">
-            <a:schemeClr val="accent1"/>
-          </a:fillRef>
-          <a:effectRef idx="0">
-            <a:schemeClr val="accent1"/>
-          </a:effectRef>
-          <a:fontRef idx="minor">
-            <a:schemeClr val="lt1"/>
-          </a:fontRef>
-        </p:style>
-        <p:txBody>
-          <a:bodyPr rtlCol="0" anchor="ctr"/>
-          <a:lstStyle/>
-          <a:p>
-            <a:pPr algn="ctr"/>
-            <a:r>
-              <a:rPr lang="en-US" dirty="0"/>
-              <a:t>UI Layer</a:t>
-            </a:r>
-          </a:p>
-        </p:txBody>
-      </p:sp>
-      <p:sp>
-        <p:nvSpPr>
-          <p:cNvPr id="33" name="Arrow: Up-Down 32">
-            <a:extLst>
-              <a:ext uri="{FF2B5EF4-FFF2-40B4-BE49-F238E27FC236}">
-                <a16:creationId xmlns:a16="http://schemas.microsoft.com/office/drawing/2014/main" id="{7BFFC2F0-A0E3-481F-BFDC-1D8A7578DC04}"/>
-              </a:ext>
-            </a:extLst>
-          </p:cNvPr>
-          <p:cNvSpPr/>
-          <p:nvPr/>
-        </p:nvSpPr>
-        <p:spPr>
-          <a:xfrm rot="16200000">
-            <a:off x="1935763" y="4340831"/>
-            <a:ext cx="342115" cy="477484"/>
-          </a:xfrm>
-          <a:prstGeom prst="upDownArrow">
-            <a:avLst/>
-          </a:prstGeom>
-        </p:spPr>
-        <p:style>
-          <a:lnRef idx="1">
-            <a:schemeClr val="dk1"/>
-          </a:lnRef>
-          <a:fillRef idx="2">
-            <a:schemeClr val="dk1"/>
-          </a:fillRef>
-          <a:effectRef idx="1">
-            <a:schemeClr val="dk1"/>
-          </a:effectRef>
-          <a:fontRef idx="minor">
-            <a:schemeClr val="dk1"/>
-          </a:fontRef>
-        </p:style>
-        <p:txBody>
-          <a:bodyPr rtlCol="0" anchor="ctr"/>
-          <a:lstStyle/>
-          <a:p>
-            <a:pPr algn="ctr"/>
-            <a:endParaRPr lang="en-US" dirty="0"/>
-          </a:p>
-        </p:txBody>
-      </p:sp>
-      <p:sp>
-        <p:nvSpPr>
-          <p:cNvPr id="28" name="Cube 27">
-            <a:extLst>
-              <a:ext uri="{FF2B5EF4-FFF2-40B4-BE49-F238E27FC236}">
-                <a16:creationId xmlns:a16="http://schemas.microsoft.com/office/drawing/2014/main" id="{08A4BF41-65F9-44AB-BFB0-33B80C2659D4}"/>
-              </a:ext>
-            </a:extLst>
-          </p:cNvPr>
-          <p:cNvSpPr/>
-          <p:nvPr/>
-        </p:nvSpPr>
-        <p:spPr>
-          <a:xfrm>
-            <a:off x="2251144" y="4090995"/>
-            <a:ext cx="1398320" cy="958686"/>
-          </a:xfrm>
-          <a:prstGeom prst="cube">
-            <a:avLst>
-              <a:gd name="adj" fmla="val 25278"/>
-            </a:avLst>
-          </a:prstGeom>
-        </p:spPr>
-        <p:style>
-          <a:lnRef idx="1">
-            <a:schemeClr val="accent4"/>
-          </a:lnRef>
-          <a:fillRef idx="2">
-            <a:schemeClr val="accent4"/>
-          </a:fillRef>
-          <a:effectRef idx="1">
-            <a:schemeClr val="accent4"/>
-          </a:effectRef>
-          <a:fontRef idx="minor">
-            <a:schemeClr val="dk1"/>
-          </a:fontRef>
-        </p:style>
-        <p:txBody>
-          <a:bodyPr rtlCol="0" anchor="ctr"/>
-          <a:lstStyle/>
-          <a:p>
-            <a:pPr algn="ctr"/>
-            <a:r>
-              <a:rPr lang="en-US" dirty="0">
-                <a:solidFill>
-                  <a:schemeClr val="bg1"/>
-                </a:solidFill>
-              </a:rPr>
-              <a:t>Email</a:t>
-            </a:r>
-          </a:p>
-          <a:p>
-            <a:pPr algn="ctr"/>
-            <a:r>
-              <a:rPr lang="en-US" dirty="0">
-                <a:solidFill>
-                  <a:schemeClr val="bg1"/>
-                </a:solidFill>
-              </a:rPr>
-              <a:t>Service</a:t>
-            </a:r>
-          </a:p>
-        </p:txBody>
-      </p:sp>
-      <p:sp>
-        <p:nvSpPr>
-          <p:cNvPr id="34" name="TextBox 33">
-            <a:extLst>
-              <a:ext uri="{FF2B5EF4-FFF2-40B4-BE49-F238E27FC236}">
-                <a16:creationId xmlns:a16="http://schemas.microsoft.com/office/drawing/2014/main" id="{F4436F26-BDFB-4FD0-92AD-6D5855C49DDD}"/>
-              </a:ext>
-            </a:extLst>
-          </p:cNvPr>
-          <p:cNvSpPr txBox="1"/>
-          <p:nvPr/>
-        </p:nvSpPr>
-        <p:spPr>
-          <a:xfrm>
-            <a:off x="1001419" y="2763978"/>
-            <a:ext cx="2103325" cy="338554"/>
-          </a:xfrm>
-          <a:prstGeom prst="rect">
-            <a:avLst/>
-          </a:prstGeom>
-          <a:noFill/>
-        </p:spPr>
-        <p:txBody>
-          <a:bodyPr wrap="square" rtlCol="0">
-            <a:spAutoFit/>
-          </a:bodyPr>
-          <a:lstStyle/>
-          <a:p>
-            <a:r>
-              <a:rPr lang="en-US" sz="1600" dirty="0">
-                <a:solidFill>
-                  <a:schemeClr val="tx1">
-                    <a:lumMod val="95000"/>
-                    <a:lumOff val="5000"/>
-                  </a:schemeClr>
-                </a:solidFill>
-              </a:rPr>
-              <a:t>Exposed      REST</a:t>
-            </a:r>
-            <a:endParaRPr lang="en-US" dirty="0">
-              <a:solidFill>
-                <a:schemeClr val="tx1">
-                  <a:lumMod val="95000"/>
-                  <a:lumOff val="5000"/>
-                </a:schemeClr>
-              </a:solidFill>
-            </a:endParaRPr>
-          </a:p>
-        </p:txBody>
-      </p:sp>
-      <p:sp>
-        <p:nvSpPr>
-          <p:cNvPr id="35" name="TextBox 34">
-            <a:extLst>
-              <a:ext uri="{FF2B5EF4-FFF2-40B4-BE49-F238E27FC236}">
-                <a16:creationId xmlns:a16="http://schemas.microsoft.com/office/drawing/2014/main" id="{B30DE005-D4E8-4C3A-8D31-3A896258A4D8}"/>
-              </a:ext>
-            </a:extLst>
-          </p:cNvPr>
-          <p:cNvSpPr txBox="1"/>
-          <p:nvPr/>
-        </p:nvSpPr>
-        <p:spPr>
-          <a:xfrm>
-            <a:off x="1586380" y="4076159"/>
-            <a:ext cx="1518365" cy="338554"/>
-          </a:xfrm>
-          <a:prstGeom prst="rect">
-            <a:avLst/>
-          </a:prstGeom>
-          <a:noFill/>
-        </p:spPr>
-        <p:txBody>
-          <a:bodyPr wrap="square" rtlCol="0">
-            <a:spAutoFit/>
-          </a:bodyPr>
-          <a:lstStyle/>
-          <a:p>
-            <a:r>
-              <a:rPr lang="en-US" sz="1600" dirty="0">
-                <a:solidFill>
-                  <a:schemeClr val="tx1">
-                    <a:lumMod val="95000"/>
-                    <a:lumOff val="5000"/>
-                  </a:schemeClr>
-                </a:solidFill>
-              </a:rPr>
-              <a:t>Feign REST</a:t>
-            </a:r>
-            <a:endParaRPr lang="en-US" dirty="0">
-              <a:solidFill>
-                <a:schemeClr val="tx1">
-                  <a:lumMod val="95000"/>
-                  <a:lumOff val="5000"/>
-                </a:schemeClr>
-              </a:solidFill>
-            </a:endParaRPr>
-          </a:p>
-        </p:txBody>
-      </p:sp>
-    </p:spTree>
-    <p:extLst>
-      <p:ext uri="{BB962C8B-B14F-4D97-AF65-F5344CB8AC3E}">
-        <p14:creationId xmlns:p14="http://schemas.microsoft.com/office/powerpoint/2010/main" val="1308168526"/>
       </p:ext>
     </p:extLst>
   </p:cSld>

--- a/docs/Introduction_To_Microservices_Part_3_microservice.pptx
+++ b/docs/Introduction_To_Microservices_Part_3_microservice.pptx
@@ -5,18 +5,27 @@
     <p:sldMasterId id="2147483648" r:id="rId1"/>
   </p:sldMasterIdLst>
   <p:notesMasterIdLst>
-    <p:notesMasterId r:id="rId11"/>
+    <p:notesMasterId r:id="rId20"/>
   </p:notesMasterIdLst>
   <p:sldIdLst>
     <p:sldId id="256" r:id="rId2"/>
     <p:sldId id="274" r:id="rId3"/>
     <p:sldId id="275" r:id="rId4"/>
-    <p:sldId id="276" r:id="rId5"/>
-    <p:sldId id="277" r:id="rId6"/>
-    <p:sldId id="278" r:id="rId7"/>
-    <p:sldId id="279" r:id="rId8"/>
-    <p:sldId id="260" r:id="rId9"/>
-    <p:sldId id="273" r:id="rId10"/>
+    <p:sldId id="260" r:id="rId5"/>
+    <p:sldId id="276" r:id="rId6"/>
+    <p:sldId id="281" r:id="rId7"/>
+    <p:sldId id="282" r:id="rId8"/>
+    <p:sldId id="283" r:id="rId9"/>
+    <p:sldId id="278" r:id="rId10"/>
+    <p:sldId id="284" r:id="rId11"/>
+    <p:sldId id="285" r:id="rId12"/>
+    <p:sldId id="286" r:id="rId13"/>
+    <p:sldId id="277" r:id="rId14"/>
+    <p:sldId id="288" r:id="rId15"/>
+    <p:sldId id="289" r:id="rId16"/>
+    <p:sldId id="279" r:id="rId17"/>
+    <p:sldId id="290" r:id="rId18"/>
+    <p:sldId id="280" r:id="rId19"/>
   </p:sldIdLst>
   <p:sldSz cx="12192000" cy="6858000"/>
   <p:notesSz cx="6858000" cy="9144000"/>
@@ -205,7 +214,7 @@
           <a:p>
             <a:fld id="{DD57F23A-0794-4AF6-8931-826AE2291CB6}" type="datetimeFigureOut">
               <a:rPr lang="en-US" smtClean="0"/>
-              <a:t>8/6/2019</a:t>
+              <a:t>8/8/2019</a:t>
             </a:fld>
             <a:endParaRPr lang="en-US"/>
           </a:p>
@@ -771,7 +780,7 @@
           <a:p>
             <a:fld id="{18DDDED0-827B-4672-BD27-2B18B91C8AB8}" type="slidenum">
               <a:rPr lang="en-US" smtClean="0"/>
-              <a:t>4</a:t>
+              <a:t>5</a:t>
             </a:fld>
             <a:endParaRPr lang="en-US"/>
           </a:p>
@@ -835,10 +844,289 @@
           <a:lstStyle/>
           <a:p>
             <a:r>
+              <a:rPr lang="pl-PL" dirty="0" smtClean="0">
+                <a:hlinkClick r:id="rId3"/>
+              </a:rPr>
+              <a:t>https://cloud.spring.io/spring-cloud-config/reference/html/</a:t>
+            </a:r>
+            <a:endParaRPr lang="en-US" dirty="0" smtClean="0"/>
+          </a:p>
+        </p:txBody>
+      </p:sp>
+      <p:sp>
+        <p:nvSpPr>
+          <p:cNvPr id="4" name="Slide Number Placeholder 3"/>
+          <p:cNvSpPr>
+            <a:spLocks noGrp="1"/>
+          </p:cNvSpPr>
+          <p:nvPr>
+            <p:ph type="sldNum" sz="quarter" idx="10"/>
+          </p:nvPr>
+        </p:nvSpPr>
+        <p:spPr/>
+        <p:txBody>
+          <a:bodyPr/>
+          <a:lstStyle/>
+          <a:p>
+            <a:fld id="{18DDDED0-827B-4672-BD27-2B18B91C8AB8}" type="slidenum">
+              <a:rPr lang="en-US" smtClean="0"/>
+              <a:t>7</a:t>
+            </a:fld>
+            <a:endParaRPr lang="en-US"/>
+          </a:p>
+        </p:txBody>
+      </p:sp>
+    </p:spTree>
+    <p:extLst>
+      <p:ext uri="{BB962C8B-B14F-4D97-AF65-F5344CB8AC3E}">
+        <p14:creationId xmlns:p14="http://schemas.microsoft.com/office/powerpoint/2010/main" val="1101426540"/>
+      </p:ext>
+    </p:extLst>
+  </p:cSld>
+  <p:clrMapOvr>
+    <a:masterClrMapping/>
+  </p:clrMapOvr>
+</p:notes>
+</file>
+
+<file path=ppt/notesSlides/notesSlide5.xml><?xml version="1.0" encoding="utf-8"?>
+<p:notes xmlns:a="http://schemas.openxmlformats.org/drawingml/2006/main" xmlns:r="http://schemas.openxmlformats.org/officeDocument/2006/relationships" xmlns:p="http://schemas.openxmlformats.org/presentationml/2006/main">
+  <p:cSld>
+    <p:spTree>
+      <p:nvGrpSpPr>
+        <p:cNvPr id="1" name=""/>
+        <p:cNvGrpSpPr/>
+        <p:nvPr/>
+      </p:nvGrpSpPr>
+      <p:grpSpPr>
+        <a:xfrm>
+          <a:off x="0" y="0"/>
+          <a:ext cx="0" cy="0"/>
+          <a:chOff x="0" y="0"/>
+          <a:chExt cx="0" cy="0"/>
+        </a:xfrm>
+      </p:grpSpPr>
+      <p:sp>
+        <p:nvSpPr>
+          <p:cNvPr id="2" name="Slide Image Placeholder 1"/>
+          <p:cNvSpPr>
+            <a:spLocks noGrp="1" noRot="1" noChangeAspect="1"/>
+          </p:cNvSpPr>
+          <p:nvPr>
+            <p:ph type="sldImg"/>
+          </p:nvPr>
+        </p:nvSpPr>
+        <p:spPr/>
+      </p:sp>
+      <p:sp>
+        <p:nvSpPr>
+          <p:cNvPr id="3" name="Notes Placeholder 2"/>
+          <p:cNvSpPr>
+            <a:spLocks noGrp="1"/>
+          </p:cNvSpPr>
+          <p:nvPr>
+            <p:ph type="body" idx="1"/>
+          </p:nvPr>
+        </p:nvSpPr>
+        <p:spPr/>
+        <p:txBody>
+          <a:bodyPr/>
+          <a:lstStyle/>
+          <a:p>
+            <a:endParaRPr lang="pl-PL" dirty="0"/>
+          </a:p>
+        </p:txBody>
+      </p:sp>
+      <p:sp>
+        <p:nvSpPr>
+          <p:cNvPr id="4" name="Slide Number Placeholder 3"/>
+          <p:cNvSpPr>
+            <a:spLocks noGrp="1"/>
+          </p:cNvSpPr>
+          <p:nvPr>
+            <p:ph type="sldNum" sz="quarter" idx="10"/>
+          </p:nvPr>
+        </p:nvSpPr>
+        <p:spPr/>
+        <p:txBody>
+          <a:bodyPr/>
+          <a:lstStyle/>
+          <a:p>
+            <a:fld id="{18DDDED0-827B-4672-BD27-2B18B91C8AB8}" type="slidenum">
+              <a:rPr lang="en-US" smtClean="0"/>
+              <a:t>8</a:t>
+            </a:fld>
+            <a:endParaRPr lang="en-US"/>
+          </a:p>
+        </p:txBody>
+      </p:sp>
+    </p:spTree>
+    <p:extLst>
+      <p:ext uri="{BB962C8B-B14F-4D97-AF65-F5344CB8AC3E}">
+        <p14:creationId xmlns:p14="http://schemas.microsoft.com/office/powerpoint/2010/main" val="3757357799"/>
+      </p:ext>
+    </p:extLst>
+  </p:cSld>
+  <p:clrMapOvr>
+    <a:masterClrMapping/>
+  </p:clrMapOvr>
+</p:notes>
+</file>
+
+<file path=ppt/notesSlides/notesSlide6.xml><?xml version="1.0" encoding="utf-8"?>
+<p:notes xmlns:a="http://schemas.openxmlformats.org/drawingml/2006/main" xmlns:r="http://schemas.openxmlformats.org/officeDocument/2006/relationships" xmlns:p="http://schemas.openxmlformats.org/presentationml/2006/main">
+  <p:cSld>
+    <p:spTree>
+      <p:nvGrpSpPr>
+        <p:cNvPr id="1" name=""/>
+        <p:cNvGrpSpPr/>
+        <p:nvPr/>
+      </p:nvGrpSpPr>
+      <p:grpSpPr>
+        <a:xfrm>
+          <a:off x="0" y="0"/>
+          <a:ext cx="0" cy="0"/>
+          <a:chOff x="0" y="0"/>
+          <a:chExt cx="0" cy="0"/>
+        </a:xfrm>
+      </p:grpSpPr>
+      <p:sp>
+        <p:nvSpPr>
+          <p:cNvPr id="2" name="Slide Image Placeholder 1"/>
+          <p:cNvSpPr>
+            <a:spLocks noGrp="1" noRot="1" noChangeAspect="1"/>
+          </p:cNvSpPr>
+          <p:nvPr>
+            <p:ph type="sldImg"/>
+          </p:nvPr>
+        </p:nvSpPr>
+        <p:spPr/>
+      </p:sp>
+      <p:sp>
+        <p:nvSpPr>
+          <p:cNvPr id="3" name="Notes Placeholder 2"/>
+          <p:cNvSpPr>
+            <a:spLocks noGrp="1"/>
+          </p:cNvSpPr>
+          <p:nvPr>
+            <p:ph type="body" idx="1"/>
+          </p:nvPr>
+        </p:nvSpPr>
+        <p:spPr/>
+        <p:txBody>
+          <a:bodyPr/>
+          <a:lstStyle/>
+          <a:p>
+            <a:r>
+              <a:rPr lang="pl-PL" dirty="0" smtClean="0">
+                <a:hlinkClick r:id="rId3"/>
+              </a:rPr>
+              <a:t>http://jasonwilder.com/blog/2014/02/04/service-discovery-in-the-cloud/</a:t>
+            </a:r>
+            <a:endParaRPr lang="pl-PL" dirty="0"/>
+          </a:p>
+        </p:txBody>
+      </p:sp>
+      <p:sp>
+        <p:nvSpPr>
+          <p:cNvPr id="4" name="Slide Number Placeholder 3"/>
+          <p:cNvSpPr>
+            <a:spLocks noGrp="1"/>
+          </p:cNvSpPr>
+          <p:nvPr>
+            <p:ph type="sldNum" sz="quarter" idx="10"/>
+          </p:nvPr>
+        </p:nvSpPr>
+        <p:spPr/>
+        <p:txBody>
+          <a:bodyPr/>
+          <a:lstStyle/>
+          <a:p>
+            <a:fld id="{18DDDED0-827B-4672-BD27-2B18B91C8AB8}" type="slidenum">
+              <a:rPr lang="en-US" smtClean="0"/>
+              <a:t>9</a:t>
+            </a:fld>
+            <a:endParaRPr lang="en-US"/>
+          </a:p>
+        </p:txBody>
+      </p:sp>
+    </p:spTree>
+    <p:extLst>
+      <p:ext uri="{BB962C8B-B14F-4D97-AF65-F5344CB8AC3E}">
+        <p14:creationId xmlns:p14="http://schemas.microsoft.com/office/powerpoint/2010/main" val="3714828152"/>
+      </p:ext>
+    </p:extLst>
+  </p:cSld>
+  <p:clrMapOvr>
+    <a:masterClrMapping/>
+  </p:clrMapOvr>
+</p:notes>
+</file>
+
+<file path=ppt/notesSlides/notesSlide7.xml><?xml version="1.0" encoding="utf-8"?>
+<p:notes xmlns:a="http://schemas.openxmlformats.org/drawingml/2006/main" xmlns:r="http://schemas.openxmlformats.org/officeDocument/2006/relationships" xmlns:p="http://schemas.openxmlformats.org/presentationml/2006/main">
+  <p:cSld>
+    <p:spTree>
+      <p:nvGrpSpPr>
+        <p:cNvPr id="1" name=""/>
+        <p:cNvGrpSpPr/>
+        <p:nvPr/>
+      </p:nvGrpSpPr>
+      <p:grpSpPr>
+        <a:xfrm>
+          <a:off x="0" y="0"/>
+          <a:ext cx="0" cy="0"/>
+          <a:chOff x="0" y="0"/>
+          <a:chExt cx="0" cy="0"/>
+        </a:xfrm>
+      </p:grpSpPr>
+      <p:sp>
+        <p:nvSpPr>
+          <p:cNvPr id="2" name="Slide Image Placeholder 1"/>
+          <p:cNvSpPr>
+            <a:spLocks noGrp="1" noRot="1" noChangeAspect="1"/>
+          </p:cNvSpPr>
+          <p:nvPr>
+            <p:ph type="sldImg"/>
+          </p:nvPr>
+        </p:nvSpPr>
+        <p:spPr/>
+      </p:sp>
+      <p:sp>
+        <p:nvSpPr>
+          <p:cNvPr id="3" name="Notes Placeholder 2"/>
+          <p:cNvSpPr>
+            <a:spLocks noGrp="1"/>
+          </p:cNvSpPr>
+          <p:nvPr>
+            <p:ph type="body" idx="1"/>
+          </p:nvPr>
+        </p:nvSpPr>
+        <p:spPr/>
+        <p:txBody>
+          <a:bodyPr/>
+          <a:lstStyle/>
+          <a:p>
+            <a:r>
               <a:rPr lang="pl-PL" dirty="0">
                 <a:hlinkClick r:id="rId3"/>
               </a:rPr>
-              <a:t>https://medium.com/@coding4carnage/duplicate-cors-headers-with-zuul-proxy-and-spring-boot-security-205f85a7fefe</a:t>
+              <a:t>https://medium.com/@</a:t>
+            </a:r>
+            <a:r>
+              <a:rPr lang="pl-PL" dirty="0" smtClean="0">
+                <a:hlinkClick r:id="rId3"/>
+              </a:rPr>
+              <a:t>coding4carnage/duplicate-cors-headers-with-zuul-proxy-and-spring-boot-security-205f85a7fefe</a:t>
+            </a:r>
+            <a:endParaRPr lang="en-US" dirty="0" smtClean="0"/>
+          </a:p>
+          <a:p>
+            <a:r>
+              <a:rPr lang="pl-PL" dirty="0" smtClean="0">
+                <a:hlinkClick r:id="rId4"/>
+              </a:rPr>
+              <a:t>https://www.baeldung.com/zuul-load-balancing</a:t>
             </a:r>
             <a:endParaRPr lang="pl-PL" dirty="0"/>
           </a:p>
@@ -861,7 +1149,7 @@
           <a:p>
             <a:fld id="{18DDDED0-827B-4672-BD27-2B18B91C8AB8}" type="slidenum">
               <a:rPr lang="en-US" smtClean="0"/>
-              <a:t>5</a:t>
+              <a:t>13</a:t>
             </a:fld>
             <a:endParaRPr lang="en-US"/>
           </a:p>
@@ -871,6 +1159,96 @@
     <p:extLst>
       <p:ext uri="{BB962C8B-B14F-4D97-AF65-F5344CB8AC3E}">
         <p14:creationId xmlns:p14="http://schemas.microsoft.com/office/powerpoint/2010/main" val="3157166312"/>
+      </p:ext>
+    </p:extLst>
+  </p:cSld>
+  <p:clrMapOvr>
+    <a:masterClrMapping/>
+  </p:clrMapOvr>
+</p:notes>
+</file>
+
+<file path=ppt/notesSlides/notesSlide8.xml><?xml version="1.0" encoding="utf-8"?>
+<p:notes xmlns:a="http://schemas.openxmlformats.org/drawingml/2006/main" xmlns:r="http://schemas.openxmlformats.org/officeDocument/2006/relationships" xmlns:p="http://schemas.openxmlformats.org/presentationml/2006/main">
+  <p:cSld>
+    <p:spTree>
+      <p:nvGrpSpPr>
+        <p:cNvPr id="1" name=""/>
+        <p:cNvGrpSpPr/>
+        <p:nvPr/>
+      </p:nvGrpSpPr>
+      <p:grpSpPr>
+        <a:xfrm>
+          <a:off x="0" y="0"/>
+          <a:ext cx="0" cy="0"/>
+          <a:chOff x="0" y="0"/>
+          <a:chExt cx="0" cy="0"/>
+        </a:xfrm>
+      </p:grpSpPr>
+      <p:sp>
+        <p:nvSpPr>
+          <p:cNvPr id="2" name="Slide Image Placeholder 1"/>
+          <p:cNvSpPr>
+            <a:spLocks noGrp="1" noRot="1" noChangeAspect="1"/>
+          </p:cNvSpPr>
+          <p:nvPr>
+            <p:ph type="sldImg"/>
+          </p:nvPr>
+        </p:nvSpPr>
+        <p:spPr/>
+      </p:sp>
+      <p:sp>
+        <p:nvSpPr>
+          <p:cNvPr id="3" name="Notes Placeholder 2"/>
+          <p:cNvSpPr>
+            <a:spLocks noGrp="1"/>
+          </p:cNvSpPr>
+          <p:nvPr>
+            <p:ph type="body" idx="1"/>
+          </p:nvPr>
+        </p:nvSpPr>
+        <p:spPr/>
+        <p:txBody>
+          <a:bodyPr/>
+          <a:lstStyle/>
+          <a:p>
+            <a:r>
+              <a:rPr lang="pl-PL" dirty="0" smtClean="0">
+                <a:hlinkClick r:id="rId3"/>
+              </a:rPr>
+              <a:t>http://appsdeveloperblog.com/zuul-api-gateway-tutorial/</a:t>
+            </a:r>
+            <a:endParaRPr lang="pl-PL" dirty="0"/>
+          </a:p>
+        </p:txBody>
+      </p:sp>
+      <p:sp>
+        <p:nvSpPr>
+          <p:cNvPr id="4" name="Slide Number Placeholder 3"/>
+          <p:cNvSpPr>
+            <a:spLocks noGrp="1"/>
+          </p:cNvSpPr>
+          <p:nvPr>
+            <p:ph type="sldNum" sz="quarter" idx="10"/>
+          </p:nvPr>
+        </p:nvSpPr>
+        <p:spPr/>
+        <p:txBody>
+          <a:bodyPr/>
+          <a:lstStyle/>
+          <a:p>
+            <a:fld id="{18DDDED0-827B-4672-BD27-2B18B91C8AB8}" type="slidenum">
+              <a:rPr lang="en-US" smtClean="0"/>
+              <a:t>15</a:t>
+            </a:fld>
+            <a:endParaRPr lang="en-US"/>
+          </a:p>
+        </p:txBody>
+      </p:sp>
+    </p:spTree>
+    <p:extLst>
+      <p:ext uri="{BB962C8B-B14F-4D97-AF65-F5344CB8AC3E}">
+        <p14:creationId xmlns:p14="http://schemas.microsoft.com/office/powerpoint/2010/main" val="487374851"/>
       </p:ext>
     </p:extLst>
   </p:cSld>
@@ -1626,7 +2004,7 @@
             <a:fld id="{B61BEF0D-F0BB-DE4B-95CE-6DB70DBA9567}" type="datetimeFigureOut">
               <a:rPr lang="en-US" dirty="0"/>
               <a:pPr/>
-              <a:t>8/6/2019</a:t>
+              <a:t>8/8/2019</a:t>
             </a:fld>
             <a:endParaRPr lang="en-US" dirty="0"/>
           </a:p>
@@ -1874,7 +2252,7 @@
             <a:fld id="{B61BEF0D-F0BB-DE4B-95CE-6DB70DBA9567}" type="datetimeFigureOut">
               <a:rPr lang="en-US" dirty="0"/>
               <a:pPr/>
-              <a:t>8/6/2019</a:t>
+              <a:t>8/8/2019</a:t>
             </a:fld>
             <a:endParaRPr lang="en-US" dirty="0"/>
           </a:p>
@@ -2185,7 +2563,7 @@
             <a:fld id="{B61BEF0D-F0BB-DE4B-95CE-6DB70DBA9567}" type="datetimeFigureOut">
               <a:rPr lang="en-US" dirty="0"/>
               <a:pPr/>
-              <a:t>8/6/2019</a:t>
+              <a:t>8/8/2019</a:t>
             </a:fld>
             <a:endParaRPr lang="en-US" dirty="0"/>
           </a:p>
@@ -2515,7 +2893,7 @@
             <a:fld id="{B61BEF0D-F0BB-DE4B-95CE-6DB70DBA9567}" type="datetimeFigureOut">
               <a:rPr lang="en-US" dirty="0"/>
               <a:pPr/>
-              <a:t>8/6/2019</a:t>
+              <a:t>8/8/2019</a:t>
             </a:fld>
             <a:endParaRPr lang="en-US" dirty="0"/>
           </a:p>
@@ -2826,7 +3204,7 @@
             <a:fld id="{B61BEF0D-F0BB-DE4B-95CE-6DB70DBA9567}" type="datetimeFigureOut">
               <a:rPr lang="en-US" dirty="0"/>
               <a:pPr/>
-              <a:t>8/6/2019</a:t>
+              <a:t>8/8/2019</a:t>
             </a:fld>
             <a:endParaRPr lang="en-US" dirty="0"/>
           </a:p>
@@ -3216,7 +3594,7 @@
             <a:fld id="{B61BEF0D-F0BB-DE4B-95CE-6DB70DBA9567}" type="datetimeFigureOut">
               <a:rPr lang="en-US" dirty="0"/>
               <a:pPr/>
-              <a:t>8/6/2019</a:t>
+              <a:t>8/8/2019</a:t>
             </a:fld>
             <a:endParaRPr lang="en-US" dirty="0"/>
           </a:p>
@@ -3382,7 +3760,7 @@
           <a:p>
             <a:fld id="{55C6B4A9-1611-4792-9094-5F34BCA07E0B}" type="datetimeFigureOut">
               <a:rPr lang="en-US" dirty="0"/>
-              <a:t>8/6/2019</a:t>
+              <a:t>8/8/2019</a:t>
             </a:fld>
             <a:endParaRPr lang="en-US" dirty="0"/>
           </a:p>
@@ -3558,7 +3936,7 @@
             <a:fld id="{B61BEF0D-F0BB-DE4B-95CE-6DB70DBA9567}" type="datetimeFigureOut">
               <a:rPr lang="en-US" dirty="0"/>
               <a:pPr/>
-              <a:t>8/6/2019</a:t>
+              <a:t>8/8/2019</a:t>
             </a:fld>
             <a:endParaRPr lang="en-US" dirty="0"/>
           </a:p>
@@ -3724,7 +4102,7 @@
           <a:p>
             <a:fld id="{42A54C80-263E-416B-A8E0-580EDEADCBDC}" type="datetimeFigureOut">
               <a:rPr lang="en-US" dirty="0"/>
-              <a:t>8/6/2019</a:t>
+              <a:t>8/8/2019</a:t>
             </a:fld>
             <a:endParaRPr lang="en-US" dirty="0"/>
           </a:p>
@@ -3967,7 +4345,7 @@
             <a:fld id="{B61BEF0D-F0BB-DE4B-95CE-6DB70DBA9567}" type="datetimeFigureOut">
               <a:rPr lang="en-US" dirty="0"/>
               <a:pPr/>
-              <a:t>8/6/2019</a:t>
+              <a:t>8/8/2019</a:t>
             </a:fld>
             <a:endParaRPr lang="en-US" dirty="0"/>
           </a:p>
@@ -4195,7 +4573,7 @@
           <a:p>
             <a:fld id="{42A54C80-263E-416B-A8E0-580EDEADCBDC}" type="datetimeFigureOut">
               <a:rPr lang="en-US" dirty="0"/>
-              <a:t>8/6/2019</a:t>
+              <a:t>8/8/2019</a:t>
             </a:fld>
             <a:endParaRPr lang="en-US" dirty="0"/>
           </a:p>
@@ -4565,7 +4943,7 @@
             <a:fld id="{B61BEF0D-F0BB-DE4B-95CE-6DB70DBA9567}" type="datetimeFigureOut">
               <a:rPr lang="en-US" dirty="0"/>
               <a:pPr/>
-              <a:t>8/6/2019</a:t>
+              <a:t>8/8/2019</a:t>
             </a:fld>
             <a:endParaRPr lang="en-US" dirty="0"/>
           </a:p>
@@ -4685,7 +5063,7 @@
             <a:fld id="{B61BEF0D-F0BB-DE4B-95CE-6DB70DBA9567}" type="datetimeFigureOut">
               <a:rPr lang="en-US" dirty="0"/>
               <a:pPr/>
-              <a:t>8/6/2019</a:t>
+              <a:t>8/8/2019</a:t>
             </a:fld>
             <a:endParaRPr lang="en-US" dirty="0"/>
           </a:p>
@@ -4777,7 +5155,7 @@
             <a:fld id="{B61BEF0D-F0BB-DE4B-95CE-6DB70DBA9567}" type="datetimeFigureOut">
               <a:rPr lang="en-US" dirty="0"/>
               <a:pPr/>
-              <a:t>8/6/2019</a:t>
+              <a:t>8/8/2019</a:t>
             </a:fld>
             <a:endParaRPr lang="en-US" dirty="0"/>
           </a:p>
@@ -5028,7 +5406,7 @@
           <a:p>
             <a:fld id="{42A54C80-263E-416B-A8E0-580EDEADCBDC}" type="datetimeFigureOut">
               <a:rPr lang="en-US" dirty="0"/>
-              <a:t>8/6/2019</a:t>
+              <a:t>8/8/2019</a:t>
             </a:fld>
             <a:endParaRPr lang="en-US" dirty="0"/>
           </a:p>
@@ -5330,7 +5708,7 @@
             <a:fld id="{B61BEF0D-F0BB-DE4B-95CE-6DB70DBA9567}" type="datetimeFigureOut">
               <a:rPr lang="en-US" dirty="0"/>
               <a:pPr/>
-              <a:t>8/6/2019</a:t>
+              <a:t>8/8/2019</a:t>
             </a:fld>
             <a:endParaRPr lang="en-US" dirty="0"/>
           </a:p>
@@ -6028,7 +6406,7 @@
             <a:fld id="{B61BEF0D-F0BB-DE4B-95CE-6DB70DBA9567}" type="datetimeFigureOut">
               <a:rPr lang="en-US" dirty="0"/>
               <a:pPr/>
-              <a:t>8/6/2019</a:t>
+              <a:t>8/8/2019</a:t>
             </a:fld>
             <a:endParaRPr lang="en-US" dirty="0"/>
           </a:p>
@@ -6650,7 +7028,7 @@
 </p:sld>
 </file>
 
-<file path=ppt/slides/slide2.xml><?xml version="1.0" encoding="utf-8"?>
+<file path=ppt/slides/slide10.xml><?xml version="1.0" encoding="utf-8"?>
 <p:sld xmlns:a="http://schemas.openxmlformats.org/drawingml/2006/main" xmlns:r="http://schemas.openxmlformats.org/officeDocument/2006/relationships" xmlns:p="http://schemas.openxmlformats.org/presentationml/2006/main">
   <p:cSld>
     <p:spTree>
@@ -6669,13 +7047,7 @@
       </p:grpSpPr>
       <p:sp>
         <p:nvSpPr>
-          <p:cNvPr id="2" name="Title 1">
-            <a:extLst>
-              <a:ext uri="{FF2B5EF4-FFF2-40B4-BE49-F238E27FC236}">
-                <a16:creationId xmlns:a16="http://schemas.microsoft.com/office/drawing/2014/main" id="{E3AA0351-1C05-4D0D-90B7-8E1401663B66}"/>
-              </a:ext>
-            </a:extLst>
-          </p:cNvPr>
+          <p:cNvPr id="2" name="Title 1"/>
           <p:cNvSpPr>
             <a:spLocks noGrp="1"/>
           </p:cNvSpPr>
@@ -6690,7 +7062,15 @@
           <a:p>
             <a:r>
               <a:rPr lang="en-US" dirty="0"/>
-              <a:t>Pain of decomposition</a:t>
+              <a:t>How to create </a:t>
+            </a:r>
+            <a:r>
+              <a:rPr lang="pl-PL" dirty="0"/>
+              <a:t>Discovery Server</a:t>
+            </a:r>
+            <a:r>
+              <a:rPr lang="en-US" dirty="0" smtClean="0"/>
+              <a:t>?</a:t>
             </a:r>
             <a:endParaRPr lang="pl-PL" dirty="0"/>
           </a:p>
@@ -6698,13 +7078,7 @@
       </p:sp>
       <p:sp>
         <p:nvSpPr>
-          <p:cNvPr id="3" name="Content Placeholder 2">
-            <a:extLst>
-              <a:ext uri="{FF2B5EF4-FFF2-40B4-BE49-F238E27FC236}">
-                <a16:creationId xmlns:a16="http://schemas.microsoft.com/office/drawing/2014/main" id="{5DDDF78E-AE51-4567-979F-9800715067C8}"/>
-              </a:ext>
-            </a:extLst>
-          </p:cNvPr>
+          <p:cNvPr id="5" name="Content Placeholder 2"/>
           <p:cNvSpPr>
             <a:spLocks noGrp="1"/>
           </p:cNvSpPr>
@@ -6714,8 +7088,8 @@
         </p:nvSpPr>
         <p:spPr>
           <a:xfrm>
-            <a:off x="350385" y="1372525"/>
-            <a:ext cx="8596668" cy="1917430"/>
+            <a:off x="677334" y="1360489"/>
+            <a:ext cx="9238562" cy="3880773"/>
           </a:xfrm>
         </p:spPr>
         <p:txBody>
@@ -6725,22 +7099,247 @@
           <a:lstStyle/>
           <a:p>
             <a:r>
-              <a:rPr lang="en-US" sz="2000" dirty="0"/>
-              <a:t>Netflix estimates that it uses around 700 microservices to control each of the many parts of what makes up the entire Netflix service for around 98 million paying subscribers in 190 countries.</a:t>
-            </a:r>
-            <a:endParaRPr lang="pl-PL" sz="2000" dirty="0"/>
-          </a:p>
-        </p:txBody>
-      </p:sp>
-      <p:sp>
-        <p:nvSpPr>
-          <p:cNvPr id="8" name="Content Placeholder 2">
-            <a:extLst>
-              <a:ext uri="{FF2B5EF4-FFF2-40B4-BE49-F238E27FC236}">
-                <a16:creationId xmlns:a16="http://schemas.microsoft.com/office/drawing/2014/main" id="{A49D44EF-9BFD-4A3A-9ACE-8010A18C12BE}"/>
-              </a:ext>
-            </a:extLst>
-          </p:cNvPr>
+              <a:rPr lang="en-US" dirty="0" smtClean="0"/>
+              <a:t>First of all you have to create Discovery </a:t>
+            </a:r>
+            <a:r>
+              <a:rPr lang="en-US" dirty="0"/>
+              <a:t>S</a:t>
+            </a:r>
+            <a:r>
+              <a:rPr lang="en-US" dirty="0" smtClean="0"/>
+              <a:t>erver application:</a:t>
+            </a:r>
+          </a:p>
+          <a:p>
+            <a:pPr lvl="1"/>
+            <a:r>
+              <a:rPr lang="en-US" dirty="0" smtClean="0"/>
+              <a:t>Dependencies:</a:t>
+            </a:r>
+          </a:p>
+          <a:p>
+            <a:pPr lvl="1"/>
+            <a:endParaRPr lang="en-US" dirty="0"/>
+          </a:p>
+          <a:p>
+            <a:pPr lvl="1"/>
+            <a:endParaRPr lang="en-US" dirty="0" smtClean="0"/>
+          </a:p>
+          <a:p>
+            <a:pPr lvl="1"/>
+            <a:endParaRPr lang="en-US" dirty="0"/>
+          </a:p>
+          <a:p>
+            <a:pPr lvl="1"/>
+            <a:r>
+              <a:rPr lang="en-US" dirty="0" smtClean="0"/>
+              <a:t>Main Annotation: </a:t>
+            </a:r>
+          </a:p>
+          <a:p>
+            <a:pPr lvl="1"/>
+            <a:endParaRPr lang="en-US" dirty="0"/>
+          </a:p>
+          <a:p>
+            <a:pPr lvl="1"/>
+            <a:endParaRPr lang="en-US" dirty="0" smtClean="0"/>
+          </a:p>
+          <a:p>
+            <a:pPr lvl="1"/>
+            <a:endParaRPr lang="en-US" dirty="0"/>
+          </a:p>
+          <a:p>
+            <a:pPr marL="457200" lvl="1" indent="0">
+              <a:buNone/>
+            </a:pPr>
+            <a:r>
+              <a:rPr lang="en-US" dirty="0" smtClean="0"/>
+              <a:t>Configuration: </a:t>
+            </a:r>
+            <a:r>
+              <a:rPr lang="en-US" dirty="0" err="1" smtClean="0"/>
+              <a:t>application.yml</a:t>
+            </a:r>
+            <a:r>
+              <a:rPr lang="en-US" dirty="0" smtClean="0"/>
+              <a:t>        </a:t>
+            </a:r>
+            <a:endParaRPr lang="pl-PL" dirty="0"/>
+          </a:p>
+        </p:txBody>
+      </p:sp>
+      <p:pic>
+        <p:nvPicPr>
+          <p:cNvPr id="6" name="Picture 5"/>
+          <p:cNvPicPr>
+            <a:picLocks noChangeAspect="1"/>
+          </p:cNvPicPr>
+          <p:nvPr/>
+        </p:nvPicPr>
+        <p:blipFill>
+          <a:blip r:embed="rId2"/>
+          <a:stretch>
+            <a:fillRect/>
+          </a:stretch>
+        </p:blipFill>
+        <p:spPr>
+          <a:xfrm>
+            <a:off x="958215" y="2262189"/>
+            <a:ext cx="6915150" cy="838200"/>
+          </a:xfrm>
+          <a:prstGeom prst="rect">
+            <a:avLst/>
+          </a:prstGeom>
+          <a:ln>
+            <a:noFill/>
+          </a:ln>
+          <a:effectLst>
+            <a:outerShdw blurRad="190500" algn="tl" rotWithShape="0">
+              <a:srgbClr val="000000">
+                <a:alpha val="70000"/>
+              </a:srgbClr>
+            </a:outerShdw>
+          </a:effectLst>
+        </p:spPr>
+      </p:pic>
+      <p:pic>
+        <p:nvPicPr>
+          <p:cNvPr id="7" name="Picture 6"/>
+          <p:cNvPicPr>
+            <a:picLocks noChangeAspect="1"/>
+          </p:cNvPicPr>
+          <p:nvPr/>
+        </p:nvPicPr>
+        <p:blipFill>
+          <a:blip r:embed="rId3"/>
+          <a:stretch>
+            <a:fillRect/>
+          </a:stretch>
+        </p:blipFill>
+        <p:spPr>
+          <a:xfrm>
+            <a:off x="3449002" y="3361661"/>
+            <a:ext cx="4105275" cy="1076325"/>
+          </a:xfrm>
+          <a:prstGeom prst="rect">
+            <a:avLst/>
+          </a:prstGeom>
+          <a:ln>
+            <a:noFill/>
+          </a:ln>
+          <a:effectLst>
+            <a:outerShdw blurRad="190500" algn="tl" rotWithShape="0">
+              <a:srgbClr val="000000">
+                <a:alpha val="70000"/>
+              </a:srgbClr>
+            </a:outerShdw>
+          </a:effectLst>
+        </p:spPr>
+      </p:pic>
+      <p:pic>
+        <p:nvPicPr>
+          <p:cNvPr id="8" name="Picture 7"/>
+          <p:cNvPicPr>
+            <a:picLocks noChangeAspect="1"/>
+          </p:cNvPicPr>
+          <p:nvPr/>
+        </p:nvPicPr>
+        <p:blipFill>
+          <a:blip r:embed="rId4"/>
+          <a:stretch>
+            <a:fillRect/>
+          </a:stretch>
+        </p:blipFill>
+        <p:spPr>
+          <a:xfrm>
+            <a:off x="4415790" y="4859596"/>
+            <a:ext cx="2895600" cy="1285875"/>
+          </a:xfrm>
+          <a:prstGeom prst="rect">
+            <a:avLst/>
+          </a:prstGeom>
+          <a:ln>
+            <a:noFill/>
+          </a:ln>
+          <a:effectLst>
+            <a:outerShdw blurRad="190500" algn="tl" rotWithShape="0">
+              <a:srgbClr val="000000">
+                <a:alpha val="70000"/>
+              </a:srgbClr>
+            </a:outerShdw>
+          </a:effectLst>
+        </p:spPr>
+      </p:pic>
+    </p:spTree>
+    <p:extLst>
+      <p:ext uri="{BB962C8B-B14F-4D97-AF65-F5344CB8AC3E}">
+        <p14:creationId xmlns:p14="http://schemas.microsoft.com/office/powerpoint/2010/main" val="1831449372"/>
+      </p:ext>
+    </p:extLst>
+  </p:cSld>
+  <p:clrMapOvr>
+    <a:masterClrMapping/>
+  </p:clrMapOvr>
+</p:sld>
+</file>
+
+<file path=ppt/slides/slide11.xml><?xml version="1.0" encoding="utf-8"?>
+<p:sld xmlns:a="http://schemas.openxmlformats.org/drawingml/2006/main" xmlns:r="http://schemas.openxmlformats.org/officeDocument/2006/relationships" xmlns:p="http://schemas.openxmlformats.org/presentationml/2006/main">
+  <p:cSld>
+    <p:spTree>
+      <p:nvGrpSpPr>
+        <p:cNvPr id="1" name=""/>
+        <p:cNvGrpSpPr/>
+        <p:nvPr/>
+      </p:nvGrpSpPr>
+      <p:grpSpPr>
+        <a:xfrm>
+          <a:off x="0" y="0"/>
+          <a:ext cx="0" cy="0"/>
+          <a:chOff x="0" y="0"/>
+          <a:chExt cx="0" cy="0"/>
+        </a:xfrm>
+      </p:grpSpPr>
+      <p:sp>
+        <p:nvSpPr>
+          <p:cNvPr id="2" name="Title 1"/>
+          <p:cNvSpPr>
+            <a:spLocks noGrp="1"/>
+          </p:cNvSpPr>
+          <p:nvPr>
+            <p:ph type="title"/>
+          </p:nvPr>
+        </p:nvSpPr>
+        <p:spPr>
+          <a:xfrm>
+            <a:off x="677334" y="609600"/>
+            <a:ext cx="10626936" cy="1320800"/>
+          </a:xfrm>
+        </p:spPr>
+        <p:txBody>
+          <a:bodyPr/>
+          <a:lstStyle/>
+          <a:p>
+            <a:r>
+              <a:rPr lang="en-US" dirty="0"/>
+              <a:t>How to </a:t>
+            </a:r>
+            <a:r>
+              <a:rPr lang="en-US" dirty="0" smtClean="0"/>
+              <a:t>configure </a:t>
+            </a:r>
+            <a:r>
+              <a:rPr lang="en-US" dirty="0" smtClean="0"/>
+              <a:t>clients to connect to Eureka</a:t>
+            </a:r>
+            <a:endParaRPr lang="pl-PL" dirty="0"/>
+          </a:p>
+        </p:txBody>
+      </p:sp>
+      <p:sp>
+        <p:nvSpPr>
+          <p:cNvPr id="4" name="Content Placeholder 2"/>
           <p:cNvSpPr txBox="1">
             <a:spLocks/>
           </p:cNvSpPr>
@@ -6748,8 +7347,8 @@
         </p:nvSpPr>
         <p:spPr>
           <a:xfrm>
-            <a:off x="350385" y="2470450"/>
-            <a:ext cx="5826555" cy="4110087"/>
+            <a:off x="677334" y="1360489"/>
+            <a:ext cx="9238562" cy="3880773"/>
           </a:xfrm>
           <a:prstGeom prst="rect">
             <a:avLst/>
@@ -6988,51 +7587,106 @@
           </a:lstStyle>
           <a:p>
             <a:r>
-              <a:rPr lang="en-US" sz="2000" dirty="0"/>
-              <a:t>Each service exposes some REST endpoints available to other services and UI</a:t>
-            </a:r>
-          </a:p>
-          <a:p>
-            <a:r>
-              <a:rPr lang="en-US" sz="2000" dirty="0"/>
-              <a:t>Imagine you should keep all those IP addresses &amp; exposed ports in some configuration file</a:t>
-            </a:r>
-          </a:p>
-          <a:p>
-            <a:r>
-              <a:rPr lang="en-US" sz="2000" dirty="0"/>
-              <a:t>Imagine you tells your Angular developer he should integrate 15 of exposed services from different servers…</a:t>
-            </a:r>
-          </a:p>
-          <a:p>
-            <a:r>
-              <a:rPr lang="en-US" sz="2000" dirty="0"/>
-              <a:t>Imagine you have 3 environments like </a:t>
-            </a:r>
-          </a:p>
-          <a:p>
-            <a:pPr marL="0" indent="0">
+              <a:rPr lang="en-US" dirty="0" smtClean="0"/>
+              <a:t>First of all you have to create Discovery Server application:</a:t>
+            </a:r>
+          </a:p>
+          <a:p>
+            <a:pPr lvl="1"/>
+            <a:r>
+              <a:rPr lang="en-US" dirty="0" smtClean="0"/>
+              <a:t>Dependencies:</a:t>
+            </a:r>
+          </a:p>
+          <a:p>
+            <a:pPr lvl="1"/>
+            <a:endParaRPr lang="en-US" dirty="0" smtClean="0"/>
+          </a:p>
+          <a:p>
+            <a:pPr lvl="1"/>
+            <a:endParaRPr lang="en-US" dirty="0" smtClean="0"/>
+          </a:p>
+          <a:p>
+            <a:pPr lvl="1"/>
+            <a:endParaRPr lang="en-US" dirty="0" smtClean="0"/>
+          </a:p>
+          <a:p>
+            <a:pPr lvl="1"/>
+            <a:r>
+              <a:rPr lang="en-US" dirty="0" smtClean="0"/>
+              <a:t>Main Annotation: </a:t>
+            </a:r>
+          </a:p>
+          <a:p>
+            <a:pPr lvl="1"/>
+            <a:endParaRPr lang="en-US" dirty="0" smtClean="0"/>
+          </a:p>
+          <a:p>
+            <a:pPr lvl="1"/>
+            <a:endParaRPr lang="en-US" dirty="0" smtClean="0"/>
+          </a:p>
+          <a:p>
+            <a:pPr lvl="1"/>
+            <a:endParaRPr lang="en-US" dirty="0" smtClean="0"/>
+          </a:p>
+          <a:p>
+            <a:pPr marL="457200" lvl="1" indent="0">
+              <a:buFont typeface="Wingdings 3" charset="2"/>
               <a:buNone/>
             </a:pPr>
             <a:r>
-              <a:rPr lang="en-US" sz="2000" dirty="0"/>
-              <a:t>     DEV / QA / PROD …</a:t>
-            </a:r>
-          </a:p>
-          <a:p>
-            <a:endParaRPr lang="pl-PL" sz="2000" dirty="0"/>
+              <a:rPr lang="en-US" dirty="0" smtClean="0"/>
+              <a:t>Configuration: </a:t>
+            </a:r>
+            <a:r>
+              <a:rPr lang="en-US" dirty="0" err="1" smtClean="0"/>
+              <a:t>application.properties</a:t>
+            </a:r>
+            <a:r>
+              <a:rPr lang="en-US" dirty="0" smtClean="0"/>
+              <a:t>        </a:t>
+            </a:r>
+            <a:endParaRPr lang="pl-PL" dirty="0"/>
           </a:p>
         </p:txBody>
       </p:sp>
       <p:pic>
         <p:nvPicPr>
-          <p:cNvPr id="9" name="Picture 8">
-            <a:extLst>
-              <a:ext uri="{FF2B5EF4-FFF2-40B4-BE49-F238E27FC236}">
-                <a16:creationId xmlns:a16="http://schemas.microsoft.com/office/drawing/2014/main" id="{476FAC28-743A-451F-90AA-5B4AB29776AF}"/>
-              </a:ext>
-            </a:extLst>
-          </p:cNvPr>
+          <p:cNvPr id="5" name="Picture 4"/>
+          <p:cNvPicPr>
+            <a:picLocks noChangeAspect="1"/>
+          </p:cNvPicPr>
+          <p:nvPr/>
+        </p:nvPicPr>
+        <p:blipFill>
+          <a:blip r:embed="rId2"/>
+          <a:stretch>
+            <a:fillRect/>
+          </a:stretch>
+        </p:blipFill>
+        <p:spPr>
+          <a:xfrm>
+            <a:off x="1314450" y="2168842"/>
+            <a:ext cx="6934200" cy="828675"/>
+          </a:xfrm>
+          <a:prstGeom prst="rect">
+            <a:avLst/>
+          </a:prstGeom>
+          <a:ln>
+            <a:noFill/>
+          </a:ln>
+          <a:effectLst>
+            <a:outerShdw blurRad="190500" algn="tl" rotWithShape="0">
+              <a:srgbClr val="000000">
+                <a:alpha val="70000"/>
+              </a:srgbClr>
+            </a:outerShdw>
+          </a:effectLst>
+        </p:spPr>
+      </p:pic>
+      <p:pic>
+        <p:nvPicPr>
+          <p:cNvPr id="6" name="Picture 5"/>
           <p:cNvPicPr>
             <a:picLocks noChangeAspect="1"/>
           </p:cNvPicPr>
@@ -7046,28 +7700,79 @@
         </p:blipFill>
         <p:spPr>
           <a:xfrm>
-            <a:off x="6346728" y="2693325"/>
-            <a:ext cx="5200650" cy="3590925"/>
+            <a:off x="3263027" y="3154046"/>
+            <a:ext cx="4067175" cy="1371600"/>
           </a:xfrm>
           <a:prstGeom prst="rect">
             <a:avLst/>
           </a:prstGeom>
+          <a:ln>
+            <a:noFill/>
+          </a:ln>
+          <a:effectLst>
+            <a:outerShdw blurRad="190500" algn="tl" rotWithShape="0">
+              <a:srgbClr val="000000">
+                <a:alpha val="70000"/>
+              </a:srgbClr>
+            </a:outerShdw>
+          </a:effectLst>
+        </p:spPr>
+      </p:pic>
+      <p:pic>
+        <p:nvPicPr>
+          <p:cNvPr id="7" name="Picture 6"/>
+          <p:cNvPicPr>
+            <a:picLocks noChangeAspect="1"/>
+          </p:cNvPicPr>
+          <p:nvPr/>
+        </p:nvPicPr>
+        <p:blipFill>
+          <a:blip r:embed="rId4"/>
+          <a:stretch>
+            <a:fillRect/>
+          </a:stretch>
+        </p:blipFill>
+        <p:spPr>
+          <a:xfrm>
+            <a:off x="1314450" y="5241262"/>
+            <a:ext cx="7591425" cy="438150"/>
+          </a:xfrm>
+          <a:prstGeom prst="rect">
+            <a:avLst/>
+          </a:prstGeom>
+          <a:ln>
+            <a:noFill/>
+          </a:ln>
+          <a:effectLst>
+            <a:outerShdw blurRad="190500" algn="tl" rotWithShape="0">
+              <a:srgbClr val="000000">
+                <a:alpha val="70000"/>
+              </a:srgbClr>
+            </a:outerShdw>
+          </a:effectLst>
         </p:spPr>
       </p:pic>
     </p:spTree>
     <p:extLst>
       <p:ext uri="{BB962C8B-B14F-4D97-AF65-F5344CB8AC3E}">
-        <p14:creationId xmlns:p14="http://schemas.microsoft.com/office/powerpoint/2010/main" val="416865638"/>
+        <p14:creationId xmlns:p14="http://schemas.microsoft.com/office/powerpoint/2010/main" val="3438048122"/>
       </p:ext>
     </p:extLst>
   </p:cSld>
   <p:clrMapOvr>
     <a:masterClrMapping/>
   </p:clrMapOvr>
+  <p:timing>
+    <p:tnLst>
+      <p:par>
+        <p:cTn id="1" dur="indefinite" restart="never" nodeType="tmRoot"/>
+      </p:par>
+    </p:tnLst>
+  </p:timing>
 </p:sld>
 </file>
 
-<file path=ppt/slides/slide3.xml><?xml version="1.0" encoding="utf-8"?>
+<file path=ppt/slides/slide12.xml><?xml version="1.0" encoding="utf-8"?>
 <p:sld xmlns:a="http://schemas.openxmlformats.org/drawingml/2006/main" xmlns:r="http://schemas.openxmlformats.org/officeDocument/2006/relationships" xmlns:p="http://schemas.openxmlformats.org/presentationml/2006/main">
   <p:cSld>
     <p:spTree>
@@ -7086,10 +7791,162 @@
       </p:grpSpPr>
       <p:sp>
         <p:nvSpPr>
+          <p:cNvPr id="2" name="Title 1"/>
+          <p:cNvSpPr>
+            <a:spLocks noGrp="1"/>
+          </p:cNvSpPr>
+          <p:nvPr>
+            <p:ph type="title"/>
+          </p:nvPr>
+        </p:nvSpPr>
+        <p:spPr/>
+        <p:txBody>
+          <a:bodyPr/>
+          <a:lstStyle/>
+          <a:p>
+            <a:r>
+              <a:rPr lang="en-US" dirty="0" smtClean="0"/>
+              <a:t>Run </a:t>
+            </a:r>
+            <a:r>
+              <a:rPr lang="en-US" dirty="0" smtClean="0"/>
+              <a:t>Eureka Service </a:t>
+            </a:r>
+            <a:r>
+              <a:rPr lang="en-US" dirty="0" smtClean="0"/>
+              <a:t>Discovery</a:t>
+            </a:r>
+            <a:endParaRPr lang="pl-PL" dirty="0"/>
+          </a:p>
+        </p:txBody>
+      </p:sp>
+      <p:sp>
+        <p:nvSpPr>
+          <p:cNvPr id="3" name="Content Placeholder 2"/>
+          <p:cNvSpPr>
+            <a:spLocks noGrp="1"/>
+          </p:cNvSpPr>
+          <p:nvPr>
+            <p:ph idx="1"/>
+          </p:nvPr>
+        </p:nvSpPr>
+        <p:spPr>
+          <a:xfrm>
+            <a:off x="483024" y="1406209"/>
+            <a:ext cx="4043256" cy="3880773"/>
+          </a:xfrm>
+        </p:spPr>
+        <p:txBody>
+          <a:bodyPr/>
+          <a:lstStyle/>
+          <a:p>
+            <a:r>
+              <a:rPr lang="en-US" dirty="0" smtClean="0"/>
+              <a:t>Run as normal </a:t>
+            </a:r>
+            <a:r>
+              <a:rPr lang="en-US" dirty="0"/>
+              <a:t>S</a:t>
+            </a:r>
+            <a:r>
+              <a:rPr lang="en-US" dirty="0" smtClean="0"/>
+              <a:t>pring </a:t>
+            </a:r>
+            <a:r>
+              <a:rPr lang="en-US" dirty="0"/>
+              <a:t>B</a:t>
+            </a:r>
+            <a:r>
+              <a:rPr lang="en-US" dirty="0" smtClean="0"/>
+              <a:t>oot application</a:t>
+            </a:r>
+          </a:p>
+          <a:p>
+            <a:r>
+              <a:rPr lang="en-US" dirty="0" smtClean="0"/>
+              <a:t>Check Eureka using your browser. Navigate to </a:t>
+            </a:r>
+            <a:r>
+              <a:rPr lang="en-US" u="sng" dirty="0" smtClean="0"/>
+              <a:t>localhost:8888</a:t>
+            </a:r>
+          </a:p>
+          <a:p>
+            <a:r>
+              <a:rPr lang="en-US" dirty="0" smtClean="0"/>
+              <a:t>If other services started and registered you will see them in the list:</a:t>
+            </a:r>
+            <a:endParaRPr lang="pl-PL" dirty="0"/>
+          </a:p>
+        </p:txBody>
+      </p:sp>
+      <p:pic>
+        <p:nvPicPr>
+          <p:cNvPr id="6" name="Picture 5"/>
+          <p:cNvPicPr>
+            <a:picLocks noChangeAspect="1"/>
+          </p:cNvPicPr>
+          <p:nvPr/>
+        </p:nvPicPr>
+        <p:blipFill>
+          <a:blip r:embed="rId2"/>
+          <a:stretch>
+            <a:fillRect/>
+          </a:stretch>
+        </p:blipFill>
+        <p:spPr>
+          <a:xfrm>
+            <a:off x="4763452" y="1484616"/>
+            <a:ext cx="6505575" cy="4248150"/>
+          </a:xfrm>
+          <a:prstGeom prst="rect">
+            <a:avLst/>
+          </a:prstGeom>
+        </p:spPr>
+      </p:pic>
+    </p:spTree>
+    <p:extLst>
+      <p:ext uri="{BB962C8B-B14F-4D97-AF65-F5344CB8AC3E}">
+        <p14:creationId xmlns:p14="http://schemas.microsoft.com/office/powerpoint/2010/main" val="3441356725"/>
+      </p:ext>
+    </p:extLst>
+  </p:cSld>
+  <p:clrMapOvr>
+    <a:masterClrMapping/>
+  </p:clrMapOvr>
+  <p:timing>
+    <p:tnLst>
+      <p:par>
+        <p:cTn id="1" dur="indefinite" restart="never" nodeType="tmRoot"/>
+      </p:par>
+    </p:tnLst>
+  </p:timing>
+</p:sld>
+</file>
+
+<file path=ppt/slides/slide13.xml><?xml version="1.0" encoding="utf-8"?>
+<p:sld xmlns:a="http://schemas.openxmlformats.org/drawingml/2006/main" xmlns:r="http://schemas.openxmlformats.org/officeDocument/2006/relationships" xmlns:p="http://schemas.openxmlformats.org/presentationml/2006/main">
+  <p:cSld>
+    <p:spTree>
+      <p:nvGrpSpPr>
+        <p:cNvPr id="1" name=""/>
+        <p:cNvGrpSpPr/>
+        <p:nvPr/>
+      </p:nvGrpSpPr>
+      <p:grpSpPr>
+        <a:xfrm>
+          <a:off x="0" y="0"/>
+          <a:ext cx="0" cy="0"/>
+          <a:chOff x="0" y="0"/>
+          <a:chExt cx="0" cy="0"/>
+        </a:xfrm>
+      </p:grpSpPr>
+      <p:sp>
+        <p:nvSpPr>
           <p:cNvPr id="2" name="Title 1">
             <a:extLst>
               <a:ext uri="{FF2B5EF4-FFF2-40B4-BE49-F238E27FC236}">
-                <a16:creationId xmlns:a16="http://schemas.microsoft.com/office/drawing/2014/main" id="{0251DD90-00BE-4BBE-BA39-2CEF182211B6}"/>
+                <a16:creationId xmlns:a16="http://schemas.microsoft.com/office/drawing/2014/main" id="{50DF860F-92A2-459E-96F2-91D24662FFB9}"/>
               </a:ext>
             </a:extLst>
           </p:cNvPr>
@@ -7106,22 +7963,198 @@
           <a:lstStyle/>
           <a:p>
             <a:r>
+              <a:rPr lang="en-US" dirty="0" err="1"/>
+              <a:t>Zuul</a:t>
+            </a:r>
+            <a:r>
               <a:rPr lang="en-US" dirty="0"/>
-              <a:t>Spring Cloud to the rescue</a:t>
+              <a:t> – API gateway proxy</a:t>
             </a:r>
             <a:endParaRPr lang="pl-PL" dirty="0"/>
           </a:p>
         </p:txBody>
       </p:sp>
-      <p:pic>
-        <p:nvPicPr>
-          <p:cNvPr id="4" name="Picture 3">
+      <p:sp>
+        <p:nvSpPr>
+          <p:cNvPr id="3" name="Content Placeholder 2">
             <a:extLst>
               <a:ext uri="{FF2B5EF4-FFF2-40B4-BE49-F238E27FC236}">
-                <a16:creationId xmlns:a16="http://schemas.microsoft.com/office/drawing/2014/main" id="{3EED9DE8-943F-46F1-BE6F-3B5C4FB5736C}"/>
+                <a16:creationId xmlns:a16="http://schemas.microsoft.com/office/drawing/2014/main" id="{1E7E60BE-EB15-49B6-9406-97B447849426}"/>
               </a:ext>
             </a:extLst>
           </p:cNvPr>
+          <p:cNvSpPr>
+            <a:spLocks noGrp="1"/>
+          </p:cNvSpPr>
+          <p:nvPr>
+            <p:ph idx="1"/>
+          </p:nvPr>
+        </p:nvSpPr>
+        <p:spPr>
+          <a:xfrm>
+            <a:off x="677334" y="1379857"/>
+            <a:ext cx="6134946" cy="5154611"/>
+          </a:xfrm>
+        </p:spPr>
+        <p:txBody>
+          <a:bodyPr>
+            <a:normAutofit/>
+          </a:bodyPr>
+          <a:lstStyle/>
+          <a:p>
+            <a:r>
+              <a:rPr lang="en-US" dirty="0"/>
+              <a:t>Routing is an integral part of a </a:t>
+            </a:r>
+            <a:r>
+              <a:rPr lang="en-US" dirty="0" err="1"/>
+              <a:t>microservice</a:t>
+            </a:r>
+            <a:r>
+              <a:rPr lang="en-US" dirty="0"/>
+              <a:t> architecture. For </a:t>
+            </a:r>
+            <a:r>
+              <a:rPr lang="en-US" dirty="0" smtClean="0"/>
+              <a:t>example: </a:t>
+            </a:r>
+          </a:p>
+          <a:p>
+            <a:pPr lvl="1"/>
+            <a:r>
+              <a:rPr lang="en-US" dirty="0" smtClean="0"/>
+              <a:t>“/” </a:t>
+            </a:r>
+            <a:r>
+              <a:rPr lang="en-US" dirty="0"/>
+              <a:t>may be mapped to your </a:t>
+            </a:r>
+            <a:r>
+              <a:rPr lang="en-US" dirty="0" smtClean="0"/>
+              <a:t>Angular web application</a:t>
+            </a:r>
+          </a:p>
+          <a:p>
+            <a:pPr lvl="1"/>
+            <a:r>
+              <a:rPr lang="en-US" dirty="0" smtClean="0"/>
+              <a:t>“/</a:t>
+            </a:r>
+            <a:r>
+              <a:rPr lang="en-US" dirty="0" err="1" smtClean="0"/>
+              <a:t>api</a:t>
+            </a:r>
+            <a:r>
+              <a:rPr lang="en-US" dirty="0" smtClean="0"/>
+              <a:t>/users” </a:t>
+            </a:r>
+            <a:r>
+              <a:rPr lang="en-US" dirty="0"/>
+              <a:t>is mapped to the user service </a:t>
+            </a:r>
+          </a:p>
+          <a:p>
+            <a:pPr lvl="1"/>
+            <a:r>
+              <a:rPr lang="en-US" dirty="0" smtClean="0"/>
+              <a:t>“/</a:t>
+            </a:r>
+            <a:r>
+              <a:rPr lang="en-US" dirty="0" err="1" smtClean="0"/>
+              <a:t>api</a:t>
+            </a:r>
+            <a:r>
+              <a:rPr lang="en-US" dirty="0" smtClean="0"/>
+              <a:t>/shop”  </a:t>
+            </a:r>
+            <a:r>
+              <a:rPr lang="en-US" dirty="0"/>
+              <a:t>is mapped to the shop service. </a:t>
+            </a:r>
+            <a:endParaRPr lang="en-US" dirty="0" smtClean="0"/>
+          </a:p>
+          <a:p>
+            <a:r>
+              <a:rPr lang="en-US" dirty="0" err="1" smtClean="0"/>
+              <a:t>Zuul</a:t>
+            </a:r>
+            <a:r>
+              <a:rPr lang="en-US" dirty="0" smtClean="0"/>
+              <a:t> </a:t>
+            </a:r>
+            <a:r>
+              <a:rPr lang="en-US" dirty="0"/>
+              <a:t>is a JVM-based router and server-side load balancer from </a:t>
+            </a:r>
+            <a:r>
+              <a:rPr lang="en-US" dirty="0" smtClean="0"/>
+              <a:t>Netflix.</a:t>
+            </a:r>
+          </a:p>
+          <a:p>
+            <a:r>
+              <a:rPr lang="en-US" dirty="0" smtClean="0"/>
+              <a:t>Internally</a:t>
+            </a:r>
+            <a:r>
+              <a:rPr lang="en-US" dirty="0"/>
+              <a:t>, </a:t>
+            </a:r>
+            <a:r>
+              <a:rPr lang="en-US" dirty="0" err="1"/>
+              <a:t>Zuul</a:t>
+            </a:r>
+            <a:r>
+              <a:rPr lang="en-US" dirty="0"/>
+              <a:t> uses Netflix Ribbon to look up for all instances of the service from the service discovery (Eureka Server</a:t>
+            </a:r>
+            <a:r>
+              <a:rPr lang="en-US" dirty="0" smtClean="0"/>
+              <a:t>) and </a:t>
+            </a:r>
+            <a:r>
+              <a:rPr lang="en-US" dirty="0"/>
+              <a:t>does server-side load balancing</a:t>
+            </a:r>
+            <a:r>
+              <a:rPr lang="en-US" dirty="0" smtClean="0"/>
+              <a:t>.</a:t>
+            </a:r>
+          </a:p>
+          <a:p>
+            <a:r>
+              <a:rPr lang="en-US" dirty="0"/>
+              <a:t>When </a:t>
+            </a:r>
+            <a:r>
+              <a:rPr lang="en-US" dirty="0" err="1"/>
+              <a:t>Zuul</a:t>
+            </a:r>
+            <a:r>
+              <a:rPr lang="en-US" dirty="0"/>
+              <a:t> receives a request, it picks up one of the physical locations available and forwards requests to the actual service instance</a:t>
+            </a:r>
+            <a:r>
+              <a:rPr lang="en-US" dirty="0" smtClean="0"/>
+              <a:t>.</a:t>
+            </a:r>
+          </a:p>
+          <a:p>
+            <a:r>
+              <a:rPr lang="en-US" dirty="0" err="1" smtClean="0"/>
+              <a:t>Zuul</a:t>
+            </a:r>
+            <a:r>
+              <a:rPr lang="en-US" dirty="0" smtClean="0"/>
+              <a:t> can be used to check authentication &amp; authorization before forward request to the services</a:t>
+            </a:r>
+            <a:endParaRPr lang="pl-PL" dirty="0"/>
+          </a:p>
+        </p:txBody>
+      </p:sp>
+      <p:pic>
+        <p:nvPicPr>
+          <p:cNvPr id="5" name="Picture 4"/>
           <p:cNvPicPr>
             <a:picLocks noChangeAspect="1"/>
           </p:cNvPicPr>
@@ -7135,20 +8168,1597 @@
         </p:blipFill>
         <p:spPr>
           <a:xfrm>
-            <a:off x="5638801" y="2547680"/>
-            <a:ext cx="6007946" cy="3824036"/>
+            <a:off x="7206356" y="1133793"/>
+            <a:ext cx="4562475" cy="5400675"/>
           </a:xfrm>
           <a:prstGeom prst="rect">
             <a:avLst/>
           </a:prstGeom>
         </p:spPr>
       </p:pic>
+    </p:spTree>
+    <p:extLst>
+      <p:ext uri="{BB962C8B-B14F-4D97-AF65-F5344CB8AC3E}">
+        <p14:creationId xmlns:p14="http://schemas.microsoft.com/office/powerpoint/2010/main" val="1982103488"/>
+      </p:ext>
+    </p:extLst>
+  </p:cSld>
+  <p:clrMapOvr>
+    <a:masterClrMapping/>
+  </p:clrMapOvr>
+  <p:timing>
+    <p:tnLst>
+      <p:par>
+        <p:cTn id="1" dur="indefinite" restart="never" nodeType="tmRoot"/>
+      </p:par>
+    </p:tnLst>
+  </p:timing>
+</p:sld>
+</file>
+
+<file path=ppt/slides/slide14.xml><?xml version="1.0" encoding="utf-8"?>
+<p:sld xmlns:a="http://schemas.openxmlformats.org/drawingml/2006/main" xmlns:r="http://schemas.openxmlformats.org/officeDocument/2006/relationships" xmlns:p="http://schemas.openxmlformats.org/presentationml/2006/main">
+  <p:cSld>
+    <p:spTree>
+      <p:nvGrpSpPr>
+        <p:cNvPr id="1" name=""/>
+        <p:cNvGrpSpPr/>
+        <p:nvPr/>
+      </p:nvGrpSpPr>
+      <p:grpSpPr>
+        <a:xfrm>
+          <a:off x="0" y="0"/>
+          <a:ext cx="0" cy="0"/>
+          <a:chOff x="0" y="0"/>
+          <a:chExt cx="0" cy="0"/>
+        </a:xfrm>
+      </p:grpSpPr>
+      <p:sp>
+        <p:nvSpPr>
+          <p:cNvPr id="2" name="Title 1"/>
+          <p:cNvSpPr>
+            <a:spLocks noGrp="1"/>
+          </p:cNvSpPr>
+          <p:nvPr>
+            <p:ph type="title"/>
+          </p:nvPr>
+        </p:nvSpPr>
+        <p:spPr/>
+        <p:txBody>
+          <a:bodyPr/>
+          <a:lstStyle/>
+          <a:p>
+            <a:r>
+              <a:rPr lang="en-US" dirty="0"/>
+              <a:t>How to create </a:t>
+            </a:r>
+            <a:r>
+              <a:rPr lang="en-US" dirty="0" smtClean="0"/>
+              <a:t>ZUUL API Gateway?</a:t>
+            </a:r>
+            <a:endParaRPr lang="pl-PL" dirty="0"/>
+          </a:p>
+        </p:txBody>
+      </p:sp>
+      <p:sp>
+        <p:nvSpPr>
+          <p:cNvPr id="5" name="Content Placeholder 2"/>
+          <p:cNvSpPr>
+            <a:spLocks noGrp="1"/>
+          </p:cNvSpPr>
+          <p:nvPr>
+            <p:ph idx="1"/>
+          </p:nvPr>
+        </p:nvSpPr>
+        <p:spPr>
+          <a:xfrm>
+            <a:off x="677334" y="1360489"/>
+            <a:ext cx="9238562" cy="5006021"/>
+          </a:xfrm>
+        </p:spPr>
+        <p:txBody>
+          <a:bodyPr>
+            <a:normAutofit/>
+          </a:bodyPr>
+          <a:lstStyle/>
+          <a:p>
+            <a:r>
+              <a:rPr lang="en-US" dirty="0" smtClean="0"/>
+              <a:t>First of all you have to create API Gateway Boot application:</a:t>
+            </a:r>
+          </a:p>
+          <a:p>
+            <a:pPr lvl="1"/>
+            <a:r>
+              <a:rPr lang="en-US" dirty="0" smtClean="0"/>
+              <a:t>Dependencies:</a:t>
+            </a:r>
+          </a:p>
+          <a:p>
+            <a:pPr lvl="1"/>
+            <a:endParaRPr lang="en-US" dirty="0" smtClean="0"/>
+          </a:p>
+          <a:p>
+            <a:pPr lvl="1"/>
+            <a:endParaRPr lang="en-US" dirty="0"/>
+          </a:p>
+          <a:p>
+            <a:pPr lvl="1"/>
+            <a:endParaRPr lang="en-US" dirty="0"/>
+          </a:p>
+          <a:p>
+            <a:pPr lvl="1"/>
+            <a:endParaRPr lang="en-US" dirty="0" smtClean="0"/>
+          </a:p>
+          <a:p>
+            <a:pPr lvl="1"/>
+            <a:endParaRPr lang="en-US" dirty="0"/>
+          </a:p>
+          <a:p>
+            <a:pPr lvl="1"/>
+            <a:r>
+              <a:rPr lang="en-US" dirty="0" smtClean="0"/>
+              <a:t>Main Annotation: </a:t>
+            </a:r>
+          </a:p>
+          <a:p>
+            <a:pPr lvl="1"/>
+            <a:endParaRPr lang="en-US" dirty="0"/>
+          </a:p>
+          <a:p>
+            <a:pPr lvl="1"/>
+            <a:endParaRPr lang="en-US" dirty="0" smtClean="0"/>
+          </a:p>
+          <a:p>
+            <a:pPr lvl="1"/>
+            <a:endParaRPr lang="en-US" dirty="0"/>
+          </a:p>
+          <a:p>
+            <a:pPr marL="457200" lvl="1" indent="0">
+              <a:buNone/>
+            </a:pPr>
+            <a:r>
+              <a:rPr lang="en-US" dirty="0" smtClean="0"/>
+              <a:t>Configuration: </a:t>
+            </a:r>
+            <a:r>
+              <a:rPr lang="en-US" dirty="0" err="1" smtClean="0"/>
+              <a:t>application.yml</a:t>
+            </a:r>
+            <a:r>
+              <a:rPr lang="en-US" dirty="0" smtClean="0"/>
+              <a:t>        </a:t>
+            </a:r>
+            <a:endParaRPr lang="pl-PL" dirty="0"/>
+          </a:p>
+        </p:txBody>
+      </p:sp>
+      <p:pic>
+        <p:nvPicPr>
+          <p:cNvPr id="4" name="Picture 3"/>
+          <p:cNvPicPr>
+            <a:picLocks noChangeAspect="1"/>
+          </p:cNvPicPr>
+          <p:nvPr/>
+        </p:nvPicPr>
+        <p:blipFill>
+          <a:blip r:embed="rId2"/>
+          <a:stretch>
+            <a:fillRect/>
+          </a:stretch>
+        </p:blipFill>
+        <p:spPr>
+          <a:xfrm>
+            <a:off x="3105521" y="1807831"/>
+            <a:ext cx="6810375" cy="1676400"/>
+          </a:xfrm>
+          <a:prstGeom prst="rect">
+            <a:avLst/>
+          </a:prstGeom>
+          <a:ln>
+            <a:noFill/>
+          </a:ln>
+          <a:effectLst>
+            <a:outerShdw blurRad="190500" algn="tl" rotWithShape="0">
+              <a:srgbClr val="000000">
+                <a:alpha val="70000"/>
+              </a:srgbClr>
+            </a:outerShdw>
+          </a:effectLst>
+        </p:spPr>
+      </p:pic>
+      <p:pic>
+        <p:nvPicPr>
+          <p:cNvPr id="9" name="Picture 8"/>
+          <p:cNvPicPr>
+            <a:picLocks noChangeAspect="1"/>
+          </p:cNvPicPr>
+          <p:nvPr/>
+        </p:nvPicPr>
+        <p:blipFill>
+          <a:blip r:embed="rId3"/>
+          <a:stretch>
+            <a:fillRect/>
+          </a:stretch>
+        </p:blipFill>
+        <p:spPr>
+          <a:xfrm>
+            <a:off x="3554729" y="3648043"/>
+            <a:ext cx="4095750" cy="1390650"/>
+          </a:xfrm>
+          <a:prstGeom prst="rect">
+            <a:avLst/>
+          </a:prstGeom>
+          <a:ln>
+            <a:noFill/>
+          </a:ln>
+          <a:effectLst>
+            <a:outerShdw blurRad="190500" algn="tl" rotWithShape="0">
+              <a:srgbClr val="000000">
+                <a:alpha val="70000"/>
+              </a:srgbClr>
+            </a:outerShdw>
+          </a:effectLst>
+        </p:spPr>
+      </p:pic>
+      <p:pic>
+        <p:nvPicPr>
+          <p:cNvPr id="11" name="Picture 10"/>
+          <p:cNvPicPr>
+            <a:picLocks noChangeAspect="1"/>
+          </p:cNvPicPr>
+          <p:nvPr/>
+        </p:nvPicPr>
+        <p:blipFill>
+          <a:blip r:embed="rId4"/>
+          <a:stretch>
+            <a:fillRect/>
+          </a:stretch>
+        </p:blipFill>
+        <p:spPr>
+          <a:xfrm>
+            <a:off x="4251007" y="5263497"/>
+            <a:ext cx="5838825" cy="1266825"/>
+          </a:xfrm>
+          <a:prstGeom prst="rect">
+            <a:avLst/>
+          </a:prstGeom>
+          <a:ln>
+            <a:noFill/>
+          </a:ln>
+          <a:effectLst>
+            <a:outerShdw blurRad="190500" algn="tl" rotWithShape="0">
+              <a:srgbClr val="000000">
+                <a:alpha val="70000"/>
+              </a:srgbClr>
+            </a:outerShdw>
+          </a:effectLst>
+        </p:spPr>
+      </p:pic>
+    </p:spTree>
+    <p:extLst>
+      <p:ext uri="{BB962C8B-B14F-4D97-AF65-F5344CB8AC3E}">
+        <p14:creationId xmlns:p14="http://schemas.microsoft.com/office/powerpoint/2010/main" val="2849553171"/>
+      </p:ext>
+    </p:extLst>
+  </p:cSld>
+  <p:clrMapOvr>
+    <a:masterClrMapping/>
+  </p:clrMapOvr>
+  <p:timing>
+    <p:tnLst>
+      <p:par>
+        <p:cTn id="1" dur="indefinite" restart="never" nodeType="tmRoot"/>
+      </p:par>
+    </p:tnLst>
+  </p:timing>
+</p:sld>
+</file>
+
+<file path=ppt/slides/slide15.xml><?xml version="1.0" encoding="utf-8"?>
+<p:sld xmlns:a="http://schemas.openxmlformats.org/drawingml/2006/main" xmlns:r="http://schemas.openxmlformats.org/officeDocument/2006/relationships" xmlns:p="http://schemas.openxmlformats.org/presentationml/2006/main">
+  <p:cSld>
+    <p:spTree>
+      <p:nvGrpSpPr>
+        <p:cNvPr id="1" name=""/>
+        <p:cNvGrpSpPr/>
+        <p:nvPr/>
+      </p:nvGrpSpPr>
+      <p:grpSpPr>
+        <a:xfrm>
+          <a:off x="0" y="0"/>
+          <a:ext cx="0" cy="0"/>
+          <a:chOff x="0" y="0"/>
+          <a:chExt cx="0" cy="0"/>
+        </a:xfrm>
+      </p:grpSpPr>
+      <p:sp>
+        <p:nvSpPr>
+          <p:cNvPr id="2" name="Title 1"/>
+          <p:cNvSpPr>
+            <a:spLocks noGrp="1"/>
+          </p:cNvSpPr>
+          <p:nvPr>
+            <p:ph type="title"/>
+          </p:nvPr>
+        </p:nvSpPr>
+        <p:spPr/>
+        <p:txBody>
+          <a:bodyPr/>
+          <a:lstStyle/>
+          <a:p>
+            <a:r>
+              <a:rPr lang="en-US" dirty="0" smtClean="0"/>
+              <a:t>Run </a:t>
+            </a:r>
+            <a:r>
+              <a:rPr lang="en-US" dirty="0"/>
+              <a:t>ZUUL API Gateway</a:t>
+            </a:r>
+            <a:endParaRPr lang="pl-PL" dirty="0"/>
+          </a:p>
+        </p:txBody>
+      </p:sp>
+      <p:sp>
+        <p:nvSpPr>
+          <p:cNvPr id="3" name="Content Placeholder 2"/>
+          <p:cNvSpPr>
+            <a:spLocks noGrp="1"/>
+          </p:cNvSpPr>
+          <p:nvPr>
+            <p:ph idx="1"/>
+          </p:nvPr>
+        </p:nvSpPr>
+        <p:spPr>
+          <a:xfrm>
+            <a:off x="483024" y="1406209"/>
+            <a:ext cx="5860626" cy="4594541"/>
+          </a:xfrm>
+        </p:spPr>
+        <p:txBody>
+          <a:bodyPr/>
+          <a:lstStyle/>
+          <a:p>
+            <a:r>
+              <a:rPr lang="en-US" dirty="0"/>
+              <a:t>Run as normal Spring Boot application</a:t>
+            </a:r>
+          </a:p>
+          <a:p>
+            <a:r>
+              <a:rPr lang="en-US" dirty="0"/>
+              <a:t>Now when you have your RESTful Web Services registered with Eureka Discovery Server you should be able to send HTTP requests to any of the two web services registered and receive expected response.</a:t>
+            </a:r>
+          </a:p>
+          <a:p>
+            <a:pPr lvl="1"/>
+            <a:r>
+              <a:rPr lang="pl-PL" dirty="0">
+                <a:hlinkClick r:id="rId3"/>
+              </a:rPr>
+              <a:t>http://localhost:80</a:t>
+            </a:r>
+            <a:r>
+              <a:rPr lang="en-US" dirty="0">
+                <a:hlinkClick r:id="rId3"/>
+              </a:rPr>
+              <a:t>8</a:t>
+            </a:r>
+            <a:r>
+              <a:rPr lang="pl-PL" dirty="0">
+                <a:hlinkClick r:id="rId3"/>
+              </a:rPr>
+              <a:t>1/</a:t>
+            </a:r>
+            <a:r>
+              <a:rPr lang="en-US" dirty="0">
+                <a:hlinkClick r:id="rId3"/>
+              </a:rPr>
+              <a:t>user-service</a:t>
+            </a:r>
+            <a:r>
+              <a:rPr lang="pl-PL" dirty="0">
+                <a:hlinkClick r:id="rId3"/>
+              </a:rPr>
+              <a:t>/users/</a:t>
+            </a:r>
+            <a:endParaRPr lang="en-US" dirty="0"/>
+          </a:p>
+          <a:p>
+            <a:pPr lvl="1"/>
+            <a:r>
+              <a:rPr lang="pl-PL" dirty="0">
+                <a:hlinkClick r:id="rId4"/>
+              </a:rPr>
+              <a:t>http://localhost:80</a:t>
+            </a:r>
+            <a:r>
+              <a:rPr lang="en-US" dirty="0">
+                <a:hlinkClick r:id="rId4"/>
+              </a:rPr>
+              <a:t>8</a:t>
+            </a:r>
+            <a:r>
+              <a:rPr lang="pl-PL" dirty="0">
+                <a:hlinkClick r:id="rId4"/>
+              </a:rPr>
+              <a:t>1/</a:t>
+            </a:r>
+            <a:r>
+              <a:rPr lang="en-US" dirty="0">
+                <a:hlinkClick r:id="rId4"/>
+              </a:rPr>
+              <a:t>email-service</a:t>
+            </a:r>
+            <a:r>
+              <a:rPr lang="pl-PL" dirty="0">
+                <a:hlinkClick r:id="rId4"/>
+              </a:rPr>
+              <a:t>/</a:t>
+            </a:r>
+            <a:endParaRPr lang="en-US" dirty="0"/>
+          </a:p>
+          <a:p>
+            <a:r>
+              <a:rPr lang="en-US" dirty="0"/>
+              <a:t>As you see you can access all services using same host and port.</a:t>
+            </a:r>
+          </a:p>
+          <a:p>
+            <a:r>
+              <a:rPr lang="en-US" dirty="0"/>
+              <a:t>You don’t need to bother about assigned IP and ports, the job is done by </a:t>
+            </a:r>
+            <a:r>
+              <a:rPr lang="en-US" dirty="0" err="1"/>
+              <a:t>Zuul</a:t>
+            </a:r>
+            <a:r>
+              <a:rPr lang="en-US" dirty="0"/>
+              <a:t> and Eureka</a:t>
+            </a:r>
+          </a:p>
+        </p:txBody>
+      </p:sp>
+      <p:pic>
+        <p:nvPicPr>
+          <p:cNvPr id="6146" name="Picture 2" descr="Image result for zuul api gateway"/>
+          <p:cNvPicPr>
+            <a:picLocks noChangeAspect="1" noChangeArrowheads="1"/>
+          </p:cNvPicPr>
+          <p:nvPr/>
+        </p:nvPicPr>
+        <p:blipFill>
+          <a:blip r:embed="rId5">
+            <a:extLst>
+              <a:ext uri="{28A0092B-C50C-407E-A947-70E740481C1C}">
+                <a14:useLocalDpi xmlns:a14="http://schemas.microsoft.com/office/drawing/2010/main" val="0"/>
+              </a:ext>
+            </a:extLst>
+          </a:blip>
+          <a:srcRect/>
+          <a:stretch>
+            <a:fillRect/>
+          </a:stretch>
+        </p:blipFill>
+        <p:spPr bwMode="auto">
+          <a:xfrm>
+            <a:off x="6631536" y="1406209"/>
+            <a:ext cx="4849735" cy="4486654"/>
+          </a:xfrm>
+          <a:prstGeom prst="rect">
+            <a:avLst/>
+          </a:prstGeom>
+          <a:noFill/>
+          <a:extLst>
+            <a:ext uri="{909E8E84-426E-40DD-AFC4-6F175D3DCCD1}">
+              <a14:hiddenFill xmlns:a14="http://schemas.microsoft.com/office/drawing/2010/main">
+                <a:solidFill>
+                  <a:srgbClr val="FFFFFF"/>
+                </a:solidFill>
+              </a14:hiddenFill>
+            </a:ext>
+          </a:extLst>
+        </p:spPr>
+      </p:pic>
+    </p:spTree>
+    <p:extLst>
+      <p:ext uri="{BB962C8B-B14F-4D97-AF65-F5344CB8AC3E}">
+        <p14:creationId xmlns:p14="http://schemas.microsoft.com/office/powerpoint/2010/main" val="3068133056"/>
+      </p:ext>
+    </p:extLst>
+  </p:cSld>
+  <p:clrMapOvr>
+    <a:masterClrMapping/>
+  </p:clrMapOvr>
+  <p:timing>
+    <p:tnLst>
+      <p:par>
+        <p:cTn id="1" dur="indefinite" restart="never" nodeType="tmRoot"/>
+      </p:par>
+    </p:tnLst>
+  </p:timing>
+</p:sld>
+</file>
+
+<file path=ppt/slides/slide16.xml><?xml version="1.0" encoding="utf-8"?>
+<p:sld xmlns:a="http://schemas.openxmlformats.org/drawingml/2006/main" xmlns:r="http://schemas.openxmlformats.org/officeDocument/2006/relationships" xmlns:p="http://schemas.openxmlformats.org/presentationml/2006/main">
+  <p:cSld>
+    <p:spTree>
+      <p:nvGrpSpPr>
+        <p:cNvPr id="1" name=""/>
+        <p:cNvGrpSpPr/>
+        <p:nvPr/>
+      </p:nvGrpSpPr>
+      <p:grpSpPr>
+        <a:xfrm>
+          <a:off x="0" y="0"/>
+          <a:ext cx="0" cy="0"/>
+          <a:chOff x="0" y="0"/>
+          <a:chExt cx="0" cy="0"/>
+        </a:xfrm>
+      </p:grpSpPr>
+      <p:sp>
+        <p:nvSpPr>
+          <p:cNvPr id="2" name="Title 1">
+            <a:extLst>
+              <a:ext uri="{FF2B5EF4-FFF2-40B4-BE49-F238E27FC236}">
+                <a16:creationId xmlns:a16="http://schemas.microsoft.com/office/drawing/2014/main" id="{1B6FEF37-E8EB-4FAE-92E0-573668930DAF}"/>
+              </a:ext>
+            </a:extLst>
+          </p:cNvPr>
+          <p:cNvSpPr>
+            <a:spLocks noGrp="1"/>
+          </p:cNvSpPr>
+          <p:nvPr>
+            <p:ph type="title"/>
+          </p:nvPr>
+        </p:nvSpPr>
+        <p:spPr/>
+        <p:txBody>
+          <a:bodyPr/>
+          <a:lstStyle/>
+          <a:p>
+            <a:r>
+              <a:rPr lang="en-US" dirty="0"/>
+              <a:t>Feign Client</a:t>
+            </a:r>
+            <a:r>
+              <a:rPr lang="pl-PL" dirty="0"/>
+              <a:t/>
+            </a:r>
+            <a:br>
+              <a:rPr lang="pl-PL" dirty="0"/>
+            </a:br>
+            <a:endParaRPr lang="pl-PL" dirty="0"/>
+          </a:p>
+        </p:txBody>
+      </p:sp>
+      <p:sp>
+        <p:nvSpPr>
+          <p:cNvPr id="3" name="Content Placeholder 2">
+            <a:extLst>
+              <a:ext uri="{FF2B5EF4-FFF2-40B4-BE49-F238E27FC236}">
+                <a16:creationId xmlns:a16="http://schemas.microsoft.com/office/drawing/2014/main" id="{C47B833C-26CC-4E09-949F-E54AE88429A5}"/>
+              </a:ext>
+            </a:extLst>
+          </p:cNvPr>
+          <p:cNvSpPr>
+            <a:spLocks noGrp="1"/>
+          </p:cNvSpPr>
+          <p:nvPr>
+            <p:ph idx="1"/>
+          </p:nvPr>
+        </p:nvSpPr>
+        <p:spPr>
+          <a:xfrm>
+            <a:off x="708941" y="1352094"/>
+            <a:ext cx="5666316" cy="3880773"/>
+          </a:xfrm>
+        </p:spPr>
+        <p:txBody>
+          <a:bodyPr>
+            <a:noAutofit/>
+          </a:bodyPr>
+          <a:lstStyle/>
+          <a:p>
+            <a:r>
+              <a:rPr lang="en-US" sz="2000" dirty="0"/>
+              <a:t>Feign is a Java to HTTP client binder. </a:t>
+            </a:r>
+            <a:endParaRPr lang="en-US" sz="2000" dirty="0" smtClean="0"/>
+          </a:p>
+          <a:p>
+            <a:r>
+              <a:rPr lang="en-US" sz="2000" dirty="0" smtClean="0"/>
+              <a:t>Feign Simplifies </a:t>
+            </a:r>
+            <a:r>
+              <a:rPr lang="en-US" sz="2000" dirty="0"/>
+              <a:t>the HTTP API Clients using declarative way</a:t>
+            </a:r>
+            <a:r>
+              <a:rPr lang="en-US" sz="2000" dirty="0" smtClean="0"/>
+              <a:t>.</a:t>
+            </a:r>
+          </a:p>
+          <a:p>
+            <a:r>
+              <a:rPr lang="en-US" sz="2000" dirty="0" smtClean="0"/>
+              <a:t>Feign </a:t>
+            </a:r>
+            <a:r>
+              <a:rPr lang="en-US" sz="2000" dirty="0"/>
+              <a:t>is a library for creating REST API clients in a declarative way</a:t>
+            </a:r>
+            <a:r>
+              <a:rPr lang="en-US" sz="2000" dirty="0" smtClean="0"/>
+              <a:t>. </a:t>
+            </a:r>
+            <a:r>
+              <a:rPr lang="en-US" sz="2000" dirty="0"/>
+              <a:t>Developers can use declarative annotations to call rest </a:t>
+            </a:r>
+            <a:r>
+              <a:rPr lang="en-US" sz="2000" dirty="0" err="1"/>
+              <a:t>servicese</a:t>
+            </a:r>
+            <a:r>
+              <a:rPr lang="en-US" sz="2000" dirty="0"/>
+              <a:t> instead of writing repetitive boilerplate code.</a:t>
+            </a:r>
+            <a:endParaRPr lang="en-US" sz="2000" dirty="0" smtClean="0"/>
+          </a:p>
+          <a:p>
+            <a:r>
+              <a:rPr lang="en-US" sz="2000" dirty="0" smtClean="0"/>
+              <a:t>It </a:t>
+            </a:r>
+            <a:r>
+              <a:rPr lang="en-US" sz="2000" dirty="0"/>
+              <a:t>makes writing web service clients easier. Developers can use declarative annotations to call rest </a:t>
+            </a:r>
+            <a:r>
+              <a:rPr lang="en-US" sz="2000" dirty="0" err="1"/>
+              <a:t>servicese</a:t>
+            </a:r>
+            <a:r>
+              <a:rPr lang="en-US" sz="2000" dirty="0"/>
+              <a:t> instead of writing repetitive boilerplate code</a:t>
+            </a:r>
+            <a:r>
+              <a:rPr lang="en-US" sz="2000" dirty="0" smtClean="0"/>
+              <a:t>.</a:t>
+            </a:r>
+          </a:p>
+          <a:p>
+            <a:r>
+              <a:rPr lang="en-US" sz="2000" dirty="0" smtClean="0"/>
+              <a:t>Feign uses Eureka to find other services by name.</a:t>
+            </a:r>
+            <a:endParaRPr lang="pl-PL" sz="2000" dirty="0"/>
+          </a:p>
+        </p:txBody>
+      </p:sp>
+      <p:grpSp>
+        <p:nvGrpSpPr>
+          <p:cNvPr id="4" name="Group 3"/>
+          <p:cNvGrpSpPr/>
+          <p:nvPr/>
+        </p:nvGrpSpPr>
+        <p:grpSpPr>
+          <a:xfrm>
+            <a:off x="6895254" y="2675730"/>
+            <a:ext cx="3368887" cy="2151671"/>
+            <a:chOff x="677334" y="3031472"/>
+            <a:chExt cx="3368887" cy="2151671"/>
+          </a:xfrm>
+        </p:grpSpPr>
+        <p:grpSp>
+          <p:nvGrpSpPr>
+            <p:cNvPr id="6" name="Group 5">
+              <a:extLst>
+                <a:ext uri="{FF2B5EF4-FFF2-40B4-BE49-F238E27FC236}">
+                  <a16:creationId xmlns:a16="http://schemas.microsoft.com/office/drawing/2014/main" id="{FDAAA1AD-6951-4DB6-A56C-16714CEE5790}"/>
+                </a:ext>
+              </a:extLst>
+            </p:cNvPr>
+            <p:cNvGrpSpPr/>
+            <p:nvPr/>
+          </p:nvGrpSpPr>
+          <p:grpSpPr>
+            <a:xfrm>
+              <a:off x="792698" y="3031472"/>
+              <a:ext cx="3253523" cy="2151671"/>
+              <a:chOff x="5022071" y="2917117"/>
+              <a:chExt cx="937512" cy="2418294"/>
+            </a:xfrm>
+          </p:grpSpPr>
+          <p:sp>
+            <p:nvSpPr>
+              <p:cNvPr id="21" name="Cube 20">
+                <a:extLst>
+                  <a:ext uri="{FF2B5EF4-FFF2-40B4-BE49-F238E27FC236}">
+                    <a16:creationId xmlns:a16="http://schemas.microsoft.com/office/drawing/2014/main" id="{F70D70D6-4072-4C76-8103-F6A6B7BCC014}"/>
+                  </a:ext>
+                </a:extLst>
+              </p:cNvPr>
+              <p:cNvSpPr/>
+              <p:nvPr/>
+            </p:nvSpPr>
+            <p:spPr>
+              <a:xfrm>
+                <a:off x="5022071" y="2917117"/>
+                <a:ext cx="937512" cy="2418294"/>
+              </a:xfrm>
+              <a:prstGeom prst="cube">
+                <a:avLst>
+                  <a:gd name="adj" fmla="val 6479"/>
+                </a:avLst>
+              </a:prstGeom>
+              <a:ln/>
+            </p:spPr>
+            <p:style>
+              <a:lnRef idx="1">
+                <a:schemeClr val="dk1"/>
+              </a:lnRef>
+              <a:fillRef idx="2">
+                <a:schemeClr val="dk1"/>
+              </a:fillRef>
+              <a:effectRef idx="1">
+                <a:schemeClr val="dk1"/>
+              </a:effectRef>
+              <a:fontRef idx="minor">
+                <a:schemeClr val="dk1"/>
+              </a:fontRef>
+            </p:style>
+            <p:txBody>
+              <a:bodyPr rtlCol="0" anchor="ctr"/>
+              <a:lstStyle/>
+              <a:p>
+                <a:pPr algn="ctr"/>
+                <a:endParaRPr lang="en-US" dirty="0"/>
+              </a:p>
+            </p:txBody>
+          </p:sp>
+          <p:sp>
+            <p:nvSpPr>
+              <p:cNvPr id="22" name="TextBox 21">
+                <a:extLst>
+                  <a:ext uri="{FF2B5EF4-FFF2-40B4-BE49-F238E27FC236}">
+                    <a16:creationId xmlns:a16="http://schemas.microsoft.com/office/drawing/2014/main" id="{F2338911-D166-4CC7-A012-BAE1E5B174C7}"/>
+                  </a:ext>
+                </a:extLst>
+              </p:cNvPr>
+              <p:cNvSpPr txBox="1"/>
+              <p:nvPr/>
+            </p:nvSpPr>
+            <p:spPr>
+              <a:xfrm>
+                <a:off x="5155169" y="3127952"/>
+                <a:ext cx="635410" cy="726421"/>
+              </a:xfrm>
+              <a:prstGeom prst="rect">
+                <a:avLst/>
+              </a:prstGeom>
+              <a:noFill/>
+            </p:spPr>
+            <p:txBody>
+              <a:bodyPr wrap="square" rtlCol="0">
+                <a:spAutoFit/>
+              </a:bodyPr>
+              <a:lstStyle/>
+              <a:p>
+                <a:pPr algn="ctr"/>
+                <a:r>
+                  <a:rPr lang="en-US" dirty="0" smtClean="0">
+                    <a:solidFill>
+                      <a:schemeClr val="bg1">
+                        <a:lumMod val="95000"/>
+                      </a:schemeClr>
+                    </a:solidFill>
+                  </a:rPr>
+                  <a:t>Eureka </a:t>
+                </a:r>
+              </a:p>
+              <a:p>
+                <a:pPr algn="ctr"/>
+                <a:r>
+                  <a:rPr lang="en-US" dirty="0" smtClean="0">
+                    <a:solidFill>
+                      <a:schemeClr val="bg1">
+                        <a:lumMod val="95000"/>
+                      </a:schemeClr>
+                    </a:solidFill>
+                  </a:rPr>
+                  <a:t>Services Registry</a:t>
+                </a:r>
+                <a:endParaRPr lang="en-US" sz="2000" dirty="0">
+                  <a:solidFill>
+                    <a:schemeClr val="bg1">
+                      <a:lumMod val="95000"/>
+                    </a:schemeClr>
+                  </a:solidFill>
+                </a:endParaRPr>
+              </a:p>
+            </p:txBody>
+          </p:sp>
+        </p:grpSp>
+        <p:sp>
+          <p:nvSpPr>
+            <p:cNvPr id="11" name="Cube 10">
+              <a:extLst>
+                <a:ext uri="{FF2B5EF4-FFF2-40B4-BE49-F238E27FC236}">
+                  <a16:creationId xmlns:a16="http://schemas.microsoft.com/office/drawing/2014/main" id="{1B9689C9-FE4B-4191-8DE7-4E63A934A127}"/>
+                </a:ext>
+              </a:extLst>
+            </p:cNvPr>
+            <p:cNvSpPr/>
+            <p:nvPr/>
+          </p:nvSpPr>
+          <p:spPr>
+            <a:xfrm>
+              <a:off x="677334" y="4100231"/>
+              <a:ext cx="1398320" cy="958686"/>
+            </a:xfrm>
+            <a:prstGeom prst="cube">
+              <a:avLst>
+                <a:gd name="adj" fmla="val 25278"/>
+              </a:avLst>
+            </a:prstGeom>
+          </p:spPr>
+          <p:style>
+            <a:lnRef idx="1">
+              <a:schemeClr val="accent4"/>
+            </a:lnRef>
+            <a:fillRef idx="2">
+              <a:schemeClr val="accent4"/>
+            </a:fillRef>
+            <a:effectRef idx="1">
+              <a:schemeClr val="accent4"/>
+            </a:effectRef>
+            <a:fontRef idx="minor">
+              <a:schemeClr val="dk1"/>
+            </a:fontRef>
+          </p:style>
+          <p:txBody>
+            <a:bodyPr rtlCol="0" anchor="ctr"/>
+            <a:lstStyle/>
+            <a:p>
+              <a:pPr algn="ctr"/>
+              <a:r>
+                <a:rPr lang="en-US" dirty="0">
+                  <a:solidFill>
+                    <a:schemeClr val="bg1"/>
+                  </a:solidFill>
+                </a:rPr>
+                <a:t>User Service</a:t>
+              </a:r>
+            </a:p>
+          </p:txBody>
+        </p:sp>
+        <p:sp>
+          <p:nvSpPr>
+            <p:cNvPr id="13" name="Arrow: Up-Down 32">
+              <a:extLst>
+                <a:ext uri="{FF2B5EF4-FFF2-40B4-BE49-F238E27FC236}">
+                  <a16:creationId xmlns:a16="http://schemas.microsoft.com/office/drawing/2014/main" id="{7BFFC2F0-A0E3-481F-BFDC-1D8A7578DC04}"/>
+                </a:ext>
+              </a:extLst>
+            </p:cNvPr>
+            <p:cNvSpPr/>
+            <p:nvPr/>
+          </p:nvSpPr>
+          <p:spPr>
+            <a:xfrm rot="16200000">
+              <a:off x="1935763" y="4340831"/>
+              <a:ext cx="342115" cy="477484"/>
+            </a:xfrm>
+            <a:prstGeom prst="upDownArrow">
+              <a:avLst/>
+            </a:prstGeom>
+          </p:spPr>
+          <p:style>
+            <a:lnRef idx="1">
+              <a:schemeClr val="dk1"/>
+            </a:lnRef>
+            <a:fillRef idx="2">
+              <a:schemeClr val="dk1"/>
+            </a:fillRef>
+            <a:effectRef idx="1">
+              <a:schemeClr val="dk1"/>
+            </a:effectRef>
+            <a:fontRef idx="minor">
+              <a:schemeClr val="dk1"/>
+            </a:fontRef>
+          </p:style>
+          <p:txBody>
+            <a:bodyPr rtlCol="0" anchor="ctr"/>
+            <a:lstStyle/>
+            <a:p>
+              <a:pPr algn="ctr"/>
+              <a:endParaRPr lang="en-US" dirty="0"/>
+            </a:p>
+          </p:txBody>
+        </p:sp>
+        <p:sp>
+          <p:nvSpPr>
+            <p:cNvPr id="15" name="Cube 14">
+              <a:extLst>
+                <a:ext uri="{FF2B5EF4-FFF2-40B4-BE49-F238E27FC236}">
+                  <a16:creationId xmlns:a16="http://schemas.microsoft.com/office/drawing/2014/main" id="{08A4BF41-65F9-44AB-BFB0-33B80C2659D4}"/>
+                </a:ext>
+              </a:extLst>
+            </p:cNvPr>
+            <p:cNvSpPr/>
+            <p:nvPr/>
+          </p:nvSpPr>
+          <p:spPr>
+            <a:xfrm>
+              <a:off x="2251144" y="4090995"/>
+              <a:ext cx="1398320" cy="958686"/>
+            </a:xfrm>
+            <a:prstGeom prst="cube">
+              <a:avLst>
+                <a:gd name="adj" fmla="val 25278"/>
+              </a:avLst>
+            </a:prstGeom>
+          </p:spPr>
+          <p:style>
+            <a:lnRef idx="1">
+              <a:schemeClr val="accent4"/>
+            </a:lnRef>
+            <a:fillRef idx="2">
+              <a:schemeClr val="accent4"/>
+            </a:fillRef>
+            <a:effectRef idx="1">
+              <a:schemeClr val="accent4"/>
+            </a:effectRef>
+            <a:fontRef idx="minor">
+              <a:schemeClr val="dk1"/>
+            </a:fontRef>
+          </p:style>
+          <p:txBody>
+            <a:bodyPr rtlCol="0" anchor="ctr"/>
+            <a:lstStyle/>
+            <a:p>
+              <a:pPr algn="ctr"/>
+              <a:r>
+                <a:rPr lang="en-US" dirty="0">
+                  <a:solidFill>
+                    <a:schemeClr val="bg1"/>
+                  </a:solidFill>
+                </a:rPr>
+                <a:t>Email</a:t>
+              </a:r>
+            </a:p>
+            <a:p>
+              <a:pPr algn="ctr"/>
+              <a:r>
+                <a:rPr lang="en-US" dirty="0">
+                  <a:solidFill>
+                    <a:schemeClr val="bg1"/>
+                  </a:solidFill>
+                </a:rPr>
+                <a:t>Service</a:t>
+              </a:r>
+            </a:p>
+          </p:txBody>
+        </p:sp>
+        <p:sp>
+          <p:nvSpPr>
+            <p:cNvPr id="20" name="TextBox 19">
+              <a:extLst>
+                <a:ext uri="{FF2B5EF4-FFF2-40B4-BE49-F238E27FC236}">
+                  <a16:creationId xmlns:a16="http://schemas.microsoft.com/office/drawing/2014/main" id="{B30DE005-D4E8-4C3A-8D31-3A896258A4D8}"/>
+                </a:ext>
+              </a:extLst>
+            </p:cNvPr>
+            <p:cNvSpPr txBox="1"/>
+            <p:nvPr/>
+          </p:nvSpPr>
+          <p:spPr>
+            <a:xfrm>
+              <a:off x="1460306" y="4013349"/>
+              <a:ext cx="2148426" cy="307777"/>
+            </a:xfrm>
+            <a:prstGeom prst="rect">
+              <a:avLst/>
+            </a:prstGeom>
+            <a:noFill/>
+          </p:spPr>
+          <p:txBody>
+            <a:bodyPr wrap="square" rtlCol="0">
+              <a:spAutoFit/>
+            </a:bodyPr>
+            <a:lstStyle/>
+            <a:p>
+              <a:r>
+                <a:rPr lang="en-US" sz="1400" dirty="0"/>
+                <a:t>Feign </a:t>
+              </a:r>
+              <a:r>
+                <a:rPr lang="en-US" sz="1400" dirty="0" smtClean="0"/>
+                <a:t>REST client</a:t>
+              </a:r>
+              <a:endParaRPr lang="en-US" sz="1600" dirty="0"/>
+            </a:p>
+          </p:txBody>
+        </p:sp>
+      </p:grpSp>
+    </p:spTree>
+    <p:extLst>
+      <p:ext uri="{BB962C8B-B14F-4D97-AF65-F5344CB8AC3E}">
+        <p14:creationId xmlns:p14="http://schemas.microsoft.com/office/powerpoint/2010/main" val="768806181"/>
+      </p:ext>
+    </p:extLst>
+  </p:cSld>
+  <p:clrMapOvr>
+    <a:masterClrMapping/>
+  </p:clrMapOvr>
+  <p:timing>
+    <p:tnLst>
+      <p:par>
+        <p:cTn id="1" dur="indefinite" restart="never" nodeType="tmRoot"/>
+      </p:par>
+    </p:tnLst>
+  </p:timing>
+</p:sld>
+</file>
+
+<file path=ppt/slides/slide17.xml><?xml version="1.0" encoding="utf-8"?>
+<p:sld xmlns:a="http://schemas.openxmlformats.org/drawingml/2006/main" xmlns:r="http://schemas.openxmlformats.org/officeDocument/2006/relationships" xmlns:p="http://schemas.openxmlformats.org/presentationml/2006/main">
+  <p:cSld>
+    <p:spTree>
+      <p:nvGrpSpPr>
+        <p:cNvPr id="1" name=""/>
+        <p:cNvGrpSpPr/>
+        <p:nvPr/>
+      </p:nvGrpSpPr>
+      <p:grpSpPr>
+        <a:xfrm>
+          <a:off x="0" y="0"/>
+          <a:ext cx="0" cy="0"/>
+          <a:chOff x="0" y="0"/>
+          <a:chExt cx="0" cy="0"/>
+        </a:xfrm>
+      </p:grpSpPr>
+      <p:sp>
+        <p:nvSpPr>
+          <p:cNvPr id="2" name="Title 1"/>
+          <p:cNvSpPr>
+            <a:spLocks noGrp="1"/>
+          </p:cNvSpPr>
+          <p:nvPr>
+            <p:ph type="title"/>
+          </p:nvPr>
+        </p:nvSpPr>
+        <p:spPr/>
+        <p:txBody>
+          <a:bodyPr/>
+          <a:lstStyle/>
+          <a:p>
+            <a:r>
+              <a:rPr lang="en-US" dirty="0"/>
+              <a:t>How to </a:t>
+            </a:r>
+            <a:r>
+              <a:rPr lang="en-US" dirty="0" smtClean="0"/>
+              <a:t>enable Feign Client</a:t>
+            </a:r>
+            <a:endParaRPr lang="pl-PL" dirty="0"/>
+          </a:p>
+        </p:txBody>
+      </p:sp>
+      <p:sp>
+        <p:nvSpPr>
+          <p:cNvPr id="5" name="Content Placeholder 2"/>
+          <p:cNvSpPr>
+            <a:spLocks noGrp="1"/>
+          </p:cNvSpPr>
+          <p:nvPr>
+            <p:ph idx="1"/>
+          </p:nvPr>
+        </p:nvSpPr>
+        <p:spPr>
+          <a:xfrm>
+            <a:off x="677334" y="1360489"/>
+            <a:ext cx="9238562" cy="5006021"/>
+          </a:xfrm>
+        </p:spPr>
+        <p:txBody>
+          <a:bodyPr>
+            <a:normAutofit/>
+          </a:bodyPr>
+          <a:lstStyle/>
+          <a:p>
+            <a:pPr lvl="1"/>
+            <a:r>
+              <a:rPr lang="en-US" dirty="0" smtClean="0"/>
+              <a:t>Dependencies:</a:t>
+            </a:r>
+          </a:p>
+          <a:p>
+            <a:pPr lvl="1"/>
+            <a:endParaRPr lang="en-US" dirty="0" smtClean="0"/>
+          </a:p>
+          <a:p>
+            <a:pPr lvl="1"/>
+            <a:endParaRPr lang="en-US" dirty="0"/>
+          </a:p>
+          <a:p>
+            <a:pPr lvl="1"/>
+            <a:r>
+              <a:rPr lang="en-US" dirty="0" smtClean="0"/>
+              <a:t>Main Annotation: </a:t>
+            </a:r>
+          </a:p>
+          <a:p>
+            <a:pPr lvl="1"/>
+            <a:endParaRPr lang="en-US" dirty="0" smtClean="0"/>
+          </a:p>
+          <a:p>
+            <a:pPr lvl="1"/>
+            <a:endParaRPr lang="en-US" dirty="0"/>
+          </a:p>
+          <a:p>
+            <a:pPr lvl="1"/>
+            <a:endParaRPr lang="en-US" dirty="0" smtClean="0"/>
+          </a:p>
+          <a:p>
+            <a:pPr lvl="1"/>
+            <a:r>
+              <a:rPr lang="en-US" dirty="0" smtClean="0"/>
+              <a:t>Configuration: </a:t>
+            </a:r>
+            <a:r>
+              <a:rPr lang="en-US" dirty="0" err="1" smtClean="0"/>
+              <a:t>application.yml</a:t>
+            </a:r>
+            <a:r>
+              <a:rPr lang="en-US" dirty="0" smtClean="0"/>
+              <a:t> </a:t>
+            </a:r>
+          </a:p>
+          <a:p>
+            <a:pPr lvl="1"/>
+            <a:endParaRPr lang="en-US" dirty="0"/>
+          </a:p>
+          <a:p>
+            <a:pPr lvl="1"/>
+            <a:r>
+              <a:rPr lang="en-US" dirty="0" smtClean="0"/>
+              <a:t>Interface to another </a:t>
+            </a:r>
+            <a:r>
+              <a:rPr lang="en-US" dirty="0" err="1" smtClean="0"/>
+              <a:t>microservice</a:t>
+            </a:r>
+            <a:r>
+              <a:rPr lang="en-US" dirty="0" smtClean="0"/>
+              <a:t>:       </a:t>
+            </a:r>
+            <a:endParaRPr lang="pl-PL" dirty="0"/>
+          </a:p>
+        </p:txBody>
+      </p:sp>
+      <p:pic>
+        <p:nvPicPr>
+          <p:cNvPr id="3" name="Picture 2"/>
+          <p:cNvPicPr>
+            <a:picLocks noChangeAspect="1"/>
+          </p:cNvPicPr>
+          <p:nvPr/>
+        </p:nvPicPr>
+        <p:blipFill>
+          <a:blip r:embed="rId2"/>
+          <a:stretch>
+            <a:fillRect/>
+          </a:stretch>
+        </p:blipFill>
+        <p:spPr>
+          <a:xfrm>
+            <a:off x="3120852" y="1362002"/>
+            <a:ext cx="6153150" cy="857250"/>
+          </a:xfrm>
+          <a:prstGeom prst="rect">
+            <a:avLst/>
+          </a:prstGeom>
+          <a:ln>
+            <a:noFill/>
+          </a:ln>
+          <a:effectLst>
+            <a:outerShdw blurRad="190500" algn="tl" rotWithShape="0">
+              <a:srgbClr val="000000">
+                <a:alpha val="70000"/>
+              </a:srgbClr>
+            </a:outerShdw>
+          </a:effectLst>
+        </p:spPr>
+      </p:pic>
+      <p:pic>
+        <p:nvPicPr>
+          <p:cNvPr id="6" name="Picture 5"/>
+          <p:cNvPicPr>
+            <a:picLocks noChangeAspect="1"/>
+          </p:cNvPicPr>
+          <p:nvPr/>
+        </p:nvPicPr>
+        <p:blipFill>
+          <a:blip r:embed="rId3"/>
+          <a:stretch>
+            <a:fillRect/>
+          </a:stretch>
+        </p:blipFill>
+        <p:spPr>
+          <a:xfrm>
+            <a:off x="3993832" y="2278548"/>
+            <a:ext cx="4067175" cy="1352550"/>
+          </a:xfrm>
+          <a:prstGeom prst="rect">
+            <a:avLst/>
+          </a:prstGeom>
+          <a:ln>
+            <a:noFill/>
+          </a:ln>
+          <a:effectLst>
+            <a:outerShdw blurRad="190500" algn="tl" rotWithShape="0">
+              <a:srgbClr val="000000">
+                <a:alpha val="70000"/>
+              </a:srgbClr>
+            </a:outerShdw>
+          </a:effectLst>
+        </p:spPr>
+      </p:pic>
+      <p:pic>
+        <p:nvPicPr>
+          <p:cNvPr id="7" name="Picture 6"/>
+          <p:cNvPicPr>
+            <a:picLocks noChangeAspect="1"/>
+          </p:cNvPicPr>
+          <p:nvPr/>
+        </p:nvPicPr>
+        <p:blipFill>
+          <a:blip r:embed="rId4"/>
+          <a:stretch>
+            <a:fillRect/>
+          </a:stretch>
+        </p:blipFill>
+        <p:spPr>
+          <a:xfrm>
+            <a:off x="4483417" y="3853180"/>
+            <a:ext cx="5648325" cy="590550"/>
+          </a:xfrm>
+          <a:prstGeom prst="rect">
+            <a:avLst/>
+          </a:prstGeom>
+          <a:ln>
+            <a:noFill/>
+          </a:ln>
+          <a:effectLst>
+            <a:outerShdw blurRad="190500" algn="tl" rotWithShape="0">
+              <a:srgbClr val="000000">
+                <a:alpha val="70000"/>
+              </a:srgbClr>
+            </a:outerShdw>
+          </a:effectLst>
+        </p:spPr>
+      </p:pic>
+      <p:pic>
+        <p:nvPicPr>
+          <p:cNvPr id="8" name="Picture 7"/>
+          <p:cNvPicPr>
+            <a:picLocks noChangeAspect="1"/>
+          </p:cNvPicPr>
+          <p:nvPr/>
+        </p:nvPicPr>
+        <p:blipFill>
+          <a:blip r:embed="rId5"/>
+          <a:stretch>
+            <a:fillRect/>
+          </a:stretch>
+        </p:blipFill>
+        <p:spPr>
+          <a:xfrm>
+            <a:off x="1302067" y="5111432"/>
+            <a:ext cx="9086850" cy="1133475"/>
+          </a:xfrm>
+          <a:prstGeom prst="rect">
+            <a:avLst/>
+          </a:prstGeom>
+          <a:ln>
+            <a:noFill/>
+          </a:ln>
+          <a:effectLst>
+            <a:outerShdw blurRad="190500" algn="tl" rotWithShape="0">
+              <a:srgbClr val="000000">
+                <a:alpha val="70000"/>
+              </a:srgbClr>
+            </a:outerShdw>
+          </a:effectLst>
+        </p:spPr>
+      </p:pic>
+    </p:spTree>
+    <p:extLst>
+      <p:ext uri="{BB962C8B-B14F-4D97-AF65-F5344CB8AC3E}">
+        <p14:creationId xmlns:p14="http://schemas.microsoft.com/office/powerpoint/2010/main" val="4229313578"/>
+      </p:ext>
+    </p:extLst>
+  </p:cSld>
+  <p:clrMapOvr>
+    <a:masterClrMapping/>
+  </p:clrMapOvr>
+  <p:timing>
+    <p:tnLst>
+      <p:par>
+        <p:cTn id="1" dur="indefinite" restart="never" nodeType="tmRoot"/>
+      </p:par>
+    </p:tnLst>
+  </p:timing>
+</p:sld>
+</file>
+
+<file path=ppt/slides/slide18.xml><?xml version="1.0" encoding="utf-8"?>
+<p:sld xmlns:a="http://schemas.openxmlformats.org/drawingml/2006/main" xmlns:r="http://schemas.openxmlformats.org/officeDocument/2006/relationships" xmlns:p="http://schemas.openxmlformats.org/presentationml/2006/main">
+  <p:cSld>
+    <p:spTree>
+      <p:nvGrpSpPr>
+        <p:cNvPr id="1" name=""/>
+        <p:cNvGrpSpPr/>
+        <p:nvPr/>
+      </p:nvGrpSpPr>
+      <p:grpSpPr>
+        <a:xfrm>
+          <a:off x="0" y="0"/>
+          <a:ext cx="0" cy="0"/>
+          <a:chOff x="0" y="0"/>
+          <a:chExt cx="0" cy="0"/>
+        </a:xfrm>
+      </p:grpSpPr>
+      <p:sp>
+        <p:nvSpPr>
+          <p:cNvPr id="2" name="Title 1"/>
+          <p:cNvSpPr>
+            <a:spLocks noGrp="1"/>
+          </p:cNvSpPr>
+          <p:nvPr>
+            <p:ph type="title"/>
+          </p:nvPr>
+        </p:nvSpPr>
+        <p:spPr/>
+        <p:txBody>
+          <a:bodyPr/>
+          <a:lstStyle/>
+          <a:p>
+            <a:r>
+              <a:rPr lang="en-US" dirty="0" smtClean="0"/>
+              <a:t>Home Work - Task 1</a:t>
+            </a:r>
+            <a:endParaRPr lang="pl-PL" dirty="0"/>
+          </a:p>
+        </p:txBody>
+      </p:sp>
+      <p:sp>
+        <p:nvSpPr>
+          <p:cNvPr id="3" name="Content Placeholder 2"/>
+          <p:cNvSpPr>
+            <a:spLocks noGrp="1"/>
+          </p:cNvSpPr>
+          <p:nvPr>
+            <p:ph idx="1"/>
+          </p:nvPr>
+        </p:nvSpPr>
+        <p:spPr>
+          <a:xfrm>
+            <a:off x="677334" y="1302241"/>
+            <a:ext cx="9940944" cy="3880773"/>
+          </a:xfrm>
+        </p:spPr>
+        <p:txBody>
+          <a:bodyPr/>
+          <a:lstStyle/>
+          <a:p>
+            <a:r>
+              <a:rPr lang="en-US" dirty="0" smtClean="0"/>
+              <a:t>Try to run </a:t>
+            </a:r>
+          </a:p>
+          <a:p>
+            <a:pPr lvl="1"/>
+            <a:r>
+              <a:rPr lang="en-US" dirty="0" err="1" smtClean="0"/>
+              <a:t>configserver</a:t>
+            </a:r>
+            <a:endParaRPr lang="en-US" dirty="0" smtClean="0"/>
+          </a:p>
+          <a:p>
+            <a:pPr lvl="1"/>
+            <a:r>
+              <a:rPr lang="en-US" dirty="0" smtClean="0"/>
+              <a:t>registry-service</a:t>
+            </a:r>
+          </a:p>
+          <a:p>
+            <a:pPr lvl="1"/>
+            <a:r>
+              <a:rPr lang="en-US" dirty="0" smtClean="0"/>
+              <a:t>user-service</a:t>
+            </a:r>
+          </a:p>
+          <a:p>
+            <a:pPr lvl="1"/>
+            <a:r>
+              <a:rPr lang="en-US" dirty="0" smtClean="0"/>
+              <a:t>email-service.</a:t>
+            </a:r>
+          </a:p>
+          <a:p>
+            <a:r>
+              <a:rPr lang="en-US" dirty="0" smtClean="0"/>
+              <a:t>Navigate to Eureka endpoint localhost:8888 and check assigned addresses and ports.</a:t>
+            </a:r>
+          </a:p>
+          <a:p>
+            <a:r>
+              <a:rPr lang="en-US" dirty="0" smtClean="0"/>
+              <a:t>Now shut-down everything and run only </a:t>
+            </a:r>
+            <a:r>
+              <a:rPr lang="en-US" dirty="0"/>
+              <a:t>registry-service, user-service and </a:t>
+            </a:r>
+            <a:r>
+              <a:rPr lang="en-US" dirty="0" smtClean="0"/>
+              <a:t>email-service.</a:t>
+            </a:r>
+          </a:p>
+          <a:p>
+            <a:r>
+              <a:rPr lang="en-US" dirty="0"/>
+              <a:t>Navigate to </a:t>
+            </a:r>
+            <a:r>
+              <a:rPr lang="en-US" dirty="0" smtClean="0"/>
+              <a:t>Eureka and check assigned ports. Why they are changed?</a:t>
+            </a:r>
+          </a:p>
+          <a:p>
+            <a:endParaRPr lang="pl-PL" dirty="0"/>
+          </a:p>
+        </p:txBody>
+      </p:sp>
+      <p:pic>
+        <p:nvPicPr>
+          <p:cNvPr id="4" name="Picture 3"/>
+          <p:cNvPicPr>
+            <a:picLocks noChangeAspect="1"/>
+          </p:cNvPicPr>
+          <p:nvPr/>
+        </p:nvPicPr>
+        <p:blipFill>
+          <a:blip r:embed="rId2"/>
+          <a:stretch>
+            <a:fillRect/>
+          </a:stretch>
+        </p:blipFill>
+        <p:spPr>
+          <a:xfrm>
+            <a:off x="1407795" y="4680585"/>
+            <a:ext cx="7639050" cy="1657350"/>
+          </a:xfrm>
+          <a:prstGeom prst="rect">
+            <a:avLst/>
+          </a:prstGeom>
+        </p:spPr>
+      </p:pic>
+    </p:spTree>
+    <p:extLst>
+      <p:ext uri="{BB962C8B-B14F-4D97-AF65-F5344CB8AC3E}">
+        <p14:creationId xmlns:p14="http://schemas.microsoft.com/office/powerpoint/2010/main" val="2577991558"/>
+      </p:ext>
+    </p:extLst>
+  </p:cSld>
+  <p:clrMapOvr>
+    <a:masterClrMapping/>
+  </p:clrMapOvr>
+  <p:timing>
+    <p:tnLst>
+      <p:par>
+        <p:cTn id="1" dur="indefinite" restart="never" nodeType="tmRoot"/>
+      </p:par>
+    </p:tnLst>
+  </p:timing>
+</p:sld>
+</file>
+
+<file path=ppt/slides/slide2.xml><?xml version="1.0" encoding="utf-8"?>
+<p:sld xmlns:a="http://schemas.openxmlformats.org/drawingml/2006/main" xmlns:r="http://schemas.openxmlformats.org/officeDocument/2006/relationships" xmlns:p="http://schemas.openxmlformats.org/presentationml/2006/main">
+  <p:cSld>
+    <p:spTree>
+      <p:nvGrpSpPr>
+        <p:cNvPr id="1" name=""/>
+        <p:cNvGrpSpPr/>
+        <p:nvPr/>
+      </p:nvGrpSpPr>
+      <p:grpSpPr>
+        <a:xfrm>
+          <a:off x="0" y="0"/>
+          <a:ext cx="0" cy="0"/>
+          <a:chOff x="0" y="0"/>
+          <a:chExt cx="0" cy="0"/>
+        </a:xfrm>
+      </p:grpSpPr>
+      <p:sp>
+        <p:nvSpPr>
+          <p:cNvPr id="2" name="Title 1">
+            <a:extLst>
+              <a:ext uri="{FF2B5EF4-FFF2-40B4-BE49-F238E27FC236}">
+                <a16:creationId xmlns:a16="http://schemas.microsoft.com/office/drawing/2014/main" id="{E3AA0351-1C05-4D0D-90B7-8E1401663B66}"/>
+              </a:ext>
+            </a:extLst>
+          </p:cNvPr>
+          <p:cNvSpPr>
+            <a:spLocks noGrp="1"/>
+          </p:cNvSpPr>
+          <p:nvPr>
+            <p:ph type="title"/>
+          </p:nvPr>
+        </p:nvSpPr>
+        <p:spPr/>
+        <p:txBody>
+          <a:bodyPr/>
+          <a:lstStyle/>
+          <a:p>
+            <a:r>
+              <a:rPr lang="en-US" dirty="0"/>
+              <a:t>Pain of decomposition</a:t>
+            </a:r>
+            <a:endParaRPr lang="pl-PL" dirty="0"/>
+          </a:p>
+        </p:txBody>
+      </p:sp>
+      <p:sp>
+        <p:nvSpPr>
+          <p:cNvPr id="3" name="Content Placeholder 2">
+            <a:extLst>
+              <a:ext uri="{FF2B5EF4-FFF2-40B4-BE49-F238E27FC236}">
+                <a16:creationId xmlns:a16="http://schemas.microsoft.com/office/drawing/2014/main" id="{5DDDF78E-AE51-4567-979F-9800715067C8}"/>
+              </a:ext>
+            </a:extLst>
+          </p:cNvPr>
+          <p:cNvSpPr>
+            <a:spLocks noGrp="1"/>
+          </p:cNvSpPr>
+          <p:nvPr>
+            <p:ph idx="1"/>
+          </p:nvPr>
+        </p:nvSpPr>
+        <p:spPr>
+          <a:xfrm>
+            <a:off x="350385" y="1372525"/>
+            <a:ext cx="8596668" cy="1917430"/>
+          </a:xfrm>
+        </p:spPr>
+        <p:txBody>
+          <a:bodyPr>
+            <a:normAutofit/>
+          </a:bodyPr>
+          <a:lstStyle/>
+          <a:p>
+            <a:r>
+              <a:rPr lang="en-US" sz="2000" dirty="0"/>
+              <a:t>Netflix estimates that it uses around 700 microservices to control each of the many parts of what makes up the entire Netflix service for around 98 million paying subscribers in 190 countries.</a:t>
+            </a:r>
+            <a:endParaRPr lang="pl-PL" sz="2000" dirty="0"/>
+          </a:p>
+        </p:txBody>
+      </p:sp>
       <p:sp>
         <p:nvSpPr>
           <p:cNvPr id="8" name="Content Placeholder 2">
             <a:extLst>
               <a:ext uri="{FF2B5EF4-FFF2-40B4-BE49-F238E27FC236}">
-                <a16:creationId xmlns:a16="http://schemas.microsoft.com/office/drawing/2014/main" id="{9A4E8CD4-6626-4AC0-BD41-4773C00EDDA0}"/>
+                <a16:creationId xmlns:a16="http://schemas.microsoft.com/office/drawing/2014/main" id="{A49D44EF-9BFD-4A3A-9ACE-8010A18C12BE}"/>
               </a:ext>
             </a:extLst>
           </p:cNvPr>
@@ -7159,8 +9769,8 @@
         </p:nvSpPr>
         <p:spPr>
           <a:xfrm>
-            <a:off x="545253" y="1493520"/>
-            <a:ext cx="9601200" cy="4253410"/>
+            <a:off x="350385" y="2470450"/>
+            <a:ext cx="5826555" cy="4110087"/>
           </a:xfrm>
           <a:prstGeom prst="rect">
             <a:avLst/>
@@ -7399,6 +10009,424 @@
           </a:lstStyle>
           <a:p>
             <a:r>
+              <a:rPr lang="en-US" sz="2000" dirty="0"/>
+              <a:t>Each service exposes some REST endpoints available to other services and UI</a:t>
+            </a:r>
+          </a:p>
+          <a:p>
+            <a:r>
+              <a:rPr lang="en-US" sz="2000" dirty="0"/>
+              <a:t>Imagine you should keep all those IP addresses &amp; exposed ports in some configuration file</a:t>
+            </a:r>
+          </a:p>
+          <a:p>
+            <a:r>
+              <a:rPr lang="en-US" sz="2000" dirty="0"/>
+              <a:t>Imagine you tells your Angular developer he should integrate 15 of exposed services from different servers…</a:t>
+            </a:r>
+          </a:p>
+          <a:p>
+            <a:r>
+              <a:rPr lang="en-US" sz="2000" dirty="0"/>
+              <a:t>Imagine you have 3 environments like </a:t>
+            </a:r>
+          </a:p>
+          <a:p>
+            <a:pPr marL="0" indent="0">
+              <a:buNone/>
+            </a:pPr>
+            <a:r>
+              <a:rPr lang="en-US" sz="2000" dirty="0"/>
+              <a:t>     DEV / QA / PROD …</a:t>
+            </a:r>
+          </a:p>
+          <a:p>
+            <a:endParaRPr lang="pl-PL" sz="2000" dirty="0"/>
+          </a:p>
+        </p:txBody>
+      </p:sp>
+      <p:pic>
+        <p:nvPicPr>
+          <p:cNvPr id="9" name="Picture 8">
+            <a:extLst>
+              <a:ext uri="{FF2B5EF4-FFF2-40B4-BE49-F238E27FC236}">
+                <a16:creationId xmlns:a16="http://schemas.microsoft.com/office/drawing/2014/main" id="{476FAC28-743A-451F-90AA-5B4AB29776AF}"/>
+              </a:ext>
+            </a:extLst>
+          </p:cNvPr>
+          <p:cNvPicPr>
+            <a:picLocks noChangeAspect="1"/>
+          </p:cNvPicPr>
+          <p:nvPr/>
+        </p:nvPicPr>
+        <p:blipFill>
+          <a:blip r:embed="rId3"/>
+          <a:stretch>
+            <a:fillRect/>
+          </a:stretch>
+        </p:blipFill>
+        <p:spPr>
+          <a:xfrm>
+            <a:off x="6346728" y="2693325"/>
+            <a:ext cx="5200650" cy="3590925"/>
+          </a:xfrm>
+          <a:prstGeom prst="rect">
+            <a:avLst/>
+          </a:prstGeom>
+        </p:spPr>
+      </p:pic>
+    </p:spTree>
+    <p:extLst>
+      <p:ext uri="{BB962C8B-B14F-4D97-AF65-F5344CB8AC3E}">
+        <p14:creationId xmlns:p14="http://schemas.microsoft.com/office/powerpoint/2010/main" val="416865638"/>
+      </p:ext>
+    </p:extLst>
+  </p:cSld>
+  <p:clrMapOvr>
+    <a:masterClrMapping/>
+  </p:clrMapOvr>
+  <p:timing>
+    <p:tnLst>
+      <p:par>
+        <p:cTn id="1" dur="indefinite" restart="never" nodeType="tmRoot"/>
+      </p:par>
+    </p:tnLst>
+  </p:timing>
+</p:sld>
+</file>
+
+<file path=ppt/slides/slide3.xml><?xml version="1.0" encoding="utf-8"?>
+<p:sld xmlns:a="http://schemas.openxmlformats.org/drawingml/2006/main" xmlns:r="http://schemas.openxmlformats.org/officeDocument/2006/relationships" xmlns:p="http://schemas.openxmlformats.org/presentationml/2006/main">
+  <p:cSld>
+    <p:spTree>
+      <p:nvGrpSpPr>
+        <p:cNvPr id="1" name=""/>
+        <p:cNvGrpSpPr/>
+        <p:nvPr/>
+      </p:nvGrpSpPr>
+      <p:grpSpPr>
+        <a:xfrm>
+          <a:off x="0" y="0"/>
+          <a:ext cx="0" cy="0"/>
+          <a:chOff x="0" y="0"/>
+          <a:chExt cx="0" cy="0"/>
+        </a:xfrm>
+      </p:grpSpPr>
+      <p:sp>
+        <p:nvSpPr>
+          <p:cNvPr id="2" name="Title 1">
+            <a:extLst>
+              <a:ext uri="{FF2B5EF4-FFF2-40B4-BE49-F238E27FC236}">
+                <a16:creationId xmlns:a16="http://schemas.microsoft.com/office/drawing/2014/main" id="{0251DD90-00BE-4BBE-BA39-2CEF182211B6}"/>
+              </a:ext>
+            </a:extLst>
+          </p:cNvPr>
+          <p:cNvSpPr>
+            <a:spLocks noGrp="1"/>
+          </p:cNvSpPr>
+          <p:nvPr>
+            <p:ph type="title"/>
+          </p:nvPr>
+        </p:nvSpPr>
+        <p:spPr/>
+        <p:txBody>
+          <a:bodyPr/>
+          <a:lstStyle/>
+          <a:p>
+            <a:r>
+              <a:rPr lang="en-US" dirty="0"/>
+              <a:t>Spring Cloud to the rescue</a:t>
+            </a:r>
+            <a:endParaRPr lang="pl-PL" dirty="0"/>
+          </a:p>
+        </p:txBody>
+      </p:sp>
+      <p:pic>
+        <p:nvPicPr>
+          <p:cNvPr id="4" name="Picture 3">
+            <a:extLst>
+              <a:ext uri="{FF2B5EF4-FFF2-40B4-BE49-F238E27FC236}">
+                <a16:creationId xmlns:a16="http://schemas.microsoft.com/office/drawing/2014/main" id="{3EED9DE8-943F-46F1-BE6F-3B5C4FB5736C}"/>
+              </a:ext>
+            </a:extLst>
+          </p:cNvPr>
+          <p:cNvPicPr>
+            <a:picLocks noChangeAspect="1"/>
+          </p:cNvPicPr>
+          <p:nvPr/>
+        </p:nvPicPr>
+        <p:blipFill>
+          <a:blip r:embed="rId3"/>
+          <a:stretch>
+            <a:fillRect/>
+          </a:stretch>
+        </p:blipFill>
+        <p:spPr>
+          <a:xfrm>
+            <a:off x="5638801" y="2547680"/>
+            <a:ext cx="6007946" cy="3824036"/>
+          </a:xfrm>
+          <a:prstGeom prst="rect">
+            <a:avLst/>
+          </a:prstGeom>
+        </p:spPr>
+      </p:pic>
+      <p:sp>
+        <p:nvSpPr>
+          <p:cNvPr id="8" name="Content Placeholder 2">
+            <a:extLst>
+              <a:ext uri="{FF2B5EF4-FFF2-40B4-BE49-F238E27FC236}">
+                <a16:creationId xmlns:a16="http://schemas.microsoft.com/office/drawing/2014/main" id="{9A4E8CD4-6626-4AC0-BD41-4773C00EDDA0}"/>
+              </a:ext>
+            </a:extLst>
+          </p:cNvPr>
+          <p:cNvSpPr txBox="1">
+            <a:spLocks/>
+          </p:cNvSpPr>
+          <p:nvPr/>
+        </p:nvSpPr>
+        <p:spPr>
+          <a:xfrm>
+            <a:off x="545253" y="1493520"/>
+            <a:ext cx="9601200" cy="4253410"/>
+          </a:xfrm>
+          <a:prstGeom prst="rect">
+            <a:avLst/>
+          </a:prstGeom>
+        </p:spPr>
+        <p:txBody>
+          <a:bodyPr vert="horz" lIns="91440" tIns="45720" rIns="91440" bIns="45720" rtlCol="0">
+            <a:normAutofit/>
+          </a:bodyPr>
+          <a:lstStyle>
+            <a:lvl1pPr marL="342900" indent="-342900" algn="l" defTabSz="457200" rtl="0" eaLnBrk="1" latinLnBrk="0" hangingPunct="1">
+              <a:spcBef>
+                <a:spcPts val="1000"/>
+              </a:spcBef>
+              <a:spcAft>
+                <a:spcPts val="0"/>
+              </a:spcAft>
+              <a:buClr>
+                <a:schemeClr val="accent1"/>
+              </a:buClr>
+              <a:buSzPct val="80000"/>
+              <a:buFont typeface="Wingdings 3" charset="2"/>
+              <a:buChar char=""/>
+              <a:defRPr sz="1800" kern="1200">
+                <a:solidFill>
+                  <a:schemeClr val="tx1">
+                    <a:lumMod val="75000"/>
+                    <a:lumOff val="25000"/>
+                  </a:schemeClr>
+                </a:solidFill>
+                <a:latin typeface="+mn-lt"/>
+                <a:ea typeface="+mn-ea"/>
+                <a:cs typeface="+mn-cs"/>
+              </a:defRPr>
+            </a:lvl1pPr>
+            <a:lvl2pPr marL="742950" indent="-285750" algn="l" defTabSz="457200" rtl="0" eaLnBrk="1" latinLnBrk="0" hangingPunct="1">
+              <a:spcBef>
+                <a:spcPts val="1000"/>
+              </a:spcBef>
+              <a:spcAft>
+                <a:spcPts val="0"/>
+              </a:spcAft>
+              <a:buClr>
+                <a:schemeClr val="accent1"/>
+              </a:buClr>
+              <a:buSzPct val="80000"/>
+              <a:buFont typeface="Wingdings 3" charset="2"/>
+              <a:buChar char=""/>
+              <a:defRPr sz="1600" kern="1200">
+                <a:solidFill>
+                  <a:schemeClr val="tx1">
+                    <a:lumMod val="75000"/>
+                    <a:lumOff val="25000"/>
+                  </a:schemeClr>
+                </a:solidFill>
+                <a:latin typeface="+mn-lt"/>
+                <a:ea typeface="+mn-ea"/>
+                <a:cs typeface="+mn-cs"/>
+              </a:defRPr>
+            </a:lvl2pPr>
+            <a:lvl3pPr marL="1143000" indent="-228600" algn="l" defTabSz="457200" rtl="0" eaLnBrk="1" latinLnBrk="0" hangingPunct="1">
+              <a:spcBef>
+                <a:spcPts val="1000"/>
+              </a:spcBef>
+              <a:spcAft>
+                <a:spcPts val="0"/>
+              </a:spcAft>
+              <a:buClr>
+                <a:schemeClr val="accent1"/>
+              </a:buClr>
+              <a:buSzPct val="80000"/>
+              <a:buFont typeface="Wingdings 3" charset="2"/>
+              <a:buChar char=""/>
+              <a:defRPr sz="1400" kern="1200">
+                <a:solidFill>
+                  <a:schemeClr val="tx1">
+                    <a:lumMod val="75000"/>
+                    <a:lumOff val="25000"/>
+                  </a:schemeClr>
+                </a:solidFill>
+                <a:latin typeface="+mn-lt"/>
+                <a:ea typeface="+mn-ea"/>
+                <a:cs typeface="+mn-cs"/>
+              </a:defRPr>
+            </a:lvl3pPr>
+            <a:lvl4pPr marL="1600200" indent="-228600" algn="l" defTabSz="457200" rtl="0" eaLnBrk="1" latinLnBrk="0" hangingPunct="1">
+              <a:spcBef>
+                <a:spcPts val="1000"/>
+              </a:spcBef>
+              <a:spcAft>
+                <a:spcPts val="0"/>
+              </a:spcAft>
+              <a:buClr>
+                <a:schemeClr val="accent1"/>
+              </a:buClr>
+              <a:buSzPct val="80000"/>
+              <a:buFont typeface="Wingdings 3" charset="2"/>
+              <a:buChar char=""/>
+              <a:defRPr sz="1200" kern="1200">
+                <a:solidFill>
+                  <a:schemeClr val="tx1">
+                    <a:lumMod val="75000"/>
+                    <a:lumOff val="25000"/>
+                  </a:schemeClr>
+                </a:solidFill>
+                <a:latin typeface="+mn-lt"/>
+                <a:ea typeface="+mn-ea"/>
+                <a:cs typeface="+mn-cs"/>
+              </a:defRPr>
+            </a:lvl4pPr>
+            <a:lvl5pPr marL="2057400" indent="-228600" algn="l" defTabSz="457200" rtl="0" eaLnBrk="1" latinLnBrk="0" hangingPunct="1">
+              <a:spcBef>
+                <a:spcPts val="1000"/>
+              </a:spcBef>
+              <a:spcAft>
+                <a:spcPts val="0"/>
+              </a:spcAft>
+              <a:buClr>
+                <a:schemeClr val="accent1"/>
+              </a:buClr>
+              <a:buSzPct val="80000"/>
+              <a:buFont typeface="Wingdings 3" charset="2"/>
+              <a:buChar char=""/>
+              <a:defRPr sz="1200" kern="1200">
+                <a:solidFill>
+                  <a:schemeClr val="tx1">
+                    <a:lumMod val="75000"/>
+                    <a:lumOff val="25000"/>
+                  </a:schemeClr>
+                </a:solidFill>
+                <a:latin typeface="+mn-lt"/>
+                <a:ea typeface="+mn-ea"/>
+                <a:cs typeface="+mn-cs"/>
+              </a:defRPr>
+            </a:lvl5pPr>
+            <a:lvl6pPr marL="2514600" indent="-228600" algn="l" defTabSz="457200" rtl="0" eaLnBrk="1" latinLnBrk="0" hangingPunct="1">
+              <a:spcBef>
+                <a:spcPts val="1000"/>
+              </a:spcBef>
+              <a:spcAft>
+                <a:spcPts val="0"/>
+              </a:spcAft>
+              <a:buClr>
+                <a:schemeClr val="accent1"/>
+              </a:buClr>
+              <a:buSzPct val="80000"/>
+              <a:buFont typeface="Wingdings 3" charset="2"/>
+              <a:buChar char=""/>
+              <a:defRPr sz="1200" kern="1200">
+                <a:solidFill>
+                  <a:schemeClr val="tx1">
+                    <a:lumMod val="75000"/>
+                    <a:lumOff val="25000"/>
+                  </a:schemeClr>
+                </a:solidFill>
+                <a:latin typeface="+mn-lt"/>
+                <a:ea typeface="+mn-ea"/>
+                <a:cs typeface="+mn-cs"/>
+              </a:defRPr>
+            </a:lvl6pPr>
+            <a:lvl7pPr marL="2971800" indent="-228600" algn="l" defTabSz="457200" rtl="0" eaLnBrk="1" latinLnBrk="0" hangingPunct="1">
+              <a:spcBef>
+                <a:spcPts val="1000"/>
+              </a:spcBef>
+              <a:spcAft>
+                <a:spcPts val="0"/>
+              </a:spcAft>
+              <a:buClr>
+                <a:schemeClr val="accent1"/>
+              </a:buClr>
+              <a:buSzPct val="80000"/>
+              <a:buFont typeface="Wingdings 3" charset="2"/>
+              <a:buChar char=""/>
+              <a:defRPr sz="1200" kern="1200">
+                <a:solidFill>
+                  <a:schemeClr val="tx1">
+                    <a:lumMod val="75000"/>
+                    <a:lumOff val="25000"/>
+                  </a:schemeClr>
+                </a:solidFill>
+                <a:latin typeface="+mn-lt"/>
+                <a:ea typeface="+mn-ea"/>
+                <a:cs typeface="+mn-cs"/>
+              </a:defRPr>
+            </a:lvl7pPr>
+            <a:lvl8pPr marL="3429000" indent="-228600" algn="l" defTabSz="457200" rtl="0" eaLnBrk="1" latinLnBrk="0" hangingPunct="1">
+              <a:spcBef>
+                <a:spcPts val="1000"/>
+              </a:spcBef>
+              <a:spcAft>
+                <a:spcPts val="0"/>
+              </a:spcAft>
+              <a:buClr>
+                <a:schemeClr val="accent1"/>
+              </a:buClr>
+              <a:buSzPct val="80000"/>
+              <a:buFont typeface="Wingdings 3" charset="2"/>
+              <a:buChar char=""/>
+              <a:defRPr sz="1200" kern="1200">
+                <a:solidFill>
+                  <a:schemeClr val="tx1">
+                    <a:lumMod val="75000"/>
+                    <a:lumOff val="25000"/>
+                  </a:schemeClr>
+                </a:solidFill>
+                <a:latin typeface="+mn-lt"/>
+                <a:ea typeface="+mn-ea"/>
+                <a:cs typeface="+mn-cs"/>
+              </a:defRPr>
+            </a:lvl8pPr>
+            <a:lvl9pPr marL="3886200" indent="-228600" algn="l" defTabSz="457200" rtl="0" eaLnBrk="1" latinLnBrk="0" hangingPunct="1">
+              <a:spcBef>
+                <a:spcPts val="1000"/>
+              </a:spcBef>
+              <a:spcAft>
+                <a:spcPts val="0"/>
+              </a:spcAft>
+              <a:buClr>
+                <a:schemeClr val="accent1"/>
+              </a:buClr>
+              <a:buSzPct val="80000"/>
+              <a:buFont typeface="Wingdings 3" charset="2"/>
+              <a:buChar char=""/>
+              <a:defRPr sz="1200" kern="1200">
+                <a:solidFill>
+                  <a:schemeClr val="tx1">
+                    <a:lumMod val="75000"/>
+                    <a:lumOff val="25000"/>
+                  </a:schemeClr>
+                </a:solidFill>
+                <a:latin typeface="+mn-lt"/>
+                <a:ea typeface="+mn-ea"/>
+                <a:cs typeface="+mn-cs"/>
+              </a:defRPr>
+            </a:lvl9pPr>
+          </a:lstStyle>
+          <a:p>
+            <a:r>
               <a:rPr lang="en-US" sz="2200" b="1" dirty="0"/>
               <a:t>Spring Cloud Config </a:t>
             </a:r>
@@ -7422,8 +10450,13 @@
             </a:r>
             <a:r>
               <a:rPr lang="en-US" sz="2200" dirty="0"/>
-              <a:t>– API gateway proxy</a:t>
-            </a:r>
+              <a:t>– API gateway </a:t>
+            </a:r>
+            <a:r>
+              <a:rPr lang="en-US" sz="2200" dirty="0" smtClean="0"/>
+              <a:t>proxy – single access point</a:t>
+            </a:r>
+            <a:endParaRPr lang="en-US" sz="2200" dirty="0"/>
           </a:p>
           <a:p>
             <a:r>
@@ -7442,16 +10475,38 @@
             </a:r>
             <a:r>
               <a:rPr lang="en-US" sz="2200" dirty="0"/>
-              <a:t>– simple REST calls</a:t>
-            </a:r>
-          </a:p>
-          <a:p>
+              <a:t>– simple REST </a:t>
+            </a:r>
+            <a:r>
+              <a:rPr lang="en-US" sz="2200" dirty="0" smtClean="0"/>
+              <a:t>calls </a:t>
+            </a:r>
+          </a:p>
+          <a:p>
+            <a:pPr marL="0" indent="0">
+              <a:buNone/>
+            </a:pPr>
+            <a:r>
+              <a:rPr lang="en-US" sz="2200" dirty="0" smtClean="0"/>
+              <a:t>                   between </a:t>
+            </a:r>
+            <a:r>
+              <a:rPr lang="en-US" sz="2200" dirty="0" err="1" smtClean="0"/>
+              <a:t>microservices</a:t>
+            </a:r>
             <a:endParaRPr lang="en-US" sz="2200" dirty="0"/>
           </a:p>
           <a:p>
+            <a:endParaRPr lang="en-US" sz="2200" dirty="0"/>
+          </a:p>
+          <a:p>
             <a:r>
               <a:rPr lang="en-US" sz="2200" dirty="0"/>
-              <a:t>And many other cloud services…</a:t>
+              <a:t>And many other cloud </a:t>
+            </a:r>
+            <a:r>
+              <a:rPr lang="en-US" sz="2200" dirty="0" smtClean="0"/>
+              <a:t>features…</a:t>
             </a:r>
             <a:endParaRPr lang="pl-PL" sz="2200" dirty="0"/>
           </a:p>
@@ -7467,6 +10522,13 @@
   <p:clrMapOvr>
     <a:masterClrMapping/>
   </p:clrMapOvr>
+  <p:timing>
+    <p:tnLst>
+      <p:par>
+        <p:cTn id="1" dur="indefinite" restart="never" nodeType="tmRoot"/>
+      </p:par>
+    </p:tnLst>
+  </p:timing>
 </p:sld>
 </file>
 
@@ -7492,7 +10554,7 @@
           <p:cNvPr id="2" name="Title 1">
             <a:extLst>
               <a:ext uri="{FF2B5EF4-FFF2-40B4-BE49-F238E27FC236}">
-                <a16:creationId xmlns:a16="http://schemas.microsoft.com/office/drawing/2014/main" id="{2608EF91-2EE5-418C-8962-2EB251A799A7}"/>
+                <a16:creationId xmlns:a16="http://schemas.microsoft.com/office/drawing/2014/main" id="{1E90F863-7245-4F5E-AC76-10526DDD63DA}"/>
               </a:ext>
             </a:extLst>
           </p:cNvPr>
@@ -7503,22 +10565,978 @@
             <p:ph type="title"/>
           </p:nvPr>
         </p:nvSpPr>
-        <p:spPr/>
+        <p:spPr>
+          <a:xfrm>
+            <a:off x="677334" y="564519"/>
+            <a:ext cx="9803976" cy="1320800"/>
+          </a:xfrm>
+        </p:spPr>
         <p:txBody>
           <a:bodyPr/>
           <a:lstStyle/>
           <a:p>
             <a:r>
-              <a:rPr lang="en-US" b="1" dirty="0"/>
-              <a:t>Spring Cloud Config</a:t>
-            </a:r>
-            <a:endParaRPr lang="pl-PL" dirty="0"/>
-          </a:p>
-        </p:txBody>
-      </p:sp>
-      <p:sp>
-        <p:nvSpPr>
-          <p:cNvPr id="3" name="Content Placeholder 2">
+              <a:rPr lang="en-US" dirty="0"/>
+              <a:t>Simple Demo Monolith </a:t>
+            </a:r>
+            <a:r>
+              <a:rPr lang="en-US" dirty="0" smtClean="0"/>
+              <a:t>Application</a:t>
+            </a:r>
+            <a:endParaRPr lang="en-US" dirty="0"/>
+          </a:p>
+        </p:txBody>
+      </p:sp>
+      <p:grpSp>
+        <p:nvGrpSpPr>
+          <p:cNvPr id="3" name="Group 2"/>
+          <p:cNvGrpSpPr/>
+          <p:nvPr/>
+        </p:nvGrpSpPr>
+        <p:grpSpPr>
+          <a:xfrm>
+            <a:off x="7181004" y="1640705"/>
+            <a:ext cx="4382346" cy="4345382"/>
+            <a:chOff x="677334" y="1732145"/>
+            <a:chExt cx="4382346" cy="4345382"/>
+          </a:xfrm>
+        </p:grpSpPr>
+        <p:grpSp>
+          <p:nvGrpSpPr>
+            <p:cNvPr id="19" name="Group 18">
+              <a:extLst>
+                <a:ext uri="{FF2B5EF4-FFF2-40B4-BE49-F238E27FC236}">
+                  <a16:creationId xmlns:a16="http://schemas.microsoft.com/office/drawing/2014/main" id="{46254905-6D50-493C-A305-6692EEA37F95}"/>
+                </a:ext>
+              </a:extLst>
+            </p:cNvPr>
+            <p:cNvGrpSpPr/>
+            <p:nvPr/>
+          </p:nvGrpSpPr>
+          <p:grpSpPr>
+            <a:xfrm>
+              <a:off x="1324680" y="1936303"/>
+              <a:ext cx="3735000" cy="3418017"/>
+              <a:chOff x="5043916" y="1641490"/>
+              <a:chExt cx="1020819" cy="3215606"/>
+            </a:xfrm>
+          </p:grpSpPr>
+          <p:sp>
+            <p:nvSpPr>
+              <p:cNvPr id="36" name="Cube 35">
+                <a:extLst>
+                  <a:ext uri="{FF2B5EF4-FFF2-40B4-BE49-F238E27FC236}">
+                    <a16:creationId xmlns:a16="http://schemas.microsoft.com/office/drawing/2014/main" id="{CC8E477D-C8F5-45EE-B56D-D6A779DB45C1}"/>
+                  </a:ext>
+                </a:extLst>
+              </p:cNvPr>
+              <p:cNvSpPr/>
+              <p:nvPr/>
+            </p:nvSpPr>
+            <p:spPr>
+              <a:xfrm>
+                <a:off x="5043916" y="1641490"/>
+                <a:ext cx="1020819" cy="3215606"/>
+              </a:xfrm>
+              <a:prstGeom prst="cube">
+                <a:avLst>
+                  <a:gd name="adj" fmla="val 6479"/>
+                </a:avLst>
+              </a:prstGeom>
+              <a:ln/>
+            </p:spPr>
+            <p:style>
+              <a:lnRef idx="1">
+                <a:schemeClr val="accent6"/>
+              </a:lnRef>
+              <a:fillRef idx="3">
+                <a:schemeClr val="accent6"/>
+              </a:fillRef>
+              <a:effectRef idx="2">
+                <a:schemeClr val="accent6"/>
+              </a:effectRef>
+              <a:fontRef idx="minor">
+                <a:schemeClr val="lt1"/>
+              </a:fontRef>
+            </p:style>
+            <p:txBody>
+              <a:bodyPr rtlCol="0" anchor="ctr"/>
+              <a:lstStyle/>
+              <a:p>
+                <a:pPr algn="ctr"/>
+                <a:endParaRPr lang="en-US" dirty="0"/>
+              </a:p>
+            </p:txBody>
+          </p:sp>
+          <p:sp>
+            <p:nvSpPr>
+              <p:cNvPr id="37" name="TextBox 36">
+                <a:extLst>
+                  <a:ext uri="{FF2B5EF4-FFF2-40B4-BE49-F238E27FC236}">
+                    <a16:creationId xmlns:a16="http://schemas.microsoft.com/office/drawing/2014/main" id="{CE87D200-B614-45F6-990E-D888CFA555D0}"/>
+                  </a:ext>
+                </a:extLst>
+              </p:cNvPr>
+              <p:cNvSpPr txBox="1"/>
+              <p:nvPr/>
+            </p:nvSpPr>
+            <p:spPr>
+              <a:xfrm rot="16200000">
+                <a:off x="4783500" y="3213586"/>
+                <a:ext cx="2303845" cy="100943"/>
+              </a:xfrm>
+              <a:prstGeom prst="rect">
+                <a:avLst/>
+              </a:prstGeom>
+              <a:noFill/>
+              <a:ln>
+                <a:noFill/>
+              </a:ln>
+            </p:spPr>
+            <p:style>
+              <a:lnRef idx="0">
+                <a:scrgbClr r="0" g="0" b="0"/>
+              </a:lnRef>
+              <a:fillRef idx="0">
+                <a:scrgbClr r="0" g="0" b="0"/>
+              </a:fillRef>
+              <a:effectRef idx="0">
+                <a:scrgbClr r="0" g="0" b="0"/>
+              </a:effectRef>
+              <a:fontRef idx="minor">
+                <a:schemeClr val="dk1"/>
+              </a:fontRef>
+            </p:style>
+            <p:txBody>
+              <a:bodyPr wrap="square" rtlCol="0">
+                <a:spAutoFit/>
+              </a:bodyPr>
+              <a:lstStyle/>
+              <a:p>
+                <a:r>
+                  <a:rPr lang="en-US" dirty="0">
+                    <a:solidFill>
+                      <a:schemeClr val="tx1"/>
+                    </a:solidFill>
+                  </a:rPr>
+                  <a:t>Cloud Configuration</a:t>
+                </a:r>
+                <a:endParaRPr lang="en-US" sz="2000" dirty="0">
+                  <a:solidFill>
+                    <a:schemeClr val="tx1"/>
+                  </a:solidFill>
+                </a:endParaRPr>
+              </a:p>
+            </p:txBody>
+          </p:sp>
+        </p:grpSp>
+        <p:grpSp>
+          <p:nvGrpSpPr>
+            <p:cNvPr id="22" name="Group 21">
+              <a:extLst>
+                <a:ext uri="{FF2B5EF4-FFF2-40B4-BE49-F238E27FC236}">
+                  <a16:creationId xmlns:a16="http://schemas.microsoft.com/office/drawing/2014/main" id="{FDAAA1AD-6951-4DB6-A56C-16714CEE5790}"/>
+                </a:ext>
+              </a:extLst>
+            </p:cNvPr>
+            <p:cNvGrpSpPr/>
+            <p:nvPr/>
+          </p:nvGrpSpPr>
+          <p:grpSpPr>
+            <a:xfrm>
+              <a:off x="792694" y="2322067"/>
+              <a:ext cx="3571534" cy="2861077"/>
+              <a:chOff x="5022071" y="2119806"/>
+              <a:chExt cx="1029148" cy="3215606"/>
+            </a:xfrm>
+          </p:grpSpPr>
+          <p:sp>
+            <p:nvSpPr>
+              <p:cNvPr id="23" name="Cube 22">
+                <a:extLst>
+                  <a:ext uri="{FF2B5EF4-FFF2-40B4-BE49-F238E27FC236}">
+                    <a16:creationId xmlns:a16="http://schemas.microsoft.com/office/drawing/2014/main" id="{F70D70D6-4072-4C76-8103-F6A6B7BCC014}"/>
+                  </a:ext>
+                </a:extLst>
+              </p:cNvPr>
+              <p:cNvSpPr/>
+              <p:nvPr/>
+            </p:nvSpPr>
+            <p:spPr>
+              <a:xfrm>
+                <a:off x="5022071" y="2119806"/>
+                <a:ext cx="1020819" cy="3215606"/>
+              </a:xfrm>
+              <a:prstGeom prst="cube">
+                <a:avLst>
+                  <a:gd name="adj" fmla="val 6479"/>
+                </a:avLst>
+              </a:prstGeom>
+              <a:ln/>
+            </p:spPr>
+            <p:style>
+              <a:lnRef idx="1">
+                <a:schemeClr val="dk1"/>
+              </a:lnRef>
+              <a:fillRef idx="2">
+                <a:schemeClr val="dk1"/>
+              </a:fillRef>
+              <a:effectRef idx="1">
+                <a:schemeClr val="dk1"/>
+              </a:effectRef>
+              <a:fontRef idx="minor">
+                <a:schemeClr val="dk1"/>
+              </a:fontRef>
+            </p:style>
+            <p:txBody>
+              <a:bodyPr rtlCol="0" anchor="ctr"/>
+              <a:lstStyle/>
+              <a:p>
+                <a:pPr algn="ctr"/>
+                <a:endParaRPr lang="en-US" dirty="0"/>
+              </a:p>
+            </p:txBody>
+          </p:sp>
+          <p:sp>
+            <p:nvSpPr>
+              <p:cNvPr id="24" name="TextBox 23">
+                <a:extLst>
+                  <a:ext uri="{FF2B5EF4-FFF2-40B4-BE49-F238E27FC236}">
+                    <a16:creationId xmlns:a16="http://schemas.microsoft.com/office/drawing/2014/main" id="{F2338911-D166-4CC7-A012-BAE1E5B174C7}"/>
+                  </a:ext>
+                </a:extLst>
+              </p:cNvPr>
+              <p:cNvSpPr txBox="1"/>
+              <p:nvPr/>
+            </p:nvSpPr>
+            <p:spPr>
+              <a:xfrm rot="16200000">
+                <a:off x="4800798" y="3634926"/>
+                <a:ext cx="2305731" cy="195111"/>
+              </a:xfrm>
+              <a:prstGeom prst="rect">
+                <a:avLst/>
+              </a:prstGeom>
+              <a:noFill/>
+            </p:spPr>
+            <p:txBody>
+              <a:bodyPr wrap="square" rtlCol="0">
+                <a:spAutoFit/>
+              </a:bodyPr>
+              <a:lstStyle/>
+              <a:p>
+                <a:r>
+                  <a:rPr lang="en-US" dirty="0">
+                    <a:solidFill>
+                      <a:schemeClr val="bg1">
+                        <a:lumMod val="95000"/>
+                      </a:schemeClr>
+                    </a:solidFill>
+                  </a:rPr>
+                  <a:t>Services Registry</a:t>
+                </a:r>
+              </a:p>
+              <a:p>
+                <a:endParaRPr lang="en-US" sz="2000" dirty="0">
+                  <a:solidFill>
+                    <a:schemeClr val="bg1">
+                      <a:lumMod val="95000"/>
+                    </a:schemeClr>
+                  </a:solidFill>
+                </a:endParaRPr>
+              </a:p>
+            </p:txBody>
+          </p:sp>
+        </p:grpSp>
+        <p:sp>
+          <p:nvSpPr>
+            <p:cNvPr id="20" name="Flowchart: Magnetic Disk 19">
+              <a:extLst>
+                <a:ext uri="{FF2B5EF4-FFF2-40B4-BE49-F238E27FC236}">
+                  <a16:creationId xmlns:a16="http://schemas.microsoft.com/office/drawing/2014/main" id="{7C631CDC-342C-4F60-B45C-2504BB24495A}"/>
+                </a:ext>
+              </a:extLst>
+            </p:cNvPr>
+            <p:cNvSpPr/>
+            <p:nvPr/>
+          </p:nvSpPr>
+          <p:spPr>
+            <a:xfrm>
+              <a:off x="2471068" y="5285112"/>
+              <a:ext cx="788632" cy="792415"/>
+            </a:xfrm>
+            <a:prstGeom prst="flowChartMagneticDisk">
+              <a:avLst/>
+            </a:prstGeom>
+            <a:solidFill>
+              <a:srgbClr val="E3D14B"/>
+            </a:solidFill>
+          </p:spPr>
+          <p:style>
+            <a:lnRef idx="2">
+              <a:schemeClr val="dk1"/>
+            </a:lnRef>
+            <a:fillRef idx="1">
+              <a:schemeClr val="lt1"/>
+            </a:fillRef>
+            <a:effectRef idx="0">
+              <a:schemeClr val="dk1"/>
+            </a:effectRef>
+            <a:fontRef idx="minor">
+              <a:schemeClr val="dk1"/>
+            </a:fontRef>
+          </p:style>
+          <p:txBody>
+            <a:bodyPr rtlCol="0" anchor="ctr"/>
+            <a:lstStyle/>
+            <a:p>
+              <a:pPr algn="ctr"/>
+              <a:r>
+                <a:rPr lang="en-US" sz="1600" dirty="0"/>
+                <a:t>DB</a:t>
+              </a:r>
+            </a:p>
+          </p:txBody>
+        </p:sp>
+        <p:sp>
+          <p:nvSpPr>
+            <p:cNvPr id="21" name="Arrow: Up-Down 20">
+              <a:extLst>
+                <a:ext uri="{FF2B5EF4-FFF2-40B4-BE49-F238E27FC236}">
+                  <a16:creationId xmlns:a16="http://schemas.microsoft.com/office/drawing/2014/main" id="{97C0E7B2-C1A6-419D-A5A1-98E7D3406FD9}"/>
+                </a:ext>
+              </a:extLst>
+            </p:cNvPr>
+            <p:cNvSpPr/>
+            <p:nvPr/>
+          </p:nvSpPr>
+          <p:spPr>
+            <a:xfrm>
+              <a:off x="2694327" y="4981141"/>
+              <a:ext cx="342115" cy="506943"/>
+            </a:xfrm>
+            <a:prstGeom prst="upDownArrow">
+              <a:avLst/>
+            </a:prstGeom>
+          </p:spPr>
+          <p:style>
+            <a:lnRef idx="1">
+              <a:schemeClr val="dk1"/>
+            </a:lnRef>
+            <a:fillRef idx="2">
+              <a:schemeClr val="dk1"/>
+            </a:fillRef>
+            <a:effectRef idx="1">
+              <a:schemeClr val="dk1"/>
+            </a:effectRef>
+            <a:fontRef idx="minor">
+              <a:schemeClr val="dk1"/>
+            </a:fontRef>
+          </p:style>
+          <p:txBody>
+            <a:bodyPr rtlCol="0" anchor="ctr"/>
+            <a:lstStyle/>
+            <a:p>
+              <a:pPr algn="ctr"/>
+              <a:endParaRPr lang="en-US" dirty="0"/>
+            </a:p>
+          </p:txBody>
+        </p:sp>
+        <p:sp>
+          <p:nvSpPr>
+            <p:cNvPr id="25" name="Flowchart: Magnetic Disk 24">
+              <a:extLst>
+                <a:ext uri="{FF2B5EF4-FFF2-40B4-BE49-F238E27FC236}">
+                  <a16:creationId xmlns:a16="http://schemas.microsoft.com/office/drawing/2014/main" id="{F033EAC5-FD0D-48BE-AF1C-E9FCF820BA67}"/>
+                </a:ext>
+              </a:extLst>
+            </p:cNvPr>
+            <p:cNvSpPr/>
+            <p:nvPr/>
+          </p:nvSpPr>
+          <p:spPr>
+            <a:xfrm>
+              <a:off x="986767" y="5285112"/>
+              <a:ext cx="788632" cy="792415"/>
+            </a:xfrm>
+            <a:prstGeom prst="flowChartMagneticDisk">
+              <a:avLst/>
+            </a:prstGeom>
+            <a:solidFill>
+              <a:srgbClr val="E3D14B"/>
+            </a:solidFill>
+          </p:spPr>
+          <p:style>
+            <a:lnRef idx="2">
+              <a:schemeClr val="dk1"/>
+            </a:lnRef>
+            <a:fillRef idx="1">
+              <a:schemeClr val="lt1"/>
+            </a:fillRef>
+            <a:effectRef idx="0">
+              <a:schemeClr val="dk1"/>
+            </a:effectRef>
+            <a:fontRef idx="minor">
+              <a:schemeClr val="dk1"/>
+            </a:fontRef>
+          </p:style>
+          <p:txBody>
+            <a:bodyPr rtlCol="0" anchor="ctr"/>
+            <a:lstStyle/>
+            <a:p>
+              <a:pPr algn="ctr"/>
+              <a:r>
+                <a:rPr lang="en-US" sz="1600" dirty="0"/>
+                <a:t>DB</a:t>
+              </a:r>
+            </a:p>
+          </p:txBody>
+        </p:sp>
+        <p:sp>
+          <p:nvSpPr>
+            <p:cNvPr id="26" name="Arrow: Up-Down 25">
+              <a:extLst>
+                <a:ext uri="{FF2B5EF4-FFF2-40B4-BE49-F238E27FC236}">
+                  <a16:creationId xmlns:a16="http://schemas.microsoft.com/office/drawing/2014/main" id="{4F748307-FE0A-409C-BB22-A62B84301758}"/>
+                </a:ext>
+              </a:extLst>
+            </p:cNvPr>
+            <p:cNvSpPr/>
+            <p:nvPr/>
+          </p:nvSpPr>
+          <p:spPr>
+            <a:xfrm>
+              <a:off x="1210026" y="5000485"/>
+              <a:ext cx="342115" cy="506943"/>
+            </a:xfrm>
+            <a:prstGeom prst="upDownArrow">
+              <a:avLst/>
+            </a:prstGeom>
+          </p:spPr>
+          <p:style>
+            <a:lnRef idx="1">
+              <a:schemeClr val="dk1"/>
+            </a:lnRef>
+            <a:fillRef idx="2">
+              <a:schemeClr val="dk1"/>
+            </a:fillRef>
+            <a:effectRef idx="1">
+              <a:schemeClr val="dk1"/>
+            </a:effectRef>
+            <a:fontRef idx="minor">
+              <a:schemeClr val="dk1"/>
+            </a:fontRef>
+          </p:style>
+          <p:txBody>
+            <a:bodyPr rtlCol="0" anchor="ctr"/>
+            <a:lstStyle/>
+            <a:p>
+              <a:pPr algn="ctr"/>
+              <a:endParaRPr lang="en-US" dirty="0"/>
+            </a:p>
+          </p:txBody>
+        </p:sp>
+        <p:sp>
+          <p:nvSpPr>
+            <p:cNvPr id="27" name="Cube 26">
+              <a:extLst>
+                <a:ext uri="{FF2B5EF4-FFF2-40B4-BE49-F238E27FC236}">
+                  <a16:creationId xmlns:a16="http://schemas.microsoft.com/office/drawing/2014/main" id="{1B9689C9-FE4B-4191-8DE7-4E63A934A127}"/>
+                </a:ext>
+              </a:extLst>
+            </p:cNvPr>
+            <p:cNvSpPr/>
+            <p:nvPr/>
+          </p:nvSpPr>
+          <p:spPr>
+            <a:xfrm>
+              <a:off x="677334" y="4100231"/>
+              <a:ext cx="1398320" cy="958686"/>
+            </a:xfrm>
+            <a:prstGeom prst="cube">
+              <a:avLst>
+                <a:gd name="adj" fmla="val 25278"/>
+              </a:avLst>
+            </a:prstGeom>
+          </p:spPr>
+          <p:style>
+            <a:lnRef idx="1">
+              <a:schemeClr val="accent4"/>
+            </a:lnRef>
+            <a:fillRef idx="2">
+              <a:schemeClr val="accent4"/>
+            </a:fillRef>
+            <a:effectRef idx="1">
+              <a:schemeClr val="accent4"/>
+            </a:effectRef>
+            <a:fontRef idx="minor">
+              <a:schemeClr val="dk1"/>
+            </a:fontRef>
+          </p:style>
+          <p:txBody>
+            <a:bodyPr rtlCol="0" anchor="ctr"/>
+            <a:lstStyle/>
+            <a:p>
+              <a:pPr algn="ctr"/>
+              <a:r>
+                <a:rPr lang="en-US" dirty="0">
+                  <a:solidFill>
+                    <a:schemeClr val="bg1"/>
+                  </a:solidFill>
+                </a:rPr>
+                <a:t>User Service</a:t>
+              </a:r>
+            </a:p>
+          </p:txBody>
+        </p:sp>
+        <p:sp>
+          <p:nvSpPr>
+            <p:cNvPr id="32" name="Arrow: Up-Down 31">
+              <a:extLst>
+                <a:ext uri="{FF2B5EF4-FFF2-40B4-BE49-F238E27FC236}">
+                  <a16:creationId xmlns:a16="http://schemas.microsoft.com/office/drawing/2014/main" id="{BCC1B9FD-70A6-4E69-B0C7-4CCC7CF45CCE}"/>
+                </a:ext>
+              </a:extLst>
+            </p:cNvPr>
+            <p:cNvSpPr/>
+            <p:nvPr/>
+          </p:nvSpPr>
+          <p:spPr>
+            <a:xfrm>
+              <a:off x="1210026" y="3655501"/>
+              <a:ext cx="342115" cy="566732"/>
+            </a:xfrm>
+            <a:prstGeom prst="upDownArrow">
+              <a:avLst/>
+            </a:prstGeom>
+          </p:spPr>
+          <p:style>
+            <a:lnRef idx="1">
+              <a:schemeClr val="dk1"/>
+            </a:lnRef>
+            <a:fillRef idx="2">
+              <a:schemeClr val="dk1"/>
+            </a:fillRef>
+            <a:effectRef idx="1">
+              <a:schemeClr val="dk1"/>
+            </a:effectRef>
+            <a:fontRef idx="minor">
+              <a:schemeClr val="dk1"/>
+            </a:fontRef>
+          </p:style>
+          <p:txBody>
+            <a:bodyPr rtlCol="0" anchor="ctr"/>
+            <a:lstStyle/>
+            <a:p>
+              <a:pPr algn="ctr"/>
+              <a:endParaRPr lang="en-US" dirty="0"/>
+            </a:p>
+          </p:txBody>
+        </p:sp>
+        <p:sp>
+          <p:nvSpPr>
+            <p:cNvPr id="33" name="Arrow: Up-Down 32">
+              <a:extLst>
+                <a:ext uri="{FF2B5EF4-FFF2-40B4-BE49-F238E27FC236}">
+                  <a16:creationId xmlns:a16="http://schemas.microsoft.com/office/drawing/2014/main" id="{7BFFC2F0-A0E3-481F-BFDC-1D8A7578DC04}"/>
+                </a:ext>
+              </a:extLst>
+            </p:cNvPr>
+            <p:cNvSpPr/>
+            <p:nvPr/>
+          </p:nvSpPr>
+          <p:spPr>
+            <a:xfrm rot="16200000">
+              <a:off x="1935763" y="4340831"/>
+              <a:ext cx="342115" cy="477484"/>
+            </a:xfrm>
+            <a:prstGeom prst="upDownArrow">
+              <a:avLst/>
+            </a:prstGeom>
+          </p:spPr>
+          <p:style>
+            <a:lnRef idx="1">
+              <a:schemeClr val="dk1"/>
+            </a:lnRef>
+            <a:fillRef idx="2">
+              <a:schemeClr val="dk1"/>
+            </a:fillRef>
+            <a:effectRef idx="1">
+              <a:schemeClr val="dk1"/>
+            </a:effectRef>
+            <a:fontRef idx="minor">
+              <a:schemeClr val="dk1"/>
+            </a:fontRef>
+          </p:style>
+          <p:txBody>
+            <a:bodyPr rtlCol="0" anchor="ctr"/>
+            <a:lstStyle/>
+            <a:p>
+              <a:pPr algn="ctr"/>
+              <a:endParaRPr lang="en-US" dirty="0"/>
+            </a:p>
+          </p:txBody>
+        </p:sp>
+        <p:sp>
+          <p:nvSpPr>
+            <p:cNvPr id="34" name="TextBox 33">
+              <a:extLst>
+                <a:ext uri="{FF2B5EF4-FFF2-40B4-BE49-F238E27FC236}">
+                  <a16:creationId xmlns:a16="http://schemas.microsoft.com/office/drawing/2014/main" id="{F4436F26-BDFB-4FD0-92AD-6D5855C49DDD}"/>
+                </a:ext>
+              </a:extLst>
+            </p:cNvPr>
+            <p:cNvSpPr txBox="1"/>
+            <p:nvPr/>
+          </p:nvSpPr>
+          <p:spPr>
+            <a:xfrm>
+              <a:off x="1001419" y="2763978"/>
+              <a:ext cx="2103325" cy="338554"/>
+            </a:xfrm>
+            <a:prstGeom prst="rect">
+              <a:avLst/>
+            </a:prstGeom>
+            <a:noFill/>
+          </p:spPr>
+          <p:txBody>
+            <a:bodyPr wrap="square" rtlCol="0">
+              <a:spAutoFit/>
+            </a:bodyPr>
+            <a:lstStyle/>
+            <a:p>
+              <a:r>
+                <a:rPr lang="en-US" sz="1600" dirty="0">
+                  <a:solidFill>
+                    <a:schemeClr val="tx1">
+                      <a:lumMod val="95000"/>
+                      <a:lumOff val="5000"/>
+                    </a:schemeClr>
+                  </a:solidFill>
+                </a:rPr>
+                <a:t>Exposed      REST</a:t>
+              </a:r>
+              <a:endParaRPr lang="en-US" dirty="0">
+                <a:solidFill>
+                  <a:schemeClr val="tx1">
+                    <a:lumMod val="95000"/>
+                    <a:lumOff val="5000"/>
+                  </a:schemeClr>
+                </a:solidFill>
+              </a:endParaRPr>
+            </a:p>
+          </p:txBody>
+        </p:sp>
+        <p:sp>
+          <p:nvSpPr>
+            <p:cNvPr id="28" name="Cube 27">
+              <a:extLst>
+                <a:ext uri="{FF2B5EF4-FFF2-40B4-BE49-F238E27FC236}">
+                  <a16:creationId xmlns:a16="http://schemas.microsoft.com/office/drawing/2014/main" id="{08A4BF41-65F9-44AB-BFB0-33B80C2659D4}"/>
+                </a:ext>
+              </a:extLst>
+            </p:cNvPr>
+            <p:cNvSpPr/>
+            <p:nvPr/>
+          </p:nvSpPr>
+          <p:spPr>
+            <a:xfrm>
+              <a:off x="2251144" y="4090995"/>
+              <a:ext cx="1398320" cy="958686"/>
+            </a:xfrm>
+            <a:prstGeom prst="cube">
+              <a:avLst>
+                <a:gd name="adj" fmla="val 25278"/>
+              </a:avLst>
+            </a:prstGeom>
+          </p:spPr>
+          <p:style>
+            <a:lnRef idx="1">
+              <a:schemeClr val="accent4"/>
+            </a:lnRef>
+            <a:fillRef idx="2">
+              <a:schemeClr val="accent4"/>
+            </a:fillRef>
+            <a:effectRef idx="1">
+              <a:schemeClr val="accent4"/>
+            </a:effectRef>
+            <a:fontRef idx="minor">
+              <a:schemeClr val="dk1"/>
+            </a:fontRef>
+          </p:style>
+          <p:txBody>
+            <a:bodyPr rtlCol="0" anchor="ctr"/>
+            <a:lstStyle/>
+            <a:p>
+              <a:pPr algn="ctr"/>
+              <a:r>
+                <a:rPr lang="en-US" dirty="0">
+                  <a:solidFill>
+                    <a:schemeClr val="bg1"/>
+                  </a:solidFill>
+                </a:rPr>
+                <a:t>Email</a:t>
+              </a:r>
+            </a:p>
+            <a:p>
+              <a:pPr algn="ctr"/>
+              <a:r>
+                <a:rPr lang="en-US" dirty="0">
+                  <a:solidFill>
+                    <a:schemeClr val="bg1"/>
+                  </a:solidFill>
+                </a:rPr>
+                <a:t>Service</a:t>
+              </a:r>
+            </a:p>
+          </p:txBody>
+        </p:sp>
+        <p:sp>
+          <p:nvSpPr>
+            <p:cNvPr id="38" name="Arrow: Up-Down 37">
+              <a:extLst>
+                <a:ext uri="{FF2B5EF4-FFF2-40B4-BE49-F238E27FC236}">
+                  <a16:creationId xmlns:a16="http://schemas.microsoft.com/office/drawing/2014/main" id="{956D8625-5D3C-405B-AA49-5F6F07064E91}"/>
+                </a:ext>
+              </a:extLst>
+            </p:cNvPr>
+            <p:cNvSpPr/>
+            <p:nvPr/>
+          </p:nvSpPr>
+          <p:spPr>
+            <a:xfrm>
+              <a:off x="2678347" y="3673865"/>
+              <a:ext cx="342115" cy="566732"/>
+            </a:xfrm>
+            <a:prstGeom prst="upDownArrow">
+              <a:avLst/>
+            </a:prstGeom>
+          </p:spPr>
+          <p:style>
+            <a:lnRef idx="1">
+              <a:schemeClr val="dk1"/>
+            </a:lnRef>
+            <a:fillRef idx="2">
+              <a:schemeClr val="dk1"/>
+            </a:fillRef>
+            <a:effectRef idx="1">
+              <a:schemeClr val="dk1"/>
+            </a:effectRef>
+            <a:fontRef idx="minor">
+              <a:schemeClr val="dk1"/>
+            </a:fontRef>
+          </p:style>
+          <p:txBody>
+            <a:bodyPr rtlCol="0" anchor="ctr"/>
+            <a:lstStyle/>
+            <a:p>
+              <a:pPr algn="ctr"/>
+              <a:endParaRPr lang="en-US" dirty="0"/>
+            </a:p>
+          </p:txBody>
+        </p:sp>
+        <p:sp>
+          <p:nvSpPr>
+            <p:cNvPr id="29" name="Cube 28">
+              <a:extLst>
+                <a:ext uri="{FF2B5EF4-FFF2-40B4-BE49-F238E27FC236}">
+                  <a16:creationId xmlns:a16="http://schemas.microsoft.com/office/drawing/2014/main" id="{50949CE4-8FF3-44A3-9FD8-F9D416D22A51}"/>
+                </a:ext>
+              </a:extLst>
+            </p:cNvPr>
+            <p:cNvSpPr/>
+            <p:nvPr/>
+          </p:nvSpPr>
+          <p:spPr>
+            <a:xfrm>
+              <a:off x="677334" y="2729505"/>
+              <a:ext cx="2915488" cy="1023101"/>
+            </a:xfrm>
+            <a:prstGeom prst="cube">
+              <a:avLst>
+                <a:gd name="adj" fmla="val 51041"/>
+              </a:avLst>
+            </a:prstGeom>
+          </p:spPr>
+          <p:style>
+            <a:lnRef idx="2">
+              <a:schemeClr val="accent2">
+                <a:shade val="50000"/>
+              </a:schemeClr>
+            </a:lnRef>
+            <a:fillRef idx="1">
+              <a:schemeClr val="accent2"/>
+            </a:fillRef>
+            <a:effectRef idx="0">
+              <a:schemeClr val="accent2"/>
+            </a:effectRef>
+            <a:fontRef idx="minor">
+              <a:schemeClr val="lt1"/>
+            </a:fontRef>
+          </p:style>
+          <p:txBody>
+            <a:bodyPr rtlCol="0" anchor="ctr"/>
+            <a:lstStyle/>
+            <a:p>
+              <a:pPr algn="ctr"/>
+              <a:r>
+                <a:rPr lang="en-US" dirty="0"/>
+                <a:t>API Gateway</a:t>
+              </a:r>
+            </a:p>
+          </p:txBody>
+        </p:sp>
+        <p:sp>
+          <p:nvSpPr>
+            <p:cNvPr id="30" name="Arrow: Up-Down 29">
+              <a:extLst>
+                <a:ext uri="{FF2B5EF4-FFF2-40B4-BE49-F238E27FC236}">
+                  <a16:creationId xmlns:a16="http://schemas.microsoft.com/office/drawing/2014/main" id="{B13E7735-79F5-4564-9BBD-F918926CBDBB}"/>
+                </a:ext>
+              </a:extLst>
+            </p:cNvPr>
+            <p:cNvSpPr/>
+            <p:nvPr/>
+          </p:nvSpPr>
+          <p:spPr>
+            <a:xfrm>
+              <a:off x="1855512" y="2679784"/>
+              <a:ext cx="342115" cy="506943"/>
+            </a:xfrm>
+            <a:prstGeom prst="upDownArrow">
+              <a:avLst/>
+            </a:prstGeom>
+          </p:spPr>
+          <p:style>
+            <a:lnRef idx="1">
+              <a:schemeClr val="dk1"/>
+            </a:lnRef>
+            <a:fillRef idx="2">
+              <a:schemeClr val="dk1"/>
+            </a:fillRef>
+            <a:effectRef idx="1">
+              <a:schemeClr val="dk1"/>
+            </a:effectRef>
+            <a:fontRef idx="minor">
+              <a:schemeClr val="dk1"/>
+            </a:fontRef>
+          </p:style>
+          <p:txBody>
+            <a:bodyPr rtlCol="0" anchor="ctr"/>
+            <a:lstStyle/>
+            <a:p>
+              <a:pPr algn="ctr"/>
+              <a:endParaRPr lang="en-US" dirty="0"/>
+            </a:p>
+          </p:txBody>
+        </p:sp>
+        <p:sp>
+          <p:nvSpPr>
+            <p:cNvPr id="31" name="Cube 30">
+              <a:extLst>
+                <a:ext uri="{FF2B5EF4-FFF2-40B4-BE49-F238E27FC236}">
+                  <a16:creationId xmlns:a16="http://schemas.microsoft.com/office/drawing/2014/main" id="{8C66FECE-5B15-48F8-BD5F-B8FD21B796C1}"/>
+                </a:ext>
+              </a:extLst>
+            </p:cNvPr>
+            <p:cNvSpPr/>
+            <p:nvPr/>
+          </p:nvSpPr>
+          <p:spPr>
+            <a:xfrm>
+              <a:off x="739883" y="1732145"/>
+              <a:ext cx="2915488" cy="1023101"/>
+            </a:xfrm>
+            <a:prstGeom prst="cube">
+              <a:avLst>
+                <a:gd name="adj" fmla="val 51041"/>
+              </a:avLst>
+            </a:prstGeom>
+          </p:spPr>
+          <p:style>
+            <a:lnRef idx="2">
+              <a:schemeClr val="accent1">
+                <a:shade val="50000"/>
+              </a:schemeClr>
+            </a:lnRef>
+            <a:fillRef idx="1">
+              <a:schemeClr val="accent1"/>
+            </a:fillRef>
+            <a:effectRef idx="0">
+              <a:schemeClr val="accent1"/>
+            </a:effectRef>
+            <a:fontRef idx="minor">
+              <a:schemeClr val="lt1"/>
+            </a:fontRef>
+          </p:style>
+          <p:txBody>
+            <a:bodyPr rtlCol="0" anchor="ctr"/>
+            <a:lstStyle/>
+            <a:p>
+              <a:pPr algn="ctr"/>
+              <a:r>
+                <a:rPr lang="en-US" dirty="0"/>
+                <a:t>UI Layer</a:t>
+              </a:r>
+            </a:p>
+          </p:txBody>
+        </p:sp>
+        <p:sp>
+          <p:nvSpPr>
+            <p:cNvPr id="35" name="TextBox 34">
+              <a:extLst>
+                <a:ext uri="{FF2B5EF4-FFF2-40B4-BE49-F238E27FC236}">
+                  <a16:creationId xmlns:a16="http://schemas.microsoft.com/office/drawing/2014/main" id="{B30DE005-D4E8-4C3A-8D31-3A896258A4D8}"/>
+                </a:ext>
+              </a:extLst>
+            </p:cNvPr>
+            <p:cNvSpPr txBox="1"/>
+            <p:nvPr/>
+          </p:nvSpPr>
+          <p:spPr>
+            <a:xfrm>
+              <a:off x="1344371" y="4149236"/>
+              <a:ext cx="2148426" cy="307777"/>
+            </a:xfrm>
+            <a:prstGeom prst="rect">
+              <a:avLst/>
+            </a:prstGeom>
+            <a:noFill/>
+          </p:spPr>
+          <p:txBody>
+            <a:bodyPr wrap="square" rtlCol="0">
+              <a:spAutoFit/>
+            </a:bodyPr>
+            <a:lstStyle/>
+            <a:p>
+              <a:r>
+                <a:rPr lang="en-US" sz="1400" dirty="0">
+                  <a:solidFill>
+                    <a:schemeClr val="bg1"/>
+                  </a:solidFill>
+                </a:rPr>
+                <a:t>Feign </a:t>
+              </a:r>
+              <a:r>
+                <a:rPr lang="en-US" sz="1400" dirty="0" smtClean="0">
+                  <a:solidFill>
+                    <a:schemeClr val="bg1"/>
+                  </a:solidFill>
+                </a:rPr>
+                <a:t>REST client</a:t>
+              </a:r>
+              <a:endParaRPr lang="en-US" sz="1600" dirty="0">
+                <a:solidFill>
+                  <a:schemeClr val="bg1"/>
+                </a:solidFill>
+              </a:endParaRPr>
+            </a:p>
+          </p:txBody>
+        </p:sp>
+      </p:grpSp>
+      <p:sp>
+        <p:nvSpPr>
+          <p:cNvPr id="39" name="Content Placeholder 2">
             <a:extLst>
               <a:ext uri="{FF2B5EF4-FFF2-40B4-BE49-F238E27FC236}">
                 <a16:creationId xmlns:a16="http://schemas.microsoft.com/office/drawing/2014/main" id="{01987EAE-7EFD-4341-86D8-102C6A8515E7}"/>
@@ -7532,25 +11550,149 @@
             <p:ph idx="1"/>
           </p:nvPr>
         </p:nvSpPr>
-        <p:spPr/>
-        <p:txBody>
-          <a:bodyPr/>
+        <p:spPr>
+          <a:xfrm>
+            <a:off x="544101" y="1434141"/>
+            <a:ext cx="6419885" cy="5172399"/>
+          </a:xfrm>
+        </p:spPr>
+        <p:txBody>
+          <a:bodyPr>
+            <a:noAutofit/>
+          </a:bodyPr>
           <a:lstStyle/>
           <a:p>
-            <a:endParaRPr lang="pl-PL"/>
+            <a:r>
+              <a:rPr lang="en-US" sz="2000" dirty="0" smtClean="0"/>
+              <a:t>After decomposition to </a:t>
+            </a:r>
+            <a:r>
+              <a:rPr lang="en-US" sz="2000" dirty="0" err="1" smtClean="0"/>
+              <a:t>microservices</a:t>
+            </a:r>
+            <a:r>
+              <a:rPr lang="en-US" sz="2000" dirty="0" smtClean="0"/>
+              <a:t> our monolith application will looks like:</a:t>
+            </a:r>
+          </a:p>
+          <a:p>
+            <a:pPr lvl="1"/>
+            <a:r>
+              <a:rPr lang="en-US" sz="1800" dirty="0" smtClean="0"/>
+              <a:t>API gateway is single exposed access point. Which could protect from unauthorized requests to services that not expected to be exposed.</a:t>
+            </a:r>
+          </a:p>
+          <a:p>
+            <a:pPr lvl="1"/>
+            <a:r>
+              <a:rPr lang="en-US" sz="1800" dirty="0" smtClean="0"/>
+              <a:t>All configurations are centralized in </a:t>
+            </a:r>
+            <a:r>
+              <a:rPr lang="en-US" sz="1800" dirty="0" err="1"/>
+              <a:t>C</a:t>
+            </a:r>
+            <a:r>
+              <a:rPr lang="en-US" sz="1800" dirty="0" err="1" smtClean="0"/>
+              <a:t>onfig</a:t>
+            </a:r>
+            <a:r>
+              <a:rPr lang="en-US" sz="1800" dirty="0" smtClean="0"/>
+              <a:t> Server</a:t>
+            </a:r>
+          </a:p>
+          <a:p>
+            <a:pPr lvl="1"/>
+            <a:r>
+              <a:rPr lang="en-US" sz="1800" dirty="0" smtClean="0"/>
+              <a:t>Services Registry helps </a:t>
+            </a:r>
+            <a:r>
+              <a:rPr lang="en-US" sz="1800" dirty="0" err="1" smtClean="0"/>
+              <a:t>microservices</a:t>
+            </a:r>
+            <a:r>
+              <a:rPr lang="en-US" sz="1800" dirty="0" smtClean="0"/>
+              <a:t> to find each other.</a:t>
+            </a:r>
+          </a:p>
+          <a:p>
+            <a:pPr lvl="1"/>
+            <a:r>
+              <a:rPr lang="en-US" sz="1800" dirty="0" smtClean="0"/>
+              <a:t>Feign Client allows simple REST communication between </a:t>
+            </a:r>
+            <a:r>
+              <a:rPr lang="en-US" sz="1800" dirty="0" err="1" smtClean="0"/>
+              <a:t>microservices</a:t>
+            </a:r>
+            <a:r>
+              <a:rPr lang="en-US" sz="1800" dirty="0" smtClean="0"/>
+              <a:t> with minimum coding efforts. It also uses Services Registry to find services by their names (zero configuration approach</a:t>
+            </a:r>
+            <a:r>
+              <a:rPr lang="en-US" sz="1800" dirty="0" smtClean="0"/>
+              <a:t>)</a:t>
+            </a:r>
+            <a:endParaRPr lang="pl-PL" sz="2000" dirty="0"/>
+          </a:p>
+        </p:txBody>
+      </p:sp>
+      <p:sp>
+        <p:nvSpPr>
+          <p:cNvPr id="4" name="TextBox 3"/>
+          <p:cNvSpPr txBox="1"/>
+          <p:nvPr/>
+        </p:nvSpPr>
+        <p:spPr>
+          <a:xfrm>
+            <a:off x="8701297" y="2620441"/>
+            <a:ext cx="1636650" cy="523220"/>
+          </a:xfrm>
+          <a:prstGeom prst="rect">
+            <a:avLst/>
+          </a:prstGeom>
+          <a:noFill/>
+        </p:spPr>
+        <p:txBody>
+          <a:bodyPr wrap="square" rtlCol="0">
+            <a:spAutoFit/>
+          </a:bodyPr>
+          <a:lstStyle/>
+          <a:p>
+            <a:r>
+              <a:rPr lang="en-US" sz="1400" dirty="0" smtClean="0">
+                <a:solidFill>
+                  <a:schemeClr val="bg1"/>
+                </a:solidFill>
+              </a:rPr>
+              <a:t>Single endpoint exposed</a:t>
+            </a:r>
+            <a:endParaRPr lang="pl-PL" sz="1400" dirty="0">
+              <a:solidFill>
+                <a:schemeClr val="bg1"/>
+              </a:solidFill>
+            </a:endParaRPr>
           </a:p>
         </p:txBody>
       </p:sp>
     </p:spTree>
     <p:extLst>
       <p:ext uri="{BB962C8B-B14F-4D97-AF65-F5344CB8AC3E}">
-        <p14:creationId xmlns:p14="http://schemas.microsoft.com/office/powerpoint/2010/main" val="2947470601"/>
+        <p14:creationId xmlns:p14="http://schemas.microsoft.com/office/powerpoint/2010/main" val="1308168526"/>
       </p:ext>
     </p:extLst>
   </p:cSld>
   <p:clrMapOvr>
     <a:masterClrMapping/>
   </p:clrMapOvr>
+  <p:timing>
+    <p:tnLst>
+      <p:par>
+        <p:cTn id="1" dur="indefinite" restart="never" nodeType="tmRoot"/>
+      </p:par>
+    </p:tnLst>
+  </p:timing>
 </p:sld>
 </file>
 
@@ -7576,7 +11718,7 @@
           <p:cNvPr id="2" name="Title 1">
             <a:extLst>
               <a:ext uri="{FF2B5EF4-FFF2-40B4-BE49-F238E27FC236}">
-                <a16:creationId xmlns:a16="http://schemas.microsoft.com/office/drawing/2014/main" id="{50DF860F-92A2-459E-96F2-91D24662FFB9}"/>
+                <a16:creationId xmlns:a16="http://schemas.microsoft.com/office/drawing/2014/main" id="{2608EF91-2EE5-418C-8962-2EB251A799A7}"/>
               </a:ext>
             </a:extLst>
           </p:cNvPr>
@@ -7593,12 +11735,16 @@
           <a:lstStyle/>
           <a:p>
             <a:r>
-              <a:rPr lang="en-US" dirty="0" err="1"/>
-              <a:t>Zuul</a:t>
-            </a:r>
-            <a:r>
-              <a:rPr lang="en-US" dirty="0"/>
-              <a:t> – API gateway proxy</a:t>
+              <a:rPr lang="en-US" b="1" dirty="0"/>
+              <a:t>Spring Cloud </a:t>
+            </a:r>
+            <a:r>
+              <a:rPr lang="en-US" b="1" dirty="0" err="1" smtClean="0"/>
+              <a:t>Config</a:t>
+            </a:r>
+            <a:r>
+              <a:rPr lang="en-US" b="1" dirty="0" smtClean="0"/>
+              <a:t> Server</a:t>
             </a:r>
             <a:endParaRPr lang="pl-PL" dirty="0"/>
           </a:p>
@@ -7609,7 +11755,7 @@
           <p:cNvPr id="3" name="Content Placeholder 2">
             <a:extLst>
               <a:ext uri="{FF2B5EF4-FFF2-40B4-BE49-F238E27FC236}">
-                <a16:creationId xmlns:a16="http://schemas.microsoft.com/office/drawing/2014/main" id="{1E7E60BE-EB15-49B6-9406-97B447849426}"/>
+                <a16:creationId xmlns:a16="http://schemas.microsoft.com/office/drawing/2014/main" id="{01987EAE-7EFD-4341-86D8-102C6A8515E7}"/>
               </a:ext>
             </a:extLst>
           </p:cNvPr>
@@ -7620,25 +11766,474 @@
             <p:ph idx="1"/>
           </p:nvPr>
         </p:nvSpPr>
-        <p:spPr/>
-        <p:txBody>
-          <a:bodyPr/>
+        <p:spPr>
+          <a:xfrm>
+            <a:off x="544750" y="1392033"/>
+            <a:ext cx="9495366" cy="1714181"/>
+          </a:xfrm>
+        </p:spPr>
+        <p:txBody>
+          <a:bodyPr>
+            <a:normAutofit/>
+          </a:bodyPr>
           <a:lstStyle/>
           <a:p>
+            <a:r>
+              <a:rPr lang="en-US" dirty="0"/>
+              <a:t>Spring Cloud </a:t>
+            </a:r>
+            <a:r>
+              <a:rPr lang="en-US" dirty="0" err="1"/>
+              <a:t>Config</a:t>
+            </a:r>
+            <a:r>
+              <a:rPr lang="en-US" dirty="0"/>
+              <a:t> provides server-side and client-side support for externalized configuration in a distributed system. </a:t>
+            </a:r>
+            <a:endParaRPr lang="en-US" dirty="0" smtClean="0"/>
+          </a:p>
+          <a:p>
+            <a:r>
+              <a:rPr lang="en-US" dirty="0" smtClean="0"/>
+              <a:t>With </a:t>
+            </a:r>
+            <a:r>
+              <a:rPr lang="en-US" dirty="0"/>
+              <a:t>the </a:t>
+            </a:r>
+            <a:r>
+              <a:rPr lang="en-US" dirty="0" err="1"/>
+              <a:t>Config</a:t>
+            </a:r>
+            <a:r>
+              <a:rPr lang="en-US" dirty="0"/>
+              <a:t> Server, you have a central place to manage external properties for applications across all environments. </a:t>
+            </a:r>
+            <a:endParaRPr lang="en-US" dirty="0" smtClean="0"/>
+          </a:p>
+          <a:p>
+            <a:pPr lvl="1"/>
             <a:endParaRPr lang="pl-PL" dirty="0"/>
+          </a:p>
+        </p:txBody>
+      </p:sp>
+      <p:sp>
+        <p:nvSpPr>
+          <p:cNvPr id="4" name="AutoShape 4" descr="Image result for spring cloud config server"/>
+          <p:cNvSpPr>
+            <a:spLocks noChangeAspect="1" noChangeArrowheads="1"/>
+          </p:cNvSpPr>
+          <p:nvPr/>
+        </p:nvSpPr>
+        <p:spPr bwMode="auto">
+          <a:xfrm>
+            <a:off x="63500" y="-136525"/>
+            <a:ext cx="304800" cy="304800"/>
+          </a:xfrm>
+          <a:prstGeom prst="rect">
+            <a:avLst/>
+          </a:prstGeom>
+          <a:noFill/>
+          <a:extLst>
+            <a:ext uri="{909E8E84-426E-40DD-AFC4-6F175D3DCCD1}">
+              <a14:hiddenFill xmlns:a14="http://schemas.microsoft.com/office/drawing/2010/main">
+                <a:solidFill>
+                  <a:srgbClr val="FFFFFF"/>
+                </a:solidFill>
+              </a14:hiddenFill>
+            </a:ext>
+          </a:extLst>
+        </p:spPr>
+        <p:txBody>
+          <a:bodyPr vert="horz" wrap="square" lIns="91440" tIns="45720" rIns="91440" bIns="45720" numCol="1" anchor="t" anchorCtr="0" compatLnSpc="1">
+            <a:prstTxWarp prst="textNoShape">
+              <a:avLst/>
+            </a:prstTxWarp>
+          </a:bodyPr>
+          <a:lstStyle/>
+          <a:p>
+            <a:endParaRPr lang="pl-PL"/>
+          </a:p>
+        </p:txBody>
+      </p:sp>
+      <p:pic>
+        <p:nvPicPr>
+          <p:cNvPr id="5" name="Picture 4"/>
+          <p:cNvPicPr>
+            <a:picLocks noChangeAspect="1"/>
+          </p:cNvPicPr>
+          <p:nvPr/>
+        </p:nvPicPr>
+        <p:blipFill>
+          <a:blip r:embed="rId3"/>
+          <a:stretch>
+            <a:fillRect/>
+          </a:stretch>
+        </p:blipFill>
+        <p:spPr>
+          <a:xfrm>
+            <a:off x="7937863" y="3247660"/>
+            <a:ext cx="3838746" cy="2855960"/>
+          </a:xfrm>
+          <a:prstGeom prst="rect">
+            <a:avLst/>
+          </a:prstGeom>
+        </p:spPr>
+      </p:pic>
+      <p:sp>
+        <p:nvSpPr>
+          <p:cNvPr id="8" name="Content Placeholder 2">
+            <a:extLst>
+              <a:ext uri="{FF2B5EF4-FFF2-40B4-BE49-F238E27FC236}">
+                <a16:creationId xmlns:a16="http://schemas.microsoft.com/office/drawing/2014/main" id="{01987EAE-7EFD-4341-86D8-102C6A8515E7}"/>
+              </a:ext>
+            </a:extLst>
+          </p:cNvPr>
+          <p:cNvSpPr txBox="1">
+            <a:spLocks/>
+          </p:cNvSpPr>
+          <p:nvPr/>
+        </p:nvSpPr>
+        <p:spPr>
+          <a:xfrm>
+            <a:off x="544750" y="2854754"/>
+            <a:ext cx="7175076" cy="5040311"/>
+          </a:xfrm>
+          <a:prstGeom prst="rect">
+            <a:avLst/>
+          </a:prstGeom>
+        </p:spPr>
+        <p:txBody>
+          <a:bodyPr vert="horz" lIns="91440" tIns="45720" rIns="91440" bIns="45720" rtlCol="0">
+            <a:normAutofit/>
+          </a:bodyPr>
+          <a:lstStyle>
+            <a:lvl1pPr marL="342900" indent="-342900" algn="l" defTabSz="457200" rtl="0" eaLnBrk="1" latinLnBrk="0" hangingPunct="1">
+              <a:spcBef>
+                <a:spcPts val="1000"/>
+              </a:spcBef>
+              <a:spcAft>
+                <a:spcPts val="0"/>
+              </a:spcAft>
+              <a:buClr>
+                <a:schemeClr val="accent1"/>
+              </a:buClr>
+              <a:buSzPct val="80000"/>
+              <a:buFont typeface="Wingdings 3" charset="2"/>
+              <a:buChar char=""/>
+              <a:defRPr sz="1800" kern="1200">
+                <a:solidFill>
+                  <a:schemeClr val="tx1">
+                    <a:lumMod val="75000"/>
+                    <a:lumOff val="25000"/>
+                  </a:schemeClr>
+                </a:solidFill>
+                <a:latin typeface="+mn-lt"/>
+                <a:ea typeface="+mn-ea"/>
+                <a:cs typeface="+mn-cs"/>
+              </a:defRPr>
+            </a:lvl1pPr>
+            <a:lvl2pPr marL="742950" indent="-285750" algn="l" defTabSz="457200" rtl="0" eaLnBrk="1" latinLnBrk="0" hangingPunct="1">
+              <a:spcBef>
+                <a:spcPts val="1000"/>
+              </a:spcBef>
+              <a:spcAft>
+                <a:spcPts val="0"/>
+              </a:spcAft>
+              <a:buClr>
+                <a:schemeClr val="accent1"/>
+              </a:buClr>
+              <a:buSzPct val="80000"/>
+              <a:buFont typeface="Wingdings 3" charset="2"/>
+              <a:buChar char=""/>
+              <a:defRPr sz="1600" kern="1200">
+                <a:solidFill>
+                  <a:schemeClr val="tx1">
+                    <a:lumMod val="75000"/>
+                    <a:lumOff val="25000"/>
+                  </a:schemeClr>
+                </a:solidFill>
+                <a:latin typeface="+mn-lt"/>
+                <a:ea typeface="+mn-ea"/>
+                <a:cs typeface="+mn-cs"/>
+              </a:defRPr>
+            </a:lvl2pPr>
+            <a:lvl3pPr marL="1143000" indent="-228600" algn="l" defTabSz="457200" rtl="0" eaLnBrk="1" latinLnBrk="0" hangingPunct="1">
+              <a:spcBef>
+                <a:spcPts val="1000"/>
+              </a:spcBef>
+              <a:spcAft>
+                <a:spcPts val="0"/>
+              </a:spcAft>
+              <a:buClr>
+                <a:schemeClr val="accent1"/>
+              </a:buClr>
+              <a:buSzPct val="80000"/>
+              <a:buFont typeface="Wingdings 3" charset="2"/>
+              <a:buChar char=""/>
+              <a:defRPr sz="1400" kern="1200">
+                <a:solidFill>
+                  <a:schemeClr val="tx1">
+                    <a:lumMod val="75000"/>
+                    <a:lumOff val="25000"/>
+                  </a:schemeClr>
+                </a:solidFill>
+                <a:latin typeface="+mn-lt"/>
+                <a:ea typeface="+mn-ea"/>
+                <a:cs typeface="+mn-cs"/>
+              </a:defRPr>
+            </a:lvl3pPr>
+            <a:lvl4pPr marL="1600200" indent="-228600" algn="l" defTabSz="457200" rtl="0" eaLnBrk="1" latinLnBrk="0" hangingPunct="1">
+              <a:spcBef>
+                <a:spcPts val="1000"/>
+              </a:spcBef>
+              <a:spcAft>
+                <a:spcPts val="0"/>
+              </a:spcAft>
+              <a:buClr>
+                <a:schemeClr val="accent1"/>
+              </a:buClr>
+              <a:buSzPct val="80000"/>
+              <a:buFont typeface="Wingdings 3" charset="2"/>
+              <a:buChar char=""/>
+              <a:defRPr sz="1200" kern="1200">
+                <a:solidFill>
+                  <a:schemeClr val="tx1">
+                    <a:lumMod val="75000"/>
+                    <a:lumOff val="25000"/>
+                  </a:schemeClr>
+                </a:solidFill>
+                <a:latin typeface="+mn-lt"/>
+                <a:ea typeface="+mn-ea"/>
+                <a:cs typeface="+mn-cs"/>
+              </a:defRPr>
+            </a:lvl4pPr>
+            <a:lvl5pPr marL="2057400" indent="-228600" algn="l" defTabSz="457200" rtl="0" eaLnBrk="1" latinLnBrk="0" hangingPunct="1">
+              <a:spcBef>
+                <a:spcPts val="1000"/>
+              </a:spcBef>
+              <a:spcAft>
+                <a:spcPts val="0"/>
+              </a:spcAft>
+              <a:buClr>
+                <a:schemeClr val="accent1"/>
+              </a:buClr>
+              <a:buSzPct val="80000"/>
+              <a:buFont typeface="Wingdings 3" charset="2"/>
+              <a:buChar char=""/>
+              <a:defRPr sz="1200" kern="1200">
+                <a:solidFill>
+                  <a:schemeClr val="tx1">
+                    <a:lumMod val="75000"/>
+                    <a:lumOff val="25000"/>
+                  </a:schemeClr>
+                </a:solidFill>
+                <a:latin typeface="+mn-lt"/>
+                <a:ea typeface="+mn-ea"/>
+                <a:cs typeface="+mn-cs"/>
+              </a:defRPr>
+            </a:lvl5pPr>
+            <a:lvl6pPr marL="2514600" indent="-228600" algn="l" defTabSz="457200" rtl="0" eaLnBrk="1" latinLnBrk="0" hangingPunct="1">
+              <a:spcBef>
+                <a:spcPts val="1000"/>
+              </a:spcBef>
+              <a:spcAft>
+                <a:spcPts val="0"/>
+              </a:spcAft>
+              <a:buClr>
+                <a:schemeClr val="accent1"/>
+              </a:buClr>
+              <a:buSzPct val="80000"/>
+              <a:buFont typeface="Wingdings 3" charset="2"/>
+              <a:buChar char=""/>
+              <a:defRPr sz="1200" kern="1200">
+                <a:solidFill>
+                  <a:schemeClr val="tx1">
+                    <a:lumMod val="75000"/>
+                    <a:lumOff val="25000"/>
+                  </a:schemeClr>
+                </a:solidFill>
+                <a:latin typeface="+mn-lt"/>
+                <a:ea typeface="+mn-ea"/>
+                <a:cs typeface="+mn-cs"/>
+              </a:defRPr>
+            </a:lvl6pPr>
+            <a:lvl7pPr marL="2971800" indent="-228600" algn="l" defTabSz="457200" rtl="0" eaLnBrk="1" latinLnBrk="0" hangingPunct="1">
+              <a:spcBef>
+                <a:spcPts val="1000"/>
+              </a:spcBef>
+              <a:spcAft>
+                <a:spcPts val="0"/>
+              </a:spcAft>
+              <a:buClr>
+                <a:schemeClr val="accent1"/>
+              </a:buClr>
+              <a:buSzPct val="80000"/>
+              <a:buFont typeface="Wingdings 3" charset="2"/>
+              <a:buChar char=""/>
+              <a:defRPr sz="1200" kern="1200">
+                <a:solidFill>
+                  <a:schemeClr val="tx1">
+                    <a:lumMod val="75000"/>
+                    <a:lumOff val="25000"/>
+                  </a:schemeClr>
+                </a:solidFill>
+                <a:latin typeface="+mn-lt"/>
+                <a:ea typeface="+mn-ea"/>
+                <a:cs typeface="+mn-cs"/>
+              </a:defRPr>
+            </a:lvl7pPr>
+            <a:lvl8pPr marL="3429000" indent="-228600" algn="l" defTabSz="457200" rtl="0" eaLnBrk="1" latinLnBrk="0" hangingPunct="1">
+              <a:spcBef>
+                <a:spcPts val="1000"/>
+              </a:spcBef>
+              <a:spcAft>
+                <a:spcPts val="0"/>
+              </a:spcAft>
+              <a:buClr>
+                <a:schemeClr val="accent1"/>
+              </a:buClr>
+              <a:buSzPct val="80000"/>
+              <a:buFont typeface="Wingdings 3" charset="2"/>
+              <a:buChar char=""/>
+              <a:defRPr sz="1200" kern="1200">
+                <a:solidFill>
+                  <a:schemeClr val="tx1">
+                    <a:lumMod val="75000"/>
+                    <a:lumOff val="25000"/>
+                  </a:schemeClr>
+                </a:solidFill>
+                <a:latin typeface="+mn-lt"/>
+                <a:ea typeface="+mn-ea"/>
+                <a:cs typeface="+mn-cs"/>
+              </a:defRPr>
+            </a:lvl8pPr>
+            <a:lvl9pPr marL="3886200" indent="-228600" algn="l" defTabSz="457200" rtl="0" eaLnBrk="1" latinLnBrk="0" hangingPunct="1">
+              <a:spcBef>
+                <a:spcPts val="1000"/>
+              </a:spcBef>
+              <a:spcAft>
+                <a:spcPts val="0"/>
+              </a:spcAft>
+              <a:buClr>
+                <a:schemeClr val="accent1"/>
+              </a:buClr>
+              <a:buSzPct val="80000"/>
+              <a:buFont typeface="Wingdings 3" charset="2"/>
+              <a:buChar char=""/>
+              <a:defRPr sz="1200" kern="1200">
+                <a:solidFill>
+                  <a:schemeClr val="tx1">
+                    <a:lumMod val="75000"/>
+                    <a:lumOff val="25000"/>
+                  </a:schemeClr>
+                </a:solidFill>
+                <a:latin typeface="+mn-lt"/>
+                <a:ea typeface="+mn-ea"/>
+                <a:cs typeface="+mn-cs"/>
+              </a:defRPr>
+            </a:lvl9pPr>
+          </a:lstStyle>
+          <a:p>
+            <a:r>
+              <a:rPr lang="en-US" dirty="0"/>
+              <a:t>It supports following features:</a:t>
+            </a:r>
+          </a:p>
+          <a:p>
+            <a:pPr lvl="1"/>
+            <a:r>
+              <a:rPr lang="en-US" sz="1800" dirty="0"/>
+              <a:t>Keep configurations at GIT / SVN / </a:t>
+            </a:r>
+            <a:r>
+              <a:rPr lang="en-US" sz="1800" dirty="0" err="1"/>
+              <a:t>Classpath</a:t>
+            </a:r>
+            <a:r>
+              <a:rPr lang="en-US" sz="1800" dirty="0"/>
+              <a:t> / File system</a:t>
+            </a:r>
+          </a:p>
+          <a:p>
+            <a:pPr lvl="1"/>
+            <a:r>
+              <a:rPr lang="en-US" sz="1800" dirty="0"/>
+              <a:t>Supports multiple configuration profiles like </a:t>
+            </a:r>
+          </a:p>
+          <a:p>
+            <a:pPr lvl="2"/>
+            <a:r>
+              <a:rPr lang="en-US" sz="1600" dirty="0"/>
+              <a:t>DEV</a:t>
+            </a:r>
+          </a:p>
+          <a:p>
+            <a:pPr lvl="2"/>
+            <a:r>
+              <a:rPr lang="en-US" sz="1600" dirty="0"/>
+              <a:t>QA</a:t>
+            </a:r>
+          </a:p>
+          <a:p>
+            <a:pPr lvl="2"/>
+            <a:r>
+              <a:rPr lang="en-US" sz="1600" dirty="0"/>
+              <a:t>PROD</a:t>
+            </a:r>
+            <a:endParaRPr lang="en-US" sz="1600" dirty="0"/>
+          </a:p>
+          <a:p>
+            <a:pPr lvl="1"/>
+            <a:r>
+              <a:rPr lang="en-US" sz="1800" dirty="0"/>
+              <a:t>Supports many </a:t>
+            </a:r>
+            <a:r>
+              <a:rPr lang="en-US" sz="1800" dirty="0" err="1"/>
+              <a:t>configs</a:t>
+            </a:r>
+            <a:r>
+              <a:rPr lang="en-US" sz="1800" dirty="0"/>
+              <a:t> like one/many unique configuration file per </a:t>
+            </a:r>
+            <a:r>
+              <a:rPr lang="en-US" sz="1800" dirty="0" err="1"/>
+              <a:t>microservice</a:t>
+            </a:r>
+            <a:endParaRPr lang="en-US" sz="1800" dirty="0"/>
+          </a:p>
+          <a:p>
+            <a:pPr lvl="1"/>
+            <a:r>
+              <a:rPr lang="en-US" sz="1800" dirty="0"/>
+              <a:t>Various of authentication mechanisms to protect the configuration data when retrieving.</a:t>
+            </a:r>
+          </a:p>
+          <a:p>
+            <a:pPr lvl="1"/>
+            <a:endParaRPr lang="pl-PL" sz="1800" dirty="0"/>
           </a:p>
         </p:txBody>
       </p:sp>
     </p:spTree>
     <p:extLst>
       <p:ext uri="{BB962C8B-B14F-4D97-AF65-F5344CB8AC3E}">
-        <p14:creationId xmlns:p14="http://schemas.microsoft.com/office/powerpoint/2010/main" val="1982103488"/>
+        <p14:creationId xmlns:p14="http://schemas.microsoft.com/office/powerpoint/2010/main" val="2947470601"/>
       </p:ext>
     </p:extLst>
   </p:cSld>
   <p:clrMapOvr>
     <a:masterClrMapping/>
   </p:clrMapOvr>
+  <p:timing>
+    <p:tnLst>
+      <p:par>
+        <p:cTn id="1" dur="indefinite" restart="never" nodeType="tmRoot"/>
+      </p:par>
+    </p:tnLst>
+  </p:timing>
 </p:sld>
 </file>
 
@@ -7661,68 +12256,152 @@
       </p:grpSpPr>
       <p:sp>
         <p:nvSpPr>
-          <p:cNvPr id="2" name="Title 1">
+          <p:cNvPr id="2" name="Title 1"/>
+          <p:cNvSpPr>
+            <a:spLocks noGrp="1"/>
+          </p:cNvSpPr>
+          <p:nvPr>
+            <p:ph type="title"/>
+          </p:nvPr>
+        </p:nvSpPr>
+        <p:spPr/>
+        <p:txBody>
+          <a:bodyPr/>
+          <a:lstStyle/>
+          <a:p>
+            <a:r>
+              <a:rPr lang="en-US" b="1" dirty="0"/>
+              <a:t>Spring Cloud </a:t>
+            </a:r>
+            <a:r>
+              <a:rPr lang="en-US" b="1" dirty="0" err="1" smtClean="0"/>
+              <a:t>Config</a:t>
+            </a:r>
+            <a:r>
+              <a:rPr lang="en-US" b="1" dirty="0" smtClean="0"/>
+              <a:t> Server</a:t>
+            </a:r>
+            <a:endParaRPr lang="pl-PL" dirty="0"/>
+          </a:p>
+        </p:txBody>
+      </p:sp>
+      <p:sp>
+        <p:nvSpPr>
+          <p:cNvPr id="3" name="Content Placeholder 2"/>
+          <p:cNvSpPr>
+            <a:spLocks noGrp="1"/>
+          </p:cNvSpPr>
+          <p:nvPr>
+            <p:ph idx="1"/>
+          </p:nvPr>
+        </p:nvSpPr>
+        <p:spPr>
+          <a:xfrm>
+            <a:off x="677334" y="1463359"/>
+            <a:ext cx="8596668" cy="3880773"/>
+          </a:xfrm>
+        </p:spPr>
+        <p:txBody>
+          <a:bodyPr/>
+          <a:lstStyle/>
+          <a:p>
+            <a:r>
+              <a:rPr lang="en-US" dirty="0"/>
+              <a:t>Update the configuration in </a:t>
+            </a:r>
+            <a:r>
+              <a:rPr lang="en-US" dirty="0" smtClean="0"/>
+              <a:t>GitHub </a:t>
+            </a:r>
+            <a:r>
+              <a:rPr lang="en-US" dirty="0"/>
+              <a:t>for example and </a:t>
+            </a:r>
+            <a:r>
+              <a:rPr lang="en-US" dirty="0" err="1" smtClean="0"/>
+              <a:t>Config</a:t>
+            </a:r>
+            <a:r>
+              <a:rPr lang="en-US" dirty="0" smtClean="0"/>
+              <a:t> Server </a:t>
+            </a:r>
+            <a:r>
+              <a:rPr lang="en-US" dirty="0"/>
+              <a:t>will automatically refresh the content. But client application wont refresh its configuration automatically without triggering the application to reload configurations.</a:t>
+            </a:r>
+          </a:p>
+          <a:p>
+            <a:endParaRPr lang="pl-PL" dirty="0"/>
+          </a:p>
+        </p:txBody>
+      </p:sp>
+      <p:pic>
+        <p:nvPicPr>
+          <p:cNvPr id="4" name="Picture 2" descr="Image result for spring cloud config server"/>
+          <p:cNvPicPr>
+            <a:picLocks noChangeAspect="1" noChangeArrowheads="1"/>
+          </p:cNvPicPr>
+          <p:nvPr/>
+        </p:nvPicPr>
+        <p:blipFill>
+          <a:blip r:embed="rId2">
             <a:extLst>
-              <a:ext uri="{FF2B5EF4-FFF2-40B4-BE49-F238E27FC236}">
-                <a16:creationId xmlns:a16="http://schemas.microsoft.com/office/drawing/2014/main" id="{A5C7184C-C925-403B-8365-3FC86FECD7FB}"/>
+              <a:ext uri="{BEBA8EAE-BF5A-486C-A8C5-ECC9F3942E4B}">
+                <a14:imgProps xmlns:a14="http://schemas.microsoft.com/office/drawing/2010/main">
+                  <a14:imgLayer r:embed="rId3">
+                    <a14:imgEffect>
+                      <a14:brightnessContrast contrast="20000"/>
+                    </a14:imgEffect>
+                  </a14:imgLayer>
+                </a14:imgProps>
+              </a:ext>
+              <a:ext uri="{28A0092B-C50C-407E-A947-70E740481C1C}">
+                <a14:useLocalDpi xmlns:a14="http://schemas.microsoft.com/office/drawing/2010/main" val="0"/>
               </a:ext>
             </a:extLst>
-          </p:cNvPr>
-          <p:cNvSpPr>
-            <a:spLocks noGrp="1"/>
-          </p:cNvSpPr>
-          <p:nvPr>
-            <p:ph type="title"/>
-          </p:nvPr>
-        </p:nvSpPr>
-        <p:spPr/>
-        <p:txBody>
-          <a:bodyPr/>
-          <a:lstStyle/>
-          <a:p>
-            <a:r>
-              <a:rPr lang="en-US" dirty="0"/>
-              <a:t>Eureka - service discovery</a:t>
-            </a:r>
-            <a:endParaRPr lang="pl-PL" dirty="0"/>
-          </a:p>
-        </p:txBody>
-      </p:sp>
-      <p:sp>
-        <p:nvSpPr>
-          <p:cNvPr id="3" name="Content Placeholder 2">
-            <a:extLst>
-              <a:ext uri="{FF2B5EF4-FFF2-40B4-BE49-F238E27FC236}">
-                <a16:creationId xmlns:a16="http://schemas.microsoft.com/office/drawing/2014/main" id="{3F13AC18-477F-46CF-B288-DD95A25C3952}"/>
-              </a:ext>
-            </a:extLst>
-          </p:cNvPr>
-          <p:cNvSpPr>
-            <a:spLocks noGrp="1"/>
-          </p:cNvSpPr>
-          <p:nvPr>
-            <p:ph idx="1"/>
-          </p:nvPr>
-        </p:nvSpPr>
-        <p:spPr/>
-        <p:txBody>
-          <a:bodyPr/>
-          <a:lstStyle/>
-          <a:p>
-            <a:endParaRPr lang="pl-PL"/>
-          </a:p>
-        </p:txBody>
-      </p:sp>
+          </a:blip>
+          <a:srcRect/>
+          <a:stretch>
+            <a:fillRect/>
+          </a:stretch>
+        </p:blipFill>
+        <p:spPr bwMode="auto">
+          <a:xfrm>
+            <a:off x="2987502" y="2532671"/>
+            <a:ext cx="6057900" cy="3505200"/>
+          </a:xfrm>
+          <a:prstGeom prst="rect">
+            <a:avLst/>
+          </a:prstGeom>
+          <a:noFill/>
+          <a:extLst>
+            <a:ext uri="{909E8E84-426E-40DD-AFC4-6F175D3DCCD1}">
+              <a14:hiddenFill xmlns:a14="http://schemas.microsoft.com/office/drawing/2010/main">
+                <a:solidFill>
+                  <a:srgbClr val="FFFFFF"/>
+                </a:solidFill>
+              </a14:hiddenFill>
+            </a:ext>
+          </a:extLst>
+        </p:spPr>
+      </p:pic>
     </p:spTree>
     <p:extLst>
       <p:ext uri="{BB962C8B-B14F-4D97-AF65-F5344CB8AC3E}">
-        <p14:creationId xmlns:p14="http://schemas.microsoft.com/office/powerpoint/2010/main" val="2929138519"/>
+        <p14:creationId xmlns:p14="http://schemas.microsoft.com/office/powerpoint/2010/main" val="3789407259"/>
       </p:ext>
     </p:extLst>
   </p:cSld>
   <p:clrMapOvr>
     <a:masterClrMapping/>
   </p:clrMapOvr>
+  <p:timing>
+    <p:tnLst>
+      <p:par>
+        <p:cTn id="1" dur="indefinite" restart="never" nodeType="tmRoot"/>
+      </p:par>
+    </p:tnLst>
+  </p:timing>
 </p:sld>
 </file>
 
@@ -7745,13 +12424,7 @@
       </p:grpSpPr>
       <p:sp>
         <p:nvSpPr>
-          <p:cNvPr id="2" name="Title 1">
-            <a:extLst>
-              <a:ext uri="{FF2B5EF4-FFF2-40B4-BE49-F238E27FC236}">
-                <a16:creationId xmlns:a16="http://schemas.microsoft.com/office/drawing/2014/main" id="{1B6FEF37-E8EB-4FAE-92E0-573668930DAF}"/>
-              </a:ext>
-            </a:extLst>
-          </p:cNvPr>
+          <p:cNvPr id="2" name="Title 1"/>
           <p:cNvSpPr>
             <a:spLocks noGrp="1"/>
           </p:cNvSpPr>
@@ -7765,25 +12438,24 @@
           <a:lstStyle/>
           <a:p>
             <a:r>
-              <a:rPr lang="en-US" dirty="0"/>
-              <a:t>Feign Client</a:t>
-            </a:r>
-            <a:br>
-              <a:rPr lang="pl-PL" dirty="0"/>
-            </a:br>
+              <a:rPr lang="en-US" dirty="0" smtClean="0"/>
+              <a:t>How to create cloud </a:t>
+            </a:r>
+            <a:r>
+              <a:rPr lang="en-US" dirty="0" err="1" smtClean="0"/>
+              <a:t>config</a:t>
+            </a:r>
+            <a:r>
+              <a:rPr lang="en-US" dirty="0" smtClean="0"/>
+              <a:t> server?</a:t>
+            </a:r>
             <a:endParaRPr lang="pl-PL" dirty="0"/>
           </a:p>
         </p:txBody>
       </p:sp>
       <p:sp>
         <p:nvSpPr>
-          <p:cNvPr id="3" name="Content Placeholder 2">
-            <a:extLst>
-              <a:ext uri="{FF2B5EF4-FFF2-40B4-BE49-F238E27FC236}">
-                <a16:creationId xmlns:a16="http://schemas.microsoft.com/office/drawing/2014/main" id="{C47B833C-26CC-4E09-949F-E54AE88429A5}"/>
-              </a:ext>
-            </a:extLst>
-          </p:cNvPr>
+          <p:cNvPr id="3" name="Content Placeholder 2"/>
           <p:cNvSpPr>
             <a:spLocks noGrp="1"/>
           </p:cNvSpPr>
@@ -7791,19 +12463,348 @@
             <p:ph idx="1"/>
           </p:nvPr>
         </p:nvSpPr>
-        <p:spPr/>
+        <p:spPr>
+          <a:xfrm>
+            <a:off x="677334" y="1360489"/>
+            <a:ext cx="9238562" cy="3880773"/>
+          </a:xfrm>
+        </p:spPr>
         <p:txBody>
           <a:bodyPr/>
           <a:lstStyle/>
           <a:p>
-            <a:endParaRPr lang="pl-PL"/>
+            <a:r>
+              <a:rPr lang="en-US" dirty="0" smtClean="0"/>
+              <a:t>First of all you have to create </a:t>
+            </a:r>
+            <a:r>
+              <a:rPr lang="en-US" dirty="0" err="1" smtClean="0"/>
+              <a:t>config</a:t>
+            </a:r>
+            <a:r>
+              <a:rPr lang="en-US" dirty="0" smtClean="0"/>
+              <a:t> server application:</a:t>
+            </a:r>
+          </a:p>
+          <a:p>
+            <a:endParaRPr lang="en-US" dirty="0"/>
+          </a:p>
+          <a:p>
+            <a:endParaRPr lang="en-US" dirty="0" smtClean="0"/>
+          </a:p>
+          <a:p>
+            <a:endParaRPr lang="en-US" dirty="0"/>
+          </a:p>
+          <a:p>
+            <a:endParaRPr lang="en-US" dirty="0" smtClean="0"/>
+          </a:p>
+          <a:p>
+            <a:endParaRPr lang="en-US" dirty="0"/>
+          </a:p>
+          <a:p>
+            <a:endParaRPr lang="en-US" dirty="0" smtClean="0"/>
+          </a:p>
+          <a:p>
+            <a:r>
+              <a:rPr lang="en-US" dirty="0" smtClean="0"/>
+              <a:t>Now let’s create </a:t>
+            </a:r>
+            <a:r>
+              <a:rPr lang="en-US" dirty="0" err="1" smtClean="0"/>
+              <a:t>configs</a:t>
+            </a:r>
+            <a:r>
+              <a:rPr lang="en-US" dirty="0" smtClean="0"/>
+              <a:t>. For example in </a:t>
+            </a:r>
+            <a:r>
+              <a:rPr lang="en-US" dirty="0" err="1" smtClean="0"/>
+              <a:t>classpath</a:t>
+            </a:r>
+            <a:r>
+              <a:rPr lang="en-US" dirty="0" smtClean="0"/>
+              <a:t>:</a:t>
+            </a:r>
+          </a:p>
+          <a:p>
+            <a:pPr marL="0" indent="0">
+              <a:buNone/>
+            </a:pPr>
+            <a:r>
+              <a:rPr lang="en-US" dirty="0" smtClean="0"/>
+              <a:t>                         </a:t>
+            </a:r>
+            <a:endParaRPr lang="pl-PL" dirty="0"/>
+          </a:p>
+        </p:txBody>
+      </p:sp>
+      <p:pic>
+        <p:nvPicPr>
+          <p:cNvPr id="4" name="Picture 3"/>
+          <p:cNvPicPr>
+            <a:picLocks noChangeAspect="1"/>
+          </p:cNvPicPr>
+          <p:nvPr/>
+        </p:nvPicPr>
+        <p:blipFill>
+          <a:blip r:embed="rId3"/>
+          <a:stretch>
+            <a:fillRect/>
+          </a:stretch>
+        </p:blipFill>
+        <p:spPr>
+          <a:xfrm>
+            <a:off x="5211660" y="1930400"/>
+            <a:ext cx="5314950" cy="790575"/>
+          </a:xfrm>
+          <a:prstGeom prst="rect">
+            <a:avLst/>
+          </a:prstGeom>
+          <a:ln>
+            <a:noFill/>
+          </a:ln>
+          <a:effectLst>
+            <a:outerShdw blurRad="190500" algn="tl" rotWithShape="0">
+              <a:srgbClr val="000000">
+                <a:alpha val="70000"/>
+              </a:srgbClr>
+            </a:outerShdw>
+          </a:effectLst>
+        </p:spPr>
+      </p:pic>
+      <p:pic>
+        <p:nvPicPr>
+          <p:cNvPr id="6" name="Picture 5"/>
+          <p:cNvPicPr>
+            <a:picLocks noChangeAspect="1"/>
+          </p:cNvPicPr>
+          <p:nvPr/>
+        </p:nvPicPr>
+        <p:blipFill>
+          <a:blip r:embed="rId4"/>
+          <a:stretch>
+            <a:fillRect/>
+          </a:stretch>
+        </p:blipFill>
+        <p:spPr>
+          <a:xfrm>
+            <a:off x="471735" y="1898071"/>
+            <a:ext cx="4600575" cy="1447800"/>
+          </a:xfrm>
+          <a:prstGeom prst="rect">
+            <a:avLst/>
+          </a:prstGeom>
+          <a:ln>
+            <a:noFill/>
+          </a:ln>
+          <a:effectLst>
+            <a:outerShdw blurRad="190500" algn="tl" rotWithShape="0">
+              <a:srgbClr val="000000">
+                <a:alpha val="70000"/>
+              </a:srgbClr>
+            </a:outerShdw>
+          </a:effectLst>
+        </p:spPr>
+      </p:pic>
+      <p:pic>
+        <p:nvPicPr>
+          <p:cNvPr id="7" name="Picture 6"/>
+          <p:cNvPicPr>
+            <a:picLocks noChangeAspect="1"/>
+          </p:cNvPicPr>
+          <p:nvPr/>
+        </p:nvPicPr>
+        <p:blipFill>
+          <a:blip r:embed="rId5"/>
+          <a:stretch>
+            <a:fillRect/>
+          </a:stretch>
+        </p:blipFill>
+        <p:spPr>
+          <a:xfrm>
+            <a:off x="1908248" y="3251558"/>
+            <a:ext cx="6467475" cy="485775"/>
+          </a:xfrm>
+          <a:prstGeom prst="rect">
+            <a:avLst/>
+          </a:prstGeom>
+          <a:ln>
+            <a:noFill/>
+          </a:ln>
+          <a:effectLst>
+            <a:outerShdw blurRad="190500" algn="tl" rotWithShape="0">
+              <a:srgbClr val="000000">
+                <a:alpha val="70000"/>
+              </a:srgbClr>
+            </a:outerShdw>
+          </a:effectLst>
+        </p:spPr>
+      </p:pic>
+      <p:pic>
+        <p:nvPicPr>
+          <p:cNvPr id="8" name="Picture 7"/>
+          <p:cNvPicPr>
+            <a:picLocks noChangeAspect="1"/>
+          </p:cNvPicPr>
+          <p:nvPr/>
+        </p:nvPicPr>
+        <p:blipFill>
+          <a:blip r:embed="rId6"/>
+          <a:stretch>
+            <a:fillRect/>
+          </a:stretch>
+        </p:blipFill>
+        <p:spPr>
+          <a:xfrm>
+            <a:off x="948908" y="4711664"/>
+            <a:ext cx="2590800" cy="1438275"/>
+          </a:xfrm>
+          <a:prstGeom prst="rect">
+            <a:avLst/>
+          </a:prstGeom>
+          <a:ln>
+            <a:noFill/>
+          </a:ln>
+          <a:effectLst>
+            <a:outerShdw blurRad="190500" algn="tl" rotWithShape="0">
+              <a:srgbClr val="000000">
+                <a:alpha val="70000"/>
+              </a:srgbClr>
+            </a:outerShdw>
+          </a:effectLst>
+        </p:spPr>
+      </p:pic>
+      <p:sp>
+        <p:nvSpPr>
+          <p:cNvPr id="10" name="Rectangle 9"/>
+          <p:cNvSpPr/>
+          <p:nvPr/>
+        </p:nvSpPr>
+        <p:spPr>
+          <a:xfrm>
+            <a:off x="3634710" y="4753692"/>
+            <a:ext cx="7239747" cy="1354217"/>
+          </a:xfrm>
+          <a:prstGeom prst="rect">
+            <a:avLst/>
+          </a:prstGeom>
+        </p:spPr>
+        <p:txBody>
+          <a:bodyPr wrap="square">
+            <a:spAutoFit/>
+          </a:bodyPr>
+          <a:lstStyle/>
+          <a:p>
+            <a:pPr marL="285750" indent="-285750">
+              <a:buFont typeface="Arial" panose="020B0604020202020204" pitchFamily="34" charset="0"/>
+              <a:buChar char="•"/>
+            </a:pPr>
+            <a:r>
+              <a:rPr lang="en-US" sz="1600" dirty="0" err="1"/>
+              <a:t>application.yaml</a:t>
+            </a:r>
+            <a:r>
+              <a:rPr lang="en-US" sz="1600" dirty="0" smtClean="0"/>
+              <a:t> </a:t>
+            </a:r>
+            <a:r>
+              <a:rPr lang="en-US" sz="1600" dirty="0"/>
+              <a:t>is sent to clients if they not specify </a:t>
+            </a:r>
+            <a:r>
+              <a:rPr lang="en-US" sz="1600" dirty="0" smtClean="0"/>
+              <a:t>environment</a:t>
+            </a:r>
+          </a:p>
+          <a:p>
+            <a:pPr marL="285750" indent="-285750">
+              <a:buFont typeface="Arial" panose="020B0604020202020204" pitchFamily="34" charset="0"/>
+              <a:buChar char="•"/>
+            </a:pPr>
+            <a:r>
+              <a:rPr lang="en-US" sz="1600" dirty="0" smtClean="0"/>
+              <a:t>application-</a:t>
+            </a:r>
+            <a:r>
+              <a:rPr lang="en-US" sz="1600" dirty="0" err="1" smtClean="0"/>
+              <a:t>dev.yaml</a:t>
+            </a:r>
+            <a:r>
+              <a:rPr lang="en-US" sz="1600" dirty="0" smtClean="0"/>
+              <a:t> is used if client started with profile specified</a:t>
+            </a:r>
+            <a:r>
+              <a:rPr lang="en-US" sz="1600" dirty="0"/>
+              <a:t>:         Like: </a:t>
+            </a:r>
+            <a:r>
+              <a:rPr lang="en-US" sz="1600" dirty="0" err="1"/>
+              <a:t>mvn</a:t>
+            </a:r>
+            <a:r>
+              <a:rPr lang="en-US" sz="1600" dirty="0"/>
+              <a:t> clean </a:t>
+            </a:r>
+            <a:r>
+              <a:rPr lang="en-US" sz="1600" dirty="0" err="1"/>
+              <a:t>spring-boot:run</a:t>
+            </a:r>
+            <a:r>
+              <a:rPr lang="en-US" sz="1600" dirty="0"/>
+              <a:t> -</a:t>
+            </a:r>
+            <a:r>
+              <a:rPr lang="en-US" sz="1600" dirty="0" err="1" smtClean="0"/>
+              <a:t>Dspring.profiles.active</a:t>
+            </a:r>
+            <a:r>
+              <a:rPr lang="en-US" sz="1600" dirty="0" smtClean="0"/>
+              <a:t>=dev</a:t>
+            </a:r>
+          </a:p>
+          <a:p>
+            <a:pPr marL="285750" indent="-285750">
+              <a:buFont typeface="Arial" panose="020B0604020202020204" pitchFamily="34" charset="0"/>
+              <a:buChar char="•"/>
+            </a:pPr>
+            <a:r>
+              <a:rPr lang="en-US" sz="1600" dirty="0" smtClean="0"/>
+              <a:t>user-service-</a:t>
+            </a:r>
+            <a:r>
+              <a:rPr lang="en-US" sz="1600" dirty="0" err="1" smtClean="0"/>
+              <a:t>dev.yaml</a:t>
+            </a:r>
+            <a:r>
+              <a:rPr lang="en-US" sz="1600" dirty="0" smtClean="0"/>
+              <a:t> is used for service user-service with dev profile</a:t>
+            </a:r>
+          </a:p>
+          <a:p>
+            <a:pPr marL="285750" indent="-285750">
+              <a:buFont typeface="Arial" panose="020B0604020202020204" pitchFamily="34" charset="0"/>
+              <a:buChar char="•"/>
+            </a:pPr>
+            <a:r>
+              <a:rPr lang="en-US" sz="1600" dirty="0" err="1"/>
+              <a:t>bootstrap.yaml</a:t>
+            </a:r>
+            <a:r>
+              <a:rPr lang="en-US" sz="1600" dirty="0"/>
+              <a:t> contains server </a:t>
+            </a:r>
+            <a:r>
+              <a:rPr lang="en-US" sz="1600" dirty="0" err="1"/>
+              <a:t>configs</a:t>
+            </a:r>
+            <a:endParaRPr lang="en-US" sz="1600" b="1" dirty="0"/>
           </a:p>
         </p:txBody>
       </p:sp>
     </p:spTree>
     <p:extLst>
       <p:ext uri="{BB962C8B-B14F-4D97-AF65-F5344CB8AC3E}">
-        <p14:creationId xmlns:p14="http://schemas.microsoft.com/office/powerpoint/2010/main" val="768806181"/>
+        <p14:creationId xmlns:p14="http://schemas.microsoft.com/office/powerpoint/2010/main" val="841897882"/>
       </p:ext>
     </p:extLst>
   </p:cSld>
@@ -7830,973 +12831,312 @@
           <a:chExt cx="0" cy="0"/>
         </a:xfrm>
       </p:grpSpPr>
-      <p:grpSp>
-        <p:nvGrpSpPr>
-          <p:cNvPr id="19" name="Group 18">
-            <a:extLst>
-              <a:ext uri="{FF2B5EF4-FFF2-40B4-BE49-F238E27FC236}">
-                <a16:creationId xmlns:a16="http://schemas.microsoft.com/office/drawing/2014/main" id="{46254905-6D50-493C-A305-6692EEA37F95}"/>
-              </a:ext>
-            </a:extLst>
-          </p:cNvPr>
-          <p:cNvGrpSpPr/>
-          <p:nvPr/>
-        </p:nvGrpSpPr>
-        <p:grpSpPr>
-          <a:xfrm>
-            <a:off x="1324680" y="1936303"/>
-            <a:ext cx="3735000" cy="3418017"/>
-            <a:chOff x="5043916" y="1641490"/>
-            <a:chExt cx="1020819" cy="3215606"/>
-          </a:xfrm>
-        </p:grpSpPr>
-        <p:sp>
-          <p:nvSpPr>
-            <p:cNvPr id="36" name="Cube 35">
-              <a:extLst>
-                <a:ext uri="{FF2B5EF4-FFF2-40B4-BE49-F238E27FC236}">
-                  <a16:creationId xmlns:a16="http://schemas.microsoft.com/office/drawing/2014/main" id="{CC8E477D-C8F5-45EE-B56D-D6A779DB45C1}"/>
-                </a:ext>
-              </a:extLst>
-            </p:cNvPr>
-            <p:cNvSpPr/>
-            <p:nvPr/>
-          </p:nvSpPr>
-          <p:spPr>
-            <a:xfrm>
-              <a:off x="5043916" y="1641490"/>
-              <a:ext cx="1020819" cy="3215606"/>
-            </a:xfrm>
-            <a:prstGeom prst="cube">
-              <a:avLst>
-                <a:gd name="adj" fmla="val 6479"/>
-              </a:avLst>
-            </a:prstGeom>
-            <a:ln/>
-          </p:spPr>
-          <p:style>
-            <a:lnRef idx="1">
-              <a:schemeClr val="accent6"/>
-            </a:lnRef>
-            <a:fillRef idx="3">
-              <a:schemeClr val="accent6"/>
-            </a:fillRef>
-            <a:effectRef idx="2">
-              <a:schemeClr val="accent6"/>
-            </a:effectRef>
-            <a:fontRef idx="minor">
-              <a:schemeClr val="lt1"/>
-            </a:fontRef>
-          </p:style>
-          <p:txBody>
-            <a:bodyPr rtlCol="0" anchor="ctr"/>
-            <a:lstStyle/>
-            <a:p>
-              <a:pPr algn="ctr"/>
-              <a:endParaRPr lang="en-US" dirty="0"/>
-            </a:p>
-          </p:txBody>
-        </p:sp>
-        <p:sp>
-          <p:nvSpPr>
-            <p:cNvPr id="37" name="TextBox 36">
-              <a:extLst>
-                <a:ext uri="{FF2B5EF4-FFF2-40B4-BE49-F238E27FC236}">
-                  <a16:creationId xmlns:a16="http://schemas.microsoft.com/office/drawing/2014/main" id="{CE87D200-B614-45F6-990E-D888CFA555D0}"/>
-                </a:ext>
-              </a:extLst>
-            </p:cNvPr>
-            <p:cNvSpPr txBox="1"/>
-            <p:nvPr/>
-          </p:nvSpPr>
-          <p:spPr>
-            <a:xfrm rot="16200000">
-              <a:off x="4783500" y="3213586"/>
-              <a:ext cx="2303845" cy="100943"/>
-            </a:xfrm>
-            <a:prstGeom prst="rect">
-              <a:avLst/>
-            </a:prstGeom>
-            <a:noFill/>
-            <a:ln>
-              <a:noFill/>
-            </a:ln>
-          </p:spPr>
-          <p:style>
-            <a:lnRef idx="0">
-              <a:scrgbClr r="0" g="0" b="0"/>
-            </a:lnRef>
-            <a:fillRef idx="0">
-              <a:scrgbClr r="0" g="0" b="0"/>
-            </a:fillRef>
-            <a:effectRef idx="0">
-              <a:scrgbClr r="0" g="0" b="0"/>
-            </a:effectRef>
-            <a:fontRef idx="minor">
-              <a:schemeClr val="dk1"/>
-            </a:fontRef>
-          </p:style>
-          <p:txBody>
-            <a:bodyPr wrap="square" rtlCol="0">
-              <a:spAutoFit/>
-            </a:bodyPr>
-            <a:lstStyle/>
-            <a:p>
-              <a:r>
-                <a:rPr lang="en-US" dirty="0">
-                  <a:solidFill>
-                    <a:schemeClr val="tx1"/>
-                  </a:solidFill>
-                </a:rPr>
-                <a:t>Cloud Configuration</a:t>
-              </a:r>
-              <a:endParaRPr lang="en-US" sz="2000" dirty="0">
-                <a:solidFill>
-                  <a:schemeClr val="tx1"/>
-                </a:solidFill>
-              </a:endParaRPr>
-            </a:p>
-          </p:txBody>
-        </p:sp>
-      </p:grpSp>
-      <p:grpSp>
-        <p:nvGrpSpPr>
-          <p:cNvPr id="22" name="Group 21">
-            <a:extLst>
-              <a:ext uri="{FF2B5EF4-FFF2-40B4-BE49-F238E27FC236}">
-                <a16:creationId xmlns:a16="http://schemas.microsoft.com/office/drawing/2014/main" id="{FDAAA1AD-6951-4DB6-A56C-16714CEE5790}"/>
-              </a:ext>
-            </a:extLst>
-          </p:cNvPr>
-          <p:cNvGrpSpPr/>
-          <p:nvPr/>
-        </p:nvGrpSpPr>
-        <p:grpSpPr>
-          <a:xfrm>
-            <a:off x="792694" y="2322067"/>
-            <a:ext cx="3571534" cy="2861077"/>
-            <a:chOff x="5022071" y="2119806"/>
-            <a:chExt cx="1029148" cy="3215606"/>
-          </a:xfrm>
-        </p:grpSpPr>
-        <p:sp>
-          <p:nvSpPr>
-            <p:cNvPr id="23" name="Cube 22">
-              <a:extLst>
-                <a:ext uri="{FF2B5EF4-FFF2-40B4-BE49-F238E27FC236}">
-                  <a16:creationId xmlns:a16="http://schemas.microsoft.com/office/drawing/2014/main" id="{F70D70D6-4072-4C76-8103-F6A6B7BCC014}"/>
-                </a:ext>
-              </a:extLst>
-            </p:cNvPr>
-            <p:cNvSpPr/>
-            <p:nvPr/>
-          </p:nvSpPr>
-          <p:spPr>
-            <a:xfrm>
-              <a:off x="5022071" y="2119806"/>
-              <a:ext cx="1020819" cy="3215606"/>
-            </a:xfrm>
-            <a:prstGeom prst="cube">
-              <a:avLst>
-                <a:gd name="adj" fmla="val 6479"/>
-              </a:avLst>
-            </a:prstGeom>
-            <a:ln/>
-          </p:spPr>
-          <p:style>
-            <a:lnRef idx="1">
-              <a:schemeClr val="dk1"/>
-            </a:lnRef>
-            <a:fillRef idx="2">
-              <a:schemeClr val="dk1"/>
-            </a:fillRef>
-            <a:effectRef idx="1">
-              <a:schemeClr val="dk1"/>
-            </a:effectRef>
-            <a:fontRef idx="minor">
-              <a:schemeClr val="dk1"/>
-            </a:fontRef>
-          </p:style>
-          <p:txBody>
-            <a:bodyPr rtlCol="0" anchor="ctr"/>
-            <a:lstStyle/>
-            <a:p>
-              <a:pPr algn="ctr"/>
-              <a:endParaRPr lang="en-US" dirty="0"/>
-            </a:p>
-          </p:txBody>
-        </p:sp>
-        <p:sp>
-          <p:nvSpPr>
-            <p:cNvPr id="24" name="TextBox 23">
-              <a:extLst>
-                <a:ext uri="{FF2B5EF4-FFF2-40B4-BE49-F238E27FC236}">
-                  <a16:creationId xmlns:a16="http://schemas.microsoft.com/office/drawing/2014/main" id="{F2338911-D166-4CC7-A012-BAE1E5B174C7}"/>
-                </a:ext>
-              </a:extLst>
-            </p:cNvPr>
-            <p:cNvSpPr txBox="1"/>
-            <p:nvPr/>
-          </p:nvSpPr>
-          <p:spPr>
-            <a:xfrm rot="16200000">
-              <a:off x="4800798" y="3634926"/>
-              <a:ext cx="2305731" cy="195111"/>
-            </a:xfrm>
-            <a:prstGeom prst="rect">
-              <a:avLst/>
-            </a:prstGeom>
-            <a:noFill/>
-          </p:spPr>
-          <p:txBody>
-            <a:bodyPr wrap="square" rtlCol="0">
-              <a:spAutoFit/>
-            </a:bodyPr>
-            <a:lstStyle/>
-            <a:p>
-              <a:r>
-                <a:rPr lang="en-US" dirty="0">
-                  <a:solidFill>
-                    <a:schemeClr val="bg1">
-                      <a:lumMod val="95000"/>
-                    </a:schemeClr>
-                  </a:solidFill>
-                </a:rPr>
-                <a:t>Services Registry</a:t>
-              </a:r>
-            </a:p>
-            <a:p>
-              <a:endParaRPr lang="en-US" sz="2000" dirty="0">
-                <a:solidFill>
-                  <a:schemeClr val="bg1">
-                    <a:lumMod val="95000"/>
-                  </a:schemeClr>
-                </a:solidFill>
-              </a:endParaRPr>
-            </a:p>
-          </p:txBody>
-        </p:sp>
-      </p:grpSp>
-      <p:sp>
-        <p:nvSpPr>
-          <p:cNvPr id="2" name="Title 1">
-            <a:extLst>
-              <a:ext uri="{FF2B5EF4-FFF2-40B4-BE49-F238E27FC236}">
-                <a16:creationId xmlns:a16="http://schemas.microsoft.com/office/drawing/2014/main" id="{1E90F863-7245-4F5E-AC76-10526DDD63DA}"/>
-              </a:ext>
-            </a:extLst>
-          </p:cNvPr>
+      <p:sp>
+        <p:nvSpPr>
+          <p:cNvPr id="2" name="Title 1"/>
           <p:cNvSpPr>
             <a:spLocks noGrp="1"/>
           </p:cNvSpPr>
           <p:nvPr>
             <p:ph type="title"/>
+          </p:nvPr>
+        </p:nvSpPr>
+        <p:spPr/>
+        <p:txBody>
+          <a:bodyPr/>
+          <a:lstStyle/>
+          <a:p>
+            <a:r>
+              <a:rPr lang="en-US" dirty="0" smtClean="0"/>
+              <a:t>How to configure </a:t>
+            </a:r>
+            <a:r>
+              <a:rPr lang="en-US" dirty="0" err="1" smtClean="0"/>
+              <a:t>microservice</a:t>
+            </a:r>
+            <a:r>
+              <a:rPr lang="en-US" dirty="0" smtClean="0"/>
+              <a:t> client</a:t>
+            </a:r>
+            <a:endParaRPr lang="pl-PL" dirty="0"/>
+          </a:p>
+        </p:txBody>
+      </p:sp>
+      <p:sp>
+        <p:nvSpPr>
+          <p:cNvPr id="3" name="Content Placeholder 2"/>
+          <p:cNvSpPr>
+            <a:spLocks noGrp="1"/>
+          </p:cNvSpPr>
+          <p:nvPr>
+            <p:ph idx="1"/>
           </p:nvPr>
         </p:nvSpPr>
         <p:spPr>
           <a:xfrm>
-            <a:off x="677334" y="609600"/>
-            <a:ext cx="8596668" cy="1320800"/>
+            <a:off x="677334" y="1361764"/>
+            <a:ext cx="7586556" cy="5496236"/>
           </a:xfrm>
         </p:spPr>
         <p:txBody>
-          <a:bodyPr/>
+          <a:bodyPr>
+            <a:normAutofit/>
+          </a:bodyPr>
           <a:lstStyle/>
           <a:p>
             <a:r>
+              <a:rPr lang="en-US" dirty="0" smtClean="0"/>
+              <a:t>Add </a:t>
+            </a:r>
+            <a:r>
+              <a:rPr lang="en-US" dirty="0" err="1" smtClean="0"/>
+              <a:t>config</a:t>
+            </a:r>
+            <a:r>
+              <a:rPr lang="en-US" dirty="0" smtClean="0"/>
+              <a:t>-server dependencies:</a:t>
+            </a:r>
+          </a:p>
+          <a:p>
+            <a:endParaRPr lang="en-US" dirty="0" smtClean="0"/>
+          </a:p>
+          <a:p>
+            <a:r>
+              <a:rPr lang="en-US" dirty="0" smtClean="0"/>
+              <a:t>As you know usually configurations are stored in </a:t>
+            </a:r>
+            <a:r>
+              <a:rPr lang="en-US" dirty="0" err="1" smtClean="0"/>
+              <a:t>application.properties</a:t>
+            </a:r>
+            <a:r>
+              <a:rPr lang="en-US" dirty="0" smtClean="0"/>
+              <a:t> or </a:t>
+            </a:r>
+            <a:r>
+              <a:rPr lang="en-US" dirty="0" err="1" smtClean="0"/>
+              <a:t>yaml</a:t>
+            </a:r>
+            <a:r>
+              <a:rPr lang="en-US" dirty="0" smtClean="0"/>
+              <a:t>. But also spring supports </a:t>
+            </a:r>
+            <a:r>
+              <a:rPr lang="en-US" dirty="0" err="1" smtClean="0"/>
+              <a:t>bootstrap.properties</a:t>
+            </a:r>
+            <a:r>
+              <a:rPr lang="en-US" dirty="0" smtClean="0"/>
+              <a:t> &amp; </a:t>
+            </a:r>
+            <a:r>
+              <a:rPr lang="en-US" dirty="0" err="1" smtClean="0"/>
+              <a:t>yaml</a:t>
+            </a:r>
+            <a:r>
+              <a:rPr lang="en-US" dirty="0" smtClean="0"/>
+              <a:t> configuration file. Which is used like </a:t>
+            </a:r>
+            <a:r>
+              <a:rPr lang="en-US" dirty="0" err="1" smtClean="0"/>
+              <a:t>application.properties</a:t>
+            </a:r>
+            <a:r>
+              <a:rPr lang="en-US" dirty="0" smtClean="0"/>
+              <a:t> but starts before it.</a:t>
+            </a:r>
+          </a:p>
+          <a:p>
+            <a:r>
+              <a:rPr lang="en-US" dirty="0" smtClean="0"/>
+              <a:t>It is advised to keep here local application </a:t>
+            </a:r>
+            <a:r>
               <a:rPr lang="en-US" dirty="0"/>
-              <a:t>Simple Demo Monolith Application</a:t>
-            </a:r>
-          </a:p>
-        </p:txBody>
-      </p:sp>
-      <p:sp>
-        <p:nvSpPr>
-          <p:cNvPr id="20" name="Flowchart: Magnetic Disk 19">
-            <a:extLst>
-              <a:ext uri="{FF2B5EF4-FFF2-40B4-BE49-F238E27FC236}">
-                <a16:creationId xmlns:a16="http://schemas.microsoft.com/office/drawing/2014/main" id="{7C631CDC-342C-4F60-B45C-2504BB24495A}"/>
-              </a:ext>
-            </a:extLst>
-          </p:cNvPr>
-          <p:cNvSpPr/>
+              <a:t>specific </a:t>
+            </a:r>
+            <a:r>
+              <a:rPr lang="en-US" dirty="0" smtClean="0"/>
+              <a:t>configurations, which are not expected to be loaded by spring cloud </a:t>
+            </a:r>
+            <a:r>
+              <a:rPr lang="en-US" dirty="0" err="1" smtClean="0"/>
+              <a:t>config</a:t>
+            </a:r>
+            <a:r>
+              <a:rPr lang="en-US" dirty="0" smtClean="0"/>
+              <a:t>. For example application name and link to </a:t>
+            </a:r>
+            <a:r>
+              <a:rPr lang="en-US" dirty="0" err="1" smtClean="0"/>
+              <a:t>config</a:t>
+            </a:r>
+            <a:r>
+              <a:rPr lang="en-US" dirty="0" smtClean="0"/>
+              <a:t> server. Everything else might be loaded after connection to configuration server.</a:t>
+            </a:r>
+          </a:p>
+          <a:p>
+            <a:r>
+              <a:rPr lang="en-US" dirty="0" smtClean="0"/>
+              <a:t>You can check what configurations will be loaded from server from your browser. Just navigate to one of </a:t>
+            </a:r>
+            <a:r>
+              <a:rPr lang="en-US" dirty="0" err="1" smtClean="0"/>
+              <a:t>config</a:t>
+            </a:r>
+            <a:r>
+              <a:rPr lang="en-US" dirty="0" smtClean="0"/>
+              <a:t> files like:</a:t>
+            </a:r>
+          </a:p>
+          <a:p>
+            <a:pPr lvl="1"/>
+            <a:r>
+              <a:rPr lang="en-US" dirty="0" smtClean="0"/>
+              <a:t>Where {application} is service name</a:t>
+            </a:r>
+          </a:p>
+          <a:p>
+            <a:pPr lvl="1"/>
+            <a:r>
+              <a:rPr lang="en-US" dirty="0" smtClean="0"/>
+              <a:t>{profile} is dev/</a:t>
+            </a:r>
+            <a:r>
+              <a:rPr lang="en-US" dirty="0" err="1" smtClean="0"/>
+              <a:t>qa</a:t>
+            </a:r>
+            <a:r>
+              <a:rPr lang="en-US" dirty="0" smtClean="0"/>
+              <a:t>/prod</a:t>
+            </a:r>
+          </a:p>
+          <a:p>
+            <a:pPr lvl="1"/>
+            <a:r>
+              <a:rPr lang="en-US" dirty="0" smtClean="0"/>
+              <a:t>Like: </a:t>
+            </a:r>
+            <a:r>
+              <a:rPr lang="pl-PL" dirty="0">
+                <a:hlinkClick r:id="rId3"/>
+              </a:rPr>
+              <a:t>http://localhost:1111/user-service-dev.yml</a:t>
+            </a:r>
+            <a:endParaRPr lang="en-US" dirty="0" smtClean="0"/>
+          </a:p>
+          <a:p>
+            <a:endParaRPr lang="pl-PL" dirty="0"/>
+          </a:p>
+        </p:txBody>
+      </p:sp>
+      <p:pic>
+        <p:nvPicPr>
+          <p:cNvPr id="4" name="Picture 3"/>
+          <p:cNvPicPr>
+            <a:picLocks noChangeAspect="1"/>
+          </p:cNvPicPr>
           <p:nvPr/>
-        </p:nvSpPr>
+        </p:nvPicPr>
+        <p:blipFill>
+          <a:blip r:embed="rId4"/>
+          <a:stretch>
+            <a:fillRect/>
+          </a:stretch>
+        </p:blipFill>
         <p:spPr>
           <a:xfrm>
-            <a:off x="2471068" y="5285112"/>
-            <a:ext cx="788632" cy="792415"/>
-          </a:xfrm>
-          <a:prstGeom prst="flowChartMagneticDisk">
-            <a:avLst/>
-          </a:prstGeom>
-          <a:solidFill>
-            <a:srgbClr val="E3D14B"/>
-          </a:solidFill>
-        </p:spPr>
-        <p:style>
-          <a:lnRef idx="2">
-            <a:schemeClr val="dk1"/>
-          </a:lnRef>
-          <a:fillRef idx="1">
-            <a:schemeClr val="lt1"/>
-          </a:fillRef>
-          <a:effectRef idx="0">
-            <a:schemeClr val="dk1"/>
-          </a:effectRef>
-          <a:fontRef idx="minor">
-            <a:schemeClr val="dk1"/>
-          </a:fontRef>
-        </p:style>
-        <p:txBody>
-          <a:bodyPr rtlCol="0" anchor="ctr"/>
-          <a:lstStyle/>
-          <a:p>
-            <a:pPr algn="ctr"/>
-            <a:r>
-              <a:rPr lang="en-US" sz="1600" dirty="0"/>
-              <a:t>DB</a:t>
-            </a:r>
-          </a:p>
-        </p:txBody>
-      </p:sp>
-      <p:sp>
-        <p:nvSpPr>
-          <p:cNvPr id="21" name="Arrow: Up-Down 20">
-            <a:extLst>
-              <a:ext uri="{FF2B5EF4-FFF2-40B4-BE49-F238E27FC236}">
-                <a16:creationId xmlns:a16="http://schemas.microsoft.com/office/drawing/2014/main" id="{97C0E7B2-C1A6-419D-A5A1-98E7D3406FD9}"/>
-              </a:ext>
-            </a:extLst>
-          </p:cNvPr>
-          <p:cNvSpPr/>
-          <p:nvPr/>
-        </p:nvSpPr>
-        <p:spPr>
-          <a:xfrm>
-            <a:off x="2694327" y="4981141"/>
-            <a:ext cx="342115" cy="506943"/>
-          </a:xfrm>
-          <a:prstGeom prst="upDownArrow">
-            <a:avLst/>
-          </a:prstGeom>
-        </p:spPr>
-        <p:style>
-          <a:lnRef idx="1">
-            <a:schemeClr val="dk1"/>
-          </a:lnRef>
-          <a:fillRef idx="2">
-            <a:schemeClr val="dk1"/>
-          </a:fillRef>
-          <a:effectRef idx="1">
-            <a:schemeClr val="dk1"/>
-          </a:effectRef>
-          <a:fontRef idx="minor">
-            <a:schemeClr val="dk1"/>
-          </a:fontRef>
-        </p:style>
-        <p:txBody>
-          <a:bodyPr rtlCol="0" anchor="ctr"/>
-          <a:lstStyle/>
-          <a:p>
-            <a:pPr algn="ctr"/>
-            <a:endParaRPr lang="en-US" dirty="0"/>
-          </a:p>
-        </p:txBody>
-      </p:sp>
-      <p:sp>
-        <p:nvSpPr>
-          <p:cNvPr id="25" name="Flowchart: Magnetic Disk 24">
-            <a:extLst>
-              <a:ext uri="{FF2B5EF4-FFF2-40B4-BE49-F238E27FC236}">
-                <a16:creationId xmlns:a16="http://schemas.microsoft.com/office/drawing/2014/main" id="{F033EAC5-FD0D-48BE-AF1C-E9FCF820BA67}"/>
-              </a:ext>
-            </a:extLst>
-          </p:cNvPr>
-          <p:cNvSpPr/>
-          <p:nvPr/>
-        </p:nvSpPr>
-        <p:spPr>
-          <a:xfrm>
-            <a:off x="986767" y="5285112"/>
-            <a:ext cx="788632" cy="792415"/>
-          </a:xfrm>
-          <a:prstGeom prst="flowChartMagneticDisk">
-            <a:avLst/>
-          </a:prstGeom>
-          <a:solidFill>
-            <a:srgbClr val="E3D14B"/>
-          </a:solidFill>
-        </p:spPr>
-        <p:style>
-          <a:lnRef idx="2">
-            <a:schemeClr val="dk1"/>
-          </a:lnRef>
-          <a:fillRef idx="1">
-            <a:schemeClr val="lt1"/>
-          </a:fillRef>
-          <a:effectRef idx="0">
-            <a:schemeClr val="dk1"/>
-          </a:effectRef>
-          <a:fontRef idx="minor">
-            <a:schemeClr val="dk1"/>
-          </a:fontRef>
-        </p:style>
-        <p:txBody>
-          <a:bodyPr rtlCol="0" anchor="ctr"/>
-          <a:lstStyle/>
-          <a:p>
-            <a:pPr algn="ctr"/>
-            <a:r>
-              <a:rPr lang="en-US" sz="1600" dirty="0"/>
-              <a:t>DB</a:t>
-            </a:r>
-          </a:p>
-        </p:txBody>
-      </p:sp>
-      <p:sp>
-        <p:nvSpPr>
-          <p:cNvPr id="26" name="Arrow: Up-Down 25">
-            <a:extLst>
-              <a:ext uri="{FF2B5EF4-FFF2-40B4-BE49-F238E27FC236}">
-                <a16:creationId xmlns:a16="http://schemas.microsoft.com/office/drawing/2014/main" id="{4F748307-FE0A-409C-BB22-A62B84301758}"/>
-              </a:ext>
-            </a:extLst>
-          </p:cNvPr>
-          <p:cNvSpPr/>
-          <p:nvPr/>
-        </p:nvSpPr>
-        <p:spPr>
-          <a:xfrm>
-            <a:off x="1210026" y="5000485"/>
-            <a:ext cx="342115" cy="506943"/>
-          </a:xfrm>
-          <a:prstGeom prst="upDownArrow">
-            <a:avLst/>
-          </a:prstGeom>
-        </p:spPr>
-        <p:style>
-          <a:lnRef idx="1">
-            <a:schemeClr val="dk1"/>
-          </a:lnRef>
-          <a:fillRef idx="2">
-            <a:schemeClr val="dk1"/>
-          </a:fillRef>
-          <a:effectRef idx="1">
-            <a:schemeClr val="dk1"/>
-          </a:effectRef>
-          <a:fontRef idx="minor">
-            <a:schemeClr val="dk1"/>
-          </a:fontRef>
-        </p:style>
-        <p:txBody>
-          <a:bodyPr rtlCol="0" anchor="ctr"/>
-          <a:lstStyle/>
-          <a:p>
-            <a:pPr algn="ctr"/>
-            <a:endParaRPr lang="en-US" dirty="0"/>
-          </a:p>
-        </p:txBody>
-      </p:sp>
-      <p:sp>
-        <p:nvSpPr>
-          <p:cNvPr id="27" name="Cube 26">
-            <a:extLst>
-              <a:ext uri="{FF2B5EF4-FFF2-40B4-BE49-F238E27FC236}">
-                <a16:creationId xmlns:a16="http://schemas.microsoft.com/office/drawing/2014/main" id="{1B9689C9-FE4B-4191-8DE7-4E63A934A127}"/>
-              </a:ext>
-            </a:extLst>
-          </p:cNvPr>
-          <p:cNvSpPr/>
-          <p:nvPr/>
-        </p:nvSpPr>
-        <p:spPr>
-          <a:xfrm>
-            <a:off x="677334" y="4100231"/>
-            <a:ext cx="1398320" cy="958686"/>
-          </a:xfrm>
-          <a:prstGeom prst="cube">
-            <a:avLst>
-              <a:gd name="adj" fmla="val 25278"/>
-            </a:avLst>
-          </a:prstGeom>
-        </p:spPr>
-        <p:style>
-          <a:lnRef idx="1">
-            <a:schemeClr val="accent4"/>
-          </a:lnRef>
-          <a:fillRef idx="2">
-            <a:schemeClr val="accent4"/>
-          </a:fillRef>
-          <a:effectRef idx="1">
-            <a:schemeClr val="accent4"/>
-          </a:effectRef>
-          <a:fontRef idx="minor">
-            <a:schemeClr val="dk1"/>
-          </a:fontRef>
-        </p:style>
-        <p:txBody>
-          <a:bodyPr rtlCol="0" anchor="ctr"/>
-          <a:lstStyle/>
-          <a:p>
-            <a:pPr algn="ctr"/>
-            <a:r>
-              <a:rPr lang="en-US" dirty="0">
-                <a:solidFill>
-                  <a:schemeClr val="bg1"/>
-                </a:solidFill>
-              </a:rPr>
-              <a:t>User Service</a:t>
-            </a:r>
-          </a:p>
-        </p:txBody>
-      </p:sp>
-      <p:sp>
-        <p:nvSpPr>
-          <p:cNvPr id="32" name="Arrow: Up-Down 31">
-            <a:extLst>
-              <a:ext uri="{FF2B5EF4-FFF2-40B4-BE49-F238E27FC236}">
-                <a16:creationId xmlns:a16="http://schemas.microsoft.com/office/drawing/2014/main" id="{BCC1B9FD-70A6-4E69-B0C7-4CCC7CF45CCE}"/>
-              </a:ext>
-            </a:extLst>
-          </p:cNvPr>
-          <p:cNvSpPr/>
-          <p:nvPr/>
-        </p:nvSpPr>
-        <p:spPr>
-          <a:xfrm>
-            <a:off x="1210026" y="3655501"/>
-            <a:ext cx="342115" cy="566732"/>
-          </a:xfrm>
-          <a:prstGeom prst="upDownArrow">
-            <a:avLst/>
-          </a:prstGeom>
-        </p:spPr>
-        <p:style>
-          <a:lnRef idx="1">
-            <a:schemeClr val="dk1"/>
-          </a:lnRef>
-          <a:fillRef idx="2">
-            <a:schemeClr val="dk1"/>
-          </a:fillRef>
-          <a:effectRef idx="1">
-            <a:schemeClr val="dk1"/>
-          </a:effectRef>
-          <a:fontRef idx="minor">
-            <a:schemeClr val="dk1"/>
-          </a:fontRef>
-        </p:style>
-        <p:txBody>
-          <a:bodyPr rtlCol="0" anchor="ctr"/>
-          <a:lstStyle/>
-          <a:p>
-            <a:pPr algn="ctr"/>
-            <a:endParaRPr lang="en-US" dirty="0"/>
-          </a:p>
-        </p:txBody>
-      </p:sp>
-      <p:sp>
-        <p:nvSpPr>
-          <p:cNvPr id="33" name="Arrow: Up-Down 32">
-            <a:extLst>
-              <a:ext uri="{FF2B5EF4-FFF2-40B4-BE49-F238E27FC236}">
-                <a16:creationId xmlns:a16="http://schemas.microsoft.com/office/drawing/2014/main" id="{7BFFC2F0-A0E3-481F-BFDC-1D8A7578DC04}"/>
-              </a:ext>
-            </a:extLst>
-          </p:cNvPr>
-          <p:cNvSpPr/>
-          <p:nvPr/>
-        </p:nvSpPr>
-        <p:spPr>
-          <a:xfrm rot="16200000">
-            <a:off x="1935763" y="4340831"/>
-            <a:ext cx="342115" cy="477484"/>
-          </a:xfrm>
-          <a:prstGeom prst="upDownArrow">
-            <a:avLst/>
-          </a:prstGeom>
-        </p:spPr>
-        <p:style>
-          <a:lnRef idx="1">
-            <a:schemeClr val="dk1"/>
-          </a:lnRef>
-          <a:fillRef idx="2">
-            <a:schemeClr val="dk1"/>
-          </a:fillRef>
-          <a:effectRef idx="1">
-            <a:schemeClr val="dk1"/>
-          </a:effectRef>
-          <a:fontRef idx="minor">
-            <a:schemeClr val="dk1"/>
-          </a:fontRef>
-        </p:style>
-        <p:txBody>
-          <a:bodyPr rtlCol="0" anchor="ctr"/>
-          <a:lstStyle/>
-          <a:p>
-            <a:pPr algn="ctr"/>
-            <a:endParaRPr lang="en-US" dirty="0"/>
-          </a:p>
-        </p:txBody>
-      </p:sp>
-      <p:sp>
-        <p:nvSpPr>
-          <p:cNvPr id="34" name="TextBox 33">
-            <a:extLst>
-              <a:ext uri="{FF2B5EF4-FFF2-40B4-BE49-F238E27FC236}">
-                <a16:creationId xmlns:a16="http://schemas.microsoft.com/office/drawing/2014/main" id="{F4436F26-BDFB-4FD0-92AD-6D5855C49DDD}"/>
-              </a:ext>
-            </a:extLst>
-          </p:cNvPr>
-          <p:cNvSpPr txBox="1"/>
-          <p:nvPr/>
-        </p:nvSpPr>
-        <p:spPr>
-          <a:xfrm>
-            <a:off x="1001419" y="2763978"/>
-            <a:ext cx="2103325" cy="338554"/>
+            <a:off x="6774411" y="5100337"/>
+            <a:ext cx="4400550" cy="1123950"/>
           </a:xfrm>
           <a:prstGeom prst="rect">
             <a:avLst/>
           </a:prstGeom>
-          <a:noFill/>
+          <a:ln>
+            <a:noFill/>
+          </a:ln>
+          <a:effectLst>
+            <a:outerShdw blurRad="190500" algn="tl" rotWithShape="0">
+              <a:srgbClr val="000000">
+                <a:alpha val="70000"/>
+              </a:srgbClr>
+            </a:outerShdw>
+          </a:effectLst>
         </p:spPr>
-        <p:txBody>
-          <a:bodyPr wrap="square" rtlCol="0">
-            <a:spAutoFit/>
-          </a:bodyPr>
-          <a:lstStyle/>
-          <a:p>
-            <a:r>
-              <a:rPr lang="en-US" sz="1600" dirty="0">
-                <a:solidFill>
-                  <a:schemeClr val="tx1">
-                    <a:lumMod val="95000"/>
-                    <a:lumOff val="5000"/>
-                  </a:schemeClr>
-                </a:solidFill>
-              </a:rPr>
-              <a:t>Exposed      REST</a:t>
-            </a:r>
-            <a:endParaRPr lang="en-US" dirty="0">
-              <a:solidFill>
-                <a:schemeClr val="tx1">
-                  <a:lumMod val="95000"/>
-                  <a:lumOff val="5000"/>
-                </a:schemeClr>
-              </a:solidFill>
-            </a:endParaRPr>
-          </a:p>
-        </p:txBody>
-      </p:sp>
-      <p:sp>
-        <p:nvSpPr>
-          <p:cNvPr id="28" name="Cube 27">
-            <a:extLst>
-              <a:ext uri="{FF2B5EF4-FFF2-40B4-BE49-F238E27FC236}">
-                <a16:creationId xmlns:a16="http://schemas.microsoft.com/office/drawing/2014/main" id="{08A4BF41-65F9-44AB-BFB0-33B80C2659D4}"/>
-              </a:ext>
-            </a:extLst>
-          </p:cNvPr>
-          <p:cNvSpPr/>
+      </p:pic>
+      <p:pic>
+        <p:nvPicPr>
+          <p:cNvPr id="6" name="Picture 5"/>
+          <p:cNvPicPr>
+            <a:picLocks noChangeAspect="1"/>
+          </p:cNvPicPr>
           <p:nvPr/>
-        </p:nvSpPr>
+        </p:nvPicPr>
+        <p:blipFill>
+          <a:blip r:embed="rId5"/>
+          <a:stretch>
+            <a:fillRect/>
+          </a:stretch>
+        </p:blipFill>
         <p:spPr>
           <a:xfrm>
-            <a:off x="2251144" y="4090995"/>
-            <a:ext cx="1398320" cy="958686"/>
-          </a:xfrm>
-          <a:prstGeom prst="cube">
-            <a:avLst>
-              <a:gd name="adj" fmla="val 25278"/>
-            </a:avLst>
-          </a:prstGeom>
-        </p:spPr>
-        <p:style>
-          <a:lnRef idx="1">
-            <a:schemeClr val="accent4"/>
-          </a:lnRef>
-          <a:fillRef idx="2">
-            <a:schemeClr val="accent4"/>
-          </a:fillRef>
-          <a:effectRef idx="1">
-            <a:schemeClr val="accent4"/>
-          </a:effectRef>
-          <a:fontRef idx="minor">
-            <a:schemeClr val="dk1"/>
-          </a:fontRef>
-        </p:style>
-        <p:txBody>
-          <a:bodyPr rtlCol="0" anchor="ctr"/>
-          <a:lstStyle/>
-          <a:p>
-            <a:pPr algn="ctr"/>
-            <a:r>
-              <a:rPr lang="en-US" dirty="0">
-                <a:solidFill>
-                  <a:schemeClr val="bg1"/>
-                </a:solidFill>
-              </a:rPr>
-              <a:t>Email</a:t>
-            </a:r>
-          </a:p>
-          <a:p>
-            <a:pPr algn="ctr"/>
-            <a:r>
-              <a:rPr lang="en-US" dirty="0">
-                <a:solidFill>
-                  <a:schemeClr val="bg1"/>
-                </a:solidFill>
-              </a:rPr>
-              <a:t>Service</a:t>
-            </a:r>
-          </a:p>
-        </p:txBody>
-      </p:sp>
-      <p:sp>
-        <p:nvSpPr>
-          <p:cNvPr id="35" name="TextBox 34">
-            <a:extLst>
-              <a:ext uri="{FF2B5EF4-FFF2-40B4-BE49-F238E27FC236}">
-                <a16:creationId xmlns:a16="http://schemas.microsoft.com/office/drawing/2014/main" id="{B30DE005-D4E8-4C3A-8D31-3A896258A4D8}"/>
-              </a:ext>
-            </a:extLst>
-          </p:cNvPr>
-          <p:cNvSpPr txBox="1"/>
-          <p:nvPr/>
-        </p:nvSpPr>
-        <p:spPr>
-          <a:xfrm>
-            <a:off x="1444396" y="4106915"/>
-            <a:ext cx="1518365" cy="369332"/>
+            <a:off x="8263890" y="2398887"/>
+            <a:ext cx="3286125" cy="1504950"/>
           </a:xfrm>
           <a:prstGeom prst="rect">
             <a:avLst/>
           </a:prstGeom>
-          <a:noFill/>
+          <a:ln>
+            <a:noFill/>
+          </a:ln>
+          <a:effectLst>
+            <a:outerShdw blurRad="190500" algn="tl" rotWithShape="0">
+              <a:srgbClr val="000000">
+                <a:alpha val="70000"/>
+              </a:srgbClr>
+            </a:outerShdw>
+          </a:effectLst>
         </p:spPr>
-        <p:txBody>
-          <a:bodyPr wrap="square" rtlCol="0">
-            <a:spAutoFit/>
-          </a:bodyPr>
-          <a:lstStyle/>
-          <a:p>
-            <a:r>
-              <a:rPr lang="en-US" b="1" dirty="0">
-                <a:solidFill>
-                  <a:schemeClr val="tx1">
-                    <a:lumMod val="95000"/>
-                    <a:lumOff val="5000"/>
-                  </a:schemeClr>
-                </a:solidFill>
-              </a:rPr>
-              <a:t>Feign REST</a:t>
-            </a:r>
-            <a:endParaRPr lang="en-US" sz="2000" b="1" dirty="0">
-              <a:solidFill>
-                <a:schemeClr val="tx1">
-                  <a:lumMod val="95000"/>
-                  <a:lumOff val="5000"/>
-                </a:schemeClr>
-              </a:solidFill>
-            </a:endParaRPr>
-          </a:p>
-        </p:txBody>
-      </p:sp>
-      <p:sp>
-        <p:nvSpPr>
-          <p:cNvPr id="38" name="Arrow: Up-Down 37">
-            <a:extLst>
-              <a:ext uri="{FF2B5EF4-FFF2-40B4-BE49-F238E27FC236}">
-                <a16:creationId xmlns:a16="http://schemas.microsoft.com/office/drawing/2014/main" id="{956D8625-5D3C-405B-AA49-5F6F07064E91}"/>
-              </a:ext>
-            </a:extLst>
-          </p:cNvPr>
-          <p:cNvSpPr/>
+      </p:pic>
+      <p:pic>
+        <p:nvPicPr>
+          <p:cNvPr id="7" name="Picture 6"/>
+          <p:cNvPicPr>
+            <a:picLocks noChangeAspect="1"/>
+          </p:cNvPicPr>
           <p:nvPr/>
-        </p:nvSpPr>
+        </p:nvPicPr>
+        <p:blipFill>
+          <a:blip r:embed="rId6"/>
+          <a:stretch>
+            <a:fillRect/>
+          </a:stretch>
+        </p:blipFill>
         <p:spPr>
           <a:xfrm>
-            <a:off x="2678347" y="3673865"/>
-            <a:ext cx="342115" cy="566732"/>
+            <a:off x="4678488" y="1317314"/>
+            <a:ext cx="5343525" cy="800100"/>
           </a:xfrm>
-          <a:prstGeom prst="upDownArrow">
+          <a:prstGeom prst="rect">
             <a:avLst/>
           </a:prstGeom>
+          <a:ln>
+            <a:noFill/>
+          </a:ln>
+          <a:effectLst>
+            <a:outerShdw blurRad="190500" algn="tl" rotWithShape="0">
+              <a:srgbClr val="000000">
+                <a:alpha val="70000"/>
+              </a:srgbClr>
+            </a:outerShdw>
+          </a:effectLst>
         </p:spPr>
-        <p:style>
-          <a:lnRef idx="1">
-            <a:schemeClr val="dk1"/>
-          </a:lnRef>
-          <a:fillRef idx="2">
-            <a:schemeClr val="dk1"/>
-          </a:fillRef>
-          <a:effectRef idx="1">
-            <a:schemeClr val="dk1"/>
-          </a:effectRef>
-          <a:fontRef idx="minor">
-            <a:schemeClr val="dk1"/>
-          </a:fontRef>
-        </p:style>
-        <p:txBody>
-          <a:bodyPr rtlCol="0" anchor="ctr"/>
-          <a:lstStyle/>
-          <a:p>
-            <a:pPr algn="ctr"/>
-            <a:endParaRPr lang="en-US" dirty="0"/>
-          </a:p>
-        </p:txBody>
-      </p:sp>
-      <p:sp>
-        <p:nvSpPr>
-          <p:cNvPr id="29" name="Cube 28">
-            <a:extLst>
-              <a:ext uri="{FF2B5EF4-FFF2-40B4-BE49-F238E27FC236}">
-                <a16:creationId xmlns:a16="http://schemas.microsoft.com/office/drawing/2014/main" id="{50949CE4-8FF3-44A3-9FD8-F9D416D22A51}"/>
-              </a:ext>
-            </a:extLst>
-          </p:cNvPr>
-          <p:cNvSpPr/>
-          <p:nvPr/>
-        </p:nvSpPr>
-        <p:spPr>
-          <a:xfrm>
-            <a:off x="677334" y="2729505"/>
-            <a:ext cx="2915488" cy="1023101"/>
-          </a:xfrm>
-          <a:prstGeom prst="cube">
-            <a:avLst>
-              <a:gd name="adj" fmla="val 51041"/>
-            </a:avLst>
-          </a:prstGeom>
-        </p:spPr>
-        <p:style>
-          <a:lnRef idx="2">
-            <a:schemeClr val="accent2">
-              <a:shade val="50000"/>
-            </a:schemeClr>
-          </a:lnRef>
-          <a:fillRef idx="1">
-            <a:schemeClr val="accent2"/>
-          </a:fillRef>
-          <a:effectRef idx="0">
-            <a:schemeClr val="accent2"/>
-          </a:effectRef>
-          <a:fontRef idx="minor">
-            <a:schemeClr val="lt1"/>
-          </a:fontRef>
-        </p:style>
-        <p:txBody>
-          <a:bodyPr rtlCol="0" anchor="ctr"/>
-          <a:lstStyle/>
-          <a:p>
-            <a:pPr algn="ctr"/>
-            <a:r>
-              <a:rPr lang="en-US" dirty="0"/>
-              <a:t>API Gateway</a:t>
-            </a:r>
-          </a:p>
-        </p:txBody>
-      </p:sp>
-      <p:sp>
-        <p:nvSpPr>
-          <p:cNvPr id="30" name="Arrow: Up-Down 29">
-            <a:extLst>
-              <a:ext uri="{FF2B5EF4-FFF2-40B4-BE49-F238E27FC236}">
-                <a16:creationId xmlns:a16="http://schemas.microsoft.com/office/drawing/2014/main" id="{B13E7735-79F5-4564-9BBD-F918926CBDBB}"/>
-              </a:ext>
-            </a:extLst>
-          </p:cNvPr>
-          <p:cNvSpPr/>
-          <p:nvPr/>
-        </p:nvSpPr>
-        <p:spPr>
-          <a:xfrm>
-            <a:off x="1855512" y="2679784"/>
-            <a:ext cx="342115" cy="506943"/>
-          </a:xfrm>
-          <a:prstGeom prst="upDownArrow">
-            <a:avLst/>
-          </a:prstGeom>
-        </p:spPr>
-        <p:style>
-          <a:lnRef idx="1">
-            <a:schemeClr val="dk1"/>
-          </a:lnRef>
-          <a:fillRef idx="2">
-            <a:schemeClr val="dk1"/>
-          </a:fillRef>
-          <a:effectRef idx="1">
-            <a:schemeClr val="dk1"/>
-          </a:effectRef>
-          <a:fontRef idx="minor">
-            <a:schemeClr val="dk1"/>
-          </a:fontRef>
-        </p:style>
-        <p:txBody>
-          <a:bodyPr rtlCol="0" anchor="ctr"/>
-          <a:lstStyle/>
-          <a:p>
-            <a:pPr algn="ctr"/>
-            <a:endParaRPr lang="en-US" dirty="0"/>
-          </a:p>
-        </p:txBody>
-      </p:sp>
-      <p:sp>
-        <p:nvSpPr>
-          <p:cNvPr id="31" name="Cube 30">
-            <a:extLst>
-              <a:ext uri="{FF2B5EF4-FFF2-40B4-BE49-F238E27FC236}">
-                <a16:creationId xmlns:a16="http://schemas.microsoft.com/office/drawing/2014/main" id="{8C66FECE-5B15-48F8-BD5F-B8FD21B796C1}"/>
-              </a:ext>
-            </a:extLst>
-          </p:cNvPr>
-          <p:cNvSpPr/>
-          <p:nvPr/>
-        </p:nvSpPr>
-        <p:spPr>
-          <a:xfrm>
-            <a:off x="739883" y="1732145"/>
-            <a:ext cx="2915488" cy="1023101"/>
-          </a:xfrm>
-          <a:prstGeom prst="cube">
-            <a:avLst>
-              <a:gd name="adj" fmla="val 51041"/>
-            </a:avLst>
-          </a:prstGeom>
-        </p:spPr>
-        <p:style>
-          <a:lnRef idx="2">
-            <a:schemeClr val="accent1">
-              <a:shade val="50000"/>
-            </a:schemeClr>
-          </a:lnRef>
-          <a:fillRef idx="1">
-            <a:schemeClr val="accent1"/>
-          </a:fillRef>
-          <a:effectRef idx="0">
-            <a:schemeClr val="accent1"/>
-          </a:effectRef>
-          <a:fontRef idx="minor">
-            <a:schemeClr val="lt1"/>
-          </a:fontRef>
-        </p:style>
-        <p:txBody>
-          <a:bodyPr rtlCol="0" anchor="ctr"/>
-          <a:lstStyle/>
-          <a:p>
-            <a:pPr algn="ctr"/>
-            <a:r>
-              <a:rPr lang="en-US" dirty="0"/>
-              <a:t>UI Layer</a:t>
-            </a:r>
-          </a:p>
-        </p:txBody>
-      </p:sp>
+      </p:pic>
     </p:spTree>
     <p:extLst>
       <p:ext uri="{BB962C8B-B14F-4D97-AF65-F5344CB8AC3E}">
-        <p14:creationId xmlns:p14="http://schemas.microsoft.com/office/powerpoint/2010/main" val="1308168526"/>
+        <p14:creationId xmlns:p14="http://schemas.microsoft.com/office/powerpoint/2010/main" val="4178077936"/>
       </p:ext>
     </p:extLst>
   </p:cSld>
@@ -8828,7 +13168,7 @@
           <p:cNvPr id="2" name="Title 1">
             <a:extLst>
               <a:ext uri="{FF2B5EF4-FFF2-40B4-BE49-F238E27FC236}">
-                <a16:creationId xmlns:a16="http://schemas.microsoft.com/office/drawing/2014/main" id="{3D115AA6-9127-41CF-A842-BB7664BF5142}"/>
+                <a16:creationId xmlns:a16="http://schemas.microsoft.com/office/drawing/2014/main" id="{A5C7184C-C925-403B-8365-3FC86FECD7FB}"/>
               </a:ext>
             </a:extLst>
           </p:cNvPr>
@@ -8846,12 +13186,17 @@
           <a:p>
             <a:r>
               <a:rPr lang="en-US" dirty="0"/>
-              <a:t>Microservices Infrastructure</a:t>
-            </a:r>
-            <a:br>
-              <a:rPr lang="en-US" dirty="0"/>
-            </a:br>
-            <a:endParaRPr lang="en-US" dirty="0"/>
+              <a:t>Eureka </a:t>
+            </a:r>
+            <a:r>
+              <a:rPr lang="pl-PL" dirty="0"/>
+              <a:t>Discovery </a:t>
+            </a:r>
+            <a:r>
+              <a:rPr lang="pl-PL" dirty="0" smtClean="0"/>
+              <a:t>Server</a:t>
+            </a:r>
+            <a:endParaRPr lang="pl-PL" dirty="0"/>
           </a:p>
         </p:txBody>
       </p:sp>
@@ -8860,7 +13205,7 @@
           <p:cNvPr id="3" name="Content Placeholder 2">
             <a:extLst>
               <a:ext uri="{FF2B5EF4-FFF2-40B4-BE49-F238E27FC236}">
-                <a16:creationId xmlns:a16="http://schemas.microsoft.com/office/drawing/2014/main" id="{3C55FD48-4434-49F0-96C2-030AA2A1E932}"/>
+                <a16:creationId xmlns:a16="http://schemas.microsoft.com/office/drawing/2014/main" id="{3F13AC18-477F-46CF-B288-DD95A25C3952}"/>
               </a:ext>
             </a:extLst>
           </p:cNvPr>
@@ -8873,8 +13218,8 @@
         </p:nvSpPr>
         <p:spPr>
           <a:xfrm>
-            <a:off x="677334" y="1660849"/>
-            <a:ext cx="6310362" cy="4587551"/>
+            <a:off x="597324" y="1478280"/>
+            <a:ext cx="5643456" cy="4445951"/>
           </a:xfrm>
         </p:spPr>
         <p:txBody>
@@ -8884,78 +13229,60 @@
           <a:lstStyle/>
           <a:p>
             <a:r>
-              <a:rPr lang="en-US" b="1" dirty="0"/>
-              <a:t>Services Registry</a:t>
-            </a:r>
-          </a:p>
-          <a:p>
-            <a:r>
-              <a:rPr lang="en-US" b="1" dirty="0"/>
-              <a:t>Feign Client</a:t>
-            </a:r>
-          </a:p>
-          <a:p>
-            <a:r>
-              <a:rPr lang="en-US" b="1" dirty="0"/>
-              <a:t>API Gateway</a:t>
-            </a:r>
-          </a:p>
-          <a:p>
-            <a:r>
-              <a:rPr lang="en-US" b="1" dirty="0"/>
-              <a:t>Configuration Service</a:t>
-            </a:r>
-          </a:p>
-          <a:p>
-            <a:endParaRPr lang="en-US" b="1" dirty="0"/>
-          </a:p>
-          <a:p>
-            <a:endParaRPr lang="en-US" dirty="0"/>
-          </a:p>
-          <a:p>
-            <a:endParaRPr lang="en-US" dirty="0"/>
+              <a:rPr lang="en-US" dirty="0"/>
+              <a:t>The </a:t>
+            </a:r>
+            <a:r>
+              <a:rPr lang="en-US" dirty="0" err="1"/>
+              <a:t>microservice</a:t>
+            </a:r>
+            <a:r>
+              <a:rPr lang="en-US" dirty="0"/>
+              <a:t> style of architecture is not so much about building individual services so much as it is making the interactions between services reliable and failure-tolerant.</a:t>
+            </a:r>
+          </a:p>
+          <a:p>
+            <a:r>
+              <a:rPr lang="en-US" dirty="0"/>
+              <a:t>A service registry is a phone book for your </a:t>
+            </a:r>
+            <a:r>
+              <a:rPr lang="en-US" dirty="0" err="1"/>
+              <a:t>microservices</a:t>
+            </a:r>
+            <a:r>
+              <a:rPr lang="en-US" dirty="0"/>
+              <a:t>. Each service registers itself with the service registry and tells the registry where it lives (host, port, node name)</a:t>
+            </a:r>
+          </a:p>
+          <a:p>
+            <a:r>
+              <a:rPr lang="en-US" dirty="0"/>
+              <a:t>Service registration is handled by the </a:t>
+            </a:r>
+            <a:r>
+              <a:rPr lang="en-US" dirty="0" smtClean="0"/>
+              <a:t>Eureka client </a:t>
+            </a:r>
+            <a:r>
+              <a:rPr lang="en-US" dirty="0"/>
+              <a:t>component. </a:t>
+            </a:r>
+            <a:r>
+              <a:rPr lang="en-US" dirty="0" smtClean="0"/>
+              <a:t>At </a:t>
+            </a:r>
+            <a:r>
+              <a:rPr lang="en-US" dirty="0"/>
+              <a:t>runtime, the client registers the service and periodically sends heartbeats to renew its leases.</a:t>
+            </a:r>
+            <a:endParaRPr lang="pl-PL" dirty="0"/>
           </a:p>
         </p:txBody>
       </p:sp>
       <p:pic>
         <p:nvPicPr>
-          <p:cNvPr id="5" name="Picture 4">
-            <a:extLst>
-              <a:ext uri="{FF2B5EF4-FFF2-40B4-BE49-F238E27FC236}">
-                <a16:creationId xmlns:a16="http://schemas.microsoft.com/office/drawing/2014/main" id="{E64445EF-8D94-41A2-9D50-04810FFBDC31}"/>
-              </a:ext>
-            </a:extLst>
-          </p:cNvPr>
-          <p:cNvPicPr>
-            <a:picLocks noChangeAspect="1"/>
-          </p:cNvPicPr>
-          <p:nvPr/>
-        </p:nvPicPr>
-        <p:blipFill>
-          <a:blip r:embed="rId2"/>
-          <a:stretch>
-            <a:fillRect/>
-          </a:stretch>
-        </p:blipFill>
-        <p:spPr>
-          <a:xfrm>
-            <a:off x="372305" y="3541919"/>
-            <a:ext cx="3919832" cy="3001347"/>
-          </a:xfrm>
-          <a:prstGeom prst="rect">
-            <a:avLst/>
-          </a:prstGeom>
-        </p:spPr>
-      </p:pic>
-      <p:pic>
-        <p:nvPicPr>
-          <p:cNvPr id="6" name="Picture 5">
-            <a:extLst>
-              <a:ext uri="{FF2B5EF4-FFF2-40B4-BE49-F238E27FC236}">
-                <a16:creationId xmlns:a16="http://schemas.microsoft.com/office/drawing/2014/main" id="{30B99F47-1AE9-46E0-A155-67B399933CD1}"/>
-              </a:ext>
-            </a:extLst>
-          </p:cNvPr>
+          <p:cNvPr id="5" name="Picture 4"/>
           <p:cNvPicPr>
             <a:picLocks noChangeAspect="1"/>
           </p:cNvPicPr>
@@ -8969,38 +13296,8 @@
         </p:blipFill>
         <p:spPr>
           <a:xfrm>
-            <a:off x="3936060" y="2714820"/>
-            <a:ext cx="4562475" cy="3238500"/>
-          </a:xfrm>
-          <a:prstGeom prst="rect">
-            <a:avLst/>
-          </a:prstGeom>
-        </p:spPr>
-      </p:pic>
-      <p:pic>
-        <p:nvPicPr>
-          <p:cNvPr id="4" name="Picture 3">
-            <a:extLst>
-              <a:ext uri="{FF2B5EF4-FFF2-40B4-BE49-F238E27FC236}">
-                <a16:creationId xmlns:a16="http://schemas.microsoft.com/office/drawing/2014/main" id="{6EA42E37-8218-4EF9-B9C3-390E003BF16B}"/>
-              </a:ext>
-            </a:extLst>
-          </p:cNvPr>
-          <p:cNvPicPr>
-            <a:picLocks noChangeAspect="1"/>
-          </p:cNvPicPr>
-          <p:nvPr/>
-        </p:nvPicPr>
-        <p:blipFill>
-          <a:blip r:embed="rId4"/>
-          <a:stretch>
-            <a:fillRect/>
-          </a:stretch>
-        </p:blipFill>
-        <p:spPr>
-          <a:xfrm>
-            <a:off x="7186374" y="3313804"/>
-            <a:ext cx="4791075" cy="3457575"/>
+            <a:off x="6320790" y="1478280"/>
+            <a:ext cx="4876800" cy="4152900"/>
           </a:xfrm>
           <a:prstGeom prst="rect">
             <a:avLst/>
@@ -9010,7 +13307,7 @@
     </p:spTree>
     <p:extLst>
       <p:ext uri="{BB962C8B-B14F-4D97-AF65-F5344CB8AC3E}">
-        <p14:creationId xmlns:p14="http://schemas.microsoft.com/office/powerpoint/2010/main" val="968158582"/>
+        <p14:creationId xmlns:p14="http://schemas.microsoft.com/office/powerpoint/2010/main" val="2929138519"/>
       </p:ext>
     </p:extLst>
   </p:cSld>

--- a/docs/Introduction_To_Microservices_Part_3_microservice.pptx
+++ b/docs/Introduction_To_Microservices_Part_3_microservice.pptx
@@ -5,7 +5,7 @@
     <p:sldMasterId id="2147483648" r:id="rId1"/>
   </p:sldMasterIdLst>
   <p:notesMasterIdLst>
-    <p:notesMasterId r:id="rId20"/>
+    <p:notesMasterId r:id="rId21"/>
   </p:notesMasterIdLst>
   <p:sldIdLst>
     <p:sldId id="256" r:id="rId2"/>
@@ -21,11 +21,12 @@
     <p:sldId id="285" r:id="rId12"/>
     <p:sldId id="286" r:id="rId13"/>
     <p:sldId id="277" r:id="rId14"/>
-    <p:sldId id="288" r:id="rId15"/>
-    <p:sldId id="289" r:id="rId16"/>
-    <p:sldId id="279" r:id="rId17"/>
-    <p:sldId id="290" r:id="rId18"/>
-    <p:sldId id="280" r:id="rId19"/>
+    <p:sldId id="291" r:id="rId15"/>
+    <p:sldId id="288" r:id="rId16"/>
+    <p:sldId id="289" r:id="rId17"/>
+    <p:sldId id="279" r:id="rId18"/>
+    <p:sldId id="290" r:id="rId19"/>
+    <p:sldId id="280" r:id="rId20"/>
   </p:sldIdLst>
   <p:sldSz cx="12192000" cy="6858000"/>
   <p:notesSz cx="6858000" cy="9144000"/>
@@ -214,7 +215,7 @@
           <a:p>
             <a:fld id="{DD57F23A-0794-4AF6-8931-826AE2291CB6}" type="datetimeFigureOut">
               <a:rPr lang="en-US" smtClean="0"/>
-              <a:t>8/8/2019</a:t>
+              <a:t>8/19/2019</a:t>
             </a:fld>
             <a:endParaRPr lang="en-US"/>
           </a:p>
@@ -844,12 +845,12 @@
           <a:lstStyle/>
           <a:p>
             <a:r>
-              <a:rPr lang="pl-PL" dirty="0" smtClean="0">
+              <a:rPr lang="pl-PL" dirty="0">
                 <a:hlinkClick r:id="rId3"/>
               </a:rPr>
               <a:t>https://cloud.spring.io/spring-cloud-config/reference/html/</a:t>
             </a:r>
-            <a:endParaRPr lang="en-US" dirty="0" smtClean="0"/>
+            <a:endParaRPr lang="en-US" dirty="0"/>
           </a:p>
         </p:txBody>
       </p:sp>
@@ -1018,7 +1019,7 @@
           <a:lstStyle/>
           <a:p>
             <a:r>
-              <a:rPr lang="pl-PL" dirty="0" smtClean="0">
+              <a:rPr lang="pl-PL" dirty="0">
                 <a:hlinkClick r:id="rId3"/>
               </a:rPr>
               <a:t>http://jasonwilder.com/blog/2014/02/04/service-discovery-in-the-cloud/</a:t>
@@ -1111,19 +1112,13 @@
               <a:rPr lang="pl-PL" dirty="0">
                 <a:hlinkClick r:id="rId3"/>
               </a:rPr>
-              <a:t>https://medium.com/@</a:t>
-            </a:r>
-            <a:r>
-              <a:rPr lang="pl-PL" dirty="0" smtClean="0">
-                <a:hlinkClick r:id="rId3"/>
-              </a:rPr>
-              <a:t>coding4carnage/duplicate-cors-headers-with-zuul-proxy-and-spring-boot-security-205f85a7fefe</a:t>
-            </a:r>
-            <a:endParaRPr lang="en-US" dirty="0" smtClean="0"/>
-          </a:p>
-          <a:p>
-            <a:r>
-              <a:rPr lang="pl-PL" dirty="0" smtClean="0">
+              <a:t>https://medium.com/@coding4carnage/duplicate-cors-headers-with-zuul-proxy-and-spring-boot-security-205f85a7fefe</a:t>
+            </a:r>
+            <a:endParaRPr lang="en-US" dirty="0"/>
+          </a:p>
+          <a:p>
+            <a:r>
+              <a:rPr lang="pl-PL" dirty="0">
                 <a:hlinkClick r:id="rId4"/>
               </a:rPr>
               <a:t>https://www.baeldung.com/zuul-load-balancing</a:t>
@@ -1213,7 +1208,7 @@
           <a:lstStyle/>
           <a:p>
             <a:r>
-              <a:rPr lang="pl-PL" dirty="0" smtClean="0">
+              <a:rPr lang="pl-PL" dirty="0">
                 <a:hlinkClick r:id="rId3"/>
               </a:rPr>
               <a:t>http://appsdeveloperblog.com/zuul-api-gateway-tutorial/</a:t>
@@ -1239,7 +1234,7 @@
           <a:p>
             <a:fld id="{18DDDED0-827B-4672-BD27-2B18B91C8AB8}" type="slidenum">
               <a:rPr lang="en-US" smtClean="0"/>
-              <a:t>15</a:t>
+              <a:t>16</a:t>
             </a:fld>
             <a:endParaRPr lang="en-US"/>
           </a:p>
@@ -2004,7 +1999,7 @@
             <a:fld id="{B61BEF0D-F0BB-DE4B-95CE-6DB70DBA9567}" type="datetimeFigureOut">
               <a:rPr lang="en-US" dirty="0"/>
               <a:pPr/>
-              <a:t>8/8/2019</a:t>
+              <a:t>8/19/2019</a:t>
             </a:fld>
             <a:endParaRPr lang="en-US" dirty="0"/>
           </a:p>
@@ -2252,7 +2247,7 @@
             <a:fld id="{B61BEF0D-F0BB-DE4B-95CE-6DB70DBA9567}" type="datetimeFigureOut">
               <a:rPr lang="en-US" dirty="0"/>
               <a:pPr/>
-              <a:t>8/8/2019</a:t>
+              <a:t>8/19/2019</a:t>
             </a:fld>
             <a:endParaRPr lang="en-US" dirty="0"/>
           </a:p>
@@ -2563,7 +2558,7 @@
             <a:fld id="{B61BEF0D-F0BB-DE4B-95CE-6DB70DBA9567}" type="datetimeFigureOut">
               <a:rPr lang="en-US" dirty="0"/>
               <a:pPr/>
-              <a:t>8/8/2019</a:t>
+              <a:t>8/19/2019</a:t>
             </a:fld>
             <a:endParaRPr lang="en-US" dirty="0"/>
           </a:p>
@@ -2893,7 +2888,7 @@
             <a:fld id="{B61BEF0D-F0BB-DE4B-95CE-6DB70DBA9567}" type="datetimeFigureOut">
               <a:rPr lang="en-US" dirty="0"/>
               <a:pPr/>
-              <a:t>8/8/2019</a:t>
+              <a:t>8/19/2019</a:t>
             </a:fld>
             <a:endParaRPr lang="en-US" dirty="0"/>
           </a:p>
@@ -3204,7 +3199,7 @@
             <a:fld id="{B61BEF0D-F0BB-DE4B-95CE-6DB70DBA9567}" type="datetimeFigureOut">
               <a:rPr lang="en-US" dirty="0"/>
               <a:pPr/>
-              <a:t>8/8/2019</a:t>
+              <a:t>8/19/2019</a:t>
             </a:fld>
             <a:endParaRPr lang="en-US" dirty="0"/>
           </a:p>
@@ -3594,7 +3589,7 @@
             <a:fld id="{B61BEF0D-F0BB-DE4B-95CE-6DB70DBA9567}" type="datetimeFigureOut">
               <a:rPr lang="en-US" dirty="0"/>
               <a:pPr/>
-              <a:t>8/8/2019</a:t>
+              <a:t>8/19/2019</a:t>
             </a:fld>
             <a:endParaRPr lang="en-US" dirty="0"/>
           </a:p>
@@ -3760,7 +3755,7 @@
           <a:p>
             <a:fld id="{55C6B4A9-1611-4792-9094-5F34BCA07E0B}" type="datetimeFigureOut">
               <a:rPr lang="en-US" dirty="0"/>
-              <a:t>8/8/2019</a:t>
+              <a:t>8/19/2019</a:t>
             </a:fld>
             <a:endParaRPr lang="en-US" dirty="0"/>
           </a:p>
@@ -3936,7 +3931,7 @@
             <a:fld id="{B61BEF0D-F0BB-DE4B-95CE-6DB70DBA9567}" type="datetimeFigureOut">
               <a:rPr lang="en-US" dirty="0"/>
               <a:pPr/>
-              <a:t>8/8/2019</a:t>
+              <a:t>8/19/2019</a:t>
             </a:fld>
             <a:endParaRPr lang="en-US" dirty="0"/>
           </a:p>
@@ -4102,7 +4097,7 @@
           <a:p>
             <a:fld id="{42A54C80-263E-416B-A8E0-580EDEADCBDC}" type="datetimeFigureOut">
               <a:rPr lang="en-US" dirty="0"/>
-              <a:t>8/8/2019</a:t>
+              <a:t>8/19/2019</a:t>
             </a:fld>
             <a:endParaRPr lang="en-US" dirty="0"/>
           </a:p>
@@ -4345,7 +4340,7 @@
             <a:fld id="{B61BEF0D-F0BB-DE4B-95CE-6DB70DBA9567}" type="datetimeFigureOut">
               <a:rPr lang="en-US" dirty="0"/>
               <a:pPr/>
-              <a:t>8/8/2019</a:t>
+              <a:t>8/19/2019</a:t>
             </a:fld>
             <a:endParaRPr lang="en-US" dirty="0"/>
           </a:p>
@@ -4573,7 +4568,7 @@
           <a:p>
             <a:fld id="{42A54C80-263E-416B-A8E0-580EDEADCBDC}" type="datetimeFigureOut">
               <a:rPr lang="en-US" dirty="0"/>
-              <a:t>8/8/2019</a:t>
+              <a:t>8/19/2019</a:t>
             </a:fld>
             <a:endParaRPr lang="en-US" dirty="0"/>
           </a:p>
@@ -4943,7 +4938,7 @@
             <a:fld id="{B61BEF0D-F0BB-DE4B-95CE-6DB70DBA9567}" type="datetimeFigureOut">
               <a:rPr lang="en-US" dirty="0"/>
               <a:pPr/>
-              <a:t>8/8/2019</a:t>
+              <a:t>8/19/2019</a:t>
             </a:fld>
             <a:endParaRPr lang="en-US" dirty="0"/>
           </a:p>
@@ -5063,7 +5058,7 @@
             <a:fld id="{B61BEF0D-F0BB-DE4B-95CE-6DB70DBA9567}" type="datetimeFigureOut">
               <a:rPr lang="en-US" dirty="0"/>
               <a:pPr/>
-              <a:t>8/8/2019</a:t>
+              <a:t>8/19/2019</a:t>
             </a:fld>
             <a:endParaRPr lang="en-US" dirty="0"/>
           </a:p>
@@ -5155,7 +5150,7 @@
             <a:fld id="{B61BEF0D-F0BB-DE4B-95CE-6DB70DBA9567}" type="datetimeFigureOut">
               <a:rPr lang="en-US" dirty="0"/>
               <a:pPr/>
-              <a:t>8/8/2019</a:t>
+              <a:t>8/19/2019</a:t>
             </a:fld>
             <a:endParaRPr lang="en-US" dirty="0"/>
           </a:p>
@@ -5406,7 +5401,7 @@
           <a:p>
             <a:fld id="{42A54C80-263E-416B-A8E0-580EDEADCBDC}" type="datetimeFigureOut">
               <a:rPr lang="en-US" dirty="0"/>
-              <a:t>8/8/2019</a:t>
+              <a:t>8/19/2019</a:t>
             </a:fld>
             <a:endParaRPr lang="en-US" dirty="0"/>
           </a:p>
@@ -5708,7 +5703,7 @@
             <a:fld id="{B61BEF0D-F0BB-DE4B-95CE-6DB70DBA9567}" type="datetimeFigureOut">
               <a:rPr lang="en-US" dirty="0"/>
               <a:pPr/>
-              <a:t>8/8/2019</a:t>
+              <a:t>8/19/2019</a:t>
             </a:fld>
             <a:endParaRPr lang="en-US" dirty="0"/>
           </a:p>
@@ -6406,7 +6401,7 @@
             <a:fld id="{B61BEF0D-F0BB-DE4B-95CE-6DB70DBA9567}" type="datetimeFigureOut">
               <a:rPr lang="en-US" dirty="0"/>
               <a:pPr/>
-              <a:t>8/8/2019</a:t>
+              <a:t>8/19/2019</a:t>
             </a:fld>
             <a:endParaRPr lang="en-US" dirty="0"/>
           </a:p>
@@ -7069,7 +7064,7 @@
               <a:t>Discovery Server</a:t>
             </a:r>
             <a:r>
-              <a:rPr lang="en-US" dirty="0" smtClean="0"/>
+              <a:rPr lang="en-US" dirty="0"/>
               <a:t>?</a:t>
             </a:r>
             <a:endParaRPr lang="pl-PL" dirty="0"/>
@@ -7099,22 +7094,14 @@
           <a:lstStyle/>
           <a:p>
             <a:r>
-              <a:rPr lang="en-US" dirty="0" smtClean="0"/>
-              <a:t>First of all you have to create Discovery </a:t>
-            </a:r>
-            <a:r>
               <a:rPr lang="en-US" dirty="0"/>
-              <a:t>S</a:t>
-            </a:r>
-            <a:r>
-              <a:rPr lang="en-US" dirty="0" smtClean="0"/>
-              <a:t>erver application:</a:t>
+              <a:t>First of all you have to create Discovery Server application:</a:t>
             </a:r>
           </a:p>
           <a:p>
             <a:pPr lvl="1"/>
             <a:r>
-              <a:rPr lang="en-US" dirty="0" smtClean="0"/>
+              <a:rPr lang="en-US" dirty="0"/>
               <a:t>Dependencies:</a:t>
             </a:r>
           </a:p>
@@ -7124,7 +7111,7 @@
           </a:p>
           <a:p>
             <a:pPr lvl="1"/>
-            <a:endParaRPr lang="en-US" dirty="0" smtClean="0"/>
+            <a:endParaRPr lang="en-US" dirty="0"/>
           </a:p>
           <a:p>
             <a:pPr lvl="1"/>
@@ -7133,7 +7120,7 @@
           <a:p>
             <a:pPr lvl="1"/>
             <a:r>
-              <a:rPr lang="en-US" dirty="0" smtClean="0"/>
+              <a:rPr lang="en-US" dirty="0"/>
               <a:t>Main Annotation: </a:t>
             </a:r>
           </a:p>
@@ -7143,7 +7130,7 @@
           </a:p>
           <a:p>
             <a:pPr lvl="1"/>
-            <a:endParaRPr lang="en-US" dirty="0" smtClean="0"/>
+            <a:endParaRPr lang="en-US" dirty="0"/>
           </a:p>
           <a:p>
             <a:pPr lvl="1"/>
@@ -7154,15 +7141,15 @@
               <a:buNone/>
             </a:pPr>
             <a:r>
-              <a:rPr lang="en-US" dirty="0" smtClean="0"/>
+              <a:rPr lang="en-US" dirty="0"/>
               <a:t>Configuration: </a:t>
             </a:r>
             <a:r>
-              <a:rPr lang="en-US" dirty="0" err="1" smtClean="0"/>
+              <a:rPr lang="en-US" dirty="0" err="1"/>
               <a:t>application.yml</a:t>
             </a:r>
             <a:r>
-              <a:rPr lang="en-US" dirty="0" smtClean="0"/>
+              <a:rPr lang="en-US" dirty="0"/>
               <a:t>        </a:t>
             </a:r>
             <a:endParaRPr lang="pl-PL" dirty="0"/>
@@ -7323,15 +7310,7 @@
           <a:p>
             <a:r>
               <a:rPr lang="en-US" dirty="0"/>
-              <a:t>How to </a:t>
-            </a:r>
-            <a:r>
-              <a:rPr lang="en-US" dirty="0" smtClean="0"/>
-              <a:t>configure </a:t>
-            </a:r>
-            <a:r>
-              <a:rPr lang="en-US" dirty="0" smtClean="0"/>
-              <a:t>clients to connect to Eureka</a:t>
+              <a:t>How to configure clients to connect to Eureka</a:t>
             </a:r>
             <a:endParaRPr lang="pl-PL" dirty="0"/>
           </a:p>
@@ -7587,47 +7566,47 @@
           </a:lstStyle>
           <a:p>
             <a:r>
-              <a:rPr lang="en-US" dirty="0" smtClean="0"/>
+              <a:rPr lang="en-US" dirty="0"/>
               <a:t>First of all you have to create Discovery Server application:</a:t>
             </a:r>
           </a:p>
           <a:p>
             <a:pPr lvl="1"/>
             <a:r>
-              <a:rPr lang="en-US" dirty="0" smtClean="0"/>
+              <a:rPr lang="en-US" dirty="0"/>
               <a:t>Dependencies:</a:t>
             </a:r>
           </a:p>
           <a:p>
             <a:pPr lvl="1"/>
-            <a:endParaRPr lang="en-US" dirty="0" smtClean="0"/>
+            <a:endParaRPr lang="en-US" dirty="0"/>
           </a:p>
           <a:p>
             <a:pPr lvl="1"/>
-            <a:endParaRPr lang="en-US" dirty="0" smtClean="0"/>
+            <a:endParaRPr lang="en-US" dirty="0"/>
           </a:p>
           <a:p>
             <a:pPr lvl="1"/>
-            <a:endParaRPr lang="en-US" dirty="0" smtClean="0"/>
+            <a:endParaRPr lang="en-US" dirty="0"/>
           </a:p>
           <a:p>
             <a:pPr lvl="1"/>
             <a:r>
-              <a:rPr lang="en-US" dirty="0" smtClean="0"/>
+              <a:rPr lang="en-US" dirty="0"/>
               <a:t>Main Annotation: </a:t>
             </a:r>
           </a:p>
           <a:p>
             <a:pPr lvl="1"/>
-            <a:endParaRPr lang="en-US" dirty="0" smtClean="0"/>
+            <a:endParaRPr lang="en-US" dirty="0"/>
           </a:p>
           <a:p>
             <a:pPr lvl="1"/>
-            <a:endParaRPr lang="en-US" dirty="0" smtClean="0"/>
+            <a:endParaRPr lang="en-US" dirty="0"/>
           </a:p>
           <a:p>
             <a:pPr lvl="1"/>
-            <a:endParaRPr lang="en-US" dirty="0" smtClean="0"/>
+            <a:endParaRPr lang="en-US" dirty="0"/>
           </a:p>
           <a:p>
             <a:pPr marL="457200" lvl="1" indent="0">
@@ -7635,15 +7614,15 @@
               <a:buNone/>
             </a:pPr>
             <a:r>
-              <a:rPr lang="en-US" dirty="0" smtClean="0"/>
+              <a:rPr lang="en-US" dirty="0"/>
               <a:t>Configuration: </a:t>
             </a:r>
             <a:r>
-              <a:rPr lang="en-US" dirty="0" err="1" smtClean="0"/>
+              <a:rPr lang="en-US" dirty="0" err="1"/>
               <a:t>application.properties</a:t>
             </a:r>
             <a:r>
-              <a:rPr lang="en-US" dirty="0" smtClean="0"/>
+              <a:rPr lang="en-US" dirty="0"/>
               <a:t>        </a:t>
             </a:r>
             <a:endParaRPr lang="pl-PL" dirty="0"/>
@@ -7762,13 +7741,6 @@
   <p:clrMapOvr>
     <a:masterClrMapping/>
   </p:clrMapOvr>
-  <p:timing>
-    <p:tnLst>
-      <p:par>
-        <p:cTn id="1" dur="indefinite" restart="never" nodeType="tmRoot"/>
-      </p:par>
-    </p:tnLst>
-  </p:timing>
 </p:sld>
 </file>
 
@@ -7805,16 +7777,8 @@
           <a:lstStyle/>
           <a:p>
             <a:r>
-              <a:rPr lang="en-US" dirty="0" smtClean="0"/>
-              <a:t>Run </a:t>
-            </a:r>
-            <a:r>
-              <a:rPr lang="en-US" dirty="0" smtClean="0"/>
-              <a:t>Eureka Service </a:t>
-            </a:r>
-            <a:r>
-              <a:rPr lang="en-US" dirty="0" smtClean="0"/>
-              <a:t>Discovery</a:t>
+              <a:rPr lang="en-US" dirty="0"/>
+              <a:t>Run Eureka Service Discovery</a:t>
             </a:r>
             <a:endParaRPr lang="pl-PL" dirty="0"/>
           </a:p>
@@ -7841,39 +7805,23 @@
           <a:lstStyle/>
           <a:p>
             <a:r>
-              <a:rPr lang="en-US" dirty="0" smtClean="0"/>
-              <a:t>Run as normal </a:t>
-            </a:r>
-            <a:r>
               <a:rPr lang="en-US" dirty="0"/>
-              <a:t>S</a:t>
-            </a:r>
-            <a:r>
-              <a:rPr lang="en-US" dirty="0" smtClean="0"/>
-              <a:t>pring </a:t>
-            </a:r>
+              <a:t>Run as normal Spring Boot application</a:t>
+            </a:r>
+          </a:p>
+          <a:p>
             <a:r>
               <a:rPr lang="en-US" dirty="0"/>
-              <a:t>B</a:t>
-            </a:r>
-            <a:r>
-              <a:rPr lang="en-US" dirty="0" smtClean="0"/>
-              <a:t>oot application</a:t>
-            </a:r>
-          </a:p>
-          <a:p>
-            <a:r>
-              <a:rPr lang="en-US" dirty="0" smtClean="0"/>
               <a:t>Check Eureka using your browser. Navigate to </a:t>
             </a:r>
             <a:r>
-              <a:rPr lang="en-US" u="sng" dirty="0" smtClean="0"/>
+              <a:rPr lang="en-US" u="sng" dirty="0"/>
               <a:t>localhost:8888</a:t>
             </a:r>
           </a:p>
           <a:p>
             <a:r>
-              <a:rPr lang="en-US" dirty="0" smtClean="0"/>
+              <a:rPr lang="en-US" dirty="0"/>
               <a:t>If other services started and registered you will see them in the list:</a:t>
             </a:r>
             <a:endParaRPr lang="pl-PL" dirty="0"/>
@@ -7914,13 +7862,6 @@
   <p:clrMapOvr>
     <a:masterClrMapping/>
   </p:clrMapOvr>
-  <p:timing>
-    <p:tnLst>
-      <p:par>
-        <p:cTn id="1" dur="indefinite" restart="never" nodeType="tmRoot"/>
-      </p:par>
-    </p:tnLst>
-  </p:timing>
 </p:sld>
 </file>
 
@@ -7957,7 +7898,12 @@
             <p:ph type="title"/>
           </p:nvPr>
         </p:nvSpPr>
-        <p:spPr/>
+        <p:spPr>
+          <a:xfrm>
+            <a:off x="677334" y="609600"/>
+            <a:ext cx="8596668" cy="1320800"/>
+          </a:xfrm>
+        </p:spPr>
         <p:txBody>
           <a:bodyPr/>
           <a:lstStyle/>
@@ -7992,8 +7938,8 @@
         </p:nvSpPr>
         <p:spPr>
           <a:xfrm>
-            <a:off x="677334" y="1379857"/>
-            <a:ext cx="6134946" cy="5154611"/>
+            <a:off x="677334" y="1532097"/>
+            <a:ext cx="6115353" cy="5400675"/>
           </a:xfrm>
         </p:spPr>
         <p:txBody>
@@ -8003,152 +7949,48 @@
           <a:lstStyle/>
           <a:p>
             <a:r>
-              <a:rPr lang="en-US" dirty="0"/>
-              <a:t>Routing is an integral part of a </a:t>
-            </a:r>
-            <a:r>
-              <a:rPr lang="en-US" dirty="0" err="1"/>
-              <a:t>microservice</a:t>
-            </a:r>
-            <a:r>
-              <a:rPr lang="en-US" dirty="0"/>
-              <a:t> architecture. For </a:t>
-            </a:r>
-            <a:r>
-              <a:rPr lang="en-US" dirty="0" smtClean="0"/>
-              <a:t>example: </a:t>
-            </a:r>
-          </a:p>
-          <a:p>
-            <a:pPr lvl="1"/>
-            <a:r>
-              <a:rPr lang="en-US" dirty="0" smtClean="0"/>
-              <a:t>“/” </a:t>
-            </a:r>
-            <a:r>
-              <a:rPr lang="en-US" dirty="0"/>
-              <a:t>may be mapped to your </a:t>
-            </a:r>
-            <a:r>
-              <a:rPr lang="en-US" dirty="0" smtClean="0"/>
-              <a:t>Angular web application</a:t>
-            </a:r>
-          </a:p>
-          <a:p>
-            <a:pPr lvl="1"/>
-            <a:r>
-              <a:rPr lang="en-US" dirty="0" smtClean="0"/>
-              <a:t>“/</a:t>
-            </a:r>
-            <a:r>
-              <a:rPr lang="en-US" dirty="0" err="1" smtClean="0"/>
-              <a:t>api</a:t>
-            </a:r>
-            <a:r>
-              <a:rPr lang="en-US" dirty="0" smtClean="0"/>
-              <a:t>/users” </a:t>
-            </a:r>
-            <a:r>
-              <a:rPr lang="en-US" dirty="0"/>
-              <a:t>is mapped to the user service </a:t>
-            </a:r>
-          </a:p>
-          <a:p>
-            <a:pPr lvl="1"/>
-            <a:r>
-              <a:rPr lang="en-US" dirty="0" smtClean="0"/>
-              <a:t>“/</a:t>
-            </a:r>
-            <a:r>
-              <a:rPr lang="en-US" dirty="0" err="1" smtClean="0"/>
-              <a:t>api</a:t>
-            </a:r>
-            <a:r>
-              <a:rPr lang="en-US" dirty="0" smtClean="0"/>
-              <a:t>/shop”  </a:t>
-            </a:r>
-            <a:r>
-              <a:rPr lang="en-US" dirty="0"/>
-              <a:t>is mapped to the shop service. </a:t>
-            </a:r>
-            <a:endParaRPr lang="en-US" dirty="0" smtClean="0"/>
-          </a:p>
-          <a:p>
-            <a:r>
-              <a:rPr lang="en-US" dirty="0" err="1" smtClean="0"/>
+              <a:rPr lang="en-US" sz="2000" dirty="0" err="1"/>
               <a:t>Zuul</a:t>
             </a:r>
             <a:r>
-              <a:rPr lang="en-US" dirty="0" smtClean="0"/>
-              <a:t> </a:t>
-            </a:r>
-            <a:r>
-              <a:rPr lang="en-US" dirty="0"/>
-              <a:t>is a JVM-based router and server-side load balancer from </a:t>
-            </a:r>
-            <a:r>
-              <a:rPr lang="en-US" dirty="0" smtClean="0"/>
-              <a:t>Netflix.</a:t>
-            </a:r>
-          </a:p>
-          <a:p>
-            <a:r>
-              <a:rPr lang="en-US" dirty="0" smtClean="0"/>
-              <a:t>Internally</a:t>
-            </a:r>
-            <a:r>
-              <a:rPr lang="en-US" dirty="0"/>
-              <a:t>, </a:t>
-            </a:r>
-            <a:r>
-              <a:rPr lang="en-US" dirty="0" err="1"/>
+              <a:rPr lang="en-US" sz="2000" dirty="0"/>
+              <a:t> is a JVM-based router and server-side load balancer from Netflix.</a:t>
+            </a:r>
+          </a:p>
+          <a:p>
+            <a:r>
+              <a:rPr lang="en-US" sz="2000" dirty="0" err="1"/>
               <a:t>Zuul</a:t>
             </a:r>
             <a:r>
-              <a:rPr lang="en-US" dirty="0"/>
-              <a:t> uses Netflix Ribbon to look up for all instances of the service from the service discovery (Eureka Server</a:t>
-            </a:r>
-            <a:r>
-              <a:rPr lang="en-US" dirty="0" smtClean="0"/>
-              <a:t>) and </a:t>
-            </a:r>
-            <a:r>
-              <a:rPr lang="en-US" dirty="0"/>
-              <a:t>does server-side load balancing</a:t>
-            </a:r>
-            <a:r>
-              <a:rPr lang="en-US" dirty="0" smtClean="0"/>
-              <a:t>.</a:t>
-            </a:r>
-          </a:p>
-          <a:p>
-            <a:r>
-              <a:rPr lang="en-US" dirty="0"/>
+              <a:rPr lang="en-US" sz="2000" dirty="0"/>
+              <a:t> looks-up for all instances of requested service from the Eureka discovery server and does server-side load balancing.</a:t>
+            </a:r>
+          </a:p>
+          <a:p>
+            <a:r>
+              <a:rPr lang="en-US" sz="2000" dirty="0"/>
               <a:t>When </a:t>
             </a:r>
             <a:r>
-              <a:rPr lang="en-US" dirty="0" err="1"/>
+              <a:rPr lang="en-US" sz="2000" dirty="0" err="1"/>
               <a:t>Zuul</a:t>
             </a:r>
             <a:r>
-              <a:rPr lang="en-US" dirty="0"/>
-              <a:t> receives a request, it picks up one of the physical locations available and forwards requests to the actual service instance</a:t>
-            </a:r>
-            <a:r>
-              <a:rPr lang="en-US" dirty="0" smtClean="0"/>
-              <a:t>.</a:t>
-            </a:r>
-          </a:p>
-          <a:p>
-            <a:r>
-              <a:rPr lang="en-US" dirty="0" err="1" smtClean="0"/>
+              <a:rPr lang="en-US" sz="2000" dirty="0"/>
+              <a:t> receives a request, it picks up one of the physical locations available and forwards requests to the actual service instance.</a:t>
+            </a:r>
+          </a:p>
+          <a:p>
+            <a:r>
+              <a:rPr lang="en-US" sz="2000" dirty="0" err="1"/>
               <a:t>Zuul</a:t>
             </a:r>
             <a:r>
-              <a:rPr lang="en-US" dirty="0" smtClean="0"/>
+              <a:rPr lang="en-US" sz="2000" dirty="0"/>
               <a:t> can be used to check authentication &amp; authorization before forward request to the services</a:t>
             </a:r>
-            <a:endParaRPr lang="pl-PL" dirty="0"/>
+            <a:endParaRPr lang="pl-PL" sz="2000" dirty="0"/>
           </a:p>
         </p:txBody>
       </p:sp>
@@ -8186,13 +8028,6 @@
   <p:clrMapOvr>
     <a:masterClrMapping/>
   </p:clrMapOvr>
-  <p:timing>
-    <p:tnLst>
-      <p:par>
-        <p:cTn id="1" dur="indefinite" restart="never" nodeType="tmRoot"/>
-      </p:par>
-    </p:tnLst>
-  </p:timing>
 </p:sld>
 </file>
 
@@ -8215,7 +8050,13 @@
       </p:grpSpPr>
       <p:sp>
         <p:nvSpPr>
-          <p:cNvPr id="2" name="Title 1"/>
+          <p:cNvPr id="2" name="Title 1">
+            <a:extLst>
+              <a:ext uri="{FF2B5EF4-FFF2-40B4-BE49-F238E27FC236}">
+                <a16:creationId xmlns:a16="http://schemas.microsoft.com/office/drawing/2014/main" id="{61766FE6-7A8E-4E5C-8320-765F39EE35B1}"/>
+              </a:ext>
+            </a:extLst>
+          </p:cNvPr>
           <p:cNvSpPr>
             <a:spLocks noGrp="1"/>
           </p:cNvSpPr>
@@ -8229,12 +8070,227 @@
           <a:lstStyle/>
           <a:p>
             <a:r>
+              <a:rPr lang="en-US" dirty="0" err="1"/>
+              <a:t>Zuul</a:t>
+            </a:r>
+            <a:r>
               <a:rPr lang="en-US" dirty="0"/>
-              <a:t>How to create </a:t>
-            </a:r>
-            <a:r>
-              <a:rPr lang="en-US" dirty="0" smtClean="0"/>
-              <a:t>ZUUL API Gateway?</a:t>
+              <a:t> – API gateway proxy</a:t>
+            </a:r>
+            <a:endParaRPr lang="pl-PL" dirty="0"/>
+          </a:p>
+        </p:txBody>
+      </p:sp>
+      <p:sp>
+        <p:nvSpPr>
+          <p:cNvPr id="5" name="Content Placeholder 4">
+            <a:extLst>
+              <a:ext uri="{FF2B5EF4-FFF2-40B4-BE49-F238E27FC236}">
+                <a16:creationId xmlns:a16="http://schemas.microsoft.com/office/drawing/2014/main" id="{238B6CD2-705E-4908-9AD1-55AA58703E36}"/>
+              </a:ext>
+            </a:extLst>
+          </p:cNvPr>
+          <p:cNvSpPr>
+            <a:spLocks noGrp="1"/>
+          </p:cNvSpPr>
+          <p:nvPr>
+            <p:ph idx="1"/>
+          </p:nvPr>
+        </p:nvSpPr>
+        <p:spPr>
+          <a:xfrm>
+            <a:off x="677334" y="1556656"/>
+            <a:ext cx="8270723" cy="5301343"/>
+          </a:xfrm>
+        </p:spPr>
+        <p:txBody>
+          <a:bodyPr>
+            <a:normAutofit/>
+          </a:bodyPr>
+          <a:lstStyle/>
+          <a:p>
+            <a:r>
+              <a:rPr lang="en-US" dirty="0"/>
+              <a:t>By default all applications registered with Eureka will be able to be used on the </a:t>
+            </a:r>
+            <a:r>
+              <a:rPr lang="en-US" dirty="0" err="1"/>
+              <a:t>Zuul</a:t>
+            </a:r>
+            <a:r>
+              <a:rPr lang="en-US" dirty="0"/>
+              <a:t> gateway service by using the same path but prepending it with the name of the application. </a:t>
+            </a:r>
+          </a:p>
+          <a:p>
+            <a:r>
+              <a:rPr lang="en-US" dirty="0"/>
+              <a:t>For example, if </a:t>
+            </a:r>
+            <a:r>
+              <a:rPr lang="en-US" dirty="0" err="1"/>
+              <a:t>zuul</a:t>
+            </a:r>
+            <a:r>
+              <a:rPr lang="en-US" dirty="0"/>
+              <a:t> is configured to start using port 80 and we have a service endpoint like </a:t>
+            </a:r>
+            <a:r>
+              <a:rPr lang="en-US" u="sng" dirty="0">
+                <a:hlinkClick r:id="rId2"/>
+              </a:rPr>
+              <a:t>http://localhost:8124/users/id</a:t>
+            </a:r>
+            <a:r>
+              <a:rPr lang="en-US" u="sng" dirty="0"/>
+              <a:t> </a:t>
+            </a:r>
+            <a:r>
+              <a:rPr lang="en-US" dirty="0"/>
+              <a:t>on user-service, then you’ll be able to call it </a:t>
+            </a:r>
+            <a:r>
+              <a:rPr lang="en-US" u="sng" dirty="0">
+                <a:hlinkClick r:id="rId3"/>
+              </a:rPr>
+              <a:t>http://localhost/user-service/users/id</a:t>
+            </a:r>
+            <a:endParaRPr lang="en-US" u="sng" dirty="0"/>
+          </a:p>
+          <a:p>
+            <a:r>
+              <a:rPr lang="en-US" dirty="0"/>
+              <a:t>You can make custom routing. For example config like:</a:t>
+            </a:r>
+          </a:p>
+          <a:p>
+            <a:endParaRPr lang="en-US" dirty="0"/>
+          </a:p>
+          <a:p>
+            <a:endParaRPr lang="en-US" dirty="0"/>
+          </a:p>
+          <a:p>
+            <a:endParaRPr lang="en-US" dirty="0"/>
+          </a:p>
+          <a:p>
+            <a:pPr marL="0" indent="0">
+              <a:buNone/>
+            </a:pPr>
+            <a:r>
+              <a:rPr lang="en-US" dirty="0"/>
+              <a:t>      Will route request </a:t>
+            </a:r>
+            <a:r>
+              <a:rPr lang="en-US" u="sng" dirty="0">
+                <a:hlinkClick r:id="rId4"/>
+              </a:rPr>
+              <a:t>http://localhost/api/user/users/id</a:t>
+            </a:r>
+            <a:r>
+              <a:rPr lang="en-US" u="sng" dirty="0"/>
+              <a:t> </a:t>
+            </a:r>
+            <a:r>
+              <a:rPr lang="en-US" dirty="0"/>
+              <a:t> to the user-service</a:t>
+            </a:r>
+          </a:p>
+          <a:p>
+            <a:endParaRPr lang="en-US" dirty="0"/>
+          </a:p>
+          <a:p>
+            <a:endParaRPr lang="pl-PL" dirty="0"/>
+          </a:p>
+        </p:txBody>
+      </p:sp>
+      <p:pic>
+        <p:nvPicPr>
+          <p:cNvPr id="8" name="Picture 7">
+            <a:extLst>
+              <a:ext uri="{FF2B5EF4-FFF2-40B4-BE49-F238E27FC236}">
+                <a16:creationId xmlns:a16="http://schemas.microsoft.com/office/drawing/2014/main" id="{BFD0E369-D9A2-411C-B8DD-9721DC9A1348}"/>
+              </a:ext>
+            </a:extLst>
+          </p:cNvPr>
+          <p:cNvPicPr>
+            <a:picLocks noChangeAspect="1"/>
+          </p:cNvPicPr>
+          <p:nvPr/>
+        </p:nvPicPr>
+        <p:blipFill>
+          <a:blip r:embed="rId5"/>
+          <a:stretch>
+            <a:fillRect/>
+          </a:stretch>
+        </p:blipFill>
+        <p:spPr>
+          <a:xfrm>
+            <a:off x="1191931" y="3992118"/>
+            <a:ext cx="3190875" cy="704850"/>
+          </a:xfrm>
+          <a:prstGeom prst="rect">
+            <a:avLst/>
+          </a:prstGeom>
+          <a:ln>
+            <a:noFill/>
+          </a:ln>
+          <a:effectLst>
+            <a:outerShdw blurRad="190500" algn="tl" rotWithShape="0">
+              <a:srgbClr val="000000">
+                <a:alpha val="70000"/>
+              </a:srgbClr>
+            </a:outerShdw>
+          </a:effectLst>
+        </p:spPr>
+      </p:pic>
+    </p:spTree>
+    <p:extLst>
+      <p:ext uri="{BB962C8B-B14F-4D97-AF65-F5344CB8AC3E}">
+        <p14:creationId xmlns:p14="http://schemas.microsoft.com/office/powerpoint/2010/main" val="1947349837"/>
+      </p:ext>
+    </p:extLst>
+  </p:cSld>
+  <p:clrMapOvr>
+    <a:masterClrMapping/>
+  </p:clrMapOvr>
+</p:sld>
+</file>
+
+<file path=ppt/slides/slide15.xml><?xml version="1.0" encoding="utf-8"?>
+<p:sld xmlns:a="http://schemas.openxmlformats.org/drawingml/2006/main" xmlns:r="http://schemas.openxmlformats.org/officeDocument/2006/relationships" xmlns:p="http://schemas.openxmlformats.org/presentationml/2006/main">
+  <p:cSld>
+    <p:spTree>
+      <p:nvGrpSpPr>
+        <p:cNvPr id="1" name=""/>
+        <p:cNvGrpSpPr/>
+        <p:nvPr/>
+      </p:nvGrpSpPr>
+      <p:grpSpPr>
+        <a:xfrm>
+          <a:off x="0" y="0"/>
+          <a:ext cx="0" cy="0"/>
+          <a:chOff x="0" y="0"/>
+          <a:chExt cx="0" cy="0"/>
+        </a:xfrm>
+      </p:grpSpPr>
+      <p:sp>
+        <p:nvSpPr>
+          <p:cNvPr id="2" name="Title 1"/>
+          <p:cNvSpPr>
+            <a:spLocks noGrp="1"/>
+          </p:cNvSpPr>
+          <p:nvPr>
+            <p:ph type="title"/>
+          </p:nvPr>
+        </p:nvSpPr>
+        <p:spPr/>
+        <p:txBody>
+          <a:bodyPr/>
+          <a:lstStyle/>
+          <a:p>
+            <a:r>
+              <a:rPr lang="en-US" dirty="0"/>
+              <a:t>How to create ZUUL API Gateway?</a:t>
             </a:r>
             <a:endParaRPr lang="pl-PL" dirty="0"/>
           </a:p>
@@ -8263,20 +8319,16 @@
           <a:lstStyle/>
           <a:p>
             <a:r>
-              <a:rPr lang="en-US" dirty="0" smtClean="0"/>
+              <a:rPr lang="en-US" dirty="0"/>
               <a:t>First of all you have to create API Gateway Boot application:</a:t>
             </a:r>
           </a:p>
           <a:p>
             <a:pPr lvl="1"/>
             <a:r>
-              <a:rPr lang="en-US" dirty="0" smtClean="0"/>
+              <a:rPr lang="en-US" dirty="0"/>
               <a:t>Dependencies:</a:t>
             </a:r>
-          </a:p>
-          <a:p>
-            <a:pPr lvl="1"/>
-            <a:endParaRPr lang="en-US" dirty="0" smtClean="0"/>
           </a:p>
           <a:p>
             <a:pPr lvl="1"/>
@@ -8288,7 +8340,7 @@
           </a:p>
           <a:p>
             <a:pPr lvl="1"/>
-            <a:endParaRPr lang="en-US" dirty="0" smtClean="0"/>
+            <a:endParaRPr lang="en-US" dirty="0"/>
           </a:p>
           <a:p>
             <a:pPr lvl="1"/>
@@ -8296,8 +8348,12 @@
           </a:p>
           <a:p>
             <a:pPr lvl="1"/>
-            <a:r>
-              <a:rPr lang="en-US" dirty="0" smtClean="0"/>
+            <a:endParaRPr lang="en-US" dirty="0"/>
+          </a:p>
+          <a:p>
+            <a:pPr lvl="1"/>
+            <a:r>
+              <a:rPr lang="en-US" dirty="0"/>
               <a:t>Main Annotation: </a:t>
             </a:r>
           </a:p>
@@ -8307,7 +8363,7 @@
           </a:p>
           <a:p>
             <a:pPr lvl="1"/>
-            <a:endParaRPr lang="en-US" dirty="0" smtClean="0"/>
+            <a:endParaRPr lang="en-US" dirty="0"/>
           </a:p>
           <a:p>
             <a:pPr lvl="1"/>
@@ -8318,15 +8374,15 @@
               <a:buNone/>
             </a:pPr>
             <a:r>
-              <a:rPr lang="en-US" dirty="0" smtClean="0"/>
+              <a:rPr lang="en-US" dirty="0"/>
               <a:t>Configuration: </a:t>
             </a:r>
             <a:r>
-              <a:rPr lang="en-US" dirty="0" err="1" smtClean="0"/>
+              <a:rPr lang="en-US" dirty="0" err="1"/>
               <a:t>application.yml</a:t>
             </a:r>
             <a:r>
-              <a:rPr lang="en-US" dirty="0" smtClean="0"/>
+              <a:rPr lang="en-US" dirty="0"/>
               <a:t>        </a:t>
             </a:r>
             <a:endParaRPr lang="pl-PL" dirty="0"/>
@@ -8445,17 +8501,10 @@
   <p:clrMapOvr>
     <a:masterClrMapping/>
   </p:clrMapOvr>
-  <p:timing>
-    <p:tnLst>
-      <p:par>
-        <p:cTn id="1" dur="indefinite" restart="never" nodeType="tmRoot"/>
-      </p:par>
-    </p:tnLst>
-  </p:timing>
 </p:sld>
 </file>
 
-<file path=ppt/slides/slide15.xml><?xml version="1.0" encoding="utf-8"?>
+<file path=ppt/slides/slide16.xml><?xml version="1.0" encoding="utf-8"?>
 <p:sld xmlns:a="http://schemas.openxmlformats.org/drawingml/2006/main" xmlns:r="http://schemas.openxmlformats.org/officeDocument/2006/relationships" xmlns:p="http://schemas.openxmlformats.org/presentationml/2006/main">
   <p:cSld>
     <p:spTree>
@@ -8488,12 +8537,8 @@
           <a:lstStyle/>
           <a:p>
             <a:r>
-              <a:rPr lang="en-US" dirty="0" smtClean="0"/>
-              <a:t>Run </a:t>
-            </a:r>
-            <a:r>
               <a:rPr lang="en-US" dirty="0"/>
-              <a:t>ZUUL API Gateway</a:t>
+              <a:t>Run ZUUL API Gateway</a:t>
             </a:r>
             <a:endParaRPr lang="pl-PL" dirty="0"/>
           </a:p>
@@ -8671,17 +8716,10 @@
   <p:clrMapOvr>
     <a:masterClrMapping/>
   </p:clrMapOvr>
-  <p:timing>
-    <p:tnLst>
-      <p:par>
-        <p:cTn id="1" dur="indefinite" restart="never" nodeType="tmRoot"/>
-      </p:par>
-    </p:tnLst>
-  </p:timing>
 </p:sld>
 </file>
 
-<file path=ppt/slides/slide16.xml><?xml version="1.0" encoding="utf-8"?>
+<file path=ppt/slides/slide17.xml><?xml version="1.0" encoding="utf-8"?>
 <p:sld xmlns:a="http://schemas.openxmlformats.org/drawingml/2006/main" xmlns:r="http://schemas.openxmlformats.org/officeDocument/2006/relationships" xmlns:p="http://schemas.openxmlformats.org/presentationml/2006/main">
   <p:cSld>
     <p:spTree>
@@ -8723,10 +8761,6 @@
               <a:rPr lang="en-US" dirty="0"/>
               <a:t>Feign Client</a:t>
             </a:r>
-            <a:r>
-              <a:rPr lang="pl-PL" dirty="0"/>
-              <a:t/>
-            </a:r>
             <a:br>
               <a:rPr lang="pl-PL" dirty="0"/>
             </a:br>
@@ -8766,38 +8800,17 @@
               <a:rPr lang="en-US" sz="2000" dirty="0"/>
               <a:t>Feign is a Java to HTTP client binder. </a:t>
             </a:r>
-            <a:endParaRPr lang="en-US" sz="2000" dirty="0" smtClean="0"/>
-          </a:p>
-          <a:p>
-            <a:r>
-              <a:rPr lang="en-US" sz="2000" dirty="0" smtClean="0"/>
-              <a:t>Feign Simplifies </a:t>
-            </a:r>
+          </a:p>
+          <a:p>
             <a:r>
               <a:rPr lang="en-US" sz="2000" dirty="0"/>
-              <a:t>the HTTP API Clients using declarative way</a:t>
-            </a:r>
-            <a:r>
-              <a:rPr lang="en-US" sz="2000" dirty="0" smtClean="0"/>
-              <a:t>.</a:t>
-            </a:r>
-          </a:p>
-          <a:p>
-            <a:r>
-              <a:rPr lang="en-US" sz="2000" dirty="0" smtClean="0"/>
-              <a:t>Feign </a:t>
-            </a:r>
+              <a:t>Feign Simplifies the HTTP API Clients using declarative way.</a:t>
+            </a:r>
+          </a:p>
+          <a:p>
             <a:r>
               <a:rPr lang="en-US" sz="2000" dirty="0"/>
-              <a:t>is a library for creating REST API clients in a declarative way</a:t>
-            </a:r>
-            <a:r>
-              <a:rPr lang="en-US" sz="2000" dirty="0" smtClean="0"/>
-              <a:t>. </a:t>
-            </a:r>
-            <a:r>
-              <a:rPr lang="en-US" sz="2000" dirty="0"/>
-              <a:t>Developers can use declarative annotations to call rest </a:t>
+              <a:t>Feign is a library for creating REST API clients in a declarative way. Developers can use declarative annotations to call rest </a:t>
             </a:r>
             <a:r>
               <a:rPr lang="en-US" sz="2000" dirty="0" err="1"/>
@@ -8807,16 +8820,11 @@
               <a:rPr lang="en-US" sz="2000" dirty="0"/>
               <a:t> instead of writing repetitive boilerplate code.</a:t>
             </a:r>
-            <a:endParaRPr lang="en-US" sz="2000" dirty="0" smtClean="0"/>
-          </a:p>
-          <a:p>
-            <a:r>
-              <a:rPr lang="en-US" sz="2000" dirty="0" smtClean="0"/>
-              <a:t>It </a:t>
-            </a:r>
+          </a:p>
+          <a:p>
             <a:r>
               <a:rPr lang="en-US" sz="2000" dirty="0"/>
-              <a:t>makes writing web service clients easier. Developers can use declarative annotations to call rest </a:t>
+              <a:t>It makes writing web service clients easier. Developers can use declarative annotations to call rest </a:t>
             </a:r>
             <a:r>
               <a:rPr lang="en-US" sz="2000" dirty="0" err="1"/>
@@ -8824,16 +8832,12 @@
             </a:r>
             <a:r>
               <a:rPr lang="en-US" sz="2000" dirty="0"/>
-              <a:t> instead of writing repetitive boilerplate code</a:t>
-            </a:r>
-            <a:r>
-              <a:rPr lang="en-US" sz="2000" dirty="0" smtClean="0"/>
-              <a:t>.</a:t>
-            </a:r>
-          </a:p>
-          <a:p>
-            <a:r>
-              <a:rPr lang="en-US" sz="2000" dirty="0" smtClean="0"/>
+              <a:t> instead of writing repetitive boilerplate code.</a:t>
+            </a:r>
+          </a:p>
+          <a:p>
+            <a:r>
+              <a:rPr lang="en-US" sz="2000" dirty="0"/>
               <a:t>Feign uses Eureka to find other services by name.</a:t>
             </a:r>
             <a:endParaRPr lang="pl-PL" sz="2000" dirty="0"/>
@@ -8951,7 +8955,7 @@
               <a:p>
                 <a:pPr algn="ctr"/>
                 <a:r>
-                  <a:rPr lang="en-US" dirty="0" smtClean="0">
+                  <a:rPr lang="en-US" dirty="0">
                     <a:solidFill>
                       <a:schemeClr val="bg1">
                         <a:lumMod val="95000"/>
@@ -8964,7 +8968,7 @@
               <a:p>
                 <a:pPr algn="ctr"/>
                 <a:r>
-                  <a:rPr lang="en-US" dirty="0" smtClean="0">
+                  <a:rPr lang="en-US" dirty="0">
                     <a:solidFill>
                       <a:schemeClr val="bg1">
                         <a:lumMod val="95000"/>
@@ -9175,11 +9179,7 @@
             <a:p>
               <a:r>
                 <a:rPr lang="en-US" sz="1400" dirty="0"/>
-                <a:t>Feign </a:t>
-              </a:r>
-              <a:r>
-                <a:rPr lang="en-US" sz="1400" dirty="0" smtClean="0"/>
-                <a:t>REST client</a:t>
+                <a:t>Feign REST client</a:t>
               </a:r>
               <a:endParaRPr lang="en-US" sz="1600" dirty="0"/>
             </a:p>
@@ -9196,17 +9196,10 @@
   <p:clrMapOvr>
     <a:masterClrMapping/>
   </p:clrMapOvr>
-  <p:timing>
-    <p:tnLst>
-      <p:par>
-        <p:cTn id="1" dur="indefinite" restart="never" nodeType="tmRoot"/>
-      </p:par>
-    </p:tnLst>
-  </p:timing>
 </p:sld>
 </file>
 
-<file path=ppt/slides/slide17.xml><?xml version="1.0" encoding="utf-8"?>
+<file path=ppt/slides/slide18.xml><?xml version="1.0" encoding="utf-8"?>
 <p:sld xmlns:a="http://schemas.openxmlformats.org/drawingml/2006/main" xmlns:r="http://schemas.openxmlformats.org/officeDocument/2006/relationships" xmlns:p="http://schemas.openxmlformats.org/presentationml/2006/main">
   <p:cSld>
     <p:spTree>
@@ -9240,11 +9233,7 @@
           <a:p>
             <a:r>
               <a:rPr lang="en-US" dirty="0"/>
-              <a:t>How to </a:t>
-            </a:r>
-            <a:r>
-              <a:rPr lang="en-US" dirty="0" smtClean="0"/>
-              <a:t>enable Feign Client</a:t>
+              <a:t>How to enable Feign Client</a:t>
             </a:r>
             <a:endParaRPr lang="pl-PL" dirty="0"/>
           </a:p>
@@ -9274,13 +9263,9 @@
           <a:p>
             <a:pPr lvl="1"/>
             <a:r>
-              <a:rPr lang="en-US" dirty="0" smtClean="0"/>
+              <a:rPr lang="en-US" dirty="0"/>
               <a:t>Dependencies:</a:t>
             </a:r>
-          </a:p>
-          <a:p>
-            <a:pPr lvl="1"/>
-            <a:endParaRPr lang="en-US" dirty="0" smtClean="0"/>
           </a:p>
           <a:p>
             <a:pPr lvl="1"/>
@@ -9288,14 +9273,14 @@
           </a:p>
           <a:p>
             <a:pPr lvl="1"/>
-            <a:r>
-              <a:rPr lang="en-US" dirty="0" smtClean="0"/>
+            <a:endParaRPr lang="en-US" dirty="0"/>
+          </a:p>
+          <a:p>
+            <a:pPr lvl="1"/>
+            <a:r>
+              <a:rPr lang="en-US" dirty="0"/>
               <a:t>Main Annotation: </a:t>
             </a:r>
-          </a:p>
-          <a:p>
-            <a:pPr lvl="1"/>
-            <a:endParaRPr lang="en-US" dirty="0" smtClean="0"/>
           </a:p>
           <a:p>
             <a:pPr lvl="1"/>
@@ -9303,22 +9288,7 @@
           </a:p>
           <a:p>
             <a:pPr lvl="1"/>
-            <a:endParaRPr lang="en-US" dirty="0" smtClean="0"/>
-          </a:p>
-          <a:p>
-            <a:pPr lvl="1"/>
-            <a:r>
-              <a:rPr lang="en-US" dirty="0" smtClean="0"/>
-              <a:t>Configuration: </a:t>
-            </a:r>
-            <a:r>
-              <a:rPr lang="en-US" dirty="0" err="1" smtClean="0"/>
-              <a:t>application.yml</a:t>
-            </a:r>
-            <a:r>
-              <a:rPr lang="en-US" dirty="0" smtClean="0"/>
-              <a:t> </a:t>
-            </a:r>
+            <a:endParaRPr lang="en-US" dirty="0"/>
           </a:p>
           <a:p>
             <a:pPr lvl="1"/>
@@ -9327,15 +9297,34 @@
           <a:p>
             <a:pPr lvl="1"/>
             <a:r>
-              <a:rPr lang="en-US" dirty="0" smtClean="0"/>
+              <a:rPr lang="en-US" dirty="0"/>
+              <a:t>Configuration: </a:t>
+            </a:r>
+            <a:r>
+              <a:rPr lang="en-US" dirty="0" err="1"/>
+              <a:t>application.yml</a:t>
+            </a:r>
+            <a:r>
+              <a:rPr lang="en-US" dirty="0"/>
+              <a:t> </a:t>
+            </a:r>
+          </a:p>
+          <a:p>
+            <a:pPr lvl="1"/>
+            <a:endParaRPr lang="en-US" dirty="0"/>
+          </a:p>
+          <a:p>
+            <a:pPr lvl="1"/>
+            <a:r>
+              <a:rPr lang="en-US" dirty="0"/>
               <a:t>Interface to another </a:t>
             </a:r>
             <a:r>
-              <a:rPr lang="en-US" dirty="0" err="1" smtClean="0"/>
+              <a:rPr lang="en-US" dirty="0" err="1"/>
               <a:t>microservice</a:t>
             </a:r>
             <a:r>
-              <a:rPr lang="en-US" dirty="0" smtClean="0"/>
+              <a:rPr lang="en-US" dirty="0"/>
               <a:t>:       </a:t>
             </a:r>
             <a:endParaRPr lang="pl-PL" dirty="0"/>
@@ -9488,17 +9477,10 @@
   <p:clrMapOvr>
     <a:masterClrMapping/>
   </p:clrMapOvr>
-  <p:timing>
-    <p:tnLst>
-      <p:par>
-        <p:cTn id="1" dur="indefinite" restart="never" nodeType="tmRoot"/>
-      </p:par>
-    </p:tnLst>
-  </p:timing>
 </p:sld>
 </file>
 
-<file path=ppt/slides/slide18.xml><?xml version="1.0" encoding="utf-8"?>
+<file path=ppt/slides/slide19.xml><?xml version="1.0" encoding="utf-8"?>
 <p:sld xmlns:a="http://schemas.openxmlformats.org/drawingml/2006/main" xmlns:r="http://schemas.openxmlformats.org/officeDocument/2006/relationships" xmlns:p="http://schemas.openxmlformats.org/presentationml/2006/main">
   <p:cSld>
     <p:spTree>
@@ -9531,7 +9513,7 @@
           <a:lstStyle/>
           <a:p>
             <a:r>
-              <a:rPr lang="en-US" dirty="0" smtClean="0"/>
+              <a:rPr lang="en-US" dirty="0"/>
               <a:t>Home Work - Task 1</a:t>
             </a:r>
             <a:endParaRPr lang="pl-PL" dirty="0"/>
@@ -9559,67 +9541,55 @@
           <a:lstStyle/>
           <a:p>
             <a:r>
-              <a:rPr lang="en-US" dirty="0" smtClean="0"/>
+              <a:rPr lang="en-US" dirty="0"/>
               <a:t>Try to run </a:t>
             </a:r>
           </a:p>
           <a:p>
             <a:pPr lvl="1"/>
             <a:r>
-              <a:rPr lang="en-US" dirty="0" err="1" smtClean="0"/>
+              <a:rPr lang="en-US" dirty="0" err="1"/>
               <a:t>configserver</a:t>
             </a:r>
-            <a:endParaRPr lang="en-US" dirty="0" smtClean="0"/>
+            <a:endParaRPr lang="en-US" dirty="0"/>
           </a:p>
           <a:p>
             <a:pPr lvl="1"/>
             <a:r>
-              <a:rPr lang="en-US" dirty="0" smtClean="0"/>
+              <a:rPr lang="en-US" dirty="0"/>
               <a:t>registry-service</a:t>
             </a:r>
           </a:p>
           <a:p>
             <a:pPr lvl="1"/>
             <a:r>
-              <a:rPr lang="en-US" dirty="0" smtClean="0"/>
+              <a:rPr lang="en-US" dirty="0"/>
               <a:t>user-service</a:t>
             </a:r>
           </a:p>
           <a:p>
             <a:pPr lvl="1"/>
             <a:r>
-              <a:rPr lang="en-US" dirty="0" smtClean="0"/>
+              <a:rPr lang="en-US" dirty="0"/>
               <a:t>email-service.</a:t>
             </a:r>
           </a:p>
           <a:p>
             <a:r>
-              <a:rPr lang="en-US" dirty="0" smtClean="0"/>
+              <a:rPr lang="en-US" dirty="0"/>
               <a:t>Navigate to Eureka endpoint localhost:8888 and check assigned addresses and ports.</a:t>
             </a:r>
           </a:p>
           <a:p>
             <a:r>
-              <a:rPr lang="en-US" dirty="0" smtClean="0"/>
-              <a:t>Now shut-down everything and run only </a:t>
-            </a:r>
-            <a:r>
               <a:rPr lang="en-US" dirty="0"/>
-              <a:t>registry-service, user-service and </a:t>
-            </a:r>
-            <a:r>
-              <a:rPr lang="en-US" dirty="0" smtClean="0"/>
-              <a:t>email-service.</a:t>
+              <a:t>Now shut-down everything and run only registry-service, user-service and email-service.</a:t>
             </a:r>
           </a:p>
           <a:p>
             <a:r>
               <a:rPr lang="en-US" dirty="0"/>
-              <a:t>Navigate to </a:t>
-            </a:r>
-            <a:r>
-              <a:rPr lang="en-US" dirty="0" smtClean="0"/>
-              <a:t>Eureka and check assigned ports. Why they are changed?</a:t>
+              <a:t>Navigate to Eureka and check assigned ports. Why they are changed?</a:t>
             </a:r>
           </a:p>
           <a:p>
@@ -9661,13 +9631,6 @@
   <p:clrMapOvr>
     <a:masterClrMapping/>
   </p:clrMapOvr>
-  <p:timing>
-    <p:tnLst>
-      <p:par>
-        <p:cTn id="1" dur="indefinite" restart="never" nodeType="tmRoot"/>
-      </p:par>
-    </p:tnLst>
-  </p:timing>
 </p:sld>
 </file>
 
@@ -10085,13 +10048,6 @@
   <p:clrMapOvr>
     <a:masterClrMapping/>
   </p:clrMapOvr>
-  <p:timing>
-    <p:tnLst>
-      <p:par>
-        <p:cTn id="1" dur="indefinite" restart="never" nodeType="tmRoot"/>
-      </p:par>
-    </p:tnLst>
-  </p:timing>
 </p:sld>
 </file>
 
@@ -10450,13 +10406,8 @@
             </a:r>
             <a:r>
               <a:rPr lang="en-US" sz="2200" dirty="0"/>
-              <a:t>– API gateway </a:t>
-            </a:r>
-            <a:r>
-              <a:rPr lang="en-US" sz="2200" dirty="0" smtClean="0"/>
-              <a:t>proxy – single access point</a:t>
-            </a:r>
-            <a:endParaRPr lang="en-US" sz="2200" dirty="0"/>
+              <a:t>– API gateway proxy – single access point</a:t>
+            </a:r>
           </a:p>
           <a:p>
             <a:r>
@@ -10475,11 +10426,7 @@
             </a:r>
             <a:r>
               <a:rPr lang="en-US" sz="2200" dirty="0"/>
-              <a:t>– simple REST </a:t>
-            </a:r>
-            <a:r>
-              <a:rPr lang="en-US" sz="2200" dirty="0" smtClean="0"/>
-              <a:t>calls </a:t>
+              <a:t>– simple REST calls </a:t>
             </a:r>
           </a:p>
           <a:p>
@@ -10487,11 +10434,11 @@
               <a:buNone/>
             </a:pPr>
             <a:r>
-              <a:rPr lang="en-US" sz="2200" dirty="0" smtClean="0"/>
+              <a:rPr lang="en-US" sz="2200" dirty="0"/>
               <a:t>                   between </a:t>
             </a:r>
             <a:r>
-              <a:rPr lang="en-US" sz="2200" dirty="0" err="1" smtClean="0"/>
+              <a:rPr lang="en-US" sz="2200" dirty="0" err="1"/>
               <a:t>microservices</a:t>
             </a:r>
             <a:endParaRPr lang="en-US" sz="2200" dirty="0"/>
@@ -10502,11 +10449,7 @@
           <a:p>
             <a:r>
               <a:rPr lang="en-US" sz="2200" dirty="0"/>
-              <a:t>And many other cloud </a:t>
-            </a:r>
-            <a:r>
-              <a:rPr lang="en-US" sz="2200" dirty="0" smtClean="0"/>
-              <a:t>features…</a:t>
+              <a:t>And many other cloud features…</a:t>
             </a:r>
             <a:endParaRPr lang="pl-PL" sz="2200" dirty="0"/>
           </a:p>
@@ -10522,13 +10465,6 @@
   <p:clrMapOvr>
     <a:masterClrMapping/>
   </p:clrMapOvr>
-  <p:timing>
-    <p:tnLst>
-      <p:par>
-        <p:cTn id="1" dur="indefinite" restart="never" nodeType="tmRoot"/>
-      </p:par>
-    </p:tnLst>
-  </p:timing>
 </p:sld>
 </file>
 
@@ -10577,13 +10513,8 @@
           <a:p>
             <a:r>
               <a:rPr lang="en-US" dirty="0"/>
-              <a:t>Simple Demo Monolith </a:t>
-            </a:r>
-            <a:r>
-              <a:rPr lang="en-US" dirty="0" smtClean="0"/>
-              <a:t>Application</a:t>
-            </a:r>
-            <a:endParaRPr lang="en-US" dirty="0"/>
+              <a:t>Simple Demo Monolith Application</a:t>
+            </a:r>
           </a:p>
         </p:txBody>
       </p:sp>
@@ -11515,15 +11446,7 @@
                     <a:schemeClr val="bg1"/>
                   </a:solidFill>
                 </a:rPr>
-                <a:t>Feign </a:t>
-              </a:r>
-              <a:r>
-                <a:rPr lang="en-US" sz="1400" dirty="0" smtClean="0">
-                  <a:solidFill>
-                    <a:schemeClr val="bg1"/>
-                  </a:solidFill>
-                </a:rPr>
-                <a:t>REST client</a:t>
+                <a:t>Feign REST client</a:t>
               </a:r>
               <a:endParaRPr lang="en-US" sz="1600" dirty="0">
                 <a:solidFill>
@@ -11563,76 +11486,68 @@
           <a:lstStyle/>
           <a:p>
             <a:r>
-              <a:rPr lang="en-US" sz="2000" dirty="0" smtClean="0"/>
+              <a:rPr lang="en-US" sz="2000" dirty="0"/>
               <a:t>After decomposition to </a:t>
             </a:r>
             <a:r>
-              <a:rPr lang="en-US" sz="2000" dirty="0" err="1" smtClean="0"/>
+              <a:rPr lang="en-US" sz="2000" dirty="0" err="1"/>
               <a:t>microservices</a:t>
             </a:r>
             <a:r>
-              <a:rPr lang="en-US" sz="2000" dirty="0" smtClean="0"/>
+              <a:rPr lang="en-US" sz="2000" dirty="0"/>
               <a:t> our monolith application will looks like:</a:t>
             </a:r>
           </a:p>
           <a:p>
             <a:pPr lvl="1"/>
             <a:r>
-              <a:rPr lang="en-US" sz="1800" dirty="0" smtClean="0"/>
+              <a:rPr lang="en-US" sz="1800" dirty="0"/>
               <a:t>API gateway is single exposed access point. Which could protect from unauthorized requests to services that not expected to be exposed.</a:t>
             </a:r>
           </a:p>
           <a:p>
             <a:pPr lvl="1"/>
             <a:r>
-              <a:rPr lang="en-US" sz="1800" dirty="0" smtClean="0"/>
+              <a:rPr lang="en-US" sz="1800" dirty="0"/>
               <a:t>All configurations are centralized in </a:t>
             </a:r>
             <a:r>
               <a:rPr lang="en-US" sz="1800" dirty="0" err="1"/>
-              <a:t>C</a:t>
-            </a:r>
-            <a:r>
-              <a:rPr lang="en-US" sz="1800" dirty="0" err="1" smtClean="0"/>
-              <a:t>onfig</a:t>
-            </a:r>
-            <a:r>
-              <a:rPr lang="en-US" sz="1800" dirty="0" smtClean="0"/>
+              <a:t>Config</a:t>
+            </a:r>
+            <a:r>
+              <a:rPr lang="en-US" sz="1800" dirty="0"/>
               <a:t> Server</a:t>
             </a:r>
           </a:p>
           <a:p>
             <a:pPr lvl="1"/>
             <a:r>
-              <a:rPr lang="en-US" sz="1800" dirty="0" smtClean="0"/>
+              <a:rPr lang="en-US" sz="1800" dirty="0"/>
               <a:t>Services Registry helps </a:t>
             </a:r>
             <a:r>
-              <a:rPr lang="en-US" sz="1800" dirty="0" err="1" smtClean="0"/>
+              <a:rPr lang="en-US" sz="1800" dirty="0" err="1"/>
               <a:t>microservices</a:t>
             </a:r>
             <a:r>
-              <a:rPr lang="en-US" sz="1800" dirty="0" smtClean="0"/>
+              <a:rPr lang="en-US" sz="1800" dirty="0"/>
               <a:t> to find each other.</a:t>
             </a:r>
           </a:p>
           <a:p>
             <a:pPr lvl="1"/>
             <a:r>
-              <a:rPr lang="en-US" sz="1800" dirty="0" smtClean="0"/>
+              <a:rPr lang="en-US" sz="1800" dirty="0"/>
               <a:t>Feign Client allows simple REST communication between </a:t>
             </a:r>
             <a:r>
-              <a:rPr lang="en-US" sz="1800" dirty="0" err="1" smtClean="0"/>
+              <a:rPr lang="en-US" sz="1800" dirty="0" err="1"/>
               <a:t>microservices</a:t>
             </a:r>
             <a:r>
-              <a:rPr lang="en-US" sz="1800" dirty="0" smtClean="0"/>
-              <a:t> with minimum coding efforts. It also uses Services Registry to find services by their names (zero configuration approach</a:t>
-            </a:r>
-            <a:r>
-              <a:rPr lang="en-US" sz="1800" dirty="0" smtClean="0"/>
-              <a:t>)</a:t>
+              <a:rPr lang="en-US" sz="1800" dirty="0"/>
+              <a:t> with minimum coding efforts. It also uses Services Registry to find services by their names (zero configuration approach)</a:t>
             </a:r>
             <a:endParaRPr lang="pl-PL" sz="2000" dirty="0"/>
           </a:p>
@@ -11661,7 +11576,7 @@
           <a:lstStyle/>
           <a:p>
             <a:r>
-              <a:rPr lang="en-US" sz="1400" dirty="0" smtClean="0">
+              <a:rPr lang="en-US" sz="1400" dirty="0">
                 <a:solidFill>
                   <a:schemeClr val="bg1"/>
                 </a:solidFill>
@@ -11686,13 +11601,6 @@
   <p:clrMapOvr>
     <a:masterClrMapping/>
   </p:clrMapOvr>
-  <p:timing>
-    <p:tnLst>
-      <p:par>
-        <p:cTn id="1" dur="indefinite" restart="never" nodeType="tmRoot"/>
-      </p:par>
-    </p:tnLst>
-  </p:timing>
 </p:sld>
 </file>
 
@@ -11739,11 +11647,11 @@
               <a:t>Spring Cloud </a:t>
             </a:r>
             <a:r>
-              <a:rPr lang="en-US" b="1" dirty="0" err="1" smtClean="0"/>
+              <a:rPr lang="en-US" b="1" dirty="0" err="1"/>
               <a:t>Config</a:t>
             </a:r>
             <a:r>
-              <a:rPr lang="en-US" b="1" dirty="0" smtClean="0"/>
+              <a:rPr lang="en-US" b="1" dirty="0"/>
               <a:t> Server</a:t>
             </a:r>
             <a:endParaRPr lang="pl-PL" dirty="0"/>
@@ -11790,16 +11698,11 @@
               <a:rPr lang="en-US" dirty="0"/>
               <a:t> provides server-side and client-side support for externalized configuration in a distributed system. </a:t>
             </a:r>
-            <a:endParaRPr lang="en-US" dirty="0" smtClean="0"/>
-          </a:p>
-          <a:p>
-            <a:r>
-              <a:rPr lang="en-US" dirty="0" smtClean="0"/>
-              <a:t>With </a:t>
-            </a:r>
+          </a:p>
+          <a:p>
             <a:r>
               <a:rPr lang="en-US" dirty="0"/>
-              <a:t>the </a:t>
+              <a:t>With the </a:t>
             </a:r>
             <a:r>
               <a:rPr lang="en-US" dirty="0" err="1"/>
@@ -11809,7 +11712,6 @@
               <a:rPr lang="en-US" dirty="0"/>
               <a:t> Server, you have a central place to manage external properties for applications across all environments. </a:t>
             </a:r>
-            <a:endParaRPr lang="en-US" dirty="0" smtClean="0"/>
           </a:p>
           <a:p>
             <a:pPr lvl="1"/>
@@ -12182,7 +12084,6 @@
               <a:rPr lang="en-US" sz="1600" dirty="0"/>
               <a:t>PROD</a:t>
             </a:r>
-            <a:endParaRPr lang="en-US" sz="1600" dirty="0"/>
           </a:p>
           <a:p>
             <a:pPr lvl="1"/>
@@ -12227,13 +12128,6 @@
   <p:clrMapOvr>
     <a:masterClrMapping/>
   </p:clrMapOvr>
-  <p:timing>
-    <p:tnLst>
-      <p:par>
-        <p:cTn id="1" dur="indefinite" restart="never" nodeType="tmRoot"/>
-      </p:par>
-    </p:tnLst>
-  </p:timing>
 </p:sld>
 </file>
 
@@ -12274,11 +12168,11 @@
               <a:t>Spring Cloud </a:t>
             </a:r>
             <a:r>
-              <a:rPr lang="en-US" b="1" dirty="0" err="1" smtClean="0"/>
+              <a:rPr lang="en-US" b="1" dirty="0" err="1"/>
               <a:t>Config</a:t>
             </a:r>
             <a:r>
-              <a:rPr lang="en-US" b="1" dirty="0" smtClean="0"/>
+              <a:rPr lang="en-US" b="1" dirty="0"/>
               <a:t> Server</a:t>
             </a:r>
             <a:endParaRPr lang="pl-PL" dirty="0"/>
@@ -12307,27 +12201,15 @@
           <a:p>
             <a:r>
               <a:rPr lang="en-US" dirty="0"/>
-              <a:t>Update the configuration in </a:t>
-            </a:r>
-            <a:r>
-              <a:rPr lang="en-US" dirty="0" smtClean="0"/>
-              <a:t>GitHub </a:t>
+              <a:t>Update the configuration in GitHub for example and </a:t>
+            </a:r>
+            <a:r>
+              <a:rPr lang="en-US" dirty="0" err="1"/>
+              <a:t>Config</a:t>
             </a:r>
             <a:r>
               <a:rPr lang="en-US" dirty="0"/>
-              <a:t>for example and </a:t>
-            </a:r>
-            <a:r>
-              <a:rPr lang="en-US" dirty="0" err="1" smtClean="0"/>
-              <a:t>Config</a:t>
-            </a:r>
-            <a:r>
-              <a:rPr lang="en-US" dirty="0" smtClean="0"/>
-              <a:t> Server </a:t>
-            </a:r>
-            <a:r>
-              <a:rPr lang="en-US" dirty="0"/>
-              <a:t>will automatically refresh the content. But client application wont refresh its configuration automatically without triggering the application to reload configurations.</a:t>
+              <a:t> Server will automatically refresh the content. But client application wont refresh its configuration automatically without triggering the application to reload configurations.</a:t>
             </a:r>
           </a:p>
           <a:p>
@@ -12395,13 +12277,6 @@
   <p:clrMapOvr>
     <a:masterClrMapping/>
   </p:clrMapOvr>
-  <p:timing>
-    <p:tnLst>
-      <p:par>
-        <p:cTn id="1" dur="indefinite" restart="never" nodeType="tmRoot"/>
-      </p:par>
-    </p:tnLst>
-  </p:timing>
 </p:sld>
 </file>
 
@@ -12438,15 +12313,15 @@
           <a:lstStyle/>
           <a:p>
             <a:r>
-              <a:rPr lang="en-US" dirty="0" smtClean="0"/>
+              <a:rPr lang="en-US" dirty="0"/>
               <a:t>How to create cloud </a:t>
             </a:r>
             <a:r>
-              <a:rPr lang="en-US" dirty="0" err="1" smtClean="0"/>
+              <a:rPr lang="en-US" dirty="0" err="1"/>
               <a:t>config</a:t>
             </a:r>
             <a:r>
-              <a:rPr lang="en-US" dirty="0" smtClean="0"/>
+              <a:rPr lang="en-US" dirty="0"/>
               <a:t> server?</a:t>
             </a:r>
             <a:endParaRPr lang="pl-PL" dirty="0"/>
@@ -12474,15 +12349,15 @@
           <a:lstStyle/>
           <a:p>
             <a:r>
-              <a:rPr lang="en-US" dirty="0" smtClean="0"/>
+              <a:rPr lang="en-US" dirty="0"/>
               <a:t>First of all you have to create </a:t>
             </a:r>
             <a:r>
-              <a:rPr lang="en-US" dirty="0" err="1" smtClean="0"/>
+              <a:rPr lang="en-US" dirty="0" err="1"/>
               <a:t>config</a:t>
             </a:r>
             <a:r>
-              <a:rPr lang="en-US" dirty="0" smtClean="0"/>
+              <a:rPr lang="en-US" dirty="0"/>
               <a:t> server application:</a:t>
             </a:r>
           </a:p>
@@ -12490,39 +12365,39 @@
             <a:endParaRPr lang="en-US" dirty="0"/>
           </a:p>
           <a:p>
-            <a:endParaRPr lang="en-US" dirty="0" smtClean="0"/>
-          </a:p>
-          <a:p>
             <a:endParaRPr lang="en-US" dirty="0"/>
           </a:p>
           <a:p>
-            <a:endParaRPr lang="en-US" dirty="0" smtClean="0"/>
-          </a:p>
-          <a:p>
             <a:endParaRPr lang="en-US" dirty="0"/>
           </a:p>
           <a:p>
-            <a:endParaRPr lang="en-US" dirty="0" smtClean="0"/>
-          </a:p>
-          <a:p>
-            <a:r>
-              <a:rPr lang="en-US" dirty="0" smtClean="0"/>
+            <a:endParaRPr lang="en-US" dirty="0"/>
+          </a:p>
+          <a:p>
+            <a:endParaRPr lang="en-US" dirty="0"/>
+          </a:p>
+          <a:p>
+            <a:endParaRPr lang="en-US" dirty="0"/>
+          </a:p>
+          <a:p>
+            <a:r>
+              <a:rPr lang="en-US" dirty="0"/>
               <a:t>Now let’s create </a:t>
             </a:r>
             <a:r>
-              <a:rPr lang="en-US" dirty="0" err="1" smtClean="0"/>
+              <a:rPr lang="en-US" dirty="0" err="1"/>
               <a:t>configs</a:t>
             </a:r>
             <a:r>
-              <a:rPr lang="en-US" dirty="0" smtClean="0"/>
+              <a:rPr lang="en-US" dirty="0"/>
               <a:t>. For example in </a:t>
             </a:r>
             <a:r>
-              <a:rPr lang="en-US" dirty="0" err="1" smtClean="0"/>
+              <a:rPr lang="en-US" dirty="0" err="1"/>
               <a:t>classpath</a:t>
             </a:r>
             <a:r>
-              <a:rPr lang="en-US" dirty="0" smtClean="0"/>
+              <a:rPr lang="en-US" dirty="0"/>
               <a:t>:</a:t>
             </a:r>
           </a:p>
@@ -12531,7 +12406,7 @@
               <a:buNone/>
             </a:pPr>
             <a:r>
-              <a:rPr lang="en-US" dirty="0" smtClean="0"/>
+              <a:rPr lang="en-US" dirty="0"/>
               <a:t>                         </a:t>
             </a:r>
             <a:endParaRPr lang="pl-PL" dirty="0"/>
@@ -12704,16 +12579,8 @@
               <a:t>application.yaml</a:t>
             </a:r>
             <a:r>
-              <a:rPr lang="en-US" sz="1600" dirty="0" smtClean="0"/>
-              <a:t> </a:t>
-            </a:r>
-            <a:r>
               <a:rPr lang="en-US" sz="1600" dirty="0"/>
-              <a:t>is sent to clients if they not specify </a:t>
-            </a:r>
-            <a:r>
-              <a:rPr lang="en-US" sz="1600" dirty="0" smtClean="0"/>
-              <a:t>environment</a:t>
+              <a:t> is sent to clients if they not specify environment</a:t>
             </a:r>
           </a:p>
           <a:p>
@@ -12722,20 +12589,16 @@
               <a:buChar char="•"/>
             </a:pPr>
             <a:r>
-              <a:rPr lang="en-US" sz="1600" dirty="0" smtClean="0"/>
+              <a:rPr lang="en-US" sz="1600" dirty="0"/>
               <a:t>application-</a:t>
             </a:r>
             <a:r>
-              <a:rPr lang="en-US" sz="1600" dirty="0" err="1" smtClean="0"/>
+              <a:rPr lang="en-US" sz="1600" dirty="0" err="1"/>
               <a:t>dev.yaml</a:t>
             </a:r>
             <a:r>
-              <a:rPr lang="en-US" sz="1600" dirty="0" smtClean="0"/>
-              <a:t> is used if client started with profile specified</a:t>
-            </a:r>
-            <a:r>
               <a:rPr lang="en-US" sz="1600" dirty="0"/>
-              <a:t>:         Like: </a:t>
+              <a:t> is used if client started with profile specified:         Like: </a:t>
             </a:r>
             <a:r>
               <a:rPr lang="en-US" sz="1600" dirty="0" err="1"/>
@@ -12754,11 +12617,11 @@
               <a:t> -</a:t>
             </a:r>
             <a:r>
-              <a:rPr lang="en-US" sz="1600" dirty="0" err="1" smtClean="0"/>
+              <a:rPr lang="en-US" sz="1600" dirty="0" err="1"/>
               <a:t>Dspring.profiles.active</a:t>
             </a:r>
             <a:r>
-              <a:rPr lang="en-US" sz="1600" dirty="0" smtClean="0"/>
+              <a:rPr lang="en-US" sz="1600" dirty="0"/>
               <a:t>=dev</a:t>
             </a:r>
           </a:p>
@@ -12768,15 +12631,15 @@
               <a:buChar char="•"/>
             </a:pPr>
             <a:r>
-              <a:rPr lang="en-US" sz="1600" dirty="0" smtClean="0"/>
+              <a:rPr lang="en-US" sz="1600" dirty="0"/>
               <a:t>user-service-</a:t>
             </a:r>
             <a:r>
-              <a:rPr lang="en-US" sz="1600" dirty="0" err="1" smtClean="0"/>
+              <a:rPr lang="en-US" sz="1600" dirty="0" err="1"/>
               <a:t>dev.yaml</a:t>
             </a:r>
             <a:r>
-              <a:rPr lang="en-US" sz="1600" dirty="0" smtClean="0"/>
+              <a:rPr lang="en-US" sz="1600" dirty="0"/>
               <a:t> is used for service user-service with dev profile</a:t>
             </a:r>
           </a:p>
@@ -12847,15 +12710,15 @@
           <a:lstStyle/>
           <a:p>
             <a:r>
-              <a:rPr lang="en-US" dirty="0" smtClean="0"/>
+              <a:rPr lang="en-US" dirty="0"/>
               <a:t>How to configure </a:t>
             </a:r>
             <a:r>
-              <a:rPr lang="en-US" dirty="0" err="1" smtClean="0"/>
+              <a:rPr lang="en-US" dirty="0" err="1"/>
               <a:t>microservice</a:t>
             </a:r>
             <a:r>
-              <a:rPr lang="en-US" dirty="0" smtClean="0"/>
+              <a:rPr lang="en-US" dirty="0"/>
               <a:t> client</a:t>
             </a:r>
             <a:endParaRPr lang="pl-PL" dirty="0"/>
@@ -12885,137 +12748,129 @@
           <a:lstStyle/>
           <a:p>
             <a:r>
-              <a:rPr lang="en-US" dirty="0" smtClean="0"/>
+              <a:rPr lang="en-US" dirty="0"/>
               <a:t>Add </a:t>
             </a:r>
             <a:r>
-              <a:rPr lang="en-US" dirty="0" err="1" smtClean="0"/>
+              <a:rPr lang="en-US" dirty="0" err="1"/>
               <a:t>config</a:t>
             </a:r>
             <a:r>
-              <a:rPr lang="en-US" dirty="0" smtClean="0"/>
+              <a:rPr lang="en-US" dirty="0"/>
               <a:t>-server dependencies:</a:t>
             </a:r>
           </a:p>
           <a:p>
-            <a:endParaRPr lang="en-US" dirty="0" smtClean="0"/>
-          </a:p>
-          <a:p>
-            <a:r>
-              <a:rPr lang="en-US" dirty="0" smtClean="0"/>
+            <a:endParaRPr lang="en-US" dirty="0"/>
+          </a:p>
+          <a:p>
+            <a:r>
+              <a:rPr lang="en-US" dirty="0"/>
               <a:t>As you know usually configurations are stored in </a:t>
             </a:r>
             <a:r>
-              <a:rPr lang="en-US" dirty="0" err="1" smtClean="0"/>
+              <a:rPr lang="en-US" dirty="0" err="1"/>
               <a:t>application.properties</a:t>
             </a:r>
             <a:r>
-              <a:rPr lang="en-US" dirty="0" smtClean="0"/>
+              <a:rPr lang="en-US" dirty="0"/>
               <a:t> or </a:t>
             </a:r>
             <a:r>
-              <a:rPr lang="en-US" dirty="0" err="1" smtClean="0"/>
+              <a:rPr lang="en-US" dirty="0" err="1"/>
               <a:t>yaml</a:t>
             </a:r>
             <a:r>
-              <a:rPr lang="en-US" dirty="0" smtClean="0"/>
+              <a:rPr lang="en-US" dirty="0"/>
               <a:t>. But also spring supports </a:t>
             </a:r>
             <a:r>
-              <a:rPr lang="en-US" dirty="0" err="1" smtClean="0"/>
+              <a:rPr lang="en-US" dirty="0" err="1"/>
               <a:t>bootstrap.properties</a:t>
             </a:r>
             <a:r>
-              <a:rPr lang="en-US" dirty="0" smtClean="0"/>
+              <a:rPr lang="en-US" dirty="0"/>
               <a:t> &amp; </a:t>
             </a:r>
             <a:r>
-              <a:rPr lang="en-US" dirty="0" err="1" smtClean="0"/>
+              <a:rPr lang="en-US" dirty="0" err="1"/>
               <a:t>yaml</a:t>
             </a:r>
             <a:r>
-              <a:rPr lang="en-US" dirty="0" smtClean="0"/>
+              <a:rPr lang="en-US" dirty="0"/>
               <a:t> configuration file. Which is used like </a:t>
             </a:r>
             <a:r>
-              <a:rPr lang="en-US" dirty="0" err="1" smtClean="0"/>
+              <a:rPr lang="en-US" dirty="0" err="1"/>
               <a:t>application.properties</a:t>
             </a:r>
             <a:r>
-              <a:rPr lang="en-US" dirty="0" smtClean="0"/>
+              <a:rPr lang="en-US" dirty="0"/>
               <a:t> but starts before it.</a:t>
             </a:r>
           </a:p>
           <a:p>
             <a:r>
-              <a:rPr lang="en-US" dirty="0" smtClean="0"/>
-              <a:t>It is advised to keep here local application </a:t>
-            </a:r>
-            <a:r>
               <a:rPr lang="en-US" dirty="0"/>
-              <a:t>specific </a:t>
-            </a:r>
-            <a:r>
-              <a:rPr lang="en-US" dirty="0" smtClean="0"/>
-              <a:t>configurations, which are not expected to be loaded by spring cloud </a:t>
-            </a:r>
-            <a:r>
-              <a:rPr lang="en-US" dirty="0" err="1" smtClean="0"/>
+              <a:t>It is advised to keep here local application specific configurations, which are not expected to be loaded by spring cloud </a:t>
+            </a:r>
+            <a:r>
+              <a:rPr lang="en-US" dirty="0" err="1"/>
               <a:t>config</a:t>
             </a:r>
             <a:r>
-              <a:rPr lang="en-US" dirty="0" smtClean="0"/>
+              <a:rPr lang="en-US" dirty="0"/>
               <a:t>. For example application name and link to </a:t>
             </a:r>
             <a:r>
-              <a:rPr lang="en-US" dirty="0" err="1" smtClean="0"/>
+              <a:rPr lang="en-US" dirty="0" err="1"/>
               <a:t>config</a:t>
             </a:r>
             <a:r>
-              <a:rPr lang="en-US" dirty="0" smtClean="0"/>
+              <a:rPr lang="en-US" dirty="0"/>
               <a:t> server. Everything else might be loaded after connection to configuration server.</a:t>
             </a:r>
           </a:p>
           <a:p>
             <a:r>
-              <a:rPr lang="en-US" dirty="0" smtClean="0"/>
+              <a:rPr lang="en-US" dirty="0"/>
               <a:t>You can check what configurations will be loaded from server from your browser. Just navigate to one of </a:t>
             </a:r>
             <a:r>
-              <a:rPr lang="en-US" dirty="0" err="1" smtClean="0"/>
+              <a:rPr lang="en-US" dirty="0" err="1"/>
               <a:t>config</a:t>
             </a:r>
             <a:r>
-              <a:rPr lang="en-US" dirty="0" smtClean="0"/>
+              <a:rPr lang="en-US" dirty="0"/>
               <a:t> files like:</a:t>
             </a:r>
           </a:p>
           <a:p>
             <a:pPr lvl="1"/>
             <a:r>
-              <a:rPr lang="en-US" dirty="0" smtClean="0"/>
+              <a:rPr lang="en-US" dirty="0"/>
               <a:t>Where {application} is service name</a:t>
             </a:r>
           </a:p>
           <a:p>
             <a:pPr lvl="1"/>
             <a:r>
-              <a:rPr lang="en-US" dirty="0" smtClean="0"/>
+              <a:rPr lang="en-US" dirty="0"/>
               <a:t>{profile} is dev/</a:t>
             </a:r>
             <a:r>
-              <a:rPr lang="en-US" dirty="0" err="1" smtClean="0"/>
+              <a:rPr lang="en-US" dirty="0" err="1"/>
               <a:t>qa</a:t>
             </a:r>
             <a:r>
-              <a:rPr lang="en-US" dirty="0" smtClean="0"/>
+              <a:rPr lang="en-US" dirty="0"/>
               <a:t>/prod</a:t>
             </a:r>
           </a:p>
           <a:p>
             <a:pPr lvl="1"/>
             <a:r>
-              <a:rPr lang="en-US" dirty="0" smtClean="0"/>
+              <a:rPr lang="en-US" dirty="0"/>
               <a:t>Like: </a:t>
             </a:r>
             <a:r>
@@ -13024,7 +12879,7 @@
               </a:rPr>
               <a:t>http://localhost:1111/user-service-dev.yml</a:t>
             </a:r>
-            <a:endParaRPr lang="en-US" dirty="0" smtClean="0"/>
+            <a:endParaRPr lang="en-US" dirty="0"/>
           </a:p>
           <a:p>
             <a:endParaRPr lang="pl-PL" dirty="0"/>
@@ -13190,13 +13045,8 @@
             </a:r>
             <a:r>
               <a:rPr lang="pl-PL" dirty="0"/>
-              <a:t>Discovery </a:t>
-            </a:r>
-            <a:r>
-              <a:rPr lang="pl-PL" dirty="0" smtClean="0"/>
-              <a:t>Server</a:t>
-            </a:r>
-            <a:endParaRPr lang="pl-PL" dirty="0"/>
+              <a:t>Discovery Server</a:t>
+            </a:r>
           </a:p>
         </p:txBody>
       </p:sp>
@@ -13258,23 +13108,7 @@
           <a:p>
             <a:r>
               <a:rPr lang="en-US" dirty="0"/>
-              <a:t>Service registration is handled by the </a:t>
-            </a:r>
-            <a:r>
-              <a:rPr lang="en-US" dirty="0" smtClean="0"/>
-              <a:t>Eureka client </a:t>
-            </a:r>
-            <a:r>
-              <a:rPr lang="en-US" dirty="0"/>
-              <a:t>component. </a:t>
-            </a:r>
-            <a:r>
-              <a:rPr lang="en-US" dirty="0" smtClean="0"/>
-              <a:t>At </a:t>
-            </a:r>
-            <a:r>
-              <a:rPr lang="en-US" dirty="0"/>
-              <a:t>runtime, the client registers the service and periodically sends heartbeats to renew its leases.</a:t>
+              <a:t>Service registration is handled by the Eureka client component. At runtime, the client registers the service and periodically sends heartbeats to renew its leases.</a:t>
             </a:r>
             <a:endParaRPr lang="pl-PL" dirty="0"/>
           </a:p>

--- a/docs/Introduction_To_Microservices_Part_3_microservice.pptx
+++ b/docs/Introduction_To_Microservices_Part_3_microservice.pptx
@@ -215,7 +215,7 @@
           <a:p>
             <a:fld id="{DD57F23A-0794-4AF6-8931-826AE2291CB6}" type="datetimeFigureOut">
               <a:rPr lang="en-US" smtClean="0"/>
-              <a:t>8/19/2019</a:t>
+              <a:t>9/2/2019</a:t>
             </a:fld>
             <a:endParaRPr lang="en-US"/>
           </a:p>
@@ -1999,7 +1999,7 @@
             <a:fld id="{B61BEF0D-F0BB-DE4B-95CE-6DB70DBA9567}" type="datetimeFigureOut">
               <a:rPr lang="en-US" dirty="0"/>
               <a:pPr/>
-              <a:t>8/19/2019</a:t>
+              <a:t>9/2/2019</a:t>
             </a:fld>
             <a:endParaRPr lang="en-US" dirty="0"/>
           </a:p>
@@ -2247,7 +2247,7 @@
             <a:fld id="{B61BEF0D-F0BB-DE4B-95CE-6DB70DBA9567}" type="datetimeFigureOut">
               <a:rPr lang="en-US" dirty="0"/>
               <a:pPr/>
-              <a:t>8/19/2019</a:t>
+              <a:t>9/2/2019</a:t>
             </a:fld>
             <a:endParaRPr lang="en-US" dirty="0"/>
           </a:p>
@@ -2558,7 +2558,7 @@
             <a:fld id="{B61BEF0D-F0BB-DE4B-95CE-6DB70DBA9567}" type="datetimeFigureOut">
               <a:rPr lang="en-US" dirty="0"/>
               <a:pPr/>
-              <a:t>8/19/2019</a:t>
+              <a:t>9/2/2019</a:t>
             </a:fld>
             <a:endParaRPr lang="en-US" dirty="0"/>
           </a:p>
@@ -2888,7 +2888,7 @@
             <a:fld id="{B61BEF0D-F0BB-DE4B-95CE-6DB70DBA9567}" type="datetimeFigureOut">
               <a:rPr lang="en-US" dirty="0"/>
               <a:pPr/>
-              <a:t>8/19/2019</a:t>
+              <a:t>9/2/2019</a:t>
             </a:fld>
             <a:endParaRPr lang="en-US" dirty="0"/>
           </a:p>
@@ -3199,7 +3199,7 @@
             <a:fld id="{B61BEF0D-F0BB-DE4B-95CE-6DB70DBA9567}" type="datetimeFigureOut">
               <a:rPr lang="en-US" dirty="0"/>
               <a:pPr/>
-              <a:t>8/19/2019</a:t>
+              <a:t>9/2/2019</a:t>
             </a:fld>
             <a:endParaRPr lang="en-US" dirty="0"/>
           </a:p>
@@ -3589,7 +3589,7 @@
             <a:fld id="{B61BEF0D-F0BB-DE4B-95CE-6DB70DBA9567}" type="datetimeFigureOut">
               <a:rPr lang="en-US" dirty="0"/>
               <a:pPr/>
-              <a:t>8/19/2019</a:t>
+              <a:t>9/2/2019</a:t>
             </a:fld>
             <a:endParaRPr lang="en-US" dirty="0"/>
           </a:p>
@@ -3755,7 +3755,7 @@
           <a:p>
             <a:fld id="{55C6B4A9-1611-4792-9094-5F34BCA07E0B}" type="datetimeFigureOut">
               <a:rPr lang="en-US" dirty="0"/>
-              <a:t>8/19/2019</a:t>
+              <a:t>9/2/2019</a:t>
             </a:fld>
             <a:endParaRPr lang="en-US" dirty="0"/>
           </a:p>
@@ -3931,7 +3931,7 @@
             <a:fld id="{B61BEF0D-F0BB-DE4B-95CE-6DB70DBA9567}" type="datetimeFigureOut">
               <a:rPr lang="en-US" dirty="0"/>
               <a:pPr/>
-              <a:t>8/19/2019</a:t>
+              <a:t>9/2/2019</a:t>
             </a:fld>
             <a:endParaRPr lang="en-US" dirty="0"/>
           </a:p>
@@ -4097,7 +4097,7 @@
           <a:p>
             <a:fld id="{42A54C80-263E-416B-A8E0-580EDEADCBDC}" type="datetimeFigureOut">
               <a:rPr lang="en-US" dirty="0"/>
-              <a:t>8/19/2019</a:t>
+              <a:t>9/2/2019</a:t>
             </a:fld>
             <a:endParaRPr lang="en-US" dirty="0"/>
           </a:p>
@@ -4340,7 +4340,7 @@
             <a:fld id="{B61BEF0D-F0BB-DE4B-95CE-6DB70DBA9567}" type="datetimeFigureOut">
               <a:rPr lang="en-US" dirty="0"/>
               <a:pPr/>
-              <a:t>8/19/2019</a:t>
+              <a:t>9/2/2019</a:t>
             </a:fld>
             <a:endParaRPr lang="en-US" dirty="0"/>
           </a:p>
@@ -4568,7 +4568,7 @@
           <a:p>
             <a:fld id="{42A54C80-263E-416B-A8E0-580EDEADCBDC}" type="datetimeFigureOut">
               <a:rPr lang="en-US" dirty="0"/>
-              <a:t>8/19/2019</a:t>
+              <a:t>9/2/2019</a:t>
             </a:fld>
             <a:endParaRPr lang="en-US" dirty="0"/>
           </a:p>
@@ -4938,7 +4938,7 @@
             <a:fld id="{B61BEF0D-F0BB-DE4B-95CE-6DB70DBA9567}" type="datetimeFigureOut">
               <a:rPr lang="en-US" dirty="0"/>
               <a:pPr/>
-              <a:t>8/19/2019</a:t>
+              <a:t>9/2/2019</a:t>
             </a:fld>
             <a:endParaRPr lang="en-US" dirty="0"/>
           </a:p>
@@ -5058,7 +5058,7 @@
             <a:fld id="{B61BEF0D-F0BB-DE4B-95CE-6DB70DBA9567}" type="datetimeFigureOut">
               <a:rPr lang="en-US" dirty="0"/>
               <a:pPr/>
-              <a:t>8/19/2019</a:t>
+              <a:t>9/2/2019</a:t>
             </a:fld>
             <a:endParaRPr lang="en-US" dirty="0"/>
           </a:p>
@@ -5150,7 +5150,7 @@
             <a:fld id="{B61BEF0D-F0BB-DE4B-95CE-6DB70DBA9567}" type="datetimeFigureOut">
               <a:rPr lang="en-US" dirty="0"/>
               <a:pPr/>
-              <a:t>8/19/2019</a:t>
+              <a:t>9/2/2019</a:t>
             </a:fld>
             <a:endParaRPr lang="en-US" dirty="0"/>
           </a:p>
@@ -5401,7 +5401,7 @@
           <a:p>
             <a:fld id="{42A54C80-263E-416B-A8E0-580EDEADCBDC}" type="datetimeFigureOut">
               <a:rPr lang="en-US" dirty="0"/>
-              <a:t>8/19/2019</a:t>
+              <a:t>9/2/2019</a:t>
             </a:fld>
             <a:endParaRPr lang="en-US" dirty="0"/>
           </a:p>
@@ -5703,7 +5703,7 @@
             <a:fld id="{B61BEF0D-F0BB-DE4B-95CE-6DB70DBA9567}" type="datetimeFigureOut">
               <a:rPr lang="en-US" dirty="0"/>
               <a:pPr/>
-              <a:t>8/19/2019</a:t>
+              <a:t>9/2/2019</a:t>
             </a:fld>
             <a:endParaRPr lang="en-US" dirty="0"/>
           </a:p>
@@ -6401,7 +6401,7 @@
             <a:fld id="{B61BEF0D-F0BB-DE4B-95CE-6DB70DBA9567}" type="datetimeFigureOut">
               <a:rPr lang="en-US" dirty="0"/>
               <a:pPr/>
-              <a:t>8/19/2019</a:t>
+              <a:t>9/2/2019</a:t>
             </a:fld>
             <a:endParaRPr lang="en-US" dirty="0"/>
           </a:p>
@@ -10513,7 +10513,7 @@
           <a:p>
             <a:r>
               <a:rPr lang="en-US" dirty="0"/>
-              <a:t>Simple Demo Monolith Application</a:t>
+              <a:t>Microservices Example</a:t>
             </a:r>
           </a:p>
         </p:txBody>

--- a/docs/Introduction_To_Microservices_Part_3_microservice.pptx
+++ b/docs/Introduction_To_Microservices_Part_3_microservice.pptx
@@ -5,7 +5,7 @@
     <p:sldMasterId id="2147483648" r:id="rId1"/>
   </p:sldMasterIdLst>
   <p:notesMasterIdLst>
-    <p:notesMasterId r:id="rId21"/>
+    <p:notesMasterId r:id="rId22"/>
   </p:notesMasterIdLst>
   <p:sldIdLst>
     <p:sldId id="256" r:id="rId2"/>
@@ -24,9 +24,10 @@
     <p:sldId id="291" r:id="rId15"/>
     <p:sldId id="288" r:id="rId16"/>
     <p:sldId id="289" r:id="rId17"/>
-    <p:sldId id="279" r:id="rId18"/>
-    <p:sldId id="290" r:id="rId19"/>
-    <p:sldId id="280" r:id="rId20"/>
+    <p:sldId id="292" r:id="rId18"/>
+    <p:sldId id="279" r:id="rId19"/>
+    <p:sldId id="290" r:id="rId20"/>
+    <p:sldId id="280" r:id="rId21"/>
   </p:sldIdLst>
   <p:sldSz cx="12192000" cy="6858000"/>
   <p:notesSz cx="6858000" cy="9144000"/>
@@ -215,7 +216,7 @@
           <a:p>
             <a:fld id="{DD57F23A-0794-4AF6-8931-826AE2291CB6}" type="datetimeFigureOut">
               <a:rPr lang="en-US" smtClean="0"/>
-              <a:t>8/19/2019</a:t>
+              <a:t>2/5/2020</a:t>
             </a:fld>
             <a:endParaRPr lang="en-US"/>
           </a:p>
@@ -1999,7 +2000,7 @@
             <a:fld id="{B61BEF0D-F0BB-DE4B-95CE-6DB70DBA9567}" type="datetimeFigureOut">
               <a:rPr lang="en-US" dirty="0"/>
               <a:pPr/>
-              <a:t>8/19/2019</a:t>
+              <a:t>2/5/2020</a:t>
             </a:fld>
             <a:endParaRPr lang="en-US" dirty="0"/>
           </a:p>
@@ -2247,7 +2248,7 @@
             <a:fld id="{B61BEF0D-F0BB-DE4B-95CE-6DB70DBA9567}" type="datetimeFigureOut">
               <a:rPr lang="en-US" dirty="0"/>
               <a:pPr/>
-              <a:t>8/19/2019</a:t>
+              <a:t>2/5/2020</a:t>
             </a:fld>
             <a:endParaRPr lang="en-US" dirty="0"/>
           </a:p>
@@ -2558,7 +2559,7 @@
             <a:fld id="{B61BEF0D-F0BB-DE4B-95CE-6DB70DBA9567}" type="datetimeFigureOut">
               <a:rPr lang="en-US" dirty="0"/>
               <a:pPr/>
-              <a:t>8/19/2019</a:t>
+              <a:t>2/5/2020</a:t>
             </a:fld>
             <a:endParaRPr lang="en-US" dirty="0"/>
           </a:p>
@@ -2888,7 +2889,7 @@
             <a:fld id="{B61BEF0D-F0BB-DE4B-95CE-6DB70DBA9567}" type="datetimeFigureOut">
               <a:rPr lang="en-US" dirty="0"/>
               <a:pPr/>
-              <a:t>8/19/2019</a:t>
+              <a:t>2/5/2020</a:t>
             </a:fld>
             <a:endParaRPr lang="en-US" dirty="0"/>
           </a:p>
@@ -3199,7 +3200,7 @@
             <a:fld id="{B61BEF0D-F0BB-DE4B-95CE-6DB70DBA9567}" type="datetimeFigureOut">
               <a:rPr lang="en-US" dirty="0"/>
               <a:pPr/>
-              <a:t>8/19/2019</a:t>
+              <a:t>2/5/2020</a:t>
             </a:fld>
             <a:endParaRPr lang="en-US" dirty="0"/>
           </a:p>
@@ -3589,7 +3590,7 @@
             <a:fld id="{B61BEF0D-F0BB-DE4B-95CE-6DB70DBA9567}" type="datetimeFigureOut">
               <a:rPr lang="en-US" dirty="0"/>
               <a:pPr/>
-              <a:t>8/19/2019</a:t>
+              <a:t>2/5/2020</a:t>
             </a:fld>
             <a:endParaRPr lang="en-US" dirty="0"/>
           </a:p>
@@ -3755,7 +3756,7 @@
           <a:p>
             <a:fld id="{55C6B4A9-1611-4792-9094-5F34BCA07E0B}" type="datetimeFigureOut">
               <a:rPr lang="en-US" dirty="0"/>
-              <a:t>8/19/2019</a:t>
+              <a:t>2/5/2020</a:t>
             </a:fld>
             <a:endParaRPr lang="en-US" dirty="0"/>
           </a:p>
@@ -3931,7 +3932,7 @@
             <a:fld id="{B61BEF0D-F0BB-DE4B-95CE-6DB70DBA9567}" type="datetimeFigureOut">
               <a:rPr lang="en-US" dirty="0"/>
               <a:pPr/>
-              <a:t>8/19/2019</a:t>
+              <a:t>2/5/2020</a:t>
             </a:fld>
             <a:endParaRPr lang="en-US" dirty="0"/>
           </a:p>
@@ -4097,7 +4098,7 @@
           <a:p>
             <a:fld id="{42A54C80-263E-416B-A8E0-580EDEADCBDC}" type="datetimeFigureOut">
               <a:rPr lang="en-US" dirty="0"/>
-              <a:t>8/19/2019</a:t>
+              <a:t>2/5/2020</a:t>
             </a:fld>
             <a:endParaRPr lang="en-US" dirty="0"/>
           </a:p>
@@ -4340,7 +4341,7 @@
             <a:fld id="{B61BEF0D-F0BB-DE4B-95CE-6DB70DBA9567}" type="datetimeFigureOut">
               <a:rPr lang="en-US" dirty="0"/>
               <a:pPr/>
-              <a:t>8/19/2019</a:t>
+              <a:t>2/5/2020</a:t>
             </a:fld>
             <a:endParaRPr lang="en-US" dirty="0"/>
           </a:p>
@@ -4568,7 +4569,7 @@
           <a:p>
             <a:fld id="{42A54C80-263E-416B-A8E0-580EDEADCBDC}" type="datetimeFigureOut">
               <a:rPr lang="en-US" dirty="0"/>
-              <a:t>8/19/2019</a:t>
+              <a:t>2/5/2020</a:t>
             </a:fld>
             <a:endParaRPr lang="en-US" dirty="0"/>
           </a:p>
@@ -4938,7 +4939,7 @@
             <a:fld id="{B61BEF0D-F0BB-DE4B-95CE-6DB70DBA9567}" type="datetimeFigureOut">
               <a:rPr lang="en-US" dirty="0"/>
               <a:pPr/>
-              <a:t>8/19/2019</a:t>
+              <a:t>2/5/2020</a:t>
             </a:fld>
             <a:endParaRPr lang="en-US" dirty="0"/>
           </a:p>
@@ -5058,7 +5059,7 @@
             <a:fld id="{B61BEF0D-F0BB-DE4B-95CE-6DB70DBA9567}" type="datetimeFigureOut">
               <a:rPr lang="en-US" dirty="0"/>
               <a:pPr/>
-              <a:t>8/19/2019</a:t>
+              <a:t>2/5/2020</a:t>
             </a:fld>
             <a:endParaRPr lang="en-US" dirty="0"/>
           </a:p>
@@ -5150,7 +5151,7 @@
             <a:fld id="{B61BEF0D-F0BB-DE4B-95CE-6DB70DBA9567}" type="datetimeFigureOut">
               <a:rPr lang="en-US" dirty="0"/>
               <a:pPr/>
-              <a:t>8/19/2019</a:t>
+              <a:t>2/5/2020</a:t>
             </a:fld>
             <a:endParaRPr lang="en-US" dirty="0"/>
           </a:p>
@@ -5401,7 +5402,7 @@
           <a:p>
             <a:fld id="{42A54C80-263E-416B-A8E0-580EDEADCBDC}" type="datetimeFigureOut">
               <a:rPr lang="en-US" dirty="0"/>
-              <a:t>8/19/2019</a:t>
+              <a:t>2/5/2020</a:t>
             </a:fld>
             <a:endParaRPr lang="en-US" dirty="0"/>
           </a:p>
@@ -5703,7 +5704,7 @@
             <a:fld id="{B61BEF0D-F0BB-DE4B-95CE-6DB70DBA9567}" type="datetimeFigureOut">
               <a:rPr lang="en-US" dirty="0"/>
               <a:pPr/>
-              <a:t>8/19/2019</a:t>
+              <a:t>2/5/2020</a:t>
             </a:fld>
             <a:endParaRPr lang="en-US" dirty="0"/>
           </a:p>
@@ -6401,7 +6402,7 @@
             <a:fld id="{B61BEF0D-F0BB-DE4B-95CE-6DB70DBA9567}" type="datetimeFigureOut">
               <a:rPr lang="en-US" dirty="0"/>
               <a:pPr/>
-              <a:t>8/19/2019</a:t>
+              <a:t>2/5/2020</a:t>
             </a:fld>
             <a:endParaRPr lang="en-US" dirty="0"/>
           </a:p>
@@ -8741,6 +8742,213 @@
           <p:cNvPr id="2" name="Title 1">
             <a:extLst>
               <a:ext uri="{FF2B5EF4-FFF2-40B4-BE49-F238E27FC236}">
+                <a16:creationId xmlns:a16="http://schemas.microsoft.com/office/drawing/2014/main" id="{B30A76AF-EF0D-49FD-A612-983F09B78487}"/>
+              </a:ext>
+            </a:extLst>
+          </p:cNvPr>
+          <p:cNvSpPr>
+            <a:spLocks noGrp="1"/>
+          </p:cNvSpPr>
+          <p:nvPr>
+            <p:ph type="title"/>
+          </p:nvPr>
+        </p:nvSpPr>
+        <p:spPr/>
+        <p:txBody>
+          <a:bodyPr/>
+          <a:lstStyle/>
+          <a:p>
+            <a:r>
+              <a:rPr lang="en-US" dirty="0"/>
+              <a:t>Feign Client</a:t>
+            </a:r>
+            <a:endParaRPr lang="pl-PL" dirty="0"/>
+          </a:p>
+        </p:txBody>
+      </p:sp>
+      <p:sp>
+        <p:nvSpPr>
+          <p:cNvPr id="3" name="Content Placeholder 2">
+            <a:extLst>
+              <a:ext uri="{FF2B5EF4-FFF2-40B4-BE49-F238E27FC236}">
+                <a16:creationId xmlns:a16="http://schemas.microsoft.com/office/drawing/2014/main" id="{608A366A-4FE9-4A10-835C-2377ECF08971}"/>
+              </a:ext>
+            </a:extLst>
+          </p:cNvPr>
+          <p:cNvSpPr>
+            <a:spLocks noGrp="1"/>
+          </p:cNvSpPr>
+          <p:nvPr>
+            <p:ph idx="1"/>
+          </p:nvPr>
+        </p:nvSpPr>
+        <p:spPr>
+          <a:xfrm>
+            <a:off x="677335" y="1327054"/>
+            <a:ext cx="5144968" cy="4921346"/>
+          </a:xfrm>
+        </p:spPr>
+        <p:txBody>
+          <a:bodyPr>
+            <a:normAutofit lnSpcReduction="10000"/>
+          </a:bodyPr>
+          <a:lstStyle/>
+          <a:p>
+            <a:r>
+              <a:rPr lang="en-US" dirty="0"/>
+              <a:t>Without Feign</a:t>
+            </a:r>
+            <a:r>
+              <a:rPr lang="pl-PL" dirty="0"/>
+              <a:t> you sould</a:t>
+            </a:r>
+            <a:r>
+              <a:rPr lang="en-US" dirty="0"/>
+              <a:t> </a:t>
+            </a:r>
+            <a:r>
+              <a:rPr lang="pl-PL" dirty="0"/>
+              <a:t>use</a:t>
+            </a:r>
+            <a:r>
+              <a:rPr lang="en-US" dirty="0"/>
+              <a:t> </a:t>
+            </a:r>
+            <a:r>
+              <a:rPr lang="en-US" dirty="0" err="1"/>
+              <a:t>RestTemplate</a:t>
+            </a:r>
+            <a:r>
+              <a:rPr lang="en-US" dirty="0"/>
+              <a:t> to call </a:t>
+            </a:r>
+            <a:r>
+              <a:rPr lang="pl-PL" dirty="0"/>
+              <a:t>other services</a:t>
+            </a:r>
+            <a:r>
+              <a:rPr lang="en-US" dirty="0"/>
+              <a:t>.</a:t>
+            </a:r>
+            <a:r>
+              <a:rPr lang="pl-PL" dirty="0"/>
+              <a:t> </a:t>
+            </a:r>
+          </a:p>
+          <a:p>
+            <a:r>
+              <a:rPr lang="pl-PL" dirty="0"/>
+              <a:t>That requires a lot of boilerplate coding and configurations to build service url</a:t>
+            </a:r>
+          </a:p>
+          <a:p>
+            <a:endParaRPr lang="pl-PL" dirty="0"/>
+          </a:p>
+          <a:p>
+            <a:endParaRPr lang="pl-PL" dirty="0"/>
+          </a:p>
+          <a:p>
+            <a:endParaRPr lang="pl-PL" dirty="0"/>
+          </a:p>
+          <a:p>
+            <a:endParaRPr lang="pl-PL" dirty="0"/>
+          </a:p>
+          <a:p>
+            <a:endParaRPr lang="pl-PL" dirty="0"/>
+          </a:p>
+          <a:p>
+            <a:endParaRPr lang="pl-PL" dirty="0"/>
+          </a:p>
+          <a:p>
+            <a:endParaRPr lang="pl-PL" dirty="0"/>
+          </a:p>
+          <a:p>
+            <a:endParaRPr lang="pl-PL" dirty="0"/>
+          </a:p>
+          <a:p>
+            <a:r>
+              <a:rPr lang="pl-PL" dirty="0"/>
+              <a:t>Feign </a:t>
+            </a:r>
+            <a:r>
+              <a:rPr lang="en-US" dirty="0"/>
+              <a:t>makes writing web service clients easier. </a:t>
+            </a:r>
+            <a:endParaRPr lang="pl-PL" dirty="0"/>
+          </a:p>
+          <a:p>
+            <a:endParaRPr lang="pl-PL" dirty="0"/>
+          </a:p>
+          <a:p>
+            <a:endParaRPr lang="pl-PL" dirty="0"/>
+          </a:p>
+        </p:txBody>
+      </p:sp>
+      <p:pic>
+        <p:nvPicPr>
+          <p:cNvPr id="4" name="Picture 3">
+            <a:extLst>
+              <a:ext uri="{FF2B5EF4-FFF2-40B4-BE49-F238E27FC236}">
+                <a16:creationId xmlns:a16="http://schemas.microsoft.com/office/drawing/2014/main" id="{069966DD-8798-417D-B50F-A5AAC2DBB00F}"/>
+              </a:ext>
+            </a:extLst>
+          </p:cNvPr>
+          <p:cNvPicPr>
+            <a:picLocks noChangeAspect="1"/>
+          </p:cNvPicPr>
+          <p:nvPr/>
+        </p:nvPicPr>
+        <p:blipFill>
+          <a:blip r:embed="rId2"/>
+          <a:stretch>
+            <a:fillRect/>
+          </a:stretch>
+        </p:blipFill>
+        <p:spPr>
+          <a:xfrm>
+            <a:off x="6456118" y="723522"/>
+            <a:ext cx="5363323" cy="2705478"/>
+          </a:xfrm>
+          <a:prstGeom prst="rect">
+            <a:avLst/>
+          </a:prstGeom>
+        </p:spPr>
+      </p:pic>
+    </p:spTree>
+    <p:extLst>
+      <p:ext uri="{BB962C8B-B14F-4D97-AF65-F5344CB8AC3E}">
+        <p14:creationId xmlns:p14="http://schemas.microsoft.com/office/powerpoint/2010/main" val="1845038583"/>
+      </p:ext>
+    </p:extLst>
+  </p:cSld>
+  <p:clrMapOvr>
+    <a:masterClrMapping/>
+  </p:clrMapOvr>
+</p:sld>
+</file>
+
+<file path=ppt/slides/slide18.xml><?xml version="1.0" encoding="utf-8"?>
+<p:sld xmlns:a="http://schemas.openxmlformats.org/drawingml/2006/main" xmlns:r="http://schemas.openxmlformats.org/officeDocument/2006/relationships" xmlns:p="http://schemas.openxmlformats.org/presentationml/2006/main">
+  <p:cSld>
+    <p:spTree>
+      <p:nvGrpSpPr>
+        <p:cNvPr id="1" name=""/>
+        <p:cNvGrpSpPr/>
+        <p:nvPr/>
+      </p:nvGrpSpPr>
+      <p:grpSpPr>
+        <a:xfrm>
+          <a:off x="0" y="0"/>
+          <a:ext cx="0" cy="0"/>
+          <a:chOff x="0" y="0"/>
+          <a:chExt cx="0" cy="0"/>
+        </a:xfrm>
+      </p:grpSpPr>
+      <p:sp>
+        <p:nvSpPr>
+          <p:cNvPr id="2" name="Title 1">
+            <a:extLst>
+              <a:ext uri="{FF2B5EF4-FFF2-40B4-BE49-F238E27FC236}">
                 <a16:creationId xmlns:a16="http://schemas.microsoft.com/office/drawing/2014/main" id="{1B6FEF37-E8EB-4FAE-92E0-573668930DAF}"/>
               </a:ext>
             </a:extLst>
@@ -8786,7 +8994,7 @@
         </p:nvSpPr>
         <p:spPr>
           <a:xfrm>
-            <a:off x="708941" y="1352094"/>
+            <a:off x="642430" y="1569264"/>
             <a:ext cx="5666316" cy="3880773"/>
           </a:xfrm>
         </p:spPr>
@@ -8798,41 +9006,79 @@
           <a:p>
             <a:r>
               <a:rPr lang="en-US" sz="2000" dirty="0"/>
+              <a:t>Without Feign</a:t>
+            </a:r>
+            <a:r>
+              <a:rPr lang="pl-PL" sz="2000" dirty="0"/>
+              <a:t> you sould</a:t>
+            </a:r>
+            <a:r>
+              <a:rPr lang="en-US" sz="2000" dirty="0"/>
+              <a:t> </a:t>
+            </a:r>
+            <a:r>
+              <a:rPr lang="pl-PL" sz="2000" dirty="0"/>
+              <a:t>use</a:t>
+            </a:r>
+            <a:r>
+              <a:rPr lang="en-US" sz="2000" dirty="0"/>
+              <a:t> </a:t>
+            </a:r>
+            <a:r>
+              <a:rPr lang="en-US" sz="2000" dirty="0" err="1"/>
+              <a:t>RestTemplate</a:t>
+            </a:r>
+            <a:r>
+              <a:rPr lang="en-US" sz="2000" dirty="0"/>
+              <a:t> to call </a:t>
+            </a:r>
+            <a:r>
+              <a:rPr lang="pl-PL" sz="2000" dirty="0"/>
+              <a:t>other services</a:t>
+            </a:r>
+            <a:r>
+              <a:rPr lang="en-US" sz="2000" dirty="0"/>
+              <a:t>.</a:t>
+            </a:r>
+            <a:r>
+              <a:rPr lang="pl-PL" sz="2000" dirty="0"/>
+              <a:t> </a:t>
+            </a:r>
+          </a:p>
+          <a:p>
+            <a:r>
+              <a:rPr lang="pl-PL" sz="2000" dirty="0"/>
+              <a:t>That requires a lot of boilerplate coding and configurations to build service URL</a:t>
+            </a:r>
+          </a:p>
+          <a:p>
+            <a:endParaRPr lang="pl-PL" sz="2000" dirty="0"/>
+          </a:p>
+          <a:p>
+            <a:endParaRPr lang="pl-PL" sz="2000" dirty="0"/>
+          </a:p>
+          <a:p>
+            <a:r>
+              <a:rPr lang="en-US" sz="2000" dirty="0"/>
               <a:t>Feign is a Java to HTTP client binder. </a:t>
             </a:r>
           </a:p>
           <a:p>
             <a:r>
               <a:rPr lang="en-US" sz="2000" dirty="0"/>
-              <a:t>Feign Simplifies the HTTP API Clients using declarative way.</a:t>
-            </a:r>
-          </a:p>
-          <a:p>
+              <a:t>Developers can use declarative annotations to call rest </a:t>
+            </a:r>
+            <a:r>
+              <a:rPr lang="en-US" sz="2000" dirty="0" err="1"/>
+              <a:t>servic</a:t>
+            </a:r>
+            <a:r>
+              <a:rPr lang="pl-PL" sz="2000" dirty="0"/>
+              <a:t>e</a:t>
+            </a:r>
             <a:r>
               <a:rPr lang="en-US" sz="2000" dirty="0"/>
-              <a:t>Feign is a library for creating REST API clients in a declarative way. Developers can use declarative annotations to call rest </a:t>
-            </a:r>
-            <a:r>
-              <a:rPr lang="en-US" sz="2000" dirty="0" err="1"/>
-              <a:t>servicese</a:t>
-            </a:r>
-            <a:r>
-              <a:rPr lang="en-US" sz="2000" dirty="0"/>
-              <a:t> instead of writing repetitive boilerplate code.</a:t>
-            </a:r>
-          </a:p>
-          <a:p>
-            <a:r>
-              <a:rPr lang="en-US" sz="2000" dirty="0"/>
-              <a:t>It makes writing web service clients easier. Developers can use declarative annotations to call rest </a:t>
-            </a:r>
-            <a:r>
-              <a:rPr lang="en-US" sz="2000" dirty="0" err="1"/>
-              <a:t>servicese</a:t>
-            </a:r>
-            <a:r>
-              <a:rPr lang="en-US" sz="2000" dirty="0"/>
-              <a:t> instead of writing repetitive boilerplate code.</a:t>
+              <a:t>s instead of writing repetitive boilerplate code.</a:t>
             </a:r>
           </a:p>
           <a:p>
@@ -8840,7 +9086,10 @@
               <a:rPr lang="en-US" sz="2000" dirty="0"/>
               <a:t>Feign uses Eureka to find other services by name.</a:t>
             </a:r>
-            <a:endParaRPr lang="pl-PL" sz="2000" dirty="0"/>
+            <a:r>
+              <a:rPr lang="pl-PL" sz="2000" dirty="0"/>
+              <a:t> Don’t need to build URL anymore.</a:t>
+            </a:r>
           </a:p>
         </p:txBody>
       </p:sp>
@@ -8852,7 +9101,7 @@
         </p:nvGrpSpPr>
         <p:grpSpPr>
           <a:xfrm>
-            <a:off x="6895254" y="2675730"/>
+            <a:off x="7560852" y="3930637"/>
             <a:ext cx="3368887" cy="2151671"/>
             <a:chOff x="677334" y="3031472"/>
             <a:chExt cx="3368887" cy="2151671"/>
@@ -9186,6 +9435,36 @@
           </p:txBody>
         </p:sp>
       </p:grpSp>
+      <p:pic>
+        <p:nvPicPr>
+          <p:cNvPr id="7" name="Picture 6">
+            <a:extLst>
+              <a:ext uri="{FF2B5EF4-FFF2-40B4-BE49-F238E27FC236}">
+                <a16:creationId xmlns:a16="http://schemas.microsoft.com/office/drawing/2014/main" id="{5A2C2F1B-86E7-423F-8C1B-781E365A9769}"/>
+              </a:ext>
+            </a:extLst>
+          </p:cNvPr>
+          <p:cNvPicPr>
+            <a:picLocks noChangeAspect="1"/>
+          </p:cNvPicPr>
+          <p:nvPr/>
+        </p:nvPicPr>
+        <p:blipFill>
+          <a:blip r:embed="rId2"/>
+          <a:stretch>
+            <a:fillRect/>
+          </a:stretch>
+        </p:blipFill>
+        <p:spPr>
+          <a:xfrm>
+            <a:off x="6495868" y="705734"/>
+            <a:ext cx="5277587" cy="2448267"/>
+          </a:xfrm>
+          <a:prstGeom prst="rect">
+            <a:avLst/>
+          </a:prstGeom>
+        </p:spPr>
+      </p:pic>
     </p:spTree>
     <p:extLst>
       <p:ext uri="{BB962C8B-B14F-4D97-AF65-F5344CB8AC3E}">
@@ -9199,7 +9478,7 @@
 </p:sld>
 </file>
 
-<file path=ppt/slides/slide18.xml><?xml version="1.0" encoding="utf-8"?>
+<file path=ppt/slides/slide19.xml><?xml version="1.0" encoding="utf-8"?>
 <p:sld xmlns:a="http://schemas.openxmlformats.org/drawingml/2006/main" xmlns:r="http://schemas.openxmlformats.org/officeDocument/2006/relationships" xmlns:p="http://schemas.openxmlformats.org/presentationml/2006/main">
   <p:cSld>
     <p:spTree>
@@ -9471,160 +9750,6 @@
     <p:extLst>
       <p:ext uri="{BB962C8B-B14F-4D97-AF65-F5344CB8AC3E}">
         <p14:creationId xmlns:p14="http://schemas.microsoft.com/office/powerpoint/2010/main" val="4229313578"/>
-      </p:ext>
-    </p:extLst>
-  </p:cSld>
-  <p:clrMapOvr>
-    <a:masterClrMapping/>
-  </p:clrMapOvr>
-</p:sld>
-</file>
-
-<file path=ppt/slides/slide19.xml><?xml version="1.0" encoding="utf-8"?>
-<p:sld xmlns:a="http://schemas.openxmlformats.org/drawingml/2006/main" xmlns:r="http://schemas.openxmlformats.org/officeDocument/2006/relationships" xmlns:p="http://schemas.openxmlformats.org/presentationml/2006/main">
-  <p:cSld>
-    <p:spTree>
-      <p:nvGrpSpPr>
-        <p:cNvPr id="1" name=""/>
-        <p:cNvGrpSpPr/>
-        <p:nvPr/>
-      </p:nvGrpSpPr>
-      <p:grpSpPr>
-        <a:xfrm>
-          <a:off x="0" y="0"/>
-          <a:ext cx="0" cy="0"/>
-          <a:chOff x="0" y="0"/>
-          <a:chExt cx="0" cy="0"/>
-        </a:xfrm>
-      </p:grpSpPr>
-      <p:sp>
-        <p:nvSpPr>
-          <p:cNvPr id="2" name="Title 1"/>
-          <p:cNvSpPr>
-            <a:spLocks noGrp="1"/>
-          </p:cNvSpPr>
-          <p:nvPr>
-            <p:ph type="title"/>
-          </p:nvPr>
-        </p:nvSpPr>
-        <p:spPr/>
-        <p:txBody>
-          <a:bodyPr/>
-          <a:lstStyle/>
-          <a:p>
-            <a:r>
-              <a:rPr lang="en-US" dirty="0"/>
-              <a:t>Home Work - Task 1</a:t>
-            </a:r>
-            <a:endParaRPr lang="pl-PL" dirty="0"/>
-          </a:p>
-        </p:txBody>
-      </p:sp>
-      <p:sp>
-        <p:nvSpPr>
-          <p:cNvPr id="3" name="Content Placeholder 2"/>
-          <p:cNvSpPr>
-            <a:spLocks noGrp="1"/>
-          </p:cNvSpPr>
-          <p:nvPr>
-            <p:ph idx="1"/>
-          </p:nvPr>
-        </p:nvSpPr>
-        <p:spPr>
-          <a:xfrm>
-            <a:off x="677334" y="1302241"/>
-            <a:ext cx="9940944" cy="3880773"/>
-          </a:xfrm>
-        </p:spPr>
-        <p:txBody>
-          <a:bodyPr/>
-          <a:lstStyle/>
-          <a:p>
-            <a:r>
-              <a:rPr lang="en-US" dirty="0"/>
-              <a:t>Try to run </a:t>
-            </a:r>
-          </a:p>
-          <a:p>
-            <a:pPr lvl="1"/>
-            <a:r>
-              <a:rPr lang="en-US" dirty="0" err="1"/>
-              <a:t>configserver</a:t>
-            </a:r>
-            <a:endParaRPr lang="en-US" dirty="0"/>
-          </a:p>
-          <a:p>
-            <a:pPr lvl="1"/>
-            <a:r>
-              <a:rPr lang="en-US" dirty="0"/>
-              <a:t>registry-service</a:t>
-            </a:r>
-          </a:p>
-          <a:p>
-            <a:pPr lvl="1"/>
-            <a:r>
-              <a:rPr lang="en-US" dirty="0"/>
-              <a:t>user-service</a:t>
-            </a:r>
-          </a:p>
-          <a:p>
-            <a:pPr lvl="1"/>
-            <a:r>
-              <a:rPr lang="en-US" dirty="0"/>
-              <a:t>email-service.</a:t>
-            </a:r>
-          </a:p>
-          <a:p>
-            <a:r>
-              <a:rPr lang="en-US" dirty="0"/>
-              <a:t>Navigate to Eureka endpoint localhost:8888 and check assigned addresses and ports.</a:t>
-            </a:r>
-          </a:p>
-          <a:p>
-            <a:r>
-              <a:rPr lang="en-US" dirty="0"/>
-              <a:t>Now shut-down everything and run only registry-service, user-service and email-service.</a:t>
-            </a:r>
-          </a:p>
-          <a:p>
-            <a:r>
-              <a:rPr lang="en-US" dirty="0"/>
-              <a:t>Navigate to Eureka and check assigned ports. Why they are changed?</a:t>
-            </a:r>
-          </a:p>
-          <a:p>
-            <a:endParaRPr lang="pl-PL" dirty="0"/>
-          </a:p>
-        </p:txBody>
-      </p:sp>
-      <p:pic>
-        <p:nvPicPr>
-          <p:cNvPr id="4" name="Picture 3"/>
-          <p:cNvPicPr>
-            <a:picLocks noChangeAspect="1"/>
-          </p:cNvPicPr>
-          <p:nvPr/>
-        </p:nvPicPr>
-        <p:blipFill>
-          <a:blip r:embed="rId2"/>
-          <a:stretch>
-            <a:fillRect/>
-          </a:stretch>
-        </p:blipFill>
-        <p:spPr>
-          <a:xfrm>
-            <a:off x="1407795" y="4680585"/>
-            <a:ext cx="7639050" cy="1657350"/>
-          </a:xfrm>
-          <a:prstGeom prst="rect">
-            <a:avLst/>
-          </a:prstGeom>
-        </p:spPr>
-      </p:pic>
-    </p:spTree>
-    <p:extLst>
-      <p:ext uri="{BB962C8B-B14F-4D97-AF65-F5344CB8AC3E}">
-        <p14:creationId xmlns:p14="http://schemas.microsoft.com/office/powerpoint/2010/main" val="2577991558"/>
       </p:ext>
     </p:extLst>
   </p:cSld>
@@ -10042,6 +10167,160 @@
     <p:extLst>
       <p:ext uri="{BB962C8B-B14F-4D97-AF65-F5344CB8AC3E}">
         <p14:creationId xmlns:p14="http://schemas.microsoft.com/office/powerpoint/2010/main" val="416865638"/>
+      </p:ext>
+    </p:extLst>
+  </p:cSld>
+  <p:clrMapOvr>
+    <a:masterClrMapping/>
+  </p:clrMapOvr>
+</p:sld>
+</file>
+
+<file path=ppt/slides/slide20.xml><?xml version="1.0" encoding="utf-8"?>
+<p:sld xmlns:a="http://schemas.openxmlformats.org/drawingml/2006/main" xmlns:r="http://schemas.openxmlformats.org/officeDocument/2006/relationships" xmlns:p="http://schemas.openxmlformats.org/presentationml/2006/main">
+  <p:cSld>
+    <p:spTree>
+      <p:nvGrpSpPr>
+        <p:cNvPr id="1" name=""/>
+        <p:cNvGrpSpPr/>
+        <p:nvPr/>
+      </p:nvGrpSpPr>
+      <p:grpSpPr>
+        <a:xfrm>
+          <a:off x="0" y="0"/>
+          <a:ext cx="0" cy="0"/>
+          <a:chOff x="0" y="0"/>
+          <a:chExt cx="0" cy="0"/>
+        </a:xfrm>
+      </p:grpSpPr>
+      <p:sp>
+        <p:nvSpPr>
+          <p:cNvPr id="2" name="Title 1"/>
+          <p:cNvSpPr>
+            <a:spLocks noGrp="1"/>
+          </p:cNvSpPr>
+          <p:nvPr>
+            <p:ph type="title"/>
+          </p:nvPr>
+        </p:nvSpPr>
+        <p:spPr/>
+        <p:txBody>
+          <a:bodyPr/>
+          <a:lstStyle/>
+          <a:p>
+            <a:r>
+              <a:rPr lang="en-US" dirty="0"/>
+              <a:t>Home Work - Task 1</a:t>
+            </a:r>
+            <a:endParaRPr lang="pl-PL" dirty="0"/>
+          </a:p>
+        </p:txBody>
+      </p:sp>
+      <p:sp>
+        <p:nvSpPr>
+          <p:cNvPr id="3" name="Content Placeholder 2"/>
+          <p:cNvSpPr>
+            <a:spLocks noGrp="1"/>
+          </p:cNvSpPr>
+          <p:nvPr>
+            <p:ph idx="1"/>
+          </p:nvPr>
+        </p:nvSpPr>
+        <p:spPr>
+          <a:xfrm>
+            <a:off x="677334" y="1302241"/>
+            <a:ext cx="9940944" cy="3880773"/>
+          </a:xfrm>
+        </p:spPr>
+        <p:txBody>
+          <a:bodyPr/>
+          <a:lstStyle/>
+          <a:p>
+            <a:r>
+              <a:rPr lang="en-US" dirty="0"/>
+              <a:t>Try to run </a:t>
+            </a:r>
+          </a:p>
+          <a:p>
+            <a:pPr lvl="1"/>
+            <a:r>
+              <a:rPr lang="en-US" dirty="0" err="1"/>
+              <a:t>configserver</a:t>
+            </a:r>
+            <a:endParaRPr lang="en-US" dirty="0"/>
+          </a:p>
+          <a:p>
+            <a:pPr lvl="1"/>
+            <a:r>
+              <a:rPr lang="en-US" dirty="0"/>
+              <a:t>registry-service</a:t>
+            </a:r>
+          </a:p>
+          <a:p>
+            <a:pPr lvl="1"/>
+            <a:r>
+              <a:rPr lang="en-US" dirty="0"/>
+              <a:t>user-service</a:t>
+            </a:r>
+          </a:p>
+          <a:p>
+            <a:pPr lvl="1"/>
+            <a:r>
+              <a:rPr lang="en-US" dirty="0"/>
+              <a:t>email-service.</a:t>
+            </a:r>
+          </a:p>
+          <a:p>
+            <a:r>
+              <a:rPr lang="en-US" dirty="0"/>
+              <a:t>Navigate to Eureka endpoint localhost:8888 and check assigned addresses and ports.</a:t>
+            </a:r>
+          </a:p>
+          <a:p>
+            <a:r>
+              <a:rPr lang="en-US" dirty="0"/>
+              <a:t>Now shut-down everything and run only registry-service, user-service and email-service.</a:t>
+            </a:r>
+          </a:p>
+          <a:p>
+            <a:r>
+              <a:rPr lang="en-US" dirty="0"/>
+              <a:t>Navigate to Eureka and check assigned ports. Why they are changed?</a:t>
+            </a:r>
+          </a:p>
+          <a:p>
+            <a:endParaRPr lang="pl-PL" dirty="0"/>
+          </a:p>
+        </p:txBody>
+      </p:sp>
+      <p:pic>
+        <p:nvPicPr>
+          <p:cNvPr id="4" name="Picture 3"/>
+          <p:cNvPicPr>
+            <a:picLocks noChangeAspect="1"/>
+          </p:cNvPicPr>
+          <p:nvPr/>
+        </p:nvPicPr>
+        <p:blipFill>
+          <a:blip r:embed="rId2"/>
+          <a:stretch>
+            <a:fillRect/>
+          </a:stretch>
+        </p:blipFill>
+        <p:spPr>
+          <a:xfrm>
+            <a:off x="1407795" y="4680585"/>
+            <a:ext cx="7639050" cy="1657350"/>
+          </a:xfrm>
+          <a:prstGeom prst="rect">
+            <a:avLst/>
+          </a:prstGeom>
+        </p:spPr>
+      </p:pic>
+    </p:spTree>
+    <p:extLst>
+      <p:ext uri="{BB962C8B-B14F-4D97-AF65-F5344CB8AC3E}">
+        <p14:creationId xmlns:p14="http://schemas.microsoft.com/office/powerpoint/2010/main" val="2577991558"/>
       </p:ext>
     </p:extLst>
   </p:cSld>
